--- a/improved_ui.pptx
+++ b/improved_ui.pptx
@@ -2,15 +2,15 @@
 <file path=ppt/presentation.xml><?xml version="1.0" encoding="utf-8"?>
 <p:presentation xmlns:a="http://schemas.openxmlformats.org/drawingml/2006/main" xmlns:r="http://schemas.openxmlformats.org/officeDocument/2006/relationships" xmlns:p="http://schemas.openxmlformats.org/presentationml/2006/main" saveSubsetFonts="1">
   <p:sldMasterIdLst>
-    <p:sldMasterId id="2147483660" r:id="rId57"/>
+    <p:sldMasterId id="2147483660" r:id="rId58"/>
   </p:sldMasterIdLst>
   <p:sldIdLst>
-    <p:sldId id="257" r:id="rId58"/>
-    <p:sldId id="256" r:id="rId59"/>
-    <p:sldId id="258" r:id="rId60"/>
-    <p:sldId id="259" r:id="rId61"/>
-    <p:sldId id="260" r:id="rId62"/>
-    <p:sldId id="261" r:id="rId63"/>
+    <p:sldId id="257" r:id="rId59"/>
+    <p:sldId id="256" r:id="rId60"/>
+    <p:sldId id="258" r:id="rId61"/>
+    <p:sldId id="259" r:id="rId62"/>
+    <p:sldId id="260" r:id="rId63"/>
+    <p:sldId id="261" r:id="rId64"/>
   </p:sldIdLst>
   <p:sldSz cx="9144000" cy="6858000" type="screen4x3"/>
   <p:notesSz cx="6858000" cy="9144000"/>
@@ -248,7 +248,7 @@
           <a:p>
             <a:fld id="{E3F8E69A-8350-4B2F-87D6-ECBAFF6BB54A}" type="datetimeFigureOut">
               <a:rPr lang="en-GB" smtClean="0"/>
-              <a:t>11-05/17</a:t>
+              <a:t>12-05/17</a:t>
             </a:fld>
             <a:endParaRPr lang="en-GB"/>
           </a:p>
@@ -418,7 +418,7 @@
           <a:p>
             <a:fld id="{E3F8E69A-8350-4B2F-87D6-ECBAFF6BB54A}" type="datetimeFigureOut">
               <a:rPr lang="en-GB" smtClean="0"/>
-              <a:t>11-05/17</a:t>
+              <a:t>12-05/17</a:t>
             </a:fld>
             <a:endParaRPr lang="en-GB"/>
           </a:p>
@@ -598,7 +598,7 @@
           <a:p>
             <a:fld id="{E3F8E69A-8350-4B2F-87D6-ECBAFF6BB54A}" type="datetimeFigureOut">
               <a:rPr lang="en-GB" smtClean="0"/>
-              <a:t>11-05/17</a:t>
+              <a:t>12-05/17</a:t>
             </a:fld>
             <a:endParaRPr lang="en-GB"/>
           </a:p>
@@ -768,7 +768,7 @@
           <a:p>
             <a:fld id="{E3F8E69A-8350-4B2F-87D6-ECBAFF6BB54A}" type="datetimeFigureOut">
               <a:rPr lang="en-GB" smtClean="0"/>
-              <a:t>11-05/17</a:t>
+              <a:t>12-05/17</a:t>
             </a:fld>
             <a:endParaRPr lang="en-GB"/>
           </a:p>
@@ -1012,7 +1012,7 @@
           <a:p>
             <a:fld id="{E3F8E69A-8350-4B2F-87D6-ECBAFF6BB54A}" type="datetimeFigureOut">
               <a:rPr lang="en-GB" smtClean="0"/>
-              <a:t>11-05/17</a:t>
+              <a:t>12-05/17</a:t>
             </a:fld>
             <a:endParaRPr lang="en-GB"/>
           </a:p>
@@ -1244,7 +1244,7 @@
           <a:p>
             <a:fld id="{E3F8E69A-8350-4B2F-87D6-ECBAFF6BB54A}" type="datetimeFigureOut">
               <a:rPr lang="en-GB" smtClean="0"/>
-              <a:t>11-05/17</a:t>
+              <a:t>12-05/17</a:t>
             </a:fld>
             <a:endParaRPr lang="en-GB"/>
           </a:p>
@@ -1611,7 +1611,7 @@
           <a:p>
             <a:fld id="{E3F8E69A-8350-4B2F-87D6-ECBAFF6BB54A}" type="datetimeFigureOut">
               <a:rPr lang="en-GB" smtClean="0"/>
-              <a:t>11-05/17</a:t>
+              <a:t>12-05/17</a:t>
             </a:fld>
             <a:endParaRPr lang="en-GB"/>
           </a:p>
@@ -1729,7 +1729,7 @@
           <a:p>
             <a:fld id="{E3F8E69A-8350-4B2F-87D6-ECBAFF6BB54A}" type="datetimeFigureOut">
               <a:rPr lang="en-GB" smtClean="0"/>
-              <a:t>11-05/17</a:t>
+              <a:t>12-05/17</a:t>
             </a:fld>
             <a:endParaRPr lang="en-GB"/>
           </a:p>
@@ -1824,7 +1824,7 @@
           <a:p>
             <a:fld id="{E3F8E69A-8350-4B2F-87D6-ECBAFF6BB54A}" type="datetimeFigureOut">
               <a:rPr lang="en-GB" smtClean="0"/>
-              <a:t>11-05/17</a:t>
+              <a:t>12-05/17</a:t>
             </a:fld>
             <a:endParaRPr lang="en-GB"/>
           </a:p>
@@ -2101,7 +2101,7 @@
           <a:p>
             <a:fld id="{E3F8E69A-8350-4B2F-87D6-ECBAFF6BB54A}" type="datetimeFigureOut">
               <a:rPr lang="en-GB" smtClean="0"/>
-              <a:t>11-05/17</a:t>
+              <a:t>12-05/17</a:t>
             </a:fld>
             <a:endParaRPr lang="en-GB"/>
           </a:p>
@@ -2358,7 +2358,7 @@
           <a:p>
             <a:fld id="{E3F8E69A-8350-4B2F-87D6-ECBAFF6BB54A}" type="datetimeFigureOut">
               <a:rPr lang="en-GB" smtClean="0"/>
-              <a:t>11-05/17</a:t>
+              <a:t>12-05/17</a:t>
             </a:fld>
             <a:endParaRPr lang="en-GB"/>
           </a:p>
@@ -2571,7 +2571,7 @@
           <a:p>
             <a:fld id="{E3F8E69A-8350-4B2F-87D6-ECBAFF6BB54A}" type="datetimeFigureOut">
               <a:rPr lang="en-GB" smtClean="0"/>
-              <a:t>11-05/17</a:t>
+              <a:t>12-05/17</a:t>
             </a:fld>
             <a:endParaRPr lang="en-GB"/>
           </a:p>
@@ -11914,7 +11914,7 @@
               <p:nvPr/>
             </p:nvPicPr>
             <p:blipFill>
-              <a:blip r:embed="rId9" cstate="print">
+              <a:blip r:embed="rId10" cstate="print">
                 <a:extLst>
                   <a:ext uri="{28A0092B-C50C-407E-A947-70E740481C1C}">
                     <a14:useLocalDpi xmlns:a14="http://schemas.microsoft.com/office/drawing/2010/main" val="0"/>
@@ -11955,7 +11955,7 @@
               <p:nvPr/>
             </p:nvPicPr>
             <p:blipFill rotWithShape="1">
-              <a:blip r:embed="rId10" cstate="print">
+              <a:blip r:embed="rId11" cstate="print">
                 <a:extLst>
                   <a:ext uri="{28A0092B-C50C-407E-A947-70E740481C1C}">
                     <a14:useLocalDpi xmlns:a14="http://schemas.microsoft.com/office/drawing/2010/main" val="0"/>
@@ -11994,7 +11994,7 @@
               <p:nvPr/>
             </p:nvPicPr>
             <p:blipFill>
-              <a:blip r:embed="rId11" cstate="print">
+              <a:blip r:embed="rId12" cstate="print">
                 <a:extLst>
                   <a:ext uri="{28A0092B-C50C-407E-A947-70E740481C1C}">
                     <a14:useLocalDpi xmlns:a14="http://schemas.microsoft.com/office/drawing/2010/main" val="0"/>
@@ -12111,7 +12111,7 @@
                 <p:nvPr/>
               </p:nvPicPr>
               <p:blipFill>
-                <a:blip r:embed="rId12" cstate="print">
+                <a:blip r:embed="rId13" cstate="print">
                   <a:extLst>
                     <a:ext uri="{28A0092B-C50C-407E-A947-70E740481C1C}">
                       <a14:useLocalDpi xmlns:a14="http://schemas.microsoft.com/office/drawing/2010/main" val="0"/>
@@ -12152,7 +12152,7 @@
                 <p:nvPr/>
               </p:nvPicPr>
               <p:blipFill>
-                <a:blip r:embed="rId13" cstate="print">
+                <a:blip r:embed="rId14" cstate="print">
                   <a:extLst>
                     <a:ext uri="{28A0092B-C50C-407E-A947-70E740481C1C}">
                       <a14:useLocalDpi xmlns:a14="http://schemas.microsoft.com/office/drawing/2010/main" val="0"/>
@@ -12193,7 +12193,7 @@
                 <p:nvPr/>
               </p:nvPicPr>
               <p:blipFill>
-                <a:blip r:embed="rId14" cstate="print">
+                <a:blip r:embed="rId15" cstate="print">
                   <a:extLst>
                     <a:ext uri="{28A0092B-C50C-407E-A947-70E740481C1C}">
                       <a14:useLocalDpi xmlns:a14="http://schemas.microsoft.com/office/drawing/2010/main" val="0"/>
@@ -13045,6 +13045,183 @@
           </a:p>
         </p:txBody>
       </p:sp>
+      <p:grpSp>
+        <p:nvGrpSpPr>
+          <p:cNvPr id="44" name="StickyNote"/>
+          <p:cNvGrpSpPr/>
+          <p:nvPr>
+            <p:custDataLst>
+              <p:custData r:id="rId8"/>
+            </p:custDataLst>
+          </p:nvPr>
+        </p:nvGrpSpPr>
+        <p:grpSpPr>
+          <a:xfrm>
+            <a:off x="7352151" y="4919583"/>
+            <a:ext cx="1371600" cy="1485673"/>
+            <a:chOff x="3886200" y="2629127"/>
+            <a:chExt cx="1371600" cy="1485673"/>
+          </a:xfrm>
+        </p:grpSpPr>
+        <p:sp>
+          <p:nvSpPr>
+            <p:cNvPr id="45" name="Content"/>
+            <p:cNvSpPr/>
+            <p:nvPr/>
+          </p:nvSpPr>
+          <p:spPr>
+            <a:xfrm>
+              <a:off x="3886200" y="2743200"/>
+              <a:ext cx="1371600" cy="1371600"/>
+            </a:xfrm>
+            <a:prstGeom prst="rect">
+              <a:avLst/>
+            </a:prstGeom>
+            <a:gradFill>
+              <a:gsLst>
+                <a:gs pos="100000">
+                  <a:srgbClr val="FFFF89"/>
+                </a:gs>
+                <a:gs pos="0">
+                  <a:srgbClr val="FFFF99"/>
+                </a:gs>
+              </a:gsLst>
+              <a:lin ang="5400000" scaled="0"/>
+            </a:gradFill>
+            <a:ln w="3175">
+              <a:solidFill>
+                <a:srgbClr val="FFFFFF">
+                  <a:lumMod val="50000"/>
+                </a:srgbClr>
+              </a:solidFill>
+            </a:ln>
+            <a:effectLst/>
+          </p:spPr>
+          <p:style>
+            <a:lnRef idx="2">
+              <a:srgbClr val="4F81BD">
+                <a:shade val="50000"/>
+              </a:srgbClr>
+            </a:lnRef>
+            <a:fillRef idx="1">
+              <a:srgbClr val="4F81BD"/>
+            </a:fillRef>
+            <a:effectRef idx="0">
+              <a:srgbClr val="4F81BD"/>
+            </a:effectRef>
+            <a:fontRef idx="minor">
+              <a:srgbClr val="000000"/>
+            </a:fontRef>
+          </p:style>
+          <p:txBody>
+            <a:bodyPr lIns="91440" tIns="137160" rIns="91440" bIns="45720" rtlCol="0" anchor="t" anchorCtr="0">
+              <a:normAutofit/>
+            </a:bodyPr>
+            <a:lstStyle/>
+            <a:p>
+              <a:r>
+                <a:rPr lang="en-US" sz="1200" dirty="0">
+                  <a:solidFill>
+                    <a:sysClr val="windowText" lastClr="000000"/>
+                  </a:solidFill>
+                  <a:latin typeface="Segoe UI" pitchFamily="34" charset="0"/>
+                  <a:cs typeface="Segoe UI" pitchFamily="34" charset="0"/>
+                </a:rPr>
+                <a:t>Ideally there is only one such link on the page, which is determined by the </a:t>
+              </a:r>
+              <a:r>
+                <a:rPr lang="en-US" sz="1200" dirty="0" err="1">
+                  <a:solidFill>
+                    <a:sysClr val="windowText" lastClr="000000"/>
+                  </a:solidFill>
+                  <a:latin typeface="Segoe UI" pitchFamily="34" charset="0"/>
+                  <a:cs typeface="Segoe UI" pitchFamily="34" charset="0"/>
+                </a:rPr>
+                <a:t>url</a:t>
+              </a:r>
+              <a:endParaRPr lang="en-US" sz="1200" dirty="0">
+                <a:solidFill>
+                  <a:sysClr val="windowText" lastClr="000000"/>
+                </a:solidFill>
+                <a:latin typeface="Segoe UI" pitchFamily="34" charset="0"/>
+                <a:cs typeface="Segoe UI" pitchFamily="34" charset="0"/>
+              </a:endParaRPr>
+            </a:p>
+          </p:txBody>
+        </p:sp>
+        <p:sp>
+          <p:nvSpPr>
+            <p:cNvPr id="46" name="Tape"/>
+            <p:cNvSpPr/>
+            <p:nvPr/>
+          </p:nvSpPr>
+          <p:spPr>
+            <a:xfrm rot="401918">
+              <a:off x="4290086" y="2629127"/>
+              <a:ext cx="563828" cy="215444"/>
+            </a:xfrm>
+            <a:prstGeom prst="rect">
+              <a:avLst/>
+            </a:prstGeom>
+            <a:solidFill>
+              <a:srgbClr val="C00000"/>
+            </a:solidFill>
+            <a:ln w="3175" cap="flat" cmpd="sng" algn="ctr">
+              <a:solidFill>
+                <a:srgbClr val="FFFFFF">
+                  <a:lumMod val="50000"/>
+                </a:srgbClr>
+              </a:solidFill>
+              <a:prstDash val="solid"/>
+            </a:ln>
+            <a:effectLst/>
+          </p:spPr>
+          <p:txBody>
+            <a:bodyPr rot="0" spcFirstLastPara="0" vertOverflow="overflow" horzOverflow="overflow" vert="horz" wrap="square" lIns="45720" tIns="45720" rIns="91440" bIns="45720" numCol="1" spcCol="0" rtlCol="0" fromWordArt="0" anchor="ctr" anchorCtr="0" forceAA="0" compatLnSpc="1">
+              <a:prstTxWarp prst="textNoShape">
+                <a:avLst/>
+              </a:prstTxWarp>
+              <a:noAutofit/>
+            </a:bodyPr>
+            <a:lstStyle/>
+            <a:p>
+              <a:pPr marL="0" marR="0" indent="0" algn="ctr" defTabSz="914400" eaLnBrk="1" fontAlgn="auto" latinLnBrk="0" hangingPunct="1">
+                <a:lnSpc>
+                  <a:spcPct val="100000"/>
+                </a:lnSpc>
+                <a:spcBef>
+                  <a:spcPts val="0"/>
+                </a:spcBef>
+                <a:spcAft>
+                  <a:spcPts val="0"/>
+                </a:spcAft>
+                <a:buClrTx/>
+                <a:buSzTx/>
+                <a:buFontTx/>
+                <a:buNone/>
+                <a:tabLst/>
+              </a:pPr>
+              <a:endParaRPr kumimoji="0" lang="en-US" sz="800" b="0" i="0" u="none" strike="noStrike" kern="0" cap="none" spc="0" normalizeH="0" baseline="0" noProof="0" dirty="0">
+                <a:ln>
+                  <a:noFill/>
+                </a:ln>
+                <a:solidFill>
+                  <a:srgbClr val="000000">
+                    <a:lumMod val="75000"/>
+                    <a:lumOff val="25000"/>
+                  </a:srgbClr>
+                </a:solidFill>
+                <a:effectLst/>
+                <a:uLnTx/>
+                <a:uFillTx/>
+                <a:latin typeface="Segoe UI"/>
+                <a:ea typeface="+mn-ea"/>
+                <a:cs typeface="+mn-cs"/>
+              </a:endParaRPr>
+            </a:p>
+          </p:txBody>
+        </p:sp>
+      </p:grpSp>
     </p:spTree>
     <p:extLst>
       <p:ext uri="{BB962C8B-B14F-4D97-AF65-F5344CB8AC3E}">
@@ -26362,7 +26539,7 @@
 
 <file path=customXml/item1.xml><?xml version="1.0" encoding="utf-8"?>
 <Control xmlns="http://schemas.microsoft.com/VisualStudio/2011/storyboarding/control">
-  <Id Name="System.Storyboarding.Common.Button" Revision="1" Stencil="System.Storyboarding.Common" StencilVersion="0.1"/>
+  <Id Name="System.Storyboarding.Common.DropdownBox" Revision="1" Stencil="System.Storyboarding.Common" StencilVersion="0.1"/>
 </Control>
 </file>
 
@@ -26380,25 +26557,25 @@
 
 <file path=customXml/item12.xml><?xml version="1.0" encoding="utf-8"?>
 <Control xmlns="http://schemas.microsoft.com/VisualStudio/2011/storyboarding/control">
-  <Id Name="System.Storyboarding.Common.TextArea" Revision="1" Stencil="System.Storyboarding.Common" StencilVersion="0.1"/>
+  <Id Name="System.Storyboarding.Annotation.AnimatedBanner" Revision="1" Stencil="System.Storyboarding.Annotation" StencilVersion="0.1"/>
 </Control>
 </file>
 
 <file path=customXml/item13.xml><?xml version="1.0" encoding="utf-8"?>
 <Control xmlns="http://schemas.microsoft.com/VisualStudio/2011/storyboarding/control">
-  <Id Name="System.Storyboarding.Common.ScrollbarVertical" RevisionId="68ea164d-c1de-47a5-804f-d4d1290fa524" Stencil="System.Storyboarding.Common" StencilRevisionId="68ea164d-c1de-47a5-804f-d4d1290fa524" StencilVersion="0.1"/>
+  <Id Name="System.Storyboarding.Common.Button" Revision="1" Stencil="System.Storyboarding.Common" StencilVersion="0.1"/>
 </Control>
 </file>
 
 <file path=customXml/item14.xml><?xml version="1.0" encoding="utf-8"?>
 <Control xmlns="http://schemas.microsoft.com/VisualStudio/2011/storyboarding/control">
-  <Id Name="System.Storyboarding.Common.ScrollbarVertical" RevisionId="68ea164d-c1de-47a5-804f-d4d1290fa524" Stencil="System.Storyboarding.Common" StencilRevisionId="68ea164d-c1de-47a5-804f-d4d1290fa524" StencilVersion="0.1"/>
+  <Id Name="System.Storyboarding.Backgrounds.WebBrowser" Revision="1" Stencil="System.Storyboarding.Backgrounds" StencilVersion="0.1"/>
 </Control>
 </file>
 
 <file path=customXml/item15.xml><?xml version="1.0" encoding="utf-8"?>
 <Control xmlns="http://schemas.microsoft.com/VisualStudio/2011/storyboarding/control">
-  <Id Name="System.Storyboarding.Common.Breadcrumb" Revision="1" Stencil="System.Storyboarding.Common" StencilVersion="0.1"/>
+  <Id Name="System.Storyboarding.Common.TextInput" Revision="1" Stencil="System.Storyboarding.Common" StencilVersion="0.1"/>
 </Control>
 </file>
 
@@ -26410,7 +26587,7 @@
 
 <file path=customXml/item17.xml><?xml version="1.0" encoding="utf-8"?>
 <Control xmlns="http://schemas.microsoft.com/VisualStudio/2011/storyboarding/control">
-  <Id Name="System.Storyboarding.WindowsApps.WindowsAppsKeyboard" Revision="1" Stencil="System.Storyboarding.WindowsApps" StencilVersion="0.1"/>
+  <Id Name="System.Storyboarding.Common.List" Revision="1" Stencil="System.Storyboarding.Common" StencilVersion="0.1"/>
 </Control>
 </file>
 
@@ -26428,61 +26605,61 @@
 
 <file path=customXml/item2.xml><?xml version="1.0" encoding="utf-8"?>
 <Control xmlns="http://schemas.microsoft.com/VisualStudio/2011/storyboarding/control">
-  <Id Name="System.Storyboarding.Backgrounds.WebBrowser" Revision="1" Stencil="System.Storyboarding.Backgrounds" StencilVersion="0.1"/>
+  <Id Name="System.Storyboarding.Annotation.AnimatedRectangleCallout" Revision="1" Stencil="System.Storyboarding.Annotation" StencilVersion="0.1"/>
 </Control>
 </file>
 
 <file path=customXml/item20.xml><?xml version="1.0" encoding="utf-8"?>
 <Control xmlns="http://schemas.microsoft.com/VisualStudio/2011/storyboarding/control">
-  <Id Name="System.Storyboarding.Common.TabGroupVertical" Revision="1" Stencil="System.Storyboarding.Common" StencilVersion="0.1"/>
+  <Id Name="System.Storyboarding.Common.ScrollbarVertical" RevisionId="68ea164d-c1de-47a5-804f-d4d1290fa524" Stencil="System.Storyboarding.Common" StencilRevisionId="68ea164d-c1de-47a5-804f-d4d1290fa524" StencilVersion="0.1"/>
 </Control>
 </file>
 
 <file path=customXml/item21.xml><?xml version="1.0" encoding="utf-8"?>
 <Control xmlns="http://schemas.microsoft.com/VisualStudio/2011/storyboarding/control">
-  <Id Name="System.Storyboarding.Common.DropdownBox" Revision="1" Stencil="System.Storyboarding.Common" StencilVersion="0.1"/>
+  <Id Name="System.Storyboarding.Backgrounds.WebBrowser" Revision="1" Stencil="System.Storyboarding.Backgrounds" StencilVersion="0.1"/>
 </Control>
 </file>
 
 <file path=customXml/item22.xml><?xml version="1.0" encoding="utf-8"?>
 <Control xmlns="http://schemas.microsoft.com/VisualStudio/2011/storyboarding/control">
-  <Id Name="System.Storyboarding.Backgrounds.WebBrowser" Revision="1" Stencil="System.Storyboarding.Backgrounds" StencilVersion="0.1"/>
+  <Id Name="System.Storyboarding.WindowsApps.WindowsAppsProgressRing" Revision="1" Stencil="System.Storyboarding.WindowsApps" StencilVersion="0.1"/>
 </Control>
 </file>
 
 <file path=customXml/item23.xml><?xml version="1.0" encoding="utf-8"?>
 <Control xmlns="http://schemas.microsoft.com/VisualStudio/2011/storyboarding/control">
-  <Id Name="System.Storyboarding.Common.List" Revision="1" Stencil="System.Storyboarding.Common" StencilVersion="0.1"/>
+  <Id Name="System.Storyboarding.Common.DropdownBox" Revision="1" Stencil="System.Storyboarding.Common" StencilVersion="0.1"/>
 </Control>
 </file>
 
 <file path=customXml/item24.xml><?xml version="1.0" encoding="utf-8"?>
 <Control xmlns="http://schemas.microsoft.com/VisualStudio/2011/storyboarding/control">
-  <Id Name="System.Storyboarding.Annotation.AnimatedBanner" Revision="1" Stencil="System.Storyboarding.Annotation" StencilVersion="0.1"/>
+  <Id Name="System.Storyboarding.Common.Button" Revision="1" Stencil="System.Storyboarding.Common" StencilVersion="0.1"/>
 </Control>
 </file>
 
 <file path=customXml/item25.xml><?xml version="1.0" encoding="utf-8"?>
 <Control xmlns="http://schemas.microsoft.com/VisualStudio/2011/storyboarding/control">
-  <Id Name="System.Storyboarding.Common.Button" Revision="1" Stencil="System.Storyboarding.Common" StencilVersion="0.1"/>
+  <Id Name="System.Storyboarding.Common.List" Revision="1" Stencil="System.Storyboarding.Common" StencilVersion="0.1"/>
 </Control>
 </file>
 
 <file path=customXml/item26.xml><?xml version="1.0" encoding="utf-8"?>
 <Control xmlns="http://schemas.microsoft.com/VisualStudio/2011/storyboarding/control">
-  <Id Name="System.Storyboarding.Common.Breadcrumb" Revision="1" Stencil="System.Storyboarding.Common" StencilVersion="0.1"/>
+  <Id Name="System.Storyboarding.Common.DataGrid" Revision="1" Stencil="System.Storyboarding.Common" StencilVersion="0.1"/>
 </Control>
 </file>
 
 <file path=customXml/item27.xml><?xml version="1.0" encoding="utf-8"?>
 <Control xmlns="http://schemas.microsoft.com/VisualStudio/2011/storyboarding/control">
-  <Id Name="System.Storyboarding.WindowsApps.WindowsAppsProgressRing" Revision="1" Stencil="System.Storyboarding.WindowsApps" StencilVersion="0.1"/>
+  <Id Name="System.Storyboarding.Annotation.StickyNote" Revision="1" Stencil="System.Storyboarding.Annotation" StencilVersion="0.1"/>
 </Control>
 </file>
 
 <file path=customXml/item28.xml><?xml version="1.0" encoding="utf-8"?>
 <Control xmlns="http://schemas.microsoft.com/VisualStudio/2011/storyboarding/control">
-  <Id Name="System.Storyboarding.Common.Breadcrumb" Revision="1" Stencil="System.Storyboarding.Common" StencilVersion="0.1"/>
+  <Id Name="System.Storyboarding.Backgrounds.WebBrowser" Revision="1" Stencil="System.Storyboarding.Backgrounds" StencilVersion="0.1"/>
 </Control>
 </file>
 
@@ -26494,91 +26671,91 @@
 
 <file path=customXml/item3.xml><?xml version="1.0" encoding="utf-8"?>
 <Control xmlns="http://schemas.microsoft.com/VisualStudio/2011/storyboarding/control">
-  <Id Name="System.Storyboarding.Common.Button" Revision="1" Stencil="System.Storyboarding.Common" StencilVersion="0.1"/>
+  <Id Name="System.Storyboarding.Common.ScrollbarVertical" RevisionId="68ea164d-c1de-47a5-804f-d4d1290fa524" Stencil="System.Storyboarding.Common" StencilRevisionId="68ea164d-c1de-47a5-804f-d4d1290fa524" StencilVersion="0.1"/>
 </Control>
 </file>
 
 <file path=customXml/item30.xml><?xml version="1.0" encoding="utf-8"?>
 <Control xmlns="http://schemas.microsoft.com/VisualStudio/2011/storyboarding/control">
-  <Id Name="System.Storyboarding.Common.DropdownBox" Revision="1" Stencil="System.Storyboarding.Common" StencilVersion="0.1"/>
+  <Id Name="System.Storyboarding.Common.Button" Revision="1" Stencil="System.Storyboarding.Common" StencilVersion="0.1"/>
 </Control>
 </file>
 
 <file path=customXml/item31.xml><?xml version="1.0" encoding="utf-8"?>
 <Control xmlns="http://schemas.microsoft.com/VisualStudio/2011/storyboarding/control">
-  <Id Name="System.Storyboarding.Common.Button" Revision="1" Stencil="System.Storyboarding.Common" StencilVersion="0.1"/>
+  <Id Name="System.Storyboarding.Common.TextArea" Revision="1" Stencil="System.Storyboarding.Common" StencilVersion="0.1"/>
 </Control>
 </file>
 
 <file path=customXml/item32.xml><?xml version="1.0" encoding="utf-8"?>
 <Control xmlns="http://schemas.microsoft.com/VisualStudio/2011/storyboarding/control">
-  <Id Name="System.Storyboarding.Common.Button" Revision="1" Stencil="System.Storyboarding.Common" StencilVersion="0.1"/>
+  <Id Name="System.Storyboarding.WindowsApps.WindowsAppsKeyboard" Revision="1" Stencil="System.Storyboarding.WindowsApps" StencilVersion="0.1"/>
 </Control>
 </file>
 
 <file path=customXml/item33.xml><?xml version="1.0" encoding="utf-8"?>
 <Control xmlns="http://schemas.microsoft.com/VisualStudio/2011/storyboarding/control">
-  <Id Name="System.Storyboarding.Common.TextInput" Revision="1" Stencil="System.Storyboarding.Common" StencilVersion="0.1"/>
+  <Id Name="System.Storyboarding.Common.Button" Revision="1" Stencil="System.Storyboarding.Common" StencilVersion="0.1"/>
 </Control>
 </file>
 
 <file path=customXml/item34.xml><?xml version="1.0" encoding="utf-8"?>
 <Control xmlns="http://schemas.microsoft.com/VisualStudio/2011/storyboarding/control">
-  <Id Name="System.Storyboarding.Annotation.AnimatedRectangleCallout" Revision="1" Stencil="System.Storyboarding.Annotation" StencilVersion="0.1"/>
+  <Id Name="System.Storyboarding.Common.TextInput" Revision="1" Stencil="System.Storyboarding.Common" StencilVersion="0.1"/>
 </Control>
 </file>
 
 <file path=customXml/item35.xml><?xml version="1.0" encoding="utf-8"?>
 <Control xmlns="http://schemas.microsoft.com/VisualStudio/2011/storyboarding/control">
-  <Id Name="System.Storyboarding.Common.Button" Revision="1" Stencil="System.Storyboarding.Common" StencilVersion="0.1"/>
+  <Id Name="System.Storyboarding.Annotation.AnimatedBanner" Revision="1" Stencil="System.Storyboarding.Annotation" StencilVersion="0.1"/>
 </Control>
 </file>
 
 <file path=customXml/item36.xml><?xml version="1.0" encoding="utf-8"?>
 <Control xmlns="http://schemas.microsoft.com/VisualStudio/2011/storyboarding/control">
-  <Id Name="System.Storyboarding.Common.Button" Revision="1" Stencil="System.Storyboarding.Common" StencilVersion="0.1"/>
+  <Id Name="System.Storyboarding.Annotation.AnimatedBanner" Revision="1" Stencil="System.Storyboarding.Annotation" StencilVersion="0.1"/>
 </Control>
 </file>
 
 <file path=customXml/item37.xml><?xml version="1.0" encoding="utf-8"?>
 <Control xmlns="http://schemas.microsoft.com/VisualStudio/2011/storyboarding/control">
-  <Id Name="System.Storyboarding.Backgrounds.WebBrowser" Revision="1" Stencil="System.Storyboarding.Backgrounds" StencilVersion="0.1"/>
+  <Id Name="System.Storyboarding.Common.TabGroupVertical" Revision="1" Stencil="System.Storyboarding.Common" StencilVersion="0.1"/>
 </Control>
 </file>
 
 <file path=customXml/item38.xml><?xml version="1.0" encoding="utf-8"?>
 <Control xmlns="http://schemas.microsoft.com/VisualStudio/2011/storyboarding/control">
-  <Id Name="System.Storyboarding.Annotation.AnimatedBanner" Revision="1" Stencil="System.Storyboarding.Annotation" StencilVersion="0.1"/>
+  <Id Name="System.Storyboarding.Common.DropdownBox" Revision="1" Stencil="System.Storyboarding.Common" StencilVersion="0.1"/>
 </Control>
 </file>
 
 <file path=customXml/item39.xml><?xml version="1.0" encoding="utf-8"?>
 <Control xmlns="http://schemas.microsoft.com/VisualStudio/2011/storyboarding/control">
-  <Id Name="System.Storyboarding.Common.Breadcrumb" Revision="1" Stencil="System.Storyboarding.Common" StencilVersion="0.1"/>
+  <Id Name="System.Storyboarding.Common.ScrollbarVertical" RevisionId="68ea164d-c1de-47a5-804f-d4d1290fa524" Stencil="System.Storyboarding.Common" StencilRevisionId="68ea164d-c1de-47a5-804f-d4d1290fa524" StencilVersion="0.1"/>
 </Control>
 </file>
 
 <file path=customXml/item4.xml><?xml version="1.0" encoding="utf-8"?>
 <Control xmlns="http://schemas.microsoft.com/VisualStudio/2011/storyboarding/control">
-  <Id Name="System.Storyboarding.Common.Button" Revision="1" Stencil="System.Storyboarding.Common" StencilVersion="0.1"/>
+  <Id Name="System.Storyboarding.Common.Breadcrumb" Revision="1" Stencil="System.Storyboarding.Common" StencilVersion="0.1"/>
 </Control>
 </file>
 
 <file path=customXml/item40.xml><?xml version="1.0" encoding="utf-8"?>
 <Control xmlns="http://schemas.microsoft.com/VisualStudio/2011/storyboarding/control">
-  <Id Name="System.Storyboarding.Common.TextInput" Revision="1" Stencil="System.Storyboarding.Common" StencilVersion="0.1"/>
+  <Id Name="System.Storyboarding.Common.Button" Revision="1" Stencil="System.Storyboarding.Common" StencilVersion="0.1"/>
 </Control>
 </file>
 
 <file path=customXml/item41.xml><?xml version="1.0" encoding="utf-8"?>
 <Control xmlns="http://schemas.microsoft.com/VisualStudio/2011/storyboarding/control">
-  <Id Name="System.Storyboarding.Common.DropdownBox" Revision="1" Stencil="System.Storyboarding.Common" StencilVersion="0.1"/>
+  <Id Name="System.Storyboarding.Common.Breadcrumb" Revision="1" Stencil="System.Storyboarding.Common" StencilVersion="0.1"/>
 </Control>
 </file>
 
 <file path=customXml/item42.xml><?xml version="1.0" encoding="utf-8"?>
 <Control xmlns="http://schemas.microsoft.com/VisualStudio/2011/storyboarding/control">
-  <Id Name="System.Storyboarding.Common.ScrollbarVertical" RevisionId="68ea164d-c1de-47a5-804f-d4d1290fa524" Stencil="System.Storyboarding.Common" StencilRevisionId="68ea164d-c1de-47a5-804f-d4d1290fa524" StencilVersion="0.1"/>
+  <Id Name="System.Storyboarding.Common.Breadcrumb" Revision="1" Stencil="System.Storyboarding.Common" StencilVersion="0.1"/>
 </Control>
 </file>
 
@@ -26590,83 +26767,89 @@
 
 <file path=customXml/item44.xml><?xml version="1.0" encoding="utf-8"?>
 <Control xmlns="http://schemas.microsoft.com/VisualStudio/2011/storyboarding/control">
-  <Id Name="System.Storyboarding.Common.Button" Revision="1" Stencil="System.Storyboarding.Common" StencilVersion="0.1"/>
+  <Id Name="System.Storyboarding.Common.Breadcrumb" Revision="1" Stencil="System.Storyboarding.Common" StencilVersion="0.1"/>
 </Control>
 </file>
 
 <file path=customXml/item45.xml><?xml version="1.0" encoding="utf-8"?>
 <Control xmlns="http://schemas.microsoft.com/VisualStudio/2011/storyboarding/control">
-  <Id Name="System.Storyboarding.Backgrounds.WebBrowser" Revision="1" Stencil="System.Storyboarding.Backgrounds" StencilVersion="0.1"/>
+  <Id Name="System.Storyboarding.Common.Button" Revision="1" Stencil="System.Storyboarding.Common" StencilVersion="0.1"/>
 </Control>
 </file>
 
 <file path=customXml/item46.xml><?xml version="1.0" encoding="utf-8"?>
 <Control xmlns="http://schemas.microsoft.com/VisualStudio/2011/storyboarding/control">
-  <Id Name="System.Storyboarding.Annotation.AnimatedBanner" Revision="1" Stencil="System.Storyboarding.Annotation" StencilVersion="0.1"/>
+  <Id Name="System.Storyboarding.Common.DataGrid" Revision="1" Stencil="System.Storyboarding.Common" StencilVersion="0.1"/>
 </Control>
 </file>
 
 <file path=customXml/item47.xml><?xml version="1.0" encoding="utf-8"?>
 <Control xmlns="http://schemas.microsoft.com/VisualStudio/2011/storyboarding/control">
-  <Id Name="System.Storyboarding.Common.Breadcrumb" Revision="1" Stencil="System.Storyboarding.Common" StencilVersion="0.1"/>
+  <Id Name="System.Storyboarding.Common.DropdownBox" Revision="1" Stencil="System.Storyboarding.Common" StencilVersion="0.1"/>
 </Control>
 </file>
 
 <file path=customXml/item48.xml><?xml version="1.0" encoding="utf-8"?>
 <Control xmlns="http://schemas.microsoft.com/VisualStudio/2011/storyboarding/control">
-  <Id Name="System.Storyboarding.Common.DataGrid" Revision="1" Stencil="System.Storyboarding.Common" StencilVersion="0.1"/>
+  <Id Name="System.Storyboarding.Common.Button" Revision="1" Stencil="System.Storyboarding.Common" StencilVersion="0.1"/>
 </Control>
 </file>
 
 <file path=customXml/item49.xml><?xml version="1.0" encoding="utf-8"?>
 <Control xmlns="http://schemas.microsoft.com/VisualStudio/2011/storyboarding/control">
-  <Id Name="System.Storyboarding.Common.DataGrid" Revision="1" Stencil="System.Storyboarding.Common" StencilVersion="0.1"/>
+  <Id Name="System.Storyboarding.Common.Button" Revision="1" Stencil="System.Storyboarding.Common" StencilVersion="0.1"/>
 </Control>
 </file>
 
 <file path=customXml/item5.xml><?xml version="1.0" encoding="utf-8"?>
 <Control xmlns="http://schemas.microsoft.com/VisualStudio/2011/storyboarding/control">
-  <Id Name="System.Storyboarding.Annotation.AnimatedBanner" Revision="1" Stencil="System.Storyboarding.Annotation" StencilVersion="0.1"/>
+  <Id Name="System.Storyboarding.Common.DropdownBox" Revision="1" Stencil="System.Storyboarding.Common" StencilVersion="0.1"/>
 </Control>
 </file>
 
 <file path=customXml/item50.xml><?xml version="1.0" encoding="utf-8"?>
 <Control xmlns="http://schemas.microsoft.com/VisualStudio/2011/storyboarding/control">
-  <Id Name="System.Storyboarding.Common.DropdownBox" Revision="1" Stencil="System.Storyboarding.Common" StencilVersion="0.1"/>
+  <Id Name="System.Storyboarding.Common.Button" Revision="1" Stencil="System.Storyboarding.Common" StencilVersion="0.1"/>
 </Control>
 </file>
 
 <file path=customXml/item51.xml><?xml version="1.0" encoding="utf-8"?>
 <Control xmlns="http://schemas.microsoft.com/VisualStudio/2011/storyboarding/control">
-  <Id Name="System.Storyboarding.Common.DropdownBox" Revision="1" Stencil="System.Storyboarding.Common" StencilVersion="0.1"/>
+  <Id Name="System.Storyboarding.Common.Button" Revision="1" Stencil="System.Storyboarding.Common" StencilVersion="0.1"/>
 </Control>
 </file>
 
 <file path=customXml/item52.xml><?xml version="1.0" encoding="utf-8"?>
 <Control xmlns="http://schemas.microsoft.com/VisualStudio/2011/storyboarding/control">
-  <Id Name="System.Storyboarding.Common.Button" Revision="1" Stencil="System.Storyboarding.Common" StencilVersion="0.1"/>
+  <Id Name="System.Storyboarding.Common.List" Revision="1" Stencil="System.Storyboarding.Common" StencilVersion="0.1"/>
 </Control>
 </file>
 
 <file path=customXml/item53.xml><?xml version="1.0" encoding="utf-8"?>
 <Control xmlns="http://schemas.microsoft.com/VisualStudio/2011/storyboarding/control">
-  <Id Name="System.Storyboarding.Common.List" Revision="1" Stencil="System.Storyboarding.Common" StencilVersion="0.1"/>
+  <Id Name="System.Storyboarding.Common.ScrollbarVertical" RevisionId="68ea164d-c1de-47a5-804f-d4d1290fa524" Stencil="System.Storyboarding.Common" StencilRevisionId="68ea164d-c1de-47a5-804f-d4d1290fa524" StencilVersion="0.1"/>
 </Control>
 </file>
 
 <file path=customXml/item54.xml><?xml version="1.0" encoding="utf-8"?>
 <Control xmlns="http://schemas.microsoft.com/VisualStudio/2011/storyboarding/control">
-  <Id Name="System.Storyboarding.Common.ScrollbarVertical" RevisionId="68ea164d-c1de-47a5-804f-d4d1290fa524" Stencil="System.Storyboarding.Common" StencilRevisionId="68ea164d-c1de-47a5-804f-d4d1290fa524" StencilVersion="0.1"/>
+  <Id Name="System.Storyboarding.Annotation.AnimatedBanner" Revision="1" Stencil="System.Storyboarding.Annotation" StencilVersion="0.1"/>
 </Control>
 </file>
 
 <file path=customXml/item55.xml><?xml version="1.0" encoding="utf-8"?>
 <Control xmlns="http://schemas.microsoft.com/VisualStudio/2011/storyboarding/control">
-  <Id Name="System.Storyboarding.Annotation.StickyNote" Revision="1" Stencil="System.Storyboarding.Annotation" StencilVersion="0.1"/>
+  <Id Name="System.Storyboarding.Common.Breadcrumb" Revision="1" Stencil="System.Storyboarding.Common" StencilVersion="0.1"/>
 </Control>
 </file>
 
 <file path=customXml/item56.xml><?xml version="1.0" encoding="utf-8"?>
+<Control xmlns="http://schemas.microsoft.com/VisualStudio/2011/storyboarding/control">
+  <Id Name="System.Storyboarding.Common.Breadcrumb" Revision="1" Stencil="System.Storyboarding.Common" StencilVersion="0.1"/>
+</Control>
+</file>
+
+<file path=customXml/item57.xml><?xml version="1.0" encoding="utf-8"?>
 <Control xmlns="http://schemas.microsoft.com/VisualStudio/2011/storyboarding/control">
   <Id Name="System.Storyboarding.Annotation.StickyNote" Revision="1" Stencil="System.Storyboarding.Annotation" StencilVersion="0.1"/>
 </Control>
@@ -26674,7 +26857,7 @@
 
 <file path=customXml/item6.xml><?xml version="1.0" encoding="utf-8"?>
 <Control xmlns="http://schemas.microsoft.com/VisualStudio/2011/storyboarding/control">
-  <Id Name="System.Storyboarding.Common.Breadcrumb" Revision="1" Stencil="System.Storyboarding.Common" StencilVersion="0.1"/>
+  <Id Name="System.Storyboarding.Annotation.StickyNote" Revision="1" Stencil="System.Storyboarding.Annotation" StencilVersion="0.1"/>
 </Control>
 </file>
 
@@ -26692,12 +26875,12 @@
 
 <file path=customXml/item9.xml><?xml version="1.0" encoding="utf-8"?>
 <Control xmlns="http://schemas.microsoft.com/VisualStudio/2011/storyboarding/control">
-  <Id Name="System.Storyboarding.Common.List" Revision="1" Stencil="System.Storyboarding.Common" StencilVersion="0.1"/>
+  <Id Name="System.Storyboarding.Backgrounds.WebBrowser" Revision="1" Stencil="System.Storyboarding.Backgrounds" StencilVersion="0.1"/>
 </Control>
 </file>
 
 <file path=customXml/itemProps1.xml><?xml version="1.0" encoding="utf-8"?>
-<ds:datastoreItem xmlns:ds="http://schemas.openxmlformats.org/officeDocument/2006/customXml" ds:itemID="{527C3E9C-D62B-4699-85A9-9413C9DD9BC5}">
+<ds:datastoreItem xmlns:ds="http://schemas.openxmlformats.org/officeDocument/2006/customXml" ds:itemID="{B14F77A0-8930-4648-9FF3-BC0645492CEB}">
   <ds:schemaRefs>
     <ds:schemaRef ds:uri="http://schemas.microsoft.com/VisualStudio/2011/storyboarding/control"/>
   </ds:schemaRefs>
@@ -26705,7 +26888,7 @@
 </file>
 
 <file path=customXml/itemProps10.xml><?xml version="1.0" encoding="utf-8"?>
-<ds:datastoreItem xmlns:ds="http://schemas.openxmlformats.org/officeDocument/2006/customXml" ds:itemID="{863727DF-AA28-489E-A016-3593432CB1D0}">
+<ds:datastoreItem xmlns:ds="http://schemas.openxmlformats.org/officeDocument/2006/customXml" ds:itemID="{01153801-C20A-4695-AEF6-D654D618398B}">
   <ds:schemaRefs>
     <ds:schemaRef ds:uri="http://schemas.microsoft.com/VisualStudio/2011/storyboarding/control"/>
   </ds:schemaRefs>
@@ -26721,7 +26904,7 @@
 </file>
 
 <file path=customXml/itemProps12.xml><?xml version="1.0" encoding="utf-8"?>
-<ds:datastoreItem xmlns:ds="http://schemas.openxmlformats.org/officeDocument/2006/customXml" ds:itemID="{B5F8F5EC-4341-4F46-9990-1EE01B929FF0}">
+<ds:datastoreItem xmlns:ds="http://schemas.openxmlformats.org/officeDocument/2006/customXml" ds:itemID="{E381F8C2-A935-4C3C-A101-F24C6DCC143F}">
   <ds:schemaRefs>
     <ds:schemaRef ds:uri="http://schemas.microsoft.com/VisualStudio/2011/storyboarding/control"/>
   </ds:schemaRefs>
@@ -26729,7 +26912,7 @@
 </file>
 
 <file path=customXml/itemProps13.xml><?xml version="1.0" encoding="utf-8"?>
-<ds:datastoreItem xmlns:ds="http://schemas.openxmlformats.org/officeDocument/2006/customXml" ds:itemID="{B86FC14E-608D-4408-A64C-21E6AEE90D98}">
+<ds:datastoreItem xmlns:ds="http://schemas.openxmlformats.org/officeDocument/2006/customXml" ds:itemID="{4D85B567-BF55-4BD5-BD2B-48EC230E4DDF}">
   <ds:schemaRefs>
     <ds:schemaRef ds:uri="http://schemas.microsoft.com/VisualStudio/2011/storyboarding/control"/>
   </ds:schemaRefs>
@@ -26737,7 +26920,7 @@
 </file>
 
 <file path=customXml/itemProps14.xml><?xml version="1.0" encoding="utf-8"?>
-<ds:datastoreItem xmlns:ds="http://schemas.openxmlformats.org/officeDocument/2006/customXml" ds:itemID="{D1A3EE4E-078B-41D3-BEE1-37C16EFBDEE6}">
+<ds:datastoreItem xmlns:ds="http://schemas.openxmlformats.org/officeDocument/2006/customXml" ds:itemID="{B7316004-2DBF-45BA-B0A8-940A2E6C51C5}">
   <ds:schemaRefs>
     <ds:schemaRef ds:uri="http://schemas.microsoft.com/VisualStudio/2011/storyboarding/control"/>
   </ds:schemaRefs>
@@ -26745,7 +26928,7 @@
 </file>
 
 <file path=customXml/itemProps15.xml><?xml version="1.0" encoding="utf-8"?>
-<ds:datastoreItem xmlns:ds="http://schemas.openxmlformats.org/officeDocument/2006/customXml" ds:itemID="{920F0ACA-3000-46A4-9BBB-C4F8CA557257}">
+<ds:datastoreItem xmlns:ds="http://schemas.openxmlformats.org/officeDocument/2006/customXml" ds:itemID="{17C0862B-82A9-490D-B7CC-54C2127659F4}">
   <ds:schemaRefs>
     <ds:schemaRef ds:uri="http://schemas.microsoft.com/VisualStudio/2011/storyboarding/control"/>
   </ds:schemaRefs>
@@ -26753,7 +26936,7 @@
 </file>
 
 <file path=customXml/itemProps16.xml><?xml version="1.0" encoding="utf-8"?>
-<ds:datastoreItem xmlns:ds="http://schemas.openxmlformats.org/officeDocument/2006/customXml" ds:itemID="{A159FDDE-AEDE-41B9-A157-3A1084EAFE08}">
+<ds:datastoreItem xmlns:ds="http://schemas.openxmlformats.org/officeDocument/2006/customXml" ds:itemID="{E76A8645-6116-47B1-940F-E62B904097E6}">
   <ds:schemaRefs>
     <ds:schemaRef ds:uri="http://schemas.microsoft.com/VisualStudio/2011/storyboarding/control"/>
   </ds:schemaRefs>
@@ -26761,7 +26944,7 @@
 </file>
 
 <file path=customXml/itemProps17.xml><?xml version="1.0" encoding="utf-8"?>
-<ds:datastoreItem xmlns:ds="http://schemas.openxmlformats.org/officeDocument/2006/customXml" ds:itemID="{1747ABEA-9A96-44E4-865C-E879861BF441}">
+<ds:datastoreItem xmlns:ds="http://schemas.openxmlformats.org/officeDocument/2006/customXml" ds:itemID="{58286991-1355-4EA4-86BD-F85C9E54870E}">
   <ds:schemaRefs>
     <ds:schemaRef ds:uri="http://schemas.microsoft.com/VisualStudio/2011/storyboarding/control"/>
   </ds:schemaRefs>
@@ -26769,7 +26952,7 @@
 </file>
 
 <file path=customXml/itemProps18.xml><?xml version="1.0" encoding="utf-8"?>
-<ds:datastoreItem xmlns:ds="http://schemas.openxmlformats.org/officeDocument/2006/customXml" ds:itemID="{C8E8655C-FECF-4FB5-A478-B5250C94506A}">
+<ds:datastoreItem xmlns:ds="http://schemas.openxmlformats.org/officeDocument/2006/customXml" ds:itemID="{F156F2A6-F547-4AAD-8D5D-E8681F2338A3}">
   <ds:schemaRefs>
     <ds:schemaRef ds:uri="http://schemas.microsoft.com/VisualStudio/2011/storyboarding/control"/>
   </ds:schemaRefs>
@@ -26785,7 +26968,7 @@
 </file>
 
 <file path=customXml/itemProps2.xml><?xml version="1.0" encoding="utf-8"?>
-<ds:datastoreItem xmlns:ds="http://schemas.openxmlformats.org/officeDocument/2006/customXml" ds:itemID="{3AD1868A-2EA8-4C8D-819F-5B463CD94938}">
+<ds:datastoreItem xmlns:ds="http://schemas.openxmlformats.org/officeDocument/2006/customXml" ds:itemID="{0B7EE182-B8C2-4C11-82A2-B8A9F5992DD7}">
   <ds:schemaRefs>
     <ds:schemaRef ds:uri="http://schemas.microsoft.com/VisualStudio/2011/storyboarding/control"/>
   </ds:schemaRefs>
@@ -26793,6 +26976,150 @@
 </file>
 
 <file path=customXml/itemProps20.xml><?xml version="1.0" encoding="utf-8"?>
+<ds:datastoreItem xmlns:ds="http://schemas.openxmlformats.org/officeDocument/2006/customXml" ds:itemID="{D1A3EE4E-078B-41D3-BEE1-37C16EFBDEE6}">
+  <ds:schemaRefs>
+    <ds:schemaRef ds:uri="http://schemas.microsoft.com/VisualStudio/2011/storyboarding/control"/>
+  </ds:schemaRefs>
+</ds:datastoreItem>
+</file>
+
+<file path=customXml/itemProps21.xml><?xml version="1.0" encoding="utf-8"?>
+<ds:datastoreItem xmlns:ds="http://schemas.openxmlformats.org/officeDocument/2006/customXml" ds:itemID="{AE633FCB-83E3-4B5C-B11E-74F2BC0DDA2F}">
+  <ds:schemaRefs>
+    <ds:schemaRef ds:uri="http://schemas.microsoft.com/VisualStudio/2011/storyboarding/control"/>
+  </ds:schemaRefs>
+</ds:datastoreItem>
+</file>
+
+<file path=customXml/itemProps22.xml><?xml version="1.0" encoding="utf-8"?>
+<ds:datastoreItem xmlns:ds="http://schemas.openxmlformats.org/officeDocument/2006/customXml" ds:itemID="{EDE871F9-F7B8-4157-892C-043F7B653731}">
+  <ds:schemaRefs>
+    <ds:schemaRef ds:uri="http://schemas.microsoft.com/VisualStudio/2011/storyboarding/control"/>
+  </ds:schemaRefs>
+</ds:datastoreItem>
+</file>
+
+<file path=customXml/itemProps23.xml><?xml version="1.0" encoding="utf-8"?>
+<ds:datastoreItem xmlns:ds="http://schemas.openxmlformats.org/officeDocument/2006/customXml" ds:itemID="{6482CFD0-2A0D-4674-95D8-91F826E5DAE4}">
+  <ds:schemaRefs>
+    <ds:schemaRef ds:uri="http://schemas.microsoft.com/VisualStudio/2011/storyboarding/control"/>
+  </ds:schemaRefs>
+</ds:datastoreItem>
+</file>
+
+<file path=customXml/itemProps24.xml><?xml version="1.0" encoding="utf-8"?>
+<ds:datastoreItem xmlns:ds="http://schemas.openxmlformats.org/officeDocument/2006/customXml" ds:itemID="{EA260B45-EF0D-493F-A913-21A5C1AADF71}">
+  <ds:schemaRefs>
+    <ds:schemaRef ds:uri="http://schemas.microsoft.com/VisualStudio/2011/storyboarding/control"/>
+  </ds:schemaRefs>
+</ds:datastoreItem>
+</file>
+
+<file path=customXml/itemProps25.xml><?xml version="1.0" encoding="utf-8"?>
+<ds:datastoreItem xmlns:ds="http://schemas.openxmlformats.org/officeDocument/2006/customXml" ds:itemID="{20BE2B89-8ABE-4AB8-8DEC-DEFC16E7D322}">
+  <ds:schemaRefs>
+    <ds:schemaRef ds:uri="http://schemas.microsoft.com/VisualStudio/2011/storyboarding/control"/>
+  </ds:schemaRefs>
+</ds:datastoreItem>
+</file>
+
+<file path=customXml/itemProps26.xml><?xml version="1.0" encoding="utf-8"?>
+<ds:datastoreItem xmlns:ds="http://schemas.openxmlformats.org/officeDocument/2006/customXml" ds:itemID="{A161C6F6-C80E-4A8E-904D-32864460D457}">
+  <ds:schemaRefs>
+    <ds:schemaRef ds:uri="http://schemas.microsoft.com/VisualStudio/2011/storyboarding/control"/>
+  </ds:schemaRefs>
+</ds:datastoreItem>
+</file>
+
+<file path=customXml/itemProps27.xml><?xml version="1.0" encoding="utf-8"?>
+<ds:datastoreItem xmlns:ds="http://schemas.openxmlformats.org/officeDocument/2006/customXml" ds:itemID="{9F3DAF5B-E53F-48EE-9D84-38A812AC7BEC}">
+  <ds:schemaRefs>
+    <ds:schemaRef ds:uri="http://schemas.microsoft.com/VisualStudio/2011/storyboarding/control"/>
+  </ds:schemaRefs>
+</ds:datastoreItem>
+</file>
+
+<file path=customXml/itemProps28.xml><?xml version="1.0" encoding="utf-8"?>
+<ds:datastoreItem xmlns:ds="http://schemas.openxmlformats.org/officeDocument/2006/customXml" ds:itemID="{F479CCF3-4290-4846-9639-A6DCAA5D8162}">
+  <ds:schemaRefs>
+    <ds:schemaRef ds:uri="http://schemas.microsoft.com/VisualStudio/2011/storyboarding/control"/>
+  </ds:schemaRefs>
+</ds:datastoreItem>
+</file>
+
+<file path=customXml/itemProps29.xml><?xml version="1.0" encoding="utf-8"?>
+<ds:datastoreItem xmlns:ds="http://schemas.openxmlformats.org/officeDocument/2006/customXml" ds:itemID="{78E787DA-F7B7-431D-BF68-A99491EBECE0}">
+  <ds:schemaRefs>
+    <ds:schemaRef ds:uri="http://schemas.microsoft.com/VisualStudio/2011/storyboarding/control"/>
+  </ds:schemaRefs>
+</ds:datastoreItem>
+</file>
+
+<file path=customXml/itemProps3.xml><?xml version="1.0" encoding="utf-8"?>
+<ds:datastoreItem xmlns:ds="http://schemas.openxmlformats.org/officeDocument/2006/customXml" ds:itemID="{43A9ECBC-8E4E-49F2-848F-8D30C621F63C}">
+  <ds:schemaRefs>
+    <ds:schemaRef ds:uri="http://schemas.microsoft.com/VisualStudio/2011/storyboarding/control"/>
+  </ds:schemaRefs>
+</ds:datastoreItem>
+</file>
+
+<file path=customXml/itemProps30.xml><?xml version="1.0" encoding="utf-8"?>
+<ds:datastoreItem xmlns:ds="http://schemas.openxmlformats.org/officeDocument/2006/customXml" ds:itemID="{D961C9E7-66FC-42DD-A2F0-E341CFE0BF56}">
+  <ds:schemaRefs>
+    <ds:schemaRef ds:uri="http://schemas.microsoft.com/VisualStudio/2011/storyboarding/control"/>
+  </ds:schemaRefs>
+</ds:datastoreItem>
+</file>
+
+<file path=customXml/itemProps31.xml><?xml version="1.0" encoding="utf-8"?>
+<ds:datastoreItem xmlns:ds="http://schemas.openxmlformats.org/officeDocument/2006/customXml" ds:itemID="{B5F8F5EC-4341-4F46-9990-1EE01B929FF0}">
+  <ds:schemaRefs>
+    <ds:schemaRef ds:uri="http://schemas.microsoft.com/VisualStudio/2011/storyboarding/control"/>
+  </ds:schemaRefs>
+</ds:datastoreItem>
+</file>
+
+<file path=customXml/itemProps32.xml><?xml version="1.0" encoding="utf-8"?>
+<ds:datastoreItem xmlns:ds="http://schemas.openxmlformats.org/officeDocument/2006/customXml" ds:itemID="{1747ABEA-9A96-44E4-865C-E879861BF441}">
+  <ds:schemaRefs>
+    <ds:schemaRef ds:uri="http://schemas.microsoft.com/VisualStudio/2011/storyboarding/control"/>
+  </ds:schemaRefs>
+</ds:datastoreItem>
+</file>
+
+<file path=customXml/itemProps33.xml><?xml version="1.0" encoding="utf-8"?>
+<ds:datastoreItem xmlns:ds="http://schemas.openxmlformats.org/officeDocument/2006/customXml" ds:itemID="{8A3D4E0D-900C-4018-AA88-D5E1FC48993B}">
+  <ds:schemaRefs>
+    <ds:schemaRef ds:uri="http://schemas.microsoft.com/VisualStudio/2011/storyboarding/control"/>
+  </ds:schemaRefs>
+</ds:datastoreItem>
+</file>
+
+<file path=customXml/itemProps34.xml><?xml version="1.0" encoding="utf-8"?>
+<ds:datastoreItem xmlns:ds="http://schemas.openxmlformats.org/officeDocument/2006/customXml" ds:itemID="{C909A3D1-C841-49DE-A0CF-07C2E8F7BEA5}">
+  <ds:schemaRefs>
+    <ds:schemaRef ds:uri="http://schemas.microsoft.com/VisualStudio/2011/storyboarding/control"/>
+  </ds:schemaRefs>
+</ds:datastoreItem>
+</file>
+
+<file path=customXml/itemProps35.xml><?xml version="1.0" encoding="utf-8"?>
+<ds:datastoreItem xmlns:ds="http://schemas.openxmlformats.org/officeDocument/2006/customXml" ds:itemID="{CC8F7828-36D1-44CE-82A0-7FB157C173BD}">
+  <ds:schemaRefs>
+    <ds:schemaRef ds:uri="http://schemas.microsoft.com/VisualStudio/2011/storyboarding/control"/>
+  </ds:schemaRefs>
+</ds:datastoreItem>
+</file>
+
+<file path=customXml/itemProps36.xml><?xml version="1.0" encoding="utf-8"?>
+<ds:datastoreItem xmlns:ds="http://schemas.openxmlformats.org/officeDocument/2006/customXml" ds:itemID="{1A20DF97-3ABD-408A-92E7-82D4704CC03F}">
+  <ds:schemaRefs>
+    <ds:schemaRef ds:uri="http://schemas.microsoft.com/VisualStudio/2011/storyboarding/control"/>
+  </ds:schemaRefs>
+</ds:datastoreItem>
+</file>
+
+<file path=customXml/itemProps37.xml><?xml version="1.0" encoding="utf-8"?>
 <ds:datastoreItem xmlns:ds="http://schemas.openxmlformats.org/officeDocument/2006/customXml" ds:itemID="{66EE45E8-5A98-4AB2-90E9-258468706981}">
   <ds:schemaRefs>
     <ds:schemaRef ds:uri="http://schemas.microsoft.com/VisualStudio/2011/storyboarding/control"/>
@@ -26800,23 +27127,55 @@
 </ds:datastoreItem>
 </file>
 
-<file path=customXml/itemProps21.xml><?xml version="1.0" encoding="utf-8"?>
-<ds:datastoreItem xmlns:ds="http://schemas.openxmlformats.org/officeDocument/2006/customXml" ds:itemID="{B14F77A0-8930-4648-9FF3-BC0645492CEB}">
+<file path=customXml/itemProps38.xml><?xml version="1.0" encoding="utf-8"?>
+<ds:datastoreItem xmlns:ds="http://schemas.openxmlformats.org/officeDocument/2006/customXml" ds:itemID="{6DF63AB1-E97C-4913-997D-DB9C3848E074}">
   <ds:schemaRefs>
     <ds:schemaRef ds:uri="http://schemas.microsoft.com/VisualStudio/2011/storyboarding/control"/>
   </ds:schemaRefs>
 </ds:datastoreItem>
 </file>
 
-<file path=customXml/itemProps22.xml><?xml version="1.0" encoding="utf-8"?>
-<ds:datastoreItem xmlns:ds="http://schemas.openxmlformats.org/officeDocument/2006/customXml" ds:itemID="{AE633FCB-83E3-4B5C-B11E-74F2BC0DDA2F}">
+<file path=customXml/itemProps39.xml><?xml version="1.0" encoding="utf-8"?>
+<ds:datastoreItem xmlns:ds="http://schemas.openxmlformats.org/officeDocument/2006/customXml" ds:itemID="{3CA129FD-546A-43EE-9DAA-C222F9A6D459}">
   <ds:schemaRefs>
     <ds:schemaRef ds:uri="http://schemas.microsoft.com/VisualStudio/2011/storyboarding/control"/>
   </ds:schemaRefs>
 </ds:datastoreItem>
 </file>
 
-<file path=customXml/itemProps23.xml><?xml version="1.0" encoding="utf-8"?>
+<file path=customXml/itemProps4.xml><?xml version="1.0" encoding="utf-8"?>
+<ds:datastoreItem xmlns:ds="http://schemas.openxmlformats.org/officeDocument/2006/customXml" ds:itemID="{1301F42E-23AE-4BB5-BB6D-29FD293B76DF}">
+  <ds:schemaRefs>
+    <ds:schemaRef ds:uri="http://schemas.microsoft.com/VisualStudio/2011/storyboarding/control"/>
+  </ds:schemaRefs>
+</ds:datastoreItem>
+</file>
+
+<file path=customXml/itemProps40.xml><?xml version="1.0" encoding="utf-8"?>
+<ds:datastoreItem xmlns:ds="http://schemas.openxmlformats.org/officeDocument/2006/customXml" ds:itemID="{527C3E9C-D62B-4699-85A9-9413C9DD9BC5}">
+  <ds:schemaRefs>
+    <ds:schemaRef ds:uri="http://schemas.microsoft.com/VisualStudio/2011/storyboarding/control"/>
+  </ds:schemaRefs>
+</ds:datastoreItem>
+</file>
+
+<file path=customXml/itemProps41.xml><?xml version="1.0" encoding="utf-8"?>
+<ds:datastoreItem xmlns:ds="http://schemas.openxmlformats.org/officeDocument/2006/customXml" ds:itemID="{C5E6CDB8-670B-400A-AC9F-91E6E7D86956}">
+  <ds:schemaRefs>
+    <ds:schemaRef ds:uri="http://schemas.microsoft.com/VisualStudio/2011/storyboarding/control"/>
+  </ds:schemaRefs>
+</ds:datastoreItem>
+</file>
+
+<file path=customXml/itemProps42.xml><?xml version="1.0" encoding="utf-8"?>
+<ds:datastoreItem xmlns:ds="http://schemas.openxmlformats.org/officeDocument/2006/customXml" ds:itemID="{920F0ACA-3000-46A4-9BBB-C4F8CA557257}">
+  <ds:schemaRefs>
+    <ds:schemaRef ds:uri="http://schemas.microsoft.com/VisualStudio/2011/storyboarding/control"/>
+  </ds:schemaRefs>
+</ds:datastoreItem>
+</file>
+
+<file path=customXml/itemProps43.xml><?xml version="1.0" encoding="utf-8"?>
 <ds:datastoreItem xmlns:ds="http://schemas.openxmlformats.org/officeDocument/2006/customXml" ds:itemID="{251F3046-B88A-4F82-8B14-8C54BF15F0D9}">
   <ds:schemaRefs>
     <ds:schemaRef ds:uri="http://schemas.microsoft.com/VisualStudio/2011/storyboarding/control"/>
@@ -26824,23 +27183,111 @@
 </ds:datastoreItem>
 </file>
 
-<file path=customXml/itemProps24.xml><?xml version="1.0" encoding="utf-8"?>
-<ds:datastoreItem xmlns:ds="http://schemas.openxmlformats.org/officeDocument/2006/customXml" ds:itemID="{E381F8C2-A935-4C3C-A101-F24C6DCC143F}">
+<file path=customXml/itemProps44.xml><?xml version="1.0" encoding="utf-8"?>
+<ds:datastoreItem xmlns:ds="http://schemas.openxmlformats.org/officeDocument/2006/customXml" ds:itemID="{0631F244-31FA-4E40-B8F6-56C394B1D2E3}">
   <ds:schemaRefs>
     <ds:schemaRef ds:uri="http://schemas.microsoft.com/VisualStudio/2011/storyboarding/control"/>
   </ds:schemaRefs>
 </ds:datastoreItem>
 </file>
 
-<file path=customXml/itemProps25.xml><?xml version="1.0" encoding="utf-8"?>
-<ds:datastoreItem xmlns:ds="http://schemas.openxmlformats.org/officeDocument/2006/customXml" ds:itemID="{8A3D4E0D-900C-4018-AA88-D5E1FC48993B}">
+<file path=customXml/itemProps45.xml><?xml version="1.0" encoding="utf-8"?>
+<ds:datastoreItem xmlns:ds="http://schemas.openxmlformats.org/officeDocument/2006/customXml" ds:itemID="{1198CE49-0D6E-4BE9-8DF6-557F3AFB8398}">
   <ds:schemaRefs>
     <ds:schemaRef ds:uri="http://schemas.microsoft.com/VisualStudio/2011/storyboarding/control"/>
   </ds:schemaRefs>
 </ds:datastoreItem>
 </file>
 
-<file path=customXml/itemProps26.xml><?xml version="1.0" encoding="utf-8"?>
+<file path=customXml/itemProps46.xml><?xml version="1.0" encoding="utf-8"?>
+<ds:datastoreItem xmlns:ds="http://schemas.openxmlformats.org/officeDocument/2006/customXml" ds:itemID="{A5174481-2701-47B2-B4DF-EFA95D3726E1}">
+  <ds:schemaRefs>
+    <ds:schemaRef ds:uri="http://schemas.microsoft.com/VisualStudio/2011/storyboarding/control"/>
+  </ds:schemaRefs>
+</ds:datastoreItem>
+</file>
+
+<file path=customXml/itemProps47.xml><?xml version="1.0" encoding="utf-8"?>
+<ds:datastoreItem xmlns:ds="http://schemas.openxmlformats.org/officeDocument/2006/customXml" ds:itemID="{863727DF-AA28-489E-A016-3593432CB1D0}">
+  <ds:schemaRefs>
+    <ds:schemaRef ds:uri="http://schemas.microsoft.com/VisualStudio/2011/storyboarding/control"/>
+  </ds:schemaRefs>
+</ds:datastoreItem>
+</file>
+
+<file path=customXml/itemProps48.xml><?xml version="1.0" encoding="utf-8"?>
+<ds:datastoreItem xmlns:ds="http://schemas.openxmlformats.org/officeDocument/2006/customXml" ds:itemID="{1078AE92-34B6-42D0-8CF1-A24C42CD21E3}">
+  <ds:schemaRefs>
+    <ds:schemaRef ds:uri="http://schemas.microsoft.com/VisualStudio/2011/storyboarding/control"/>
+  </ds:schemaRefs>
+</ds:datastoreItem>
+</file>
+
+<file path=customXml/itemProps49.xml><?xml version="1.0" encoding="utf-8"?>
+<ds:datastoreItem xmlns:ds="http://schemas.openxmlformats.org/officeDocument/2006/customXml" ds:itemID="{E006778C-5384-49A1-9D63-F47FD2E26BD3}">
+  <ds:schemaRefs>
+    <ds:schemaRef ds:uri="http://schemas.microsoft.com/VisualStudio/2011/storyboarding/control"/>
+  </ds:schemaRefs>
+</ds:datastoreItem>
+</file>
+
+<file path=customXml/itemProps5.xml><?xml version="1.0" encoding="utf-8"?>
+<ds:datastoreItem xmlns:ds="http://schemas.openxmlformats.org/officeDocument/2006/customXml" ds:itemID="{2CB4371B-566E-4D5F-AFBA-05E194458CF0}">
+  <ds:schemaRefs>
+    <ds:schemaRef ds:uri="http://schemas.microsoft.com/VisualStudio/2011/storyboarding/control"/>
+  </ds:schemaRefs>
+</ds:datastoreItem>
+</file>
+
+<file path=customXml/itemProps50.xml><?xml version="1.0" encoding="utf-8"?>
+<ds:datastoreItem xmlns:ds="http://schemas.openxmlformats.org/officeDocument/2006/customXml" ds:itemID="{F79D85F2-5846-4BDE-A11F-3FD99B51C9B3}">
+  <ds:schemaRefs>
+    <ds:schemaRef ds:uri="http://schemas.microsoft.com/VisualStudio/2011/storyboarding/control"/>
+  </ds:schemaRefs>
+</ds:datastoreItem>
+</file>
+
+<file path=customXml/itemProps51.xml><?xml version="1.0" encoding="utf-8"?>
+<ds:datastoreItem xmlns:ds="http://schemas.openxmlformats.org/officeDocument/2006/customXml" ds:itemID="{2E32A29A-D6DF-475C-8E31-D7C4AAA06706}">
+  <ds:schemaRefs>
+    <ds:schemaRef ds:uri="http://schemas.microsoft.com/VisualStudio/2011/storyboarding/control"/>
+  </ds:schemaRefs>
+</ds:datastoreItem>
+</file>
+
+<file path=customXml/itemProps52.xml><?xml version="1.0" encoding="utf-8"?>
+<ds:datastoreItem xmlns:ds="http://schemas.openxmlformats.org/officeDocument/2006/customXml" ds:itemID="{52992253-1143-414F-800B-506DEA1D474B}">
+  <ds:schemaRefs>
+    <ds:schemaRef ds:uri="http://schemas.microsoft.com/VisualStudio/2011/storyboarding/control"/>
+  </ds:schemaRefs>
+</ds:datastoreItem>
+</file>
+
+<file path=customXml/itemProps53.xml><?xml version="1.0" encoding="utf-8"?>
+<ds:datastoreItem xmlns:ds="http://schemas.openxmlformats.org/officeDocument/2006/customXml" ds:itemID="{B86FC14E-608D-4408-A64C-21E6AEE90D98}">
+  <ds:schemaRefs>
+    <ds:schemaRef ds:uri="http://schemas.microsoft.com/VisualStudio/2011/storyboarding/control"/>
+  </ds:schemaRefs>
+</ds:datastoreItem>
+</file>
+
+<file path=customXml/itemProps54.xml><?xml version="1.0" encoding="utf-8"?>
+<ds:datastoreItem xmlns:ds="http://schemas.openxmlformats.org/officeDocument/2006/customXml" ds:itemID="{C8E8655C-FECF-4FB5-A478-B5250C94506A}">
+  <ds:schemaRefs>
+    <ds:schemaRef ds:uri="http://schemas.microsoft.com/VisualStudio/2011/storyboarding/control"/>
+  </ds:schemaRefs>
+</ds:datastoreItem>
+</file>
+
+<file path=customXml/itemProps55.xml><?xml version="1.0" encoding="utf-8"?>
+<ds:datastoreItem xmlns:ds="http://schemas.openxmlformats.org/officeDocument/2006/customXml" ds:itemID="{618BD6AF-36D2-4CA8-8F4F-4097CCBA2176}">
+  <ds:schemaRefs>
+    <ds:schemaRef ds:uri="http://schemas.microsoft.com/VisualStudio/2011/storyboarding/control"/>
+  </ds:schemaRefs>
+</ds:datastoreItem>
+</file>
+
+<file path=customXml/itemProps56.xml><?xml version="1.0" encoding="utf-8"?>
 <ds:datastoreItem xmlns:ds="http://schemas.openxmlformats.org/officeDocument/2006/customXml" ds:itemID="{7A680396-2481-4322-AD74-05B79CD7E48B}">
   <ds:schemaRefs>
     <ds:schemaRef ds:uri="http://schemas.microsoft.com/VisualStudio/2011/storyboarding/control"/>
@@ -26848,264 +27295,8 @@
 </ds:datastoreItem>
 </file>
 
-<file path=customXml/itemProps27.xml><?xml version="1.0" encoding="utf-8"?>
-<ds:datastoreItem xmlns:ds="http://schemas.openxmlformats.org/officeDocument/2006/customXml" ds:itemID="{EDE871F9-F7B8-4157-892C-043F7B653731}">
-  <ds:schemaRefs>
-    <ds:schemaRef ds:uri="http://schemas.microsoft.com/VisualStudio/2011/storyboarding/control"/>
-  </ds:schemaRefs>
-</ds:datastoreItem>
-</file>
-
-<file path=customXml/itemProps28.xml><?xml version="1.0" encoding="utf-8"?>
-<ds:datastoreItem xmlns:ds="http://schemas.openxmlformats.org/officeDocument/2006/customXml" ds:itemID="{0631F244-31FA-4E40-B8F6-56C394B1D2E3}">
-  <ds:schemaRefs>
-    <ds:schemaRef ds:uri="http://schemas.microsoft.com/VisualStudio/2011/storyboarding/control"/>
-  </ds:schemaRefs>
-</ds:datastoreItem>
-</file>
-
-<file path=customXml/itemProps29.xml><?xml version="1.0" encoding="utf-8"?>
-<ds:datastoreItem xmlns:ds="http://schemas.openxmlformats.org/officeDocument/2006/customXml" ds:itemID="{01153801-C20A-4695-AEF6-D654D618398B}">
-  <ds:schemaRefs>
-    <ds:schemaRef ds:uri="http://schemas.microsoft.com/VisualStudio/2011/storyboarding/control"/>
-  </ds:schemaRefs>
-</ds:datastoreItem>
-</file>
-
-<file path=customXml/itemProps3.xml><?xml version="1.0" encoding="utf-8"?>
-<ds:datastoreItem xmlns:ds="http://schemas.openxmlformats.org/officeDocument/2006/customXml" ds:itemID="{D961C9E7-66FC-42DD-A2F0-E341CFE0BF56}">
-  <ds:schemaRefs>
-    <ds:schemaRef ds:uri="http://schemas.microsoft.com/VisualStudio/2011/storyboarding/control"/>
-  </ds:schemaRefs>
-</ds:datastoreItem>
-</file>
-
-<file path=customXml/itemProps30.xml><?xml version="1.0" encoding="utf-8"?>
-<ds:datastoreItem xmlns:ds="http://schemas.openxmlformats.org/officeDocument/2006/customXml" ds:itemID="{6482CFD0-2A0D-4674-95D8-91F826E5DAE4}">
-  <ds:schemaRefs>
-    <ds:schemaRef ds:uri="http://schemas.microsoft.com/VisualStudio/2011/storyboarding/control"/>
-  </ds:schemaRefs>
-</ds:datastoreItem>
-</file>
-
-<file path=customXml/itemProps31.xml><?xml version="1.0" encoding="utf-8"?>
-<ds:datastoreItem xmlns:ds="http://schemas.openxmlformats.org/officeDocument/2006/customXml" ds:itemID="{1078AE92-34B6-42D0-8CF1-A24C42CD21E3}">
-  <ds:schemaRefs>
-    <ds:schemaRef ds:uri="http://schemas.microsoft.com/VisualStudio/2011/storyboarding/control"/>
-  </ds:schemaRefs>
-</ds:datastoreItem>
-</file>
-
-<file path=customXml/itemProps32.xml><?xml version="1.0" encoding="utf-8"?>
-<ds:datastoreItem xmlns:ds="http://schemas.openxmlformats.org/officeDocument/2006/customXml" ds:itemID="{4D85B567-BF55-4BD5-BD2B-48EC230E4DDF}">
-  <ds:schemaRefs>
-    <ds:schemaRef ds:uri="http://schemas.microsoft.com/VisualStudio/2011/storyboarding/control"/>
-  </ds:schemaRefs>
-</ds:datastoreItem>
-</file>
-
-<file path=customXml/itemProps33.xml><?xml version="1.0" encoding="utf-8"?>
-<ds:datastoreItem xmlns:ds="http://schemas.openxmlformats.org/officeDocument/2006/customXml" ds:itemID="{C909A3D1-C841-49DE-A0CF-07C2E8F7BEA5}">
-  <ds:schemaRefs>
-    <ds:schemaRef ds:uri="http://schemas.microsoft.com/VisualStudio/2011/storyboarding/control"/>
-  </ds:schemaRefs>
-</ds:datastoreItem>
-</file>
-
-<file path=customXml/itemProps34.xml><?xml version="1.0" encoding="utf-8"?>
-<ds:datastoreItem xmlns:ds="http://schemas.openxmlformats.org/officeDocument/2006/customXml" ds:itemID="{0B7EE182-B8C2-4C11-82A2-B8A9F5992DD7}">
-  <ds:schemaRefs>
-    <ds:schemaRef ds:uri="http://schemas.microsoft.com/VisualStudio/2011/storyboarding/control"/>
-  </ds:schemaRefs>
-</ds:datastoreItem>
-</file>
-
-<file path=customXml/itemProps35.xml><?xml version="1.0" encoding="utf-8"?>
-<ds:datastoreItem xmlns:ds="http://schemas.openxmlformats.org/officeDocument/2006/customXml" ds:itemID="{EA260B45-EF0D-493F-A913-21A5C1AADF71}">
-  <ds:schemaRefs>
-    <ds:schemaRef ds:uri="http://schemas.microsoft.com/VisualStudio/2011/storyboarding/control"/>
-  </ds:schemaRefs>
-</ds:datastoreItem>
-</file>
-
-<file path=customXml/itemProps36.xml><?xml version="1.0" encoding="utf-8"?>
-<ds:datastoreItem xmlns:ds="http://schemas.openxmlformats.org/officeDocument/2006/customXml" ds:itemID="{1198CE49-0D6E-4BE9-8DF6-557F3AFB8398}">
-  <ds:schemaRefs>
-    <ds:schemaRef ds:uri="http://schemas.microsoft.com/VisualStudio/2011/storyboarding/control"/>
-  </ds:schemaRefs>
-</ds:datastoreItem>
-</file>
-
-<file path=customXml/itemProps37.xml><?xml version="1.0" encoding="utf-8"?>
-<ds:datastoreItem xmlns:ds="http://schemas.openxmlformats.org/officeDocument/2006/customXml" ds:itemID="{B7316004-2DBF-45BA-B0A8-940A2E6C51C5}">
-  <ds:schemaRefs>
-    <ds:schemaRef ds:uri="http://schemas.microsoft.com/VisualStudio/2011/storyboarding/control"/>
-  </ds:schemaRefs>
-</ds:datastoreItem>
-</file>
-
-<file path=customXml/itemProps38.xml><?xml version="1.0" encoding="utf-8"?>
-<ds:datastoreItem xmlns:ds="http://schemas.openxmlformats.org/officeDocument/2006/customXml" ds:itemID="{CC8F7828-36D1-44CE-82A0-7FB157C173BD}">
-  <ds:schemaRefs>
-    <ds:schemaRef ds:uri="http://schemas.microsoft.com/VisualStudio/2011/storyboarding/control"/>
-  </ds:schemaRefs>
-</ds:datastoreItem>
-</file>
-
-<file path=customXml/itemProps39.xml><?xml version="1.0" encoding="utf-8"?>
-<ds:datastoreItem xmlns:ds="http://schemas.openxmlformats.org/officeDocument/2006/customXml" ds:itemID="{618BD6AF-36D2-4CA8-8F4F-4097CCBA2176}">
-  <ds:schemaRefs>
-    <ds:schemaRef ds:uri="http://schemas.microsoft.com/VisualStudio/2011/storyboarding/control"/>
-  </ds:schemaRefs>
-</ds:datastoreItem>
-</file>
-
-<file path=customXml/itemProps4.xml><?xml version="1.0" encoding="utf-8"?>
-<ds:datastoreItem xmlns:ds="http://schemas.openxmlformats.org/officeDocument/2006/customXml" ds:itemID="{2E32A29A-D6DF-475C-8E31-D7C4AAA06706}">
-  <ds:schemaRefs>
-    <ds:schemaRef ds:uri="http://schemas.microsoft.com/VisualStudio/2011/storyboarding/control"/>
-  </ds:schemaRefs>
-</ds:datastoreItem>
-</file>
-
-<file path=customXml/itemProps40.xml><?xml version="1.0" encoding="utf-8"?>
-<ds:datastoreItem xmlns:ds="http://schemas.openxmlformats.org/officeDocument/2006/customXml" ds:itemID="{17C0862B-82A9-490D-B7CC-54C2127659F4}">
-  <ds:schemaRefs>
-    <ds:schemaRef ds:uri="http://schemas.microsoft.com/VisualStudio/2011/storyboarding/control"/>
-  </ds:schemaRefs>
-</ds:datastoreItem>
-</file>
-
-<file path=customXml/itemProps41.xml><?xml version="1.0" encoding="utf-8"?>
-<ds:datastoreItem xmlns:ds="http://schemas.openxmlformats.org/officeDocument/2006/customXml" ds:itemID="{6DF63AB1-E97C-4913-997D-DB9C3848E074}">
-  <ds:schemaRefs>
-    <ds:schemaRef ds:uri="http://schemas.microsoft.com/VisualStudio/2011/storyboarding/control"/>
-  </ds:schemaRefs>
-</ds:datastoreItem>
-</file>
-
-<file path=customXml/itemProps42.xml><?xml version="1.0" encoding="utf-8"?>
-<ds:datastoreItem xmlns:ds="http://schemas.openxmlformats.org/officeDocument/2006/customXml" ds:itemID="{43A9ECBC-8E4E-49F2-848F-8D30C621F63C}">
-  <ds:schemaRefs>
-    <ds:schemaRef ds:uri="http://schemas.microsoft.com/VisualStudio/2011/storyboarding/control"/>
-  </ds:schemaRefs>
-</ds:datastoreItem>
-</file>
-
-<file path=customXml/itemProps43.xml><?xml version="1.0" encoding="utf-8"?>
-<ds:datastoreItem xmlns:ds="http://schemas.openxmlformats.org/officeDocument/2006/customXml" ds:itemID="{20BE2B89-8ABE-4AB8-8DEC-DEFC16E7D322}">
-  <ds:schemaRefs>
-    <ds:schemaRef ds:uri="http://schemas.microsoft.com/VisualStudio/2011/storyboarding/control"/>
-  </ds:schemaRefs>
-</ds:datastoreItem>
-</file>
-
-<file path=customXml/itemProps44.xml><?xml version="1.0" encoding="utf-8"?>
-<ds:datastoreItem xmlns:ds="http://schemas.openxmlformats.org/officeDocument/2006/customXml" ds:itemID="{E006778C-5384-49A1-9D63-F47FD2E26BD3}">
-  <ds:schemaRefs>
-    <ds:schemaRef ds:uri="http://schemas.microsoft.com/VisualStudio/2011/storyboarding/control"/>
-  </ds:schemaRefs>
-</ds:datastoreItem>
-</file>
-
-<file path=customXml/itemProps45.xml><?xml version="1.0" encoding="utf-8"?>
-<ds:datastoreItem xmlns:ds="http://schemas.openxmlformats.org/officeDocument/2006/customXml" ds:itemID="{E76A8645-6116-47B1-940F-E62B904097E6}">
-  <ds:schemaRefs>
-    <ds:schemaRef ds:uri="http://schemas.microsoft.com/VisualStudio/2011/storyboarding/control"/>
-  </ds:schemaRefs>
-</ds:datastoreItem>
-</file>
-
-<file path=customXml/itemProps46.xml><?xml version="1.0" encoding="utf-8"?>
-<ds:datastoreItem xmlns:ds="http://schemas.openxmlformats.org/officeDocument/2006/customXml" ds:itemID="{1A20DF97-3ABD-408A-92E7-82D4704CC03F}">
-  <ds:schemaRefs>
-    <ds:schemaRef ds:uri="http://schemas.microsoft.com/VisualStudio/2011/storyboarding/control"/>
-  </ds:schemaRefs>
-</ds:datastoreItem>
-</file>
-
-<file path=customXml/itemProps47.xml><?xml version="1.0" encoding="utf-8"?>
-<ds:datastoreItem xmlns:ds="http://schemas.openxmlformats.org/officeDocument/2006/customXml" ds:itemID="{1301F42E-23AE-4BB5-BB6D-29FD293B76DF}">
-  <ds:schemaRefs>
-    <ds:schemaRef ds:uri="http://schemas.microsoft.com/VisualStudio/2011/storyboarding/control"/>
-  </ds:schemaRefs>
-</ds:datastoreItem>
-</file>
-
-<file path=customXml/itemProps48.xml><?xml version="1.0" encoding="utf-8"?>
-<ds:datastoreItem xmlns:ds="http://schemas.openxmlformats.org/officeDocument/2006/customXml" ds:itemID="{A161C6F6-C80E-4A8E-904D-32864460D457}">
-  <ds:schemaRefs>
-    <ds:schemaRef ds:uri="http://schemas.microsoft.com/VisualStudio/2011/storyboarding/control"/>
-  </ds:schemaRefs>
-</ds:datastoreItem>
-</file>
-
-<file path=customXml/itemProps49.xml><?xml version="1.0" encoding="utf-8"?>
-<ds:datastoreItem xmlns:ds="http://schemas.openxmlformats.org/officeDocument/2006/customXml" ds:itemID="{A5174481-2701-47B2-B4DF-EFA95D3726E1}">
-  <ds:schemaRefs>
-    <ds:schemaRef ds:uri="http://schemas.microsoft.com/VisualStudio/2011/storyboarding/control"/>
-  </ds:schemaRefs>
-</ds:datastoreItem>
-</file>
-
-<file path=customXml/itemProps5.xml><?xml version="1.0" encoding="utf-8"?>
-<ds:datastoreItem xmlns:ds="http://schemas.openxmlformats.org/officeDocument/2006/customXml" ds:itemID="{F156F2A6-F547-4AAD-8D5D-E8681F2338A3}">
-  <ds:schemaRefs>
-    <ds:schemaRef ds:uri="http://schemas.microsoft.com/VisualStudio/2011/storyboarding/control"/>
-  </ds:schemaRefs>
-</ds:datastoreItem>
-</file>
-
-<file path=customXml/itemProps50.xml><?xml version="1.0" encoding="utf-8"?>
-<ds:datastoreItem xmlns:ds="http://schemas.openxmlformats.org/officeDocument/2006/customXml" ds:itemID="{2CB4371B-566E-4D5F-AFBA-05E194458CF0}">
-  <ds:schemaRefs>
-    <ds:schemaRef ds:uri="http://schemas.microsoft.com/VisualStudio/2011/storyboarding/control"/>
-  </ds:schemaRefs>
-</ds:datastoreItem>
-</file>
-
-<file path=customXml/itemProps51.xml><?xml version="1.0" encoding="utf-8"?>
-<ds:datastoreItem xmlns:ds="http://schemas.openxmlformats.org/officeDocument/2006/customXml" ds:itemID="{78E787DA-F7B7-431D-BF68-A99491EBECE0}">
-  <ds:schemaRefs>
-    <ds:schemaRef ds:uri="http://schemas.microsoft.com/VisualStudio/2011/storyboarding/control"/>
-  </ds:schemaRefs>
-</ds:datastoreItem>
-</file>
-
-<file path=customXml/itemProps52.xml><?xml version="1.0" encoding="utf-8"?>
-<ds:datastoreItem xmlns:ds="http://schemas.openxmlformats.org/officeDocument/2006/customXml" ds:itemID="{F79D85F2-5846-4BDE-A11F-3FD99B51C9B3}">
-  <ds:schemaRefs>
-    <ds:schemaRef ds:uri="http://schemas.microsoft.com/VisualStudio/2011/storyboarding/control"/>
-  </ds:schemaRefs>
-</ds:datastoreItem>
-</file>
-
-<file path=customXml/itemProps53.xml><?xml version="1.0" encoding="utf-8"?>
-<ds:datastoreItem xmlns:ds="http://schemas.openxmlformats.org/officeDocument/2006/customXml" ds:itemID="{58286991-1355-4EA4-86BD-F85C9E54870E}">
-  <ds:schemaRefs>
-    <ds:schemaRef ds:uri="http://schemas.microsoft.com/VisualStudio/2011/storyboarding/control"/>
-  </ds:schemaRefs>
-</ds:datastoreItem>
-</file>
-
-<file path=customXml/itemProps54.xml><?xml version="1.0" encoding="utf-8"?>
-<ds:datastoreItem xmlns:ds="http://schemas.openxmlformats.org/officeDocument/2006/customXml" ds:itemID="{3CA129FD-546A-43EE-9DAA-C222F9A6D459}">
-  <ds:schemaRefs>
-    <ds:schemaRef ds:uri="http://schemas.microsoft.com/VisualStudio/2011/storyboarding/control"/>
-  </ds:schemaRefs>
-</ds:datastoreItem>
-</file>
-
-<file path=customXml/itemProps55.xml><?xml version="1.0" encoding="utf-8"?>
-<ds:datastoreItem xmlns:ds="http://schemas.openxmlformats.org/officeDocument/2006/customXml" ds:itemID="{D701FB6D-E86A-414D-B760-E5A9AFB9A65B}">
-  <ds:schemaRefs>
-    <ds:schemaRef ds:uri="http://schemas.microsoft.com/VisualStudio/2011/storyboarding/control"/>
-  </ds:schemaRefs>
-</ds:datastoreItem>
-</file>
-
-<file path=customXml/itemProps56.xml><?xml version="1.0" encoding="utf-8"?>
-<ds:datastoreItem xmlns:ds="http://schemas.openxmlformats.org/officeDocument/2006/customXml" ds:itemID="{9F3DAF5B-E53F-48EE-9D84-38A812AC7BEC}">
+<file path=customXml/itemProps57.xml><?xml version="1.0" encoding="utf-8"?>
+<ds:datastoreItem xmlns:ds="http://schemas.openxmlformats.org/officeDocument/2006/customXml" ds:itemID="{4FA683D7-7A0E-41CA-9AC6-79B9EB748600}">
   <ds:schemaRefs>
     <ds:schemaRef ds:uri="http://schemas.microsoft.com/VisualStudio/2011/storyboarding/control"/>
   </ds:schemaRefs>
@@ -27113,7 +27304,7 @@
 </file>
 
 <file path=customXml/itemProps6.xml><?xml version="1.0" encoding="utf-8"?>
-<ds:datastoreItem xmlns:ds="http://schemas.openxmlformats.org/officeDocument/2006/customXml" ds:itemID="{C5E6CDB8-670B-400A-AC9F-91E6E7D86956}">
+<ds:datastoreItem xmlns:ds="http://schemas.openxmlformats.org/officeDocument/2006/customXml" ds:itemID="{D701FB6D-E86A-414D-B760-E5A9AFB9A65B}">
   <ds:schemaRefs>
     <ds:schemaRef ds:uri="http://schemas.microsoft.com/VisualStudio/2011/storyboarding/control"/>
   </ds:schemaRefs>
@@ -27129,7 +27320,7 @@
 </file>
 
 <file path=customXml/itemProps8.xml><?xml version="1.0" encoding="utf-8"?>
-<ds:datastoreItem xmlns:ds="http://schemas.openxmlformats.org/officeDocument/2006/customXml" ds:itemID="{F479CCF3-4290-4846-9639-A6DCAA5D8162}">
+<ds:datastoreItem xmlns:ds="http://schemas.openxmlformats.org/officeDocument/2006/customXml" ds:itemID="{3AD1868A-2EA8-4C8D-819F-5B463CD94938}">
   <ds:schemaRefs>
     <ds:schemaRef ds:uri="http://schemas.microsoft.com/VisualStudio/2011/storyboarding/control"/>
   </ds:schemaRefs>
@@ -27137,7 +27328,7 @@
 </file>
 
 <file path=customXml/itemProps9.xml><?xml version="1.0" encoding="utf-8"?>
-<ds:datastoreItem xmlns:ds="http://schemas.openxmlformats.org/officeDocument/2006/customXml" ds:itemID="{52992253-1143-414F-800B-506DEA1D474B}">
+<ds:datastoreItem xmlns:ds="http://schemas.openxmlformats.org/officeDocument/2006/customXml" ds:itemID="{A159FDDE-AEDE-41B9-A157-3A1084EAFE08}">
   <ds:schemaRefs>
     <ds:schemaRef ds:uri="http://schemas.microsoft.com/VisualStudio/2011/storyboarding/control"/>
   </ds:schemaRefs>

--- a/improved_ui.pptx
+++ b/improved_ui.pptx
@@ -2,15 +2,17 @@
 <file path=ppt/presentation.xml><?xml version="1.0" encoding="utf-8"?>
 <p:presentation xmlns:a="http://schemas.openxmlformats.org/drawingml/2006/main" xmlns:r="http://schemas.openxmlformats.org/officeDocument/2006/relationships" xmlns:p="http://schemas.openxmlformats.org/presentationml/2006/main" saveSubsetFonts="1">
   <p:sldMasterIdLst>
-    <p:sldMasterId id="2147483660" r:id="rId58"/>
+    <p:sldMasterId id="2147483660" r:id="rId78"/>
   </p:sldMasterIdLst>
   <p:sldIdLst>
-    <p:sldId id="257" r:id="rId59"/>
-    <p:sldId id="256" r:id="rId60"/>
-    <p:sldId id="258" r:id="rId61"/>
-    <p:sldId id="259" r:id="rId62"/>
-    <p:sldId id="260" r:id="rId63"/>
-    <p:sldId id="261" r:id="rId64"/>
+    <p:sldId id="257" r:id="rId79"/>
+    <p:sldId id="256" r:id="rId80"/>
+    <p:sldId id="258" r:id="rId81"/>
+    <p:sldId id="259" r:id="rId82"/>
+    <p:sldId id="260" r:id="rId83"/>
+    <p:sldId id="261" r:id="rId84"/>
+    <p:sldId id="262" r:id="rId85"/>
+    <p:sldId id="263" r:id="rId86"/>
   </p:sldIdLst>
   <p:sldSz cx="9144000" cy="6858000" type="screen4x3"/>
   <p:notesSz cx="6858000" cy="9144000"/>
@@ -248,7 +250,7 @@
           <a:p>
             <a:fld id="{E3F8E69A-8350-4B2F-87D6-ECBAFF6BB54A}" type="datetimeFigureOut">
               <a:rPr lang="en-GB" smtClean="0"/>
-              <a:t>12-05/17</a:t>
+              <a:t>17-05/17</a:t>
             </a:fld>
             <a:endParaRPr lang="en-GB"/>
           </a:p>
@@ -418,7 +420,7 @@
           <a:p>
             <a:fld id="{E3F8E69A-8350-4B2F-87D6-ECBAFF6BB54A}" type="datetimeFigureOut">
               <a:rPr lang="en-GB" smtClean="0"/>
-              <a:t>12-05/17</a:t>
+              <a:t>17-05/17</a:t>
             </a:fld>
             <a:endParaRPr lang="en-GB"/>
           </a:p>
@@ -598,7 +600,7 @@
           <a:p>
             <a:fld id="{E3F8E69A-8350-4B2F-87D6-ECBAFF6BB54A}" type="datetimeFigureOut">
               <a:rPr lang="en-GB" smtClean="0"/>
-              <a:t>12-05/17</a:t>
+              <a:t>17-05/17</a:t>
             </a:fld>
             <a:endParaRPr lang="en-GB"/>
           </a:p>
@@ -768,7 +770,7 @@
           <a:p>
             <a:fld id="{E3F8E69A-8350-4B2F-87D6-ECBAFF6BB54A}" type="datetimeFigureOut">
               <a:rPr lang="en-GB" smtClean="0"/>
-              <a:t>12-05/17</a:t>
+              <a:t>17-05/17</a:t>
             </a:fld>
             <a:endParaRPr lang="en-GB"/>
           </a:p>
@@ -1012,7 +1014,7 @@
           <a:p>
             <a:fld id="{E3F8E69A-8350-4B2F-87D6-ECBAFF6BB54A}" type="datetimeFigureOut">
               <a:rPr lang="en-GB" smtClean="0"/>
-              <a:t>12-05/17</a:t>
+              <a:t>17-05/17</a:t>
             </a:fld>
             <a:endParaRPr lang="en-GB"/>
           </a:p>
@@ -1244,7 +1246,7 @@
           <a:p>
             <a:fld id="{E3F8E69A-8350-4B2F-87D6-ECBAFF6BB54A}" type="datetimeFigureOut">
               <a:rPr lang="en-GB" smtClean="0"/>
-              <a:t>12-05/17</a:t>
+              <a:t>17-05/17</a:t>
             </a:fld>
             <a:endParaRPr lang="en-GB"/>
           </a:p>
@@ -1611,7 +1613,7 @@
           <a:p>
             <a:fld id="{E3F8E69A-8350-4B2F-87D6-ECBAFF6BB54A}" type="datetimeFigureOut">
               <a:rPr lang="en-GB" smtClean="0"/>
-              <a:t>12-05/17</a:t>
+              <a:t>17-05/17</a:t>
             </a:fld>
             <a:endParaRPr lang="en-GB"/>
           </a:p>
@@ -1729,7 +1731,7 @@
           <a:p>
             <a:fld id="{E3F8E69A-8350-4B2F-87D6-ECBAFF6BB54A}" type="datetimeFigureOut">
               <a:rPr lang="en-GB" smtClean="0"/>
-              <a:t>12-05/17</a:t>
+              <a:t>17-05/17</a:t>
             </a:fld>
             <a:endParaRPr lang="en-GB"/>
           </a:p>
@@ -1824,7 +1826,7 @@
           <a:p>
             <a:fld id="{E3F8E69A-8350-4B2F-87D6-ECBAFF6BB54A}" type="datetimeFigureOut">
               <a:rPr lang="en-GB" smtClean="0"/>
-              <a:t>12-05/17</a:t>
+              <a:t>17-05/17</a:t>
             </a:fld>
             <a:endParaRPr lang="en-GB"/>
           </a:p>
@@ -2101,7 +2103,7 @@
           <a:p>
             <a:fld id="{E3F8E69A-8350-4B2F-87D6-ECBAFF6BB54A}" type="datetimeFigureOut">
               <a:rPr lang="en-GB" smtClean="0"/>
-              <a:t>12-05/17</a:t>
+              <a:t>17-05/17</a:t>
             </a:fld>
             <a:endParaRPr lang="en-GB"/>
           </a:p>
@@ -2358,7 +2360,7 @@
           <a:p>
             <a:fld id="{E3F8E69A-8350-4B2F-87D6-ECBAFF6BB54A}" type="datetimeFigureOut">
               <a:rPr lang="en-GB" smtClean="0"/>
-              <a:t>12-05/17</a:t>
+              <a:t>17-05/17</a:t>
             </a:fld>
             <a:endParaRPr lang="en-GB"/>
           </a:p>
@@ -2571,7 +2573,7 @@
           <a:p>
             <a:fld id="{E3F8E69A-8350-4B2F-87D6-ECBAFF6BB54A}" type="datetimeFigureOut">
               <a:rPr lang="en-GB" smtClean="0"/>
-              <a:t>12-05/17</a:t>
+              <a:t>17-05/17</a:t>
             </a:fld>
             <a:endParaRPr lang="en-GB"/>
           </a:p>
@@ -19232,7 +19234,7 @@
               <p:nvPr/>
             </p:nvPicPr>
             <p:blipFill>
-              <a:blip r:embed="rId13" cstate="print">
+              <a:blip r:embed="rId12" cstate="print">
                 <a:extLst>
                   <a:ext uri="{28A0092B-C50C-407E-A947-70E740481C1C}">
                     <a14:useLocalDpi xmlns:a14="http://schemas.microsoft.com/office/drawing/2010/main" val="0"/>
@@ -19273,7 +19275,7 @@
               <p:nvPr/>
             </p:nvPicPr>
             <p:blipFill rotWithShape="1">
-              <a:blip r:embed="rId14" cstate="print">
+              <a:blip r:embed="rId13" cstate="print">
                 <a:extLst>
                   <a:ext uri="{28A0092B-C50C-407E-A947-70E740481C1C}">
                     <a14:useLocalDpi xmlns:a14="http://schemas.microsoft.com/office/drawing/2010/main" val="0"/>
@@ -19312,7 +19314,7 @@
               <p:nvPr/>
             </p:nvPicPr>
             <p:blipFill>
-              <a:blip r:embed="rId15" cstate="print">
+              <a:blip r:embed="rId14" cstate="print">
                 <a:extLst>
                   <a:ext uri="{28A0092B-C50C-407E-A947-70E740481C1C}">
                     <a14:useLocalDpi xmlns:a14="http://schemas.microsoft.com/office/drawing/2010/main" val="0"/>
@@ -19429,7 +19431,7 @@
                 <p:nvPr/>
               </p:nvPicPr>
               <p:blipFill>
-                <a:blip r:embed="rId16" cstate="print">
+                <a:blip r:embed="rId15" cstate="print">
                   <a:extLst>
                     <a:ext uri="{28A0092B-C50C-407E-A947-70E740481C1C}">
                       <a14:useLocalDpi xmlns:a14="http://schemas.microsoft.com/office/drawing/2010/main" val="0"/>
@@ -19470,7 +19472,7 @@
                 <p:nvPr/>
               </p:nvPicPr>
               <p:blipFill>
-                <a:blip r:embed="rId17" cstate="print">
+                <a:blip r:embed="rId16" cstate="print">
                   <a:extLst>
                     <a:ext uri="{28A0092B-C50C-407E-A947-70E740481C1C}">
                       <a14:useLocalDpi xmlns:a14="http://schemas.microsoft.com/office/drawing/2010/main" val="0"/>
@@ -19511,7 +19513,7 @@
                 <p:nvPr/>
               </p:nvPicPr>
               <p:blipFill>
-                <a:blip r:embed="rId18" cstate="print">
+                <a:blip r:embed="rId17" cstate="print">
                   <a:extLst>
                     <a:ext uri="{28A0092B-C50C-407E-A947-70E740481C1C}">
                       <a14:useLocalDpi xmlns:a14="http://schemas.microsoft.com/office/drawing/2010/main" val="0"/>
@@ -25789,7 +25791,7 @@
             <p:cNvGrpSpPr/>
             <p:nvPr>
               <p:custDataLst>
-                <p:custData r:id="rId11"/>
+                <p:custData r:id="rId10"/>
               </p:custDataLst>
             </p:nvPr>
           </p:nvGrpSpPr>
@@ -26013,9 +26015,3029 @@
           </p:sp>
         </p:grpSp>
       </p:grpSp>
+    </p:spTree>
+    <p:extLst>
+      <p:ext uri="{BB962C8B-B14F-4D97-AF65-F5344CB8AC3E}">
+        <p14:creationId xmlns:p14="http://schemas.microsoft.com/office/powerpoint/2010/main" val="2285883657"/>
+      </p:ext>
+    </p:extLst>
+  </p:cSld>
+  <p:clrMapOvr>
+    <a:masterClrMapping/>
+  </p:clrMapOvr>
+  <p:timing>
+    <p:tnLst>
+      <p:par>
+        <p:cTn id="1" dur="indefinite" restart="never" nodeType="tmRoot">
+          <p:childTnLst>
+            <p:seq concurrent="1" nextAc="seek">
+              <p:cTn id="2" dur="indefinite" nodeType="mainSeq">
+                <p:childTnLst>
+                  <p:par>
+                    <p:cTn id="3" fill="hold">
+                      <p:stCondLst>
+                        <p:cond delay="indefinite"/>
+                      </p:stCondLst>
+                      <p:childTnLst>
+                        <p:par>
+                          <p:cTn id="4" fill="hold">
+                            <p:stCondLst>
+                              <p:cond delay="0"/>
+                            </p:stCondLst>
+                            <p:childTnLst>
+                              <p:par>
+                                <p:cTn id="5" presetID="10" presetClass="entr" presetSubtype="0" fill="hold" grpId="0" nodeType="clickEffect">
+                                  <p:stCondLst>
+                                    <p:cond delay="0"/>
+                                  </p:stCondLst>
+                                  <p:childTnLst>
+                                    <p:set>
+                                      <p:cBhvr>
+                                        <p:cTn id="6" dur="1" fill="hold">
+                                          <p:stCondLst>
+                                            <p:cond delay="0"/>
+                                          </p:stCondLst>
+                                        </p:cTn>
+                                        <p:tgtEl>
+                                          <p:spTgt spid="206"/>
+                                        </p:tgtEl>
+                                        <p:attrNameLst>
+                                          <p:attrName>style.visibility</p:attrName>
+                                        </p:attrNameLst>
+                                      </p:cBhvr>
+                                      <p:to>
+                                        <p:strVal val="visible"/>
+                                      </p:to>
+                                    </p:set>
+                                    <p:animEffect transition="in" filter="fade">
+                                      <p:cBhvr>
+                                        <p:cTn id="7" dur="500"/>
+                                        <p:tgtEl>
+                                          <p:spTgt spid="206"/>
+                                        </p:tgtEl>
+                                      </p:cBhvr>
+                                    </p:animEffect>
+                                  </p:childTnLst>
+                                </p:cTn>
+                              </p:par>
+                            </p:childTnLst>
+                          </p:cTn>
+                        </p:par>
+                      </p:childTnLst>
+                    </p:cTn>
+                  </p:par>
+                </p:childTnLst>
+              </p:cTn>
+              <p:prevCondLst>
+                <p:cond evt="onPrev" delay="0">
+                  <p:tgtEl>
+                    <p:sldTgt/>
+                  </p:tgtEl>
+                </p:cond>
+              </p:prevCondLst>
+              <p:nextCondLst>
+                <p:cond evt="onNext" delay="0">
+                  <p:tgtEl>
+                    <p:sldTgt/>
+                  </p:tgtEl>
+                </p:cond>
+              </p:nextCondLst>
+            </p:seq>
+          </p:childTnLst>
+        </p:cTn>
+      </p:par>
+    </p:tnLst>
+    <p:bldLst>
+      <p:bldP spid="206" grpId="0" animBg="1"/>
+    </p:bldLst>
+  </p:timing>
+</p:sld>
+</file>
+
+<file path=ppt/slides/slide7.xml><?xml version="1.0" encoding="utf-8"?>
+<p:sld xmlns:a="http://schemas.openxmlformats.org/drawingml/2006/main" xmlns:r="http://schemas.openxmlformats.org/officeDocument/2006/relationships" xmlns:p="http://schemas.openxmlformats.org/presentationml/2006/main">
+  <p:cSld>
+    <p:spTree>
+      <p:nvGrpSpPr>
+        <p:cNvPr id="1" name=""/>
+        <p:cNvGrpSpPr/>
+        <p:nvPr/>
+      </p:nvGrpSpPr>
+      <p:grpSpPr>
+        <a:xfrm>
+          <a:off x="0" y="0"/>
+          <a:ext cx="0" cy="0"/>
+          <a:chOff x="0" y="0"/>
+          <a:chExt cx="0" cy="0"/>
+        </a:xfrm>
+      </p:grpSpPr>
       <p:grpSp>
         <p:nvGrpSpPr>
-          <p:cNvPr id="112" name="StickyNote"/>
+          <p:cNvPr id="177" name="WebBrowser"/>
+          <p:cNvGrpSpPr/>
+          <p:nvPr>
+            <p:custDataLst>
+              <p:custData r:id="rId1"/>
+            </p:custDataLst>
+          </p:nvPr>
+        </p:nvGrpSpPr>
+        <p:grpSpPr>
+          <a:xfrm>
+            <a:off x="0" y="0"/>
+            <a:ext cx="9144000" cy="12750800"/>
+            <a:chOff x="0" y="0"/>
+            <a:chExt cx="9144000" cy="12750800"/>
+          </a:xfrm>
+        </p:grpSpPr>
+        <p:sp>
+          <p:nvSpPr>
+            <p:cNvPr id="178" name="Background"/>
+            <p:cNvSpPr/>
+            <p:nvPr/>
+          </p:nvSpPr>
+          <p:spPr>
+            <a:xfrm>
+              <a:off x="0" y="0"/>
+              <a:ext cx="9144000" cy="12750800"/>
+            </a:xfrm>
+            <a:prstGeom prst="rect">
+              <a:avLst/>
+            </a:prstGeom>
+            <a:solidFill>
+              <a:srgbClr val="FFFFFF">
+                <a:lumMod val="65000"/>
+              </a:srgbClr>
+            </a:solidFill>
+            <a:ln w="3175" cap="flat" cmpd="sng" algn="ctr">
+              <a:solidFill>
+                <a:srgbClr val="000000">
+                  <a:lumMod val="50000"/>
+                  <a:lumOff val="50000"/>
+                </a:srgbClr>
+              </a:solidFill>
+              <a:prstDash val="solid"/>
+            </a:ln>
+            <a:effectLst/>
+          </p:spPr>
+          <p:txBody>
+            <a:bodyPr rtlCol="0" anchor="ctr"/>
+            <a:lstStyle/>
+            <a:p>
+              <a:pPr algn="ctr"/>
+              <a:endParaRPr lang="en-US" sz="1050" kern="0" dirty="0">
+                <a:solidFill>
+                  <a:prstClr val="white"/>
+                </a:solidFill>
+                <a:latin typeface="Segoe UI"/>
+              </a:endParaRPr>
+            </a:p>
+          </p:txBody>
+        </p:sp>
+        <p:sp>
+          <p:nvSpPr>
+            <p:cNvPr id="179" name="WindowTitle"/>
+            <p:cNvSpPr txBox="1"/>
+            <p:nvPr/>
+          </p:nvSpPr>
+          <p:spPr>
+            <a:xfrm>
+              <a:off x="22515" y="22341"/>
+              <a:ext cx="1176028" cy="230832"/>
+            </a:xfrm>
+            <a:prstGeom prst="rect">
+              <a:avLst/>
+            </a:prstGeom>
+            <a:noFill/>
+          </p:spPr>
+          <p:txBody>
+            <a:bodyPr wrap="none" lIns="91440" tIns="18288" rIns="91440" bIns="27432" rtlCol="0" anchor="ctr" anchorCtr="0">
+              <a:spAutoFit/>
+            </a:bodyPr>
+            <a:lstStyle/>
+            <a:p>
+              <a:r>
+                <a:rPr lang="en-US" sz="1200" dirty="0">
+                  <a:solidFill>
+                    <a:prstClr val="white"/>
+                  </a:solidFill>
+                  <a:latin typeface="Segoe UI" pitchFamily="34" charset="0"/>
+                  <a:ea typeface="Segoe UI" pitchFamily="34" charset="0"/>
+                  <a:cs typeface="Segoe UI" pitchFamily="34" charset="0"/>
+                </a:rPr>
+                <a:t>Web page title</a:t>
+              </a:r>
+            </a:p>
+          </p:txBody>
+        </p:sp>
+        <p:grpSp>
+          <p:nvGrpSpPr>
+            <p:cNvPr id="180" name="Group 179"/>
+            <p:cNvGrpSpPr/>
+            <p:nvPr/>
+          </p:nvGrpSpPr>
+          <p:grpSpPr>
+            <a:xfrm>
+              <a:off x="81598" y="286385"/>
+              <a:ext cx="320040" cy="316520"/>
+              <a:chOff x="72073" y="221749"/>
+              <a:chExt cx="320040" cy="316520"/>
+            </a:xfrm>
+          </p:grpSpPr>
+          <p:sp>
+            <p:nvSpPr>
+              <p:cNvPr id="204" name="Oval 203"/>
+              <p:cNvSpPr/>
+              <p:nvPr/>
+            </p:nvSpPr>
+            <p:spPr>
+              <a:xfrm>
+                <a:off x="72073" y="221749"/>
+                <a:ext cx="320040" cy="316520"/>
+              </a:xfrm>
+              <a:prstGeom prst="ellipse">
+                <a:avLst/>
+              </a:prstGeom>
+              <a:gradFill flip="none" rotWithShape="1">
+                <a:gsLst>
+                  <a:gs pos="91000">
+                    <a:srgbClr val="FFFFFF">
+                      <a:lumMod val="85000"/>
+                    </a:srgbClr>
+                  </a:gs>
+                  <a:gs pos="36000">
+                    <a:srgbClr val="FFFFFF">
+                      <a:lumMod val="95000"/>
+                    </a:srgbClr>
+                  </a:gs>
+                  <a:gs pos="100000">
+                    <a:srgbClr val="FFFFFF">
+                      <a:lumMod val="95000"/>
+                    </a:srgbClr>
+                  </a:gs>
+                </a:gsLst>
+                <a:lin ang="5400000" scaled="0"/>
+                <a:tileRect/>
+              </a:gradFill>
+              <a:ln w="3175">
+                <a:solidFill>
+                  <a:srgbClr val="000000">
+                    <a:lumMod val="50000"/>
+                    <a:lumOff val="50000"/>
+                  </a:srgbClr>
+                </a:solidFill>
+              </a:ln>
+              <a:effectLst/>
+            </p:spPr>
+            <p:style>
+              <a:lnRef idx="2">
+                <a:srgbClr val="4F81BD">
+                  <a:shade val="50000"/>
+                </a:srgbClr>
+              </a:lnRef>
+              <a:fillRef idx="1">
+                <a:srgbClr val="4F81BD"/>
+              </a:fillRef>
+              <a:effectRef idx="0">
+                <a:srgbClr val="4F81BD"/>
+              </a:effectRef>
+              <a:fontRef idx="minor">
+                <a:srgbClr val="000000"/>
+              </a:fontRef>
+            </p:style>
+            <p:txBody>
+              <a:bodyPr rtlCol="0" anchor="ctr"/>
+              <a:lstStyle/>
+              <a:p>
+                <a:pPr algn="ctr"/>
+                <a:endParaRPr lang="en-US" sz="1050" u="sng">
+                  <a:solidFill>
+                    <a:prstClr val="white"/>
+                  </a:solidFill>
+                </a:endParaRPr>
+              </a:p>
+            </p:txBody>
+          </p:sp>
+          <p:sp>
+            <p:nvSpPr>
+              <p:cNvPr id="205" name="Left Arrow 204"/>
+              <p:cNvSpPr/>
+              <p:nvPr/>
+            </p:nvSpPr>
+            <p:spPr>
+              <a:xfrm>
+                <a:off x="109358" y="275511"/>
+                <a:ext cx="223134" cy="208997"/>
+              </a:xfrm>
+              <a:prstGeom prst="leftArrow">
+                <a:avLst/>
+              </a:prstGeom>
+              <a:solidFill>
+                <a:sysClr val="window" lastClr="FFFFFF"/>
+              </a:solidFill>
+              <a:ln w="3175" cap="flat" cmpd="sng" algn="ctr">
+                <a:solidFill>
+                  <a:sysClr val="windowText" lastClr="000000">
+                    <a:lumMod val="75000"/>
+                    <a:lumOff val="25000"/>
+                  </a:sysClr>
+                </a:solidFill>
+                <a:prstDash val="solid"/>
+              </a:ln>
+              <a:effectLst/>
+            </p:spPr>
+            <p:txBody>
+              <a:bodyPr rtlCol="0" anchor="ctr"/>
+              <a:lstStyle/>
+              <a:p>
+                <a:pPr algn="ctr"/>
+                <a:endParaRPr lang="en-US" sz="1050" kern="0">
+                  <a:solidFill>
+                    <a:prstClr val="white"/>
+                  </a:solidFill>
+                  <a:latin typeface="Segoe UI"/>
+                </a:endParaRPr>
+              </a:p>
+            </p:txBody>
+          </p:sp>
+        </p:grpSp>
+        <p:grpSp>
+          <p:nvGrpSpPr>
+            <p:cNvPr id="181" name="Group 180"/>
+            <p:cNvGrpSpPr/>
+            <p:nvPr/>
+          </p:nvGrpSpPr>
+          <p:grpSpPr>
+            <a:xfrm>
+              <a:off x="453671" y="286384"/>
+              <a:ext cx="320040" cy="316520"/>
+              <a:chOff x="444146" y="221748"/>
+              <a:chExt cx="320040" cy="316520"/>
+            </a:xfrm>
+          </p:grpSpPr>
+          <p:sp>
+            <p:nvSpPr>
+              <p:cNvPr id="202" name="Oval 201"/>
+              <p:cNvSpPr/>
+              <p:nvPr/>
+            </p:nvSpPr>
+            <p:spPr>
+              <a:xfrm>
+                <a:off x="444146" y="221748"/>
+                <a:ext cx="320040" cy="316520"/>
+              </a:xfrm>
+              <a:prstGeom prst="ellipse">
+                <a:avLst/>
+              </a:prstGeom>
+              <a:gradFill flip="none" rotWithShape="1">
+                <a:gsLst>
+                  <a:gs pos="91000">
+                    <a:srgbClr val="FFFFFF">
+                      <a:lumMod val="85000"/>
+                    </a:srgbClr>
+                  </a:gs>
+                  <a:gs pos="36000">
+                    <a:srgbClr val="FFFFFF">
+                      <a:lumMod val="95000"/>
+                    </a:srgbClr>
+                  </a:gs>
+                  <a:gs pos="100000">
+                    <a:srgbClr val="FFFFFF">
+                      <a:lumMod val="95000"/>
+                    </a:srgbClr>
+                  </a:gs>
+                </a:gsLst>
+                <a:lin ang="5400000" scaled="0"/>
+                <a:tileRect/>
+              </a:gradFill>
+              <a:ln w="3175">
+                <a:solidFill>
+                  <a:srgbClr val="000000">
+                    <a:lumMod val="50000"/>
+                    <a:lumOff val="50000"/>
+                  </a:srgbClr>
+                </a:solidFill>
+              </a:ln>
+              <a:effectLst/>
+            </p:spPr>
+            <p:style>
+              <a:lnRef idx="2">
+                <a:srgbClr val="4F81BD">
+                  <a:shade val="50000"/>
+                </a:srgbClr>
+              </a:lnRef>
+              <a:fillRef idx="1">
+                <a:srgbClr val="4F81BD"/>
+              </a:fillRef>
+              <a:effectRef idx="0">
+                <a:srgbClr val="4F81BD"/>
+              </a:effectRef>
+              <a:fontRef idx="minor">
+                <a:srgbClr val="000000"/>
+              </a:fontRef>
+            </p:style>
+            <p:txBody>
+              <a:bodyPr rtlCol="0" anchor="ctr"/>
+              <a:lstStyle/>
+              <a:p>
+                <a:pPr algn="ctr"/>
+                <a:endParaRPr lang="en-US" sz="1050" u="sng">
+                  <a:solidFill>
+                    <a:prstClr val="white"/>
+                  </a:solidFill>
+                </a:endParaRPr>
+              </a:p>
+            </p:txBody>
+          </p:sp>
+          <p:sp>
+            <p:nvSpPr>
+              <p:cNvPr id="203" name="Right Arrow 202"/>
+              <p:cNvSpPr/>
+              <p:nvPr/>
+            </p:nvSpPr>
+            <p:spPr>
+              <a:xfrm>
+                <a:off x="481249" y="275509"/>
+                <a:ext cx="257146" cy="208999"/>
+              </a:xfrm>
+              <a:prstGeom prst="rightArrow">
+                <a:avLst/>
+              </a:prstGeom>
+              <a:solidFill>
+                <a:sysClr val="window" lastClr="FFFFFF"/>
+              </a:solidFill>
+              <a:ln w="3175" cap="flat" cmpd="sng" algn="ctr">
+                <a:solidFill>
+                  <a:sysClr val="windowText" lastClr="000000">
+                    <a:lumMod val="75000"/>
+                    <a:lumOff val="25000"/>
+                  </a:sysClr>
+                </a:solidFill>
+                <a:prstDash val="solid"/>
+              </a:ln>
+              <a:effectLst/>
+            </p:spPr>
+            <p:txBody>
+              <a:bodyPr rtlCol="0" anchor="ctr"/>
+              <a:lstStyle/>
+              <a:p>
+                <a:pPr algn="ctr"/>
+                <a:endParaRPr lang="en-US" sz="1050" kern="0">
+                  <a:solidFill>
+                    <a:prstClr val="white"/>
+                  </a:solidFill>
+                  <a:latin typeface="Segoe UI"/>
+                </a:endParaRPr>
+              </a:p>
+            </p:txBody>
+          </p:sp>
+        </p:grpSp>
+        <p:grpSp>
+          <p:nvGrpSpPr>
+            <p:cNvPr id="182" name="Minimize - Maximize - Close"/>
+            <p:cNvGrpSpPr/>
+            <p:nvPr/>
+          </p:nvGrpSpPr>
+          <p:grpSpPr>
+            <a:xfrm>
+              <a:off x="8632311" y="92599"/>
+              <a:ext cx="384527" cy="78032"/>
+              <a:chOff x="9347642" y="131588"/>
+              <a:chExt cx="384527" cy="78032"/>
+            </a:xfrm>
+          </p:grpSpPr>
+          <p:cxnSp>
+            <p:nvCxnSpPr>
+              <p:cNvPr id="197" name="Line"/>
+              <p:cNvCxnSpPr/>
+              <p:nvPr/>
+            </p:nvCxnSpPr>
+            <p:spPr>
+              <a:xfrm>
+                <a:off x="9661396" y="131588"/>
+                <a:ext cx="70773" cy="76200"/>
+              </a:xfrm>
+              <a:prstGeom prst="line">
+                <a:avLst/>
+              </a:prstGeom>
+              <a:ln w="12700">
+                <a:solidFill>
+                  <a:srgbClr val="FFFFFF"/>
+                </a:solidFill>
+              </a:ln>
+            </p:spPr>
+            <p:style>
+              <a:lnRef idx="1">
+                <a:srgbClr val="4F81BD"/>
+              </a:lnRef>
+              <a:fillRef idx="0">
+                <a:srgbClr val="4F81BD"/>
+              </a:fillRef>
+              <a:effectRef idx="0">
+                <a:srgbClr val="4F81BD"/>
+              </a:effectRef>
+              <a:fontRef idx="minor">
+                <a:srgbClr val="000000"/>
+              </a:fontRef>
+            </p:style>
+          </p:cxnSp>
+          <p:cxnSp>
+            <p:nvCxnSpPr>
+              <p:cNvPr id="198" name="Line"/>
+              <p:cNvCxnSpPr/>
+              <p:nvPr/>
+            </p:nvCxnSpPr>
+            <p:spPr>
+              <a:xfrm flipH="1">
+                <a:off x="9661395" y="131588"/>
+                <a:ext cx="70773" cy="76200"/>
+              </a:xfrm>
+              <a:prstGeom prst="line">
+                <a:avLst/>
+              </a:prstGeom>
+              <a:ln w="12700">
+                <a:solidFill>
+                  <a:srgbClr val="FFFFFF"/>
+                </a:solidFill>
+              </a:ln>
+            </p:spPr>
+            <p:style>
+              <a:lnRef idx="1">
+                <a:srgbClr val="4F81BD"/>
+              </a:lnRef>
+              <a:fillRef idx="0">
+                <a:srgbClr val="4F81BD"/>
+              </a:fillRef>
+              <a:effectRef idx="0">
+                <a:srgbClr val="4F81BD"/>
+              </a:effectRef>
+              <a:fontRef idx="minor">
+                <a:srgbClr val="000000"/>
+              </a:fontRef>
+            </p:style>
+          </p:cxnSp>
+          <p:sp>
+            <p:nvSpPr>
+              <p:cNvPr id="199" name="Line"/>
+              <p:cNvSpPr/>
+              <p:nvPr/>
+            </p:nvSpPr>
+            <p:spPr>
+              <a:xfrm rot="10800000" flipV="1">
+                <a:off x="9499472" y="143255"/>
+                <a:ext cx="91440" cy="9144"/>
+              </a:xfrm>
+              <a:prstGeom prst="rect">
+                <a:avLst/>
+              </a:prstGeom>
+              <a:solidFill>
+                <a:srgbClr val="919191"/>
+              </a:solidFill>
+              <a:ln w="3175">
+                <a:solidFill>
+                  <a:srgbClr val="FFFFFF"/>
+                </a:solidFill>
+              </a:ln>
+            </p:spPr>
+            <p:style>
+              <a:lnRef idx="2">
+                <a:srgbClr val="4F81BD">
+                  <a:shade val="50000"/>
+                </a:srgbClr>
+              </a:lnRef>
+              <a:fillRef idx="1001">
+                <a:srgbClr val="000000"/>
+              </a:fillRef>
+              <a:effectRef idx="0">
+                <a:srgbClr val="4F81BD"/>
+              </a:effectRef>
+              <a:fontRef idx="minor">
+                <a:srgbClr val="000000"/>
+              </a:fontRef>
+            </p:style>
+            <p:txBody>
+              <a:bodyPr rtlCol="0" anchor="ctr"/>
+              <a:lstStyle/>
+              <a:p>
+                <a:pPr algn="ctr"/>
+                <a:endParaRPr lang="en-US" sz="1050" dirty="0">
+                  <a:solidFill>
+                    <a:prstClr val="white"/>
+                  </a:solidFill>
+                </a:endParaRPr>
+              </a:p>
+            </p:txBody>
+          </p:sp>
+          <p:sp>
+            <p:nvSpPr>
+              <p:cNvPr id="200" name="Line"/>
+              <p:cNvSpPr/>
+              <p:nvPr/>
+            </p:nvSpPr>
+            <p:spPr>
+              <a:xfrm rot="10800000" flipV="1">
+                <a:off x="9498658" y="135261"/>
+                <a:ext cx="91440" cy="72527"/>
+              </a:xfrm>
+              <a:prstGeom prst="rect">
+                <a:avLst/>
+              </a:prstGeom>
+              <a:noFill/>
+              <a:ln w="12700">
+                <a:solidFill>
+                  <a:srgbClr val="FFFFFF"/>
+                </a:solidFill>
+              </a:ln>
+            </p:spPr>
+            <p:style>
+              <a:lnRef idx="2">
+                <a:srgbClr val="4F81BD">
+                  <a:shade val="50000"/>
+                </a:srgbClr>
+              </a:lnRef>
+              <a:fillRef idx="1001">
+                <a:srgbClr val="000000"/>
+              </a:fillRef>
+              <a:effectRef idx="0">
+                <a:srgbClr val="4F81BD"/>
+              </a:effectRef>
+              <a:fontRef idx="minor">
+                <a:srgbClr val="000000"/>
+              </a:fontRef>
+            </p:style>
+            <p:txBody>
+              <a:bodyPr rtlCol="0" anchor="ctr"/>
+              <a:lstStyle/>
+              <a:p>
+                <a:pPr algn="ctr"/>
+                <a:endParaRPr lang="en-US" sz="1050" dirty="0">
+                  <a:solidFill>
+                    <a:prstClr val="white"/>
+                  </a:solidFill>
+                </a:endParaRPr>
+              </a:p>
+            </p:txBody>
+          </p:sp>
+          <p:sp>
+            <p:nvSpPr>
+              <p:cNvPr id="201" name="Line"/>
+              <p:cNvSpPr/>
+              <p:nvPr/>
+            </p:nvSpPr>
+            <p:spPr>
+              <a:xfrm rot="10800000" flipV="1">
+                <a:off x="9347642" y="200476"/>
+                <a:ext cx="91440" cy="9144"/>
+              </a:xfrm>
+              <a:prstGeom prst="rect">
+                <a:avLst/>
+              </a:prstGeom>
+              <a:solidFill>
+                <a:srgbClr val="919191"/>
+              </a:solidFill>
+              <a:ln w="3175">
+                <a:solidFill>
+                  <a:srgbClr val="FFFFFF"/>
+                </a:solidFill>
+              </a:ln>
+            </p:spPr>
+            <p:style>
+              <a:lnRef idx="2">
+                <a:srgbClr val="4F81BD">
+                  <a:shade val="50000"/>
+                </a:srgbClr>
+              </a:lnRef>
+              <a:fillRef idx="1001">
+                <a:srgbClr val="000000"/>
+              </a:fillRef>
+              <a:effectRef idx="0">
+                <a:srgbClr val="4F81BD"/>
+              </a:effectRef>
+              <a:fontRef idx="minor">
+                <a:srgbClr val="000000"/>
+              </a:fontRef>
+            </p:style>
+            <p:txBody>
+              <a:bodyPr rtlCol="0" anchor="ctr"/>
+              <a:lstStyle/>
+              <a:p>
+                <a:pPr algn="ctr"/>
+                <a:endParaRPr lang="en-US" sz="1050" dirty="0">
+                  <a:solidFill>
+                    <a:prstClr val="white"/>
+                  </a:solidFill>
+                </a:endParaRPr>
+              </a:p>
+            </p:txBody>
+          </p:sp>
+        </p:grpSp>
+        <p:sp>
+          <p:nvSpPr>
+            <p:cNvPr id="183" name="WebPageBody"/>
+            <p:cNvSpPr/>
+            <p:nvPr/>
+          </p:nvSpPr>
+          <p:spPr>
+            <a:xfrm>
+              <a:off x="76200" y="685160"/>
+              <a:ext cx="8991600" cy="11951340"/>
+            </a:xfrm>
+            <a:prstGeom prst="rect">
+              <a:avLst/>
+            </a:prstGeom>
+            <a:solidFill>
+              <a:sysClr val="window" lastClr="FFFFFF"/>
+            </a:solidFill>
+            <a:ln w="3175" cap="flat" cmpd="sng" algn="ctr">
+              <a:solidFill>
+                <a:srgbClr val="000000">
+                  <a:lumMod val="50000"/>
+                  <a:lumOff val="50000"/>
+                </a:srgbClr>
+              </a:solidFill>
+              <a:prstDash val="solid"/>
+            </a:ln>
+            <a:effectLst/>
+          </p:spPr>
+          <p:txBody>
+            <a:bodyPr rtlCol="0" anchor="ctr"/>
+            <a:lstStyle/>
+            <a:p>
+              <a:pPr algn="ctr"/>
+              <a:endParaRPr lang="en-US" sz="1050" kern="0" dirty="0">
+                <a:solidFill>
+                  <a:prstClr val="white"/>
+                </a:solidFill>
+                <a:latin typeface="Segoe UI"/>
+              </a:endParaRPr>
+            </a:p>
+          </p:txBody>
+        </p:sp>
+        <p:grpSp>
+          <p:nvGrpSpPr>
+            <p:cNvPr id="184" name="Group 183"/>
+            <p:cNvGrpSpPr/>
+            <p:nvPr/>
+          </p:nvGrpSpPr>
+          <p:grpSpPr>
+            <a:xfrm>
+              <a:off x="8386335" y="360579"/>
+              <a:ext cx="640645" cy="183940"/>
+              <a:chOff x="8303527" y="360579"/>
+              <a:chExt cx="640645" cy="183940"/>
+            </a:xfrm>
+          </p:grpSpPr>
+          <p:pic>
+            <p:nvPicPr>
+              <p:cNvPr id="194" name="Picture 2" descr="C:\Users\t-dantay\Documents\Placeholders\home.png"/>
+              <p:cNvPicPr>
+                <a:picLocks noChangeAspect="1" noChangeArrowheads="1"/>
+              </p:cNvPicPr>
+              <p:nvPr/>
+            </p:nvPicPr>
+            <p:blipFill>
+              <a:blip r:embed="rId15" cstate="print">
+                <a:extLst>
+                  <a:ext uri="{28A0092B-C50C-407E-A947-70E740481C1C}">
+                    <a14:useLocalDpi xmlns:a14="http://schemas.microsoft.com/office/drawing/2010/main" val="0"/>
+                  </a:ext>
+                </a:extLst>
+              </a:blip>
+              <a:srcRect/>
+              <a:stretch>
+                <a:fillRect/>
+              </a:stretch>
+            </p:blipFill>
+            <p:spPr bwMode="auto">
+              <a:xfrm>
+                <a:off x="8303527" y="361109"/>
+                <a:ext cx="185783" cy="182880"/>
+              </a:xfrm>
+              <a:prstGeom prst="rect">
+                <a:avLst/>
+              </a:prstGeom>
+              <a:noFill/>
+              <a:extLst>
+                <a:ext uri="{909E8E84-426E-40DD-AFC4-6F175D3DCCD1}">
+                  <a14:hiddenFill xmlns:a14="http://schemas.microsoft.com/office/drawing/2010/main">
+                    <a:solidFill>
+                      <a:srgbClr val="FFFFFF"/>
+                    </a:solidFill>
+                  </a14:hiddenFill>
+                </a:ext>
+              </a:extLst>
+            </p:spPr>
+          </p:pic>
+          <p:pic>
+            <p:nvPicPr>
+              <p:cNvPr id="195" name="Picture 2" descr="C:\Users\t-dantay\Documents\Placeholders\setting.png"/>
+              <p:cNvPicPr>
+                <a:picLocks noChangeAspect="1" noChangeArrowheads="1"/>
+              </p:cNvPicPr>
+              <p:nvPr/>
+            </p:nvPicPr>
+            <p:blipFill rotWithShape="1">
+              <a:blip r:embed="rId16" cstate="print">
+                <a:extLst>
+                  <a:ext uri="{28A0092B-C50C-407E-A947-70E740481C1C}">
+                    <a14:useLocalDpi xmlns:a14="http://schemas.microsoft.com/office/drawing/2010/main" val="0"/>
+                  </a:ext>
+                </a:extLst>
+              </a:blip>
+              <a:srcRect t="13480" r="35484"/>
+              <a:stretch/>
+            </p:blipFill>
+            <p:spPr bwMode="auto">
+              <a:xfrm>
+                <a:off x="8761292" y="360579"/>
+                <a:ext cx="182880" cy="183940"/>
+              </a:xfrm>
+              <a:prstGeom prst="rect">
+                <a:avLst/>
+              </a:prstGeom>
+              <a:noFill/>
+              <a:extLst>
+                <a:ext uri="{909E8E84-426E-40DD-AFC4-6F175D3DCCD1}">
+                  <a14:hiddenFill xmlns:a14="http://schemas.microsoft.com/office/drawing/2010/main">
+                    <a:solidFill>
+                      <a:srgbClr val="FFFFFF"/>
+                    </a:solidFill>
+                  </a14:hiddenFill>
+                </a:ext>
+              </a:extLst>
+            </p:spPr>
+          </p:pic>
+          <p:pic>
+            <p:nvPicPr>
+              <p:cNvPr id="196" name="Picture 2" descr="C:\Users\t-dantay\Documents\Placeholders\star.png"/>
+              <p:cNvPicPr>
+                <a:picLocks noChangeAspect="1" noChangeArrowheads="1"/>
+              </p:cNvPicPr>
+              <p:nvPr/>
+            </p:nvPicPr>
+            <p:blipFill>
+              <a:blip r:embed="rId17" cstate="print">
+                <a:extLst>
+                  <a:ext uri="{28A0092B-C50C-407E-A947-70E740481C1C}">
+                    <a14:useLocalDpi xmlns:a14="http://schemas.microsoft.com/office/drawing/2010/main" val="0"/>
+                  </a:ext>
+                </a:extLst>
+              </a:blip>
+              <a:srcRect/>
+              <a:stretch>
+                <a:fillRect/>
+              </a:stretch>
+            </p:blipFill>
+            <p:spPr bwMode="auto">
+              <a:xfrm>
+                <a:off x="8529364" y="361109"/>
+                <a:ext cx="191874" cy="182880"/>
+              </a:xfrm>
+              <a:prstGeom prst="rect">
+                <a:avLst/>
+              </a:prstGeom>
+              <a:noFill/>
+              <a:extLst>
+                <a:ext uri="{909E8E84-426E-40DD-AFC4-6F175D3DCCD1}">
+                  <a14:hiddenFill xmlns:a14="http://schemas.microsoft.com/office/drawing/2010/main">
+                    <a:solidFill>
+                      <a:srgbClr val="FFFFFF"/>
+                    </a:solidFill>
+                  </a14:hiddenFill>
+                </a:ext>
+              </a:extLst>
+            </p:spPr>
+          </p:pic>
+        </p:grpSp>
+        <p:grpSp>
+          <p:nvGrpSpPr>
+            <p:cNvPr id="185" name="Group 184"/>
+            <p:cNvGrpSpPr/>
+            <p:nvPr/>
+          </p:nvGrpSpPr>
+          <p:grpSpPr>
+            <a:xfrm>
+              <a:off x="923925" y="340846"/>
+              <a:ext cx="7142930" cy="228600"/>
+              <a:chOff x="923925" y="340846"/>
+              <a:chExt cx="7142930" cy="228600"/>
+            </a:xfrm>
+          </p:grpSpPr>
+          <p:sp>
+            <p:nvSpPr>
+              <p:cNvPr id="186" name="UrlBar"/>
+              <p:cNvSpPr/>
+              <p:nvPr/>
+            </p:nvSpPr>
+            <p:spPr>
+              <a:xfrm>
+                <a:off x="923925" y="340846"/>
+                <a:ext cx="7142930" cy="228600"/>
+              </a:xfrm>
+              <a:prstGeom prst="rect">
+                <a:avLst/>
+              </a:prstGeom>
+              <a:solidFill>
+                <a:sysClr val="window" lastClr="FFFFFF"/>
+              </a:solidFill>
+              <a:ln w="3175" cap="flat" cmpd="sng" algn="ctr">
+                <a:solidFill>
+                  <a:srgbClr val="000000">
+                    <a:lumMod val="50000"/>
+                    <a:lumOff val="50000"/>
+                  </a:srgbClr>
+                </a:solidFill>
+                <a:prstDash val="solid"/>
+              </a:ln>
+              <a:effectLst/>
+            </p:spPr>
+            <p:txBody>
+              <a:bodyPr rtlCol="0" anchor="ctr"/>
+              <a:lstStyle/>
+              <a:p>
+                <a:r>
+                  <a:rPr lang="en-US" sz="1200" kern="0" dirty="0">
+                    <a:solidFill>
+                      <a:prstClr val="black">
+                        <a:lumMod val="75000"/>
+                        <a:lumOff val="25000"/>
+                      </a:prstClr>
+                    </a:solidFill>
+                    <a:latin typeface="Segoe UI"/>
+                  </a:rPr>
+                  <a:t>http://www.url.com</a:t>
+                </a:r>
+              </a:p>
+            </p:txBody>
+          </p:sp>
+          <p:grpSp>
+            <p:nvGrpSpPr>
+              <p:cNvPr id="187" name="Group 186"/>
+              <p:cNvGrpSpPr/>
+              <p:nvPr/>
+            </p:nvGrpSpPr>
+            <p:grpSpPr>
+              <a:xfrm>
+                <a:off x="7260350" y="363706"/>
+                <a:ext cx="744325" cy="182880"/>
+                <a:chOff x="7260350" y="363706"/>
+                <a:chExt cx="744325" cy="182880"/>
+              </a:xfrm>
+            </p:grpSpPr>
+            <p:pic>
+              <p:nvPicPr>
+                <p:cNvPr id="188" name="Search" descr="C:\Users\t-dantay\Documents\Placeholders\search.png"/>
+                <p:cNvPicPr>
+                  <a:picLocks noChangeAspect="1" noChangeArrowheads="1"/>
+                </p:cNvPicPr>
+                <p:nvPr/>
+              </p:nvPicPr>
+              <p:blipFill>
+                <a:blip r:embed="rId18" cstate="print">
+                  <a:extLst>
+                    <a:ext uri="{28A0092B-C50C-407E-A947-70E740481C1C}">
+                      <a14:useLocalDpi xmlns:a14="http://schemas.microsoft.com/office/drawing/2010/main" val="0"/>
+                    </a:ext>
+                  </a:extLst>
+                </a:blip>
+                <a:srcRect/>
+                <a:stretch>
+                  <a:fillRect/>
+                </a:stretch>
+              </p:blipFill>
+              <p:spPr bwMode="auto">
+                <a:xfrm flipH="1">
+                  <a:off x="7260350" y="363706"/>
+                  <a:ext cx="182880" cy="182880"/>
+                </a:xfrm>
+                <a:prstGeom prst="rect">
+                  <a:avLst/>
+                </a:prstGeom>
+                <a:noFill/>
+                <a:extLst>
+                  <a:ext uri="{909E8E84-426E-40DD-AFC4-6F175D3DCCD1}">
+                    <a14:hiddenFill xmlns:a14="http://schemas.microsoft.com/office/drawing/2010/main">
+                      <a:solidFill>
+                        <a:srgbClr val="FFFFFF"/>
+                      </a:solidFill>
+                    </a14:hiddenFill>
+                  </a:ext>
+                </a:extLst>
+              </p:spPr>
+            </p:pic>
+            <p:pic>
+              <p:nvPicPr>
+                <p:cNvPr id="189" name="Refresh" descr="C:\Users\t-dantay\Documents\First24\arrowrepeat1.png"/>
+                <p:cNvPicPr>
+                  <a:picLocks noChangeAspect="1" noChangeArrowheads="1"/>
+                </p:cNvPicPr>
+                <p:nvPr/>
+              </p:nvPicPr>
+              <p:blipFill>
+                <a:blip r:embed="rId19" cstate="print">
+                  <a:extLst>
+                    <a:ext uri="{28A0092B-C50C-407E-A947-70E740481C1C}">
+                      <a14:useLocalDpi xmlns:a14="http://schemas.microsoft.com/office/drawing/2010/main" val="0"/>
+                    </a:ext>
+                  </a:extLst>
+                </a:blip>
+                <a:srcRect/>
+                <a:stretch>
+                  <a:fillRect/>
+                </a:stretch>
+              </p:blipFill>
+              <p:spPr bwMode="auto">
+                <a:xfrm>
+                  <a:off x="7644400" y="363706"/>
+                  <a:ext cx="182880" cy="182880"/>
+                </a:xfrm>
+                <a:prstGeom prst="rect">
+                  <a:avLst/>
+                </a:prstGeom>
+                <a:noFill/>
+                <a:extLst>
+                  <a:ext uri="{909E8E84-426E-40DD-AFC4-6F175D3DCCD1}">
+                    <a14:hiddenFill xmlns:a14="http://schemas.microsoft.com/office/drawing/2010/main">
+                      <a:solidFill>
+                        <a:srgbClr val="FFFFFF"/>
+                      </a:solidFill>
+                    </a14:hiddenFill>
+                  </a:ext>
+                </a:extLst>
+              </p:spPr>
+            </p:pic>
+            <p:pic>
+              <p:nvPicPr>
+                <p:cNvPr id="190" name="Drop Down" descr="C:\Users\t-dantay\Documents\First24\arrowsimple1.png"/>
+                <p:cNvPicPr>
+                  <a:picLocks noChangeAspect="1" noChangeArrowheads="1"/>
+                </p:cNvPicPr>
+                <p:nvPr/>
+              </p:nvPicPr>
+              <p:blipFill>
+                <a:blip r:embed="rId20" cstate="print">
+                  <a:extLst>
+                    <a:ext uri="{28A0092B-C50C-407E-A947-70E740481C1C}">
+                      <a14:useLocalDpi xmlns:a14="http://schemas.microsoft.com/office/drawing/2010/main" val="0"/>
+                    </a:ext>
+                  </a:extLst>
+                </a:blip>
+                <a:srcRect/>
+                <a:stretch>
+                  <a:fillRect/>
+                </a:stretch>
+              </p:blipFill>
+              <p:spPr bwMode="auto">
+                <a:xfrm rot="5400000">
+                  <a:off x="7476150" y="409426"/>
+                  <a:ext cx="91440" cy="91440"/>
+                </a:xfrm>
+                <a:prstGeom prst="rect">
+                  <a:avLst/>
+                </a:prstGeom>
+                <a:noFill/>
+                <a:extLst>
+                  <a:ext uri="{909E8E84-426E-40DD-AFC4-6F175D3DCCD1}">
+                    <a14:hiddenFill xmlns:a14="http://schemas.microsoft.com/office/drawing/2010/main">
+                      <a:solidFill>
+                        <a:srgbClr val="FFFFFF"/>
+                      </a:solidFill>
+                    </a14:hiddenFill>
+                  </a:ext>
+                </a:extLst>
+              </p:spPr>
+            </p:pic>
+            <p:grpSp>
+              <p:nvGrpSpPr>
+                <p:cNvPr id="191" name="X"/>
+                <p:cNvGrpSpPr/>
+                <p:nvPr/>
+              </p:nvGrpSpPr>
+              <p:grpSpPr>
+                <a:xfrm>
+                  <a:off x="7913235" y="409426"/>
+                  <a:ext cx="91440" cy="91440"/>
+                  <a:chOff x="4687215" y="1739180"/>
+                  <a:chExt cx="91440" cy="91440"/>
+                </a:xfrm>
+              </p:grpSpPr>
+              <p:cxnSp>
+                <p:nvCxnSpPr>
+                  <p:cNvPr id="192" name="Straight Connector 191"/>
+                  <p:cNvCxnSpPr/>
+                  <p:nvPr/>
+                </p:nvCxnSpPr>
+                <p:spPr>
+                  <a:xfrm flipV="1">
+                    <a:off x="4687215" y="1739180"/>
+                    <a:ext cx="91440" cy="91440"/>
+                  </a:xfrm>
+                  <a:prstGeom prst="line">
+                    <a:avLst/>
+                  </a:prstGeom>
+                  <a:ln w="28575">
+                    <a:solidFill>
+                      <a:srgbClr val="FFFFFF">
+                        <a:lumMod val="50000"/>
+                      </a:srgbClr>
+                    </a:solidFill>
+                  </a:ln>
+                </p:spPr>
+                <p:style>
+                  <a:lnRef idx="1">
+                    <a:srgbClr val="FFFFFF"/>
+                  </a:lnRef>
+                  <a:fillRef idx="0">
+                    <a:srgbClr val="FFFFFF"/>
+                  </a:fillRef>
+                  <a:effectRef idx="0">
+                    <a:srgbClr val="FFFFFF"/>
+                  </a:effectRef>
+                  <a:fontRef idx="minor">
+                    <a:srgbClr val="000000"/>
+                  </a:fontRef>
+                </p:style>
+              </p:cxnSp>
+              <p:cxnSp>
+                <p:nvCxnSpPr>
+                  <p:cNvPr id="193" name="Straight Connector 192"/>
+                  <p:cNvCxnSpPr/>
+                  <p:nvPr/>
+                </p:nvCxnSpPr>
+                <p:spPr>
+                  <a:xfrm>
+                    <a:off x="4687215" y="1739180"/>
+                    <a:ext cx="91440" cy="91440"/>
+                  </a:xfrm>
+                  <a:prstGeom prst="line">
+                    <a:avLst/>
+                  </a:prstGeom>
+                  <a:ln w="28575">
+                    <a:solidFill>
+                      <a:srgbClr val="FFFFFF">
+                        <a:lumMod val="50000"/>
+                      </a:srgbClr>
+                    </a:solidFill>
+                  </a:ln>
+                </p:spPr>
+                <p:style>
+                  <a:lnRef idx="1">
+                    <a:srgbClr val="FFFFFF"/>
+                  </a:lnRef>
+                  <a:fillRef idx="0">
+                    <a:srgbClr val="FFFFFF"/>
+                  </a:fillRef>
+                  <a:effectRef idx="0">
+                    <a:srgbClr val="FFFFFF"/>
+                  </a:effectRef>
+                  <a:fontRef idx="minor">
+                    <a:srgbClr val="000000"/>
+                  </a:fontRef>
+                </p:style>
+              </p:cxnSp>
+            </p:grpSp>
+          </p:grpSp>
+        </p:grpSp>
+      </p:grpSp>
+      <p:sp>
+        <p:nvSpPr>
+          <p:cNvPr id="206" name="Content"/>
+          <p:cNvSpPr/>
+          <p:nvPr>
+            <p:custDataLst>
+              <p:custData r:id="rId2"/>
+            </p:custDataLst>
+          </p:nvPr>
+        </p:nvSpPr>
+        <p:spPr>
+          <a:xfrm>
+            <a:off x="76200" y="671484"/>
+            <a:ext cx="8991600" cy="1070230"/>
+          </a:xfrm>
+          <a:prstGeom prst="rect">
+            <a:avLst/>
+          </a:prstGeom>
+          <a:ln/>
+        </p:spPr>
+        <p:style>
+          <a:lnRef idx="1">
+            <a:schemeClr val="accent2"/>
+          </a:lnRef>
+          <a:fillRef idx="3">
+            <a:schemeClr val="accent2"/>
+          </a:fillRef>
+          <a:effectRef idx="2">
+            <a:schemeClr val="accent2"/>
+          </a:effectRef>
+          <a:fontRef idx="minor">
+            <a:schemeClr val="lt1"/>
+          </a:fontRef>
+        </p:style>
+        <p:txBody>
+          <a:bodyPr rot="0" spcFirstLastPara="0" vertOverflow="overflow" horzOverflow="overflow" vert="horz" wrap="square" lIns="45720" tIns="45720" rIns="91440" bIns="45720" numCol="1" spcCol="0" rtlCol="0" fromWordArt="0" anchor="ctr" anchorCtr="0" forceAA="0" compatLnSpc="1">
+            <a:prstTxWarp prst="textNoShape">
+              <a:avLst/>
+            </a:prstTxWarp>
+            <a:noAutofit/>
+          </a:bodyPr>
+          <a:lstStyle/>
+          <a:p>
+            <a:pPr marL="0" marR="0" indent="0" defTabSz="914400" eaLnBrk="1" fontAlgn="auto" latinLnBrk="0" hangingPunct="1">
+              <a:lnSpc>
+                <a:spcPct val="100000"/>
+              </a:lnSpc>
+              <a:spcBef>
+                <a:spcPts val="0"/>
+              </a:spcBef>
+              <a:spcAft>
+                <a:spcPts val="0"/>
+              </a:spcAft>
+              <a:buClrTx/>
+              <a:buSzTx/>
+              <a:buFontTx/>
+              <a:buNone/>
+              <a:tabLst/>
+            </a:pPr>
+            <a:r>
+              <a:rPr kumimoji="0" lang="en-US" sz="2000" b="0" i="0" u="none" strike="noStrike" kern="0" cap="none" spc="0" normalizeH="0" baseline="0" noProof="0" dirty="0">
+                <a:ln>
+                  <a:noFill/>
+                </a:ln>
+                <a:solidFill>
+                  <a:srgbClr val="FFFFFF"/>
+                </a:solidFill>
+                <a:effectLst/>
+                <a:uLnTx/>
+                <a:uFillTx/>
+                <a:latin typeface="Segoe UI"/>
+                <a:ea typeface="+mn-ea"/>
+                <a:cs typeface="+mn-cs"/>
+              </a:rPr>
+              <a:t>Peer-Testing Website [Teacher]					</a:t>
+            </a:r>
+            <a:r>
+              <a:rPr kumimoji="0" lang="en-US" sz="1400" b="0" i="0" u="none" strike="noStrike" kern="0" cap="none" spc="0" normalizeH="0" baseline="0" noProof="0" dirty="0">
+                <a:ln>
+                  <a:noFill/>
+                </a:ln>
+                <a:solidFill>
+                  <a:srgbClr val="FFFFFF"/>
+                </a:solidFill>
+                <a:effectLst/>
+                <a:uLnTx/>
+                <a:uFillTx/>
+                <a:latin typeface="Segoe UI"/>
+                <a:ea typeface="+mn-ea"/>
+                <a:cs typeface="+mn-cs"/>
+              </a:rPr>
+              <a:t>v</a:t>
+            </a:r>
+            <a:r>
+              <a:rPr kumimoji="0" lang="en-US" sz="2000" b="0" i="0" u="none" strike="noStrike" kern="0" cap="none" spc="0" normalizeH="0" baseline="0" noProof="0" dirty="0">
+                <a:ln>
+                  <a:noFill/>
+                </a:ln>
+                <a:solidFill>
+                  <a:srgbClr val="FFFFFF"/>
+                </a:solidFill>
+                <a:effectLst/>
+                <a:uLnTx/>
+                <a:uFillTx/>
+                <a:latin typeface="Segoe UI"/>
+                <a:ea typeface="+mn-ea"/>
+                <a:cs typeface="+mn-cs"/>
+              </a:rPr>
+              <a:t> </a:t>
+            </a:r>
+            <a:r>
+              <a:rPr kumimoji="0" lang="en-US" sz="1600" b="0" i="0" u="sng" strike="noStrike" kern="0" cap="none" spc="0" normalizeH="0" baseline="0" noProof="0" dirty="0">
+                <a:ln>
+                  <a:noFill/>
+                </a:ln>
+                <a:solidFill>
+                  <a:srgbClr val="FFFFFF"/>
+                </a:solidFill>
+                <a:effectLst/>
+                <a:uLnTx/>
+                <a:uFillTx/>
+                <a:latin typeface="Segoe UI"/>
+                <a:ea typeface="+mn-ea"/>
+                <a:cs typeface="+mn-cs"/>
+              </a:rPr>
+              <a:t>Login Menu</a:t>
+            </a:r>
+            <a:endParaRPr kumimoji="0" lang="en-US" sz="2000" b="0" i="0" u="sng" strike="noStrike" kern="0" cap="none" spc="0" normalizeH="0" baseline="0" noProof="0" dirty="0">
+              <a:ln>
+                <a:noFill/>
+              </a:ln>
+              <a:solidFill>
+                <a:srgbClr val="FFFFFF"/>
+              </a:solidFill>
+              <a:effectLst/>
+              <a:uLnTx/>
+              <a:uFillTx/>
+              <a:latin typeface="Segoe UI"/>
+              <a:ea typeface="+mn-ea"/>
+              <a:cs typeface="+mn-cs"/>
+            </a:endParaRPr>
+          </a:p>
+          <a:p>
+            <a:pPr marL="0" marR="0" indent="0" defTabSz="914400" eaLnBrk="1" fontAlgn="auto" latinLnBrk="0" hangingPunct="1">
+              <a:lnSpc>
+                <a:spcPct val="100000"/>
+              </a:lnSpc>
+              <a:spcBef>
+                <a:spcPts val="0"/>
+              </a:spcBef>
+              <a:spcAft>
+                <a:spcPts val="0"/>
+              </a:spcAft>
+              <a:buClrTx/>
+              <a:buSzTx/>
+              <a:buFontTx/>
+              <a:buNone/>
+              <a:tabLst/>
+            </a:pPr>
+            <a:r>
+              <a:rPr lang="en-US" sz="2000" kern="0" noProof="0" dirty="0">
+                <a:solidFill>
+                  <a:srgbClr val="FFFFFF"/>
+                </a:solidFill>
+                <a:latin typeface="Segoe UI"/>
+              </a:rPr>
+              <a:t>	</a:t>
+            </a:r>
+            <a:endParaRPr kumimoji="0" lang="en-US" sz="2000" b="0" i="0" u="sng" strike="noStrike" kern="0" cap="none" spc="0" normalizeH="0" baseline="0" noProof="0" dirty="0">
+              <a:ln>
+                <a:noFill/>
+              </a:ln>
+              <a:solidFill>
+                <a:srgbClr val="FFFFFF"/>
+              </a:solidFill>
+              <a:effectLst/>
+              <a:uLnTx/>
+              <a:uFillTx/>
+              <a:latin typeface="Segoe UI"/>
+            </a:endParaRPr>
+          </a:p>
+        </p:txBody>
+      </p:sp>
+      <p:sp>
+        <p:nvSpPr>
+          <p:cNvPr id="256" name="TextBox 255"/>
+          <p:cNvSpPr txBox="1"/>
+          <p:nvPr/>
+        </p:nvSpPr>
+        <p:spPr>
+          <a:xfrm>
+            <a:off x="342017" y="2120810"/>
+            <a:ext cx="5764883" cy="584775"/>
+          </a:xfrm>
+          <a:prstGeom prst="rect">
+            <a:avLst/>
+          </a:prstGeom>
+          <a:noFill/>
+        </p:spPr>
+        <p:txBody>
+          <a:bodyPr wrap="square" rtlCol="0">
+            <a:spAutoFit/>
+          </a:bodyPr>
+          <a:lstStyle/>
+          <a:p>
+            <a:r>
+              <a:rPr lang="en-GB" sz="3200" b="1" dirty="0"/>
+              <a:t>F29XXA – Coursework Example</a:t>
+            </a:r>
+          </a:p>
+        </p:txBody>
+      </p:sp>
+      <p:sp>
+        <p:nvSpPr>
+          <p:cNvPr id="461" name="Content"/>
+          <p:cNvSpPr txBox="1"/>
+          <p:nvPr>
+            <p:custDataLst>
+              <p:custData r:id="rId3"/>
+            </p:custDataLst>
+          </p:nvPr>
+        </p:nvSpPr>
+        <p:spPr>
+          <a:xfrm>
+            <a:off x="707219" y="1288226"/>
+            <a:ext cx="2025042" cy="249299"/>
+          </a:xfrm>
+          <a:prstGeom prst="rect">
+            <a:avLst/>
+          </a:prstGeom>
+          <a:noFill/>
+        </p:spPr>
+        <p:txBody>
+          <a:bodyPr wrap="none" lIns="91440" tIns="18288" rIns="91440" bIns="45720" rtlCol="0" anchor="ctr" anchorCtr="0">
+            <a:spAutoFit/>
+          </a:bodyPr>
+          <a:lstStyle/>
+          <a:p>
+            <a:r>
+              <a:rPr lang="en-US" sz="1200" dirty="0">
+                <a:solidFill>
+                  <a:schemeClr val="bg2"/>
+                </a:solidFill>
+                <a:latin typeface="Segoe UI" pitchFamily="34" charset="0"/>
+                <a:ea typeface="Segoe UI" pitchFamily="34" charset="0"/>
+                <a:cs typeface="Segoe UI" pitchFamily="34" charset="0"/>
+              </a:rPr>
+              <a:t>&gt; homepage &gt; coursework</a:t>
+            </a:r>
+          </a:p>
+        </p:txBody>
+      </p:sp>
+      <p:sp>
+        <p:nvSpPr>
+          <p:cNvPr id="2" name="TextBox 1"/>
+          <p:cNvSpPr txBox="1"/>
+          <p:nvPr/>
+        </p:nvSpPr>
+        <p:spPr>
+          <a:xfrm>
+            <a:off x="773711" y="2914022"/>
+            <a:ext cx="3074808" cy="369332"/>
+          </a:xfrm>
+          <a:prstGeom prst="rect">
+            <a:avLst/>
+          </a:prstGeom>
+          <a:noFill/>
+        </p:spPr>
+        <p:txBody>
+          <a:bodyPr wrap="square" rtlCol="0">
+            <a:spAutoFit/>
+          </a:bodyPr>
+          <a:lstStyle/>
+          <a:p>
+            <a:r>
+              <a:rPr lang="en-GB" dirty="0"/>
+              <a:t>Manage Feedback Groups</a:t>
+            </a:r>
+          </a:p>
+        </p:txBody>
+      </p:sp>
+      <p:sp>
+        <p:nvSpPr>
+          <p:cNvPr id="4" name="Rectangle 3"/>
+          <p:cNvSpPr/>
+          <p:nvPr/>
+        </p:nvSpPr>
+        <p:spPr>
+          <a:xfrm>
+            <a:off x="923925" y="3396343"/>
+            <a:ext cx="7265482" cy="3753184"/>
+          </a:xfrm>
+          <a:prstGeom prst="rect">
+            <a:avLst/>
+          </a:prstGeom>
+        </p:spPr>
+        <p:style>
+          <a:lnRef idx="2">
+            <a:schemeClr val="dk1"/>
+          </a:lnRef>
+          <a:fillRef idx="1">
+            <a:schemeClr val="lt1"/>
+          </a:fillRef>
+          <a:effectRef idx="0">
+            <a:schemeClr val="dk1"/>
+          </a:effectRef>
+          <a:fontRef idx="minor">
+            <a:schemeClr val="dk1"/>
+          </a:fontRef>
+        </p:style>
+        <p:txBody>
+          <a:bodyPr rtlCol="0" anchor="ctr"/>
+          <a:lstStyle/>
+          <a:p>
+            <a:pPr algn="ctr"/>
+            <a:endParaRPr lang="en-GB"/>
+          </a:p>
+        </p:txBody>
+      </p:sp>
+      <p:sp>
+        <p:nvSpPr>
+          <p:cNvPr id="85" name="Rounded Rectangle 84"/>
+          <p:cNvSpPr/>
+          <p:nvPr/>
+        </p:nvSpPr>
+        <p:spPr>
+          <a:xfrm>
+            <a:off x="1105319" y="5780180"/>
+            <a:ext cx="6899356" cy="1121654"/>
+          </a:xfrm>
+          <a:prstGeom prst="roundRect">
+            <a:avLst/>
+          </a:prstGeom>
+        </p:spPr>
+        <p:style>
+          <a:lnRef idx="2">
+            <a:schemeClr val="accent1"/>
+          </a:lnRef>
+          <a:fillRef idx="1">
+            <a:schemeClr val="lt1"/>
+          </a:fillRef>
+          <a:effectRef idx="0">
+            <a:schemeClr val="accent1"/>
+          </a:effectRef>
+          <a:fontRef idx="minor">
+            <a:schemeClr val="dk1"/>
+          </a:fontRef>
+        </p:style>
+        <p:txBody>
+          <a:bodyPr rtlCol="0" anchor="ctr"/>
+          <a:lstStyle/>
+          <a:p>
+            <a:pPr algn="ctr"/>
+            <a:endParaRPr lang="en-GB" dirty="0"/>
+          </a:p>
+        </p:txBody>
+      </p:sp>
+      <p:sp>
+        <p:nvSpPr>
+          <p:cNvPr id="5" name="Rounded Rectangle 4"/>
+          <p:cNvSpPr/>
+          <p:nvPr/>
+        </p:nvSpPr>
+        <p:spPr>
+          <a:xfrm>
+            <a:off x="1105319" y="3496826"/>
+            <a:ext cx="1135463" cy="251209"/>
+          </a:xfrm>
+          <a:prstGeom prst="roundRect">
+            <a:avLst/>
+          </a:prstGeom>
+        </p:spPr>
+        <p:style>
+          <a:lnRef idx="2">
+            <a:schemeClr val="dk1"/>
+          </a:lnRef>
+          <a:fillRef idx="1">
+            <a:schemeClr val="lt1"/>
+          </a:fillRef>
+          <a:effectRef idx="0">
+            <a:schemeClr val="dk1"/>
+          </a:effectRef>
+          <a:fontRef idx="minor">
+            <a:schemeClr val="dk1"/>
+          </a:fontRef>
+        </p:style>
+        <p:txBody>
+          <a:bodyPr rtlCol="0" anchor="ctr"/>
+          <a:lstStyle/>
+          <a:p>
+            <a:pPr algn="ctr"/>
+            <a:r>
+              <a:rPr lang="en-GB" dirty="0"/>
+              <a:t>+ Group</a:t>
+            </a:r>
+          </a:p>
+        </p:txBody>
+      </p:sp>
+      <p:sp>
+        <p:nvSpPr>
+          <p:cNvPr id="7" name="Rounded Rectangle 6"/>
+          <p:cNvSpPr/>
+          <p:nvPr/>
+        </p:nvSpPr>
+        <p:spPr>
+          <a:xfrm>
+            <a:off x="1105319" y="3908810"/>
+            <a:ext cx="6899356" cy="1577591"/>
+          </a:xfrm>
+          <a:prstGeom prst="roundRect">
+            <a:avLst/>
+          </a:prstGeom>
+        </p:spPr>
+        <p:style>
+          <a:lnRef idx="2">
+            <a:schemeClr val="accent1"/>
+          </a:lnRef>
+          <a:fillRef idx="1">
+            <a:schemeClr val="lt1"/>
+          </a:fillRef>
+          <a:effectRef idx="0">
+            <a:schemeClr val="accent1"/>
+          </a:effectRef>
+          <a:fontRef idx="minor">
+            <a:schemeClr val="dk1"/>
+          </a:fontRef>
+        </p:style>
+        <p:txBody>
+          <a:bodyPr rtlCol="0" anchor="ctr"/>
+          <a:lstStyle/>
+          <a:p>
+            <a:pPr algn="ctr"/>
+            <a:endParaRPr lang="en-GB" dirty="0"/>
+          </a:p>
+        </p:txBody>
+      </p:sp>
+      <p:sp>
+        <p:nvSpPr>
+          <p:cNvPr id="8" name="TextBox 7"/>
+          <p:cNvSpPr txBox="1"/>
+          <p:nvPr/>
+        </p:nvSpPr>
+        <p:spPr>
+          <a:xfrm>
+            <a:off x="1436914" y="3974111"/>
+            <a:ext cx="1890486" cy="369332"/>
+          </a:xfrm>
+          <a:prstGeom prst="rect">
+            <a:avLst/>
+          </a:prstGeom>
+          <a:noFill/>
+        </p:spPr>
+        <p:txBody>
+          <a:bodyPr wrap="square" rtlCol="0">
+            <a:spAutoFit/>
+          </a:bodyPr>
+          <a:lstStyle/>
+          <a:p>
+            <a:r>
+              <a:rPr lang="en-GB" dirty="0"/>
+              <a:t>Group A [🖋 ❌]</a:t>
+            </a:r>
+          </a:p>
+        </p:txBody>
+      </p:sp>
+      <p:sp>
+        <p:nvSpPr>
+          <p:cNvPr id="9" name="Rectangle 8"/>
+          <p:cNvSpPr/>
+          <p:nvPr/>
+        </p:nvSpPr>
+        <p:spPr>
+          <a:xfrm>
+            <a:off x="923925" y="8390374"/>
+            <a:ext cx="7295627" cy="994786"/>
+          </a:xfrm>
+          <a:prstGeom prst="rect">
+            <a:avLst/>
+          </a:prstGeom>
+        </p:spPr>
+        <p:style>
+          <a:lnRef idx="2">
+            <a:schemeClr val="dk1"/>
+          </a:lnRef>
+          <a:fillRef idx="1">
+            <a:schemeClr val="lt1"/>
+          </a:fillRef>
+          <a:effectRef idx="0">
+            <a:schemeClr val="dk1"/>
+          </a:effectRef>
+          <a:fontRef idx="minor">
+            <a:schemeClr val="dk1"/>
+          </a:fontRef>
+        </p:style>
+        <p:txBody>
+          <a:bodyPr rtlCol="0" anchor="ctr"/>
+          <a:lstStyle/>
+          <a:p>
+            <a:pPr algn="ctr"/>
+            <a:endParaRPr lang="en-GB"/>
+          </a:p>
+        </p:txBody>
+      </p:sp>
+      <p:sp>
+        <p:nvSpPr>
+          <p:cNvPr id="10" name="Rounded Rectangle 9"/>
+          <p:cNvSpPr/>
+          <p:nvPr/>
+        </p:nvSpPr>
+        <p:spPr>
+          <a:xfrm>
+            <a:off x="1105319" y="8531051"/>
+            <a:ext cx="783771" cy="339063"/>
+          </a:xfrm>
+          <a:prstGeom prst="roundRect">
+            <a:avLst/>
+          </a:prstGeom>
+        </p:spPr>
+        <p:style>
+          <a:lnRef idx="2">
+            <a:schemeClr val="accent2"/>
+          </a:lnRef>
+          <a:fillRef idx="1">
+            <a:schemeClr val="lt1"/>
+          </a:fillRef>
+          <a:effectRef idx="0">
+            <a:schemeClr val="accent2"/>
+          </a:effectRef>
+          <a:fontRef idx="minor">
+            <a:schemeClr val="dk1"/>
+          </a:fontRef>
+        </p:style>
+        <p:txBody>
+          <a:bodyPr rtlCol="0" anchor="ctr"/>
+          <a:lstStyle/>
+          <a:p>
+            <a:pPr algn="ctr"/>
+            <a:r>
+              <a:rPr lang="en-GB" dirty="0" err="1"/>
+              <a:t>ana</a:t>
+            </a:r>
+            <a:endParaRPr lang="en-GB" dirty="0"/>
+          </a:p>
+        </p:txBody>
+      </p:sp>
+      <p:sp>
+        <p:nvSpPr>
+          <p:cNvPr id="68" name="Rounded Rectangle 67"/>
+          <p:cNvSpPr/>
+          <p:nvPr/>
+        </p:nvSpPr>
+        <p:spPr>
+          <a:xfrm>
+            <a:off x="2140299" y="8531051"/>
+            <a:ext cx="783771" cy="339063"/>
+          </a:xfrm>
+          <a:prstGeom prst="roundRect">
+            <a:avLst/>
+          </a:prstGeom>
+        </p:spPr>
+        <p:style>
+          <a:lnRef idx="2">
+            <a:schemeClr val="accent2"/>
+          </a:lnRef>
+          <a:fillRef idx="1">
+            <a:schemeClr val="lt1"/>
+          </a:fillRef>
+          <a:effectRef idx="0">
+            <a:schemeClr val="accent2"/>
+          </a:effectRef>
+          <a:fontRef idx="minor">
+            <a:schemeClr val="dk1"/>
+          </a:fontRef>
+        </p:style>
+        <p:txBody>
+          <a:bodyPr rtlCol="0" anchor="ctr"/>
+          <a:lstStyle/>
+          <a:p>
+            <a:pPr algn="ctr"/>
+            <a:r>
+              <a:rPr lang="en-GB" dirty="0"/>
+              <a:t>tracer</a:t>
+            </a:r>
+          </a:p>
+        </p:txBody>
+      </p:sp>
+      <p:sp>
+        <p:nvSpPr>
+          <p:cNvPr id="69" name="Rounded Rectangle 68"/>
+          <p:cNvSpPr/>
+          <p:nvPr/>
+        </p:nvSpPr>
+        <p:spPr>
+          <a:xfrm>
+            <a:off x="3134195" y="8531051"/>
+            <a:ext cx="783771" cy="339063"/>
+          </a:xfrm>
+          <a:prstGeom prst="roundRect">
+            <a:avLst/>
+          </a:prstGeom>
+        </p:spPr>
+        <p:style>
+          <a:lnRef idx="2">
+            <a:schemeClr val="accent2"/>
+          </a:lnRef>
+          <a:fillRef idx="1">
+            <a:schemeClr val="lt1"/>
+          </a:fillRef>
+          <a:effectRef idx="0">
+            <a:schemeClr val="accent2"/>
+          </a:effectRef>
+          <a:fontRef idx="minor">
+            <a:schemeClr val="dk1"/>
+          </a:fontRef>
+        </p:style>
+        <p:txBody>
+          <a:bodyPr rtlCol="0" anchor="ctr"/>
+          <a:lstStyle/>
+          <a:p>
+            <a:pPr algn="ctr"/>
+            <a:r>
+              <a:rPr lang="en-GB" dirty="0" err="1"/>
+              <a:t>lucio</a:t>
+            </a:r>
+            <a:endParaRPr lang="en-GB" dirty="0"/>
+          </a:p>
+        </p:txBody>
+      </p:sp>
+      <p:sp>
+        <p:nvSpPr>
+          <p:cNvPr id="70" name="Rounded Rectangle 69"/>
+          <p:cNvSpPr/>
+          <p:nvPr/>
+        </p:nvSpPr>
+        <p:spPr>
+          <a:xfrm>
+            <a:off x="4128091" y="8531051"/>
+            <a:ext cx="783771" cy="339063"/>
+          </a:xfrm>
+          <a:prstGeom prst="roundRect">
+            <a:avLst/>
+          </a:prstGeom>
+        </p:spPr>
+        <p:style>
+          <a:lnRef idx="2">
+            <a:schemeClr val="accent2"/>
+          </a:lnRef>
+          <a:fillRef idx="1">
+            <a:schemeClr val="lt1"/>
+          </a:fillRef>
+          <a:effectRef idx="0">
+            <a:schemeClr val="accent2"/>
+          </a:effectRef>
+          <a:fontRef idx="minor">
+            <a:schemeClr val="dk1"/>
+          </a:fontRef>
+        </p:style>
+        <p:txBody>
+          <a:bodyPr rtlCol="0" anchor="ctr"/>
+          <a:lstStyle/>
+          <a:p>
+            <a:pPr algn="ctr"/>
+            <a:r>
+              <a:rPr lang="en-GB" dirty="0"/>
+              <a:t>d.va</a:t>
+            </a:r>
+          </a:p>
+        </p:txBody>
+      </p:sp>
+      <p:sp>
+        <p:nvSpPr>
+          <p:cNvPr id="71" name="Rounded Rectangle 70"/>
+          <p:cNvSpPr/>
+          <p:nvPr/>
+        </p:nvSpPr>
+        <p:spPr>
+          <a:xfrm>
+            <a:off x="1472083" y="4408745"/>
+            <a:ext cx="1060101" cy="339063"/>
+          </a:xfrm>
+          <a:prstGeom prst="roundRect">
+            <a:avLst/>
+          </a:prstGeom>
+        </p:spPr>
+        <p:style>
+          <a:lnRef idx="2">
+            <a:schemeClr val="accent2"/>
+          </a:lnRef>
+          <a:fillRef idx="1">
+            <a:schemeClr val="lt1"/>
+          </a:fillRef>
+          <a:effectRef idx="0">
+            <a:schemeClr val="accent2"/>
+          </a:effectRef>
+          <a:fontRef idx="minor">
+            <a:schemeClr val="dk1"/>
+          </a:fontRef>
+        </p:style>
+        <p:txBody>
+          <a:bodyPr rtlCol="0" anchor="ctr"/>
+          <a:lstStyle/>
+          <a:p>
+            <a:pPr algn="ctr"/>
+            <a:r>
+              <a:rPr lang="en-GB" dirty="0" err="1"/>
+              <a:t>winston</a:t>
+            </a:r>
+            <a:endParaRPr lang="en-GB" dirty="0"/>
+          </a:p>
+        </p:txBody>
+      </p:sp>
+      <p:sp>
+        <p:nvSpPr>
+          <p:cNvPr id="74" name="Rounded Rectangle 73"/>
+          <p:cNvSpPr/>
+          <p:nvPr/>
+        </p:nvSpPr>
+        <p:spPr>
+          <a:xfrm>
+            <a:off x="2761011" y="6375576"/>
+            <a:ext cx="989317" cy="339063"/>
+          </a:xfrm>
+          <a:prstGeom prst="roundRect">
+            <a:avLst/>
+          </a:prstGeom>
+          <a:effectLst>
+            <a:outerShdw blurRad="50800" dist="38100" dir="2700000" algn="tl" rotWithShape="0">
+              <a:prstClr val="black">
+                <a:alpha val="40000"/>
+              </a:prstClr>
+            </a:outerShdw>
+          </a:effectLst>
+        </p:spPr>
+        <p:style>
+          <a:lnRef idx="2">
+            <a:schemeClr val="accent2"/>
+          </a:lnRef>
+          <a:fillRef idx="1">
+            <a:schemeClr val="lt1"/>
+          </a:fillRef>
+          <a:effectRef idx="0">
+            <a:schemeClr val="accent2"/>
+          </a:effectRef>
+          <a:fontRef idx="minor">
+            <a:schemeClr val="dk1"/>
+          </a:fontRef>
+        </p:style>
+        <p:txBody>
+          <a:bodyPr rtlCol="0" anchor="ctr"/>
+          <a:lstStyle/>
+          <a:p>
+            <a:pPr algn="ctr"/>
+            <a:r>
+              <a:rPr lang="en-GB" dirty="0" err="1"/>
+              <a:t>pharah</a:t>
+            </a:r>
+            <a:endParaRPr lang="en-GB" dirty="0"/>
+          </a:p>
+        </p:txBody>
+      </p:sp>
+      <p:pic>
+        <p:nvPicPr>
+          <p:cNvPr id="75" name="Picture 2" descr="C:\Users\t-dantay\Documents\First24\cursorhand1.png"/>
+          <p:cNvPicPr>
+            <a:picLocks noChangeAspect="1" noChangeArrowheads="1"/>
+          </p:cNvPicPr>
+          <p:nvPr>
+            <p:custDataLst>
+              <p:custData r:id="rId4"/>
+            </p:custDataLst>
+          </p:nvPr>
+        </p:nvPicPr>
+        <p:blipFill>
+          <a:blip r:embed="rId21" cstate="print">
+            <a:extLst>
+              <a:ext uri="{28A0092B-C50C-407E-A947-70E740481C1C}">
+                <a14:useLocalDpi xmlns:a14="http://schemas.microsoft.com/office/drawing/2010/main" val="0"/>
+              </a:ext>
+            </a:extLst>
+          </a:blip>
+          <a:srcRect/>
+          <a:stretch>
+            <a:fillRect/>
+          </a:stretch>
+        </p:blipFill>
+        <p:spPr bwMode="auto">
+          <a:xfrm>
+            <a:off x="3650120" y="6656930"/>
+            <a:ext cx="200417" cy="228600"/>
+          </a:xfrm>
+          <a:prstGeom prst="rect">
+            <a:avLst/>
+          </a:prstGeom>
+          <a:noFill/>
+          <a:extLst>
+            <a:ext uri="{909E8E84-426E-40DD-AFC4-6F175D3DCCD1}">
+              <a14:hiddenFill xmlns:a14="http://schemas.microsoft.com/office/drawing/2010/main">
+                <a:solidFill>
+                  <a:srgbClr val="FFFFFF"/>
+                </a:solidFill>
+              </a14:hiddenFill>
+            </a:ext>
+          </a:extLst>
+        </p:spPr>
+      </p:pic>
+      <p:cxnSp>
+        <p:nvCxnSpPr>
+          <p:cNvPr id="12" name="Curved Connector 11"/>
+          <p:cNvCxnSpPr/>
+          <p:nvPr/>
+        </p:nvCxnSpPr>
+        <p:spPr>
+          <a:xfrm rot="10800000">
+            <a:off x="3926738" y="6598247"/>
+            <a:ext cx="1826365" cy="1800465"/>
+          </a:xfrm>
+          <a:prstGeom prst="curvedConnector3">
+            <a:avLst>
+              <a:gd name="adj1" fmla="val 50000"/>
+            </a:avLst>
+          </a:prstGeom>
+          <a:ln w="38100">
+            <a:tailEnd type="triangle"/>
+          </a:ln>
+        </p:spPr>
+        <p:style>
+          <a:lnRef idx="1">
+            <a:schemeClr val="accent1"/>
+          </a:lnRef>
+          <a:fillRef idx="0">
+            <a:schemeClr val="accent1"/>
+          </a:fillRef>
+          <a:effectRef idx="0">
+            <a:schemeClr val="accent1"/>
+          </a:effectRef>
+          <a:fontRef idx="minor">
+            <a:schemeClr val="tx1"/>
+          </a:fontRef>
+        </p:style>
+      </p:cxnSp>
+      <p:sp>
+        <p:nvSpPr>
+          <p:cNvPr id="81" name="TextBox 80"/>
+          <p:cNvSpPr txBox="1"/>
+          <p:nvPr/>
+        </p:nvSpPr>
+        <p:spPr>
+          <a:xfrm>
+            <a:off x="923925" y="7890413"/>
+            <a:ext cx="3074808" cy="369332"/>
+          </a:xfrm>
+          <a:prstGeom prst="rect">
+            <a:avLst/>
+          </a:prstGeom>
+          <a:noFill/>
+        </p:spPr>
+        <p:txBody>
+          <a:bodyPr wrap="square" rtlCol="0">
+            <a:spAutoFit/>
+          </a:bodyPr>
+          <a:lstStyle/>
+          <a:p>
+            <a:r>
+              <a:rPr lang="en-GB" dirty="0"/>
+              <a:t>Available Users</a:t>
+            </a:r>
+          </a:p>
+        </p:txBody>
+      </p:sp>
+      <p:sp>
+        <p:nvSpPr>
+          <p:cNvPr id="82" name="Rounded Rectangle 81"/>
+          <p:cNvSpPr/>
+          <p:nvPr/>
+        </p:nvSpPr>
+        <p:spPr>
+          <a:xfrm>
+            <a:off x="5330520" y="8535424"/>
+            <a:ext cx="989317" cy="339063"/>
+          </a:xfrm>
+          <a:prstGeom prst="roundRect">
+            <a:avLst/>
+          </a:prstGeom>
+        </p:spPr>
+        <p:style>
+          <a:lnRef idx="2">
+            <a:schemeClr val="accent3"/>
+          </a:lnRef>
+          <a:fillRef idx="1">
+            <a:schemeClr val="lt1"/>
+          </a:fillRef>
+          <a:effectRef idx="0">
+            <a:schemeClr val="accent3"/>
+          </a:effectRef>
+          <a:fontRef idx="minor">
+            <a:schemeClr val="dk1"/>
+          </a:fontRef>
+        </p:style>
+        <p:txBody>
+          <a:bodyPr rtlCol="0" anchor="ctr"/>
+          <a:lstStyle/>
+          <a:p>
+            <a:pPr algn="ctr"/>
+            <a:r>
+              <a:rPr lang="en-GB" dirty="0" err="1">
+                <a:solidFill>
+                  <a:schemeClr val="bg1">
+                    <a:lumMod val="65000"/>
+                  </a:schemeClr>
+                </a:solidFill>
+              </a:rPr>
+              <a:t>pharah</a:t>
+            </a:r>
+            <a:endParaRPr lang="en-GB" dirty="0">
+              <a:solidFill>
+                <a:schemeClr val="bg1">
+                  <a:lumMod val="65000"/>
+                </a:schemeClr>
+              </a:solidFill>
+            </a:endParaRPr>
+          </a:p>
+        </p:txBody>
+      </p:sp>
+      <p:sp>
+        <p:nvSpPr>
+          <p:cNvPr id="83" name="Rounded Rectangle 82"/>
+          <p:cNvSpPr/>
+          <p:nvPr/>
+        </p:nvSpPr>
+        <p:spPr>
+          <a:xfrm>
+            <a:off x="6738495" y="8531051"/>
+            <a:ext cx="1060101" cy="339063"/>
+          </a:xfrm>
+          <a:prstGeom prst="roundRect">
+            <a:avLst/>
+          </a:prstGeom>
+        </p:spPr>
+        <p:style>
+          <a:lnRef idx="2">
+            <a:schemeClr val="accent2"/>
+          </a:lnRef>
+          <a:fillRef idx="1">
+            <a:schemeClr val="lt1"/>
+          </a:fillRef>
+          <a:effectRef idx="0">
+            <a:schemeClr val="accent2"/>
+          </a:effectRef>
+          <a:fontRef idx="minor">
+            <a:schemeClr val="dk1"/>
+          </a:fontRef>
+        </p:style>
+        <p:txBody>
+          <a:bodyPr rtlCol="0" anchor="ctr"/>
+          <a:lstStyle/>
+          <a:p>
+            <a:pPr algn="ctr"/>
+            <a:r>
+              <a:rPr lang="en-GB" dirty="0" err="1"/>
+              <a:t>winston</a:t>
+            </a:r>
+            <a:endParaRPr lang="en-GB" dirty="0"/>
+          </a:p>
+        </p:txBody>
+      </p:sp>
+      <p:sp>
+        <p:nvSpPr>
+          <p:cNvPr id="17" name="Oval 16"/>
+          <p:cNvSpPr/>
+          <p:nvPr/>
+        </p:nvSpPr>
+        <p:spPr>
+          <a:xfrm>
+            <a:off x="7735840" y="8531051"/>
+            <a:ext cx="177395" cy="169531"/>
+          </a:xfrm>
+          <a:prstGeom prst="ellipse">
+            <a:avLst/>
+          </a:prstGeom>
+        </p:spPr>
+        <p:style>
+          <a:lnRef idx="2">
+            <a:schemeClr val="accent1">
+              <a:shade val="50000"/>
+            </a:schemeClr>
+          </a:lnRef>
+          <a:fillRef idx="1">
+            <a:schemeClr val="accent1"/>
+          </a:fillRef>
+          <a:effectRef idx="0">
+            <a:schemeClr val="accent1"/>
+          </a:effectRef>
+          <a:fontRef idx="minor">
+            <a:schemeClr val="lt1"/>
+          </a:fontRef>
+        </p:style>
+        <p:txBody>
+          <a:bodyPr rtlCol="0" anchor="ctr"/>
+          <a:lstStyle/>
+          <a:p>
+            <a:pPr algn="ctr"/>
+            <a:r>
+              <a:rPr lang="en-GB" dirty="0"/>
+              <a:t>1</a:t>
+            </a:r>
+          </a:p>
+        </p:txBody>
+      </p:sp>
+      <p:sp>
+        <p:nvSpPr>
+          <p:cNvPr id="86" name="TextBox 85"/>
+          <p:cNvSpPr txBox="1"/>
+          <p:nvPr/>
+        </p:nvSpPr>
+        <p:spPr>
+          <a:xfrm>
+            <a:off x="1436914" y="5945311"/>
+            <a:ext cx="1818756" cy="369332"/>
+          </a:xfrm>
+          <a:prstGeom prst="rect">
+            <a:avLst/>
+          </a:prstGeom>
+          <a:noFill/>
+        </p:spPr>
+        <p:txBody>
+          <a:bodyPr wrap="square" rtlCol="0">
+            <a:spAutoFit/>
+          </a:bodyPr>
+          <a:lstStyle/>
+          <a:p>
+            <a:r>
+              <a:rPr lang="en-GB" dirty="0"/>
+              <a:t>Group B [🖋 ❌]</a:t>
+            </a:r>
+          </a:p>
+        </p:txBody>
+      </p:sp>
+      <p:sp>
+        <p:nvSpPr>
+          <p:cNvPr id="87" name="Content"/>
+          <p:cNvSpPr/>
+          <p:nvPr>
+            <p:custDataLst>
+              <p:custData r:id="rId5"/>
+            </p:custDataLst>
+          </p:nvPr>
+        </p:nvSpPr>
+        <p:spPr>
+          <a:xfrm>
+            <a:off x="7070310" y="7443306"/>
+            <a:ext cx="1106592" cy="228600"/>
+          </a:xfrm>
+          <a:prstGeom prst="roundRect">
+            <a:avLst/>
+          </a:prstGeom>
+          <a:solidFill>
+            <a:srgbClr val="FFFFFF">
+              <a:lumMod val="95000"/>
+            </a:srgbClr>
+          </a:solidFill>
+          <a:ln w="3175">
+            <a:solidFill>
+              <a:srgbClr val="000000">
+                <a:lumMod val="50000"/>
+                <a:lumOff val="50000"/>
+              </a:srgbClr>
+            </a:solidFill>
+          </a:ln>
+          <a:effectLst/>
+        </p:spPr>
+        <p:style>
+          <a:lnRef idx="2">
+            <a:srgbClr val="4F81BD">
+              <a:shade val="50000"/>
+            </a:srgbClr>
+          </a:lnRef>
+          <a:fillRef idx="1">
+            <a:srgbClr val="4F81BD"/>
+          </a:fillRef>
+          <a:effectRef idx="0">
+            <a:srgbClr val="4F81BD"/>
+          </a:effectRef>
+          <a:fontRef idx="minor">
+            <a:srgbClr val="000000"/>
+          </a:fontRef>
+        </p:style>
+        <p:txBody>
+          <a:bodyPr wrap="square" lIns="91440" tIns="0" rIns="91440" bIns="9144" rtlCol="0" anchor="ctr">
+            <a:noAutofit/>
+          </a:bodyPr>
+          <a:lstStyle/>
+          <a:p>
+            <a:pPr algn="ctr"/>
+            <a:r>
+              <a:rPr lang="en-US" sz="1200" dirty="0">
+                <a:solidFill>
+                  <a:srgbClr val="000000"/>
+                </a:solidFill>
+                <a:latin typeface="Segoe UI" pitchFamily="34" charset="0"/>
+                <a:cs typeface="Segoe UI" pitchFamily="34" charset="0"/>
+              </a:rPr>
+              <a:t>save</a:t>
+            </a:r>
+          </a:p>
+        </p:txBody>
+      </p:sp>
+      <p:grpSp>
+        <p:nvGrpSpPr>
+          <p:cNvPr id="88" name="ScrollbarVertical"/>
+          <p:cNvGrpSpPr/>
+          <p:nvPr>
+            <p:custDataLst>
+              <p:custData r:id="rId6"/>
+            </p:custDataLst>
+          </p:nvPr>
+        </p:nvGrpSpPr>
+        <p:grpSpPr>
+          <a:xfrm>
+            <a:off x="8028910" y="3394691"/>
+            <a:ext cx="147992" cy="3754835"/>
+            <a:chOff x="4544882" y="1543109"/>
+            <a:chExt cx="99769" cy="3562291"/>
+          </a:xfrm>
+        </p:grpSpPr>
+        <p:sp>
+          <p:nvSpPr>
+            <p:cNvPr id="89" name="Background"/>
+            <p:cNvSpPr>
+              <a:spLocks/>
+            </p:cNvSpPr>
+            <p:nvPr/>
+          </p:nvSpPr>
+          <p:spPr>
+            <a:xfrm>
+              <a:off x="4544882" y="1543109"/>
+              <a:ext cx="99769" cy="3562291"/>
+            </a:xfrm>
+            <a:prstGeom prst="rect">
+              <a:avLst/>
+            </a:prstGeom>
+            <a:solidFill>
+              <a:srgbClr val="FFFFFF">
+                <a:lumMod val="95000"/>
+              </a:srgbClr>
+            </a:solidFill>
+            <a:ln w="3175">
+              <a:solidFill>
+                <a:srgbClr val="FFFFFF">
+                  <a:lumMod val="50000"/>
+                </a:srgbClr>
+              </a:solidFill>
+            </a:ln>
+          </p:spPr>
+          <p:style>
+            <a:lnRef idx="2">
+              <a:srgbClr val="4F81BD">
+                <a:shade val="50000"/>
+              </a:srgbClr>
+            </a:lnRef>
+            <a:fillRef idx="1001">
+              <a:srgbClr val="000000"/>
+            </a:fillRef>
+            <a:effectRef idx="0">
+              <a:srgbClr val="4F81BD"/>
+            </a:effectRef>
+            <a:fontRef idx="minor">
+              <a:srgbClr val="000000"/>
+            </a:fontRef>
+          </p:style>
+          <p:txBody>
+            <a:bodyPr lIns="97548" tIns="48774" rIns="97548" bIns="48774" rtlCol="0" anchor="ctr"/>
+            <a:lstStyle/>
+            <a:p>
+              <a:pPr algn="ctr" defTabSz="913915"/>
+              <a:endParaRPr lang="en-US"/>
+            </a:p>
+          </p:txBody>
+        </p:sp>
+        <p:sp>
+          <p:nvSpPr>
+            <p:cNvPr id="102" name="Slider"/>
+            <p:cNvSpPr>
+              <a:spLocks/>
+            </p:cNvSpPr>
+            <p:nvPr/>
+          </p:nvSpPr>
+          <p:spPr>
+            <a:xfrm>
+              <a:off x="4544882" y="1842087"/>
+              <a:ext cx="99769" cy="346564"/>
+            </a:xfrm>
+            <a:prstGeom prst="rect">
+              <a:avLst/>
+            </a:prstGeom>
+            <a:solidFill>
+              <a:srgbClr val="FFFFFF">
+                <a:lumMod val="85000"/>
+              </a:srgbClr>
+            </a:solidFill>
+            <a:ln w="3175">
+              <a:solidFill>
+                <a:srgbClr val="FFFFFF">
+                  <a:lumMod val="50000"/>
+                </a:srgbClr>
+              </a:solidFill>
+            </a:ln>
+          </p:spPr>
+          <p:style>
+            <a:lnRef idx="2">
+              <a:srgbClr val="4F81BD">
+                <a:shade val="50000"/>
+              </a:srgbClr>
+            </a:lnRef>
+            <a:fillRef idx="1">
+              <a:srgbClr val="4F81BD"/>
+            </a:fillRef>
+            <a:effectRef idx="0">
+              <a:srgbClr val="4F81BD"/>
+            </a:effectRef>
+            <a:fontRef idx="minor">
+              <a:srgbClr val="000000"/>
+            </a:fontRef>
+          </p:style>
+          <p:txBody>
+            <a:bodyPr lIns="97548" tIns="48774" rIns="97548" bIns="48774" rtlCol="0" anchor="ctr"/>
+            <a:lstStyle/>
+            <a:p>
+              <a:pPr algn="ctr"/>
+              <a:endParaRPr lang="en-US"/>
+            </a:p>
+          </p:txBody>
+        </p:sp>
+        <p:sp>
+          <p:nvSpPr>
+            <p:cNvPr id="112" name="UpArrow"/>
+            <p:cNvSpPr>
+              <a:spLocks/>
+            </p:cNvSpPr>
+            <p:nvPr/>
+          </p:nvSpPr>
+          <p:spPr>
+            <a:xfrm>
+              <a:off x="4573578" y="1570730"/>
+              <a:ext cx="43151" cy="60726"/>
+            </a:xfrm>
+            <a:prstGeom prst="triangle">
+              <a:avLst/>
+            </a:prstGeom>
+            <a:solidFill>
+              <a:srgbClr val="FFFFFF">
+                <a:lumMod val="50000"/>
+                <a:alpha val="99000"/>
+              </a:srgbClr>
+            </a:solidFill>
+            <a:ln>
+              <a:noFill/>
+            </a:ln>
+          </p:spPr>
+          <p:style>
+            <a:lnRef idx="2">
+              <a:srgbClr val="4F81BD">
+                <a:shade val="50000"/>
+              </a:srgbClr>
+            </a:lnRef>
+            <a:fillRef idx="1">
+              <a:srgbClr val="4F81BD"/>
+            </a:fillRef>
+            <a:effectRef idx="0">
+              <a:srgbClr val="4F81BD"/>
+            </a:effectRef>
+            <a:fontRef idx="minor">
+              <a:srgbClr val="000000"/>
+            </a:fontRef>
+          </p:style>
+          <p:txBody>
+            <a:bodyPr lIns="97548" tIns="48774" rIns="97548" bIns="48774" rtlCol="0" anchor="ctr"/>
+            <a:lstStyle/>
+            <a:p>
+              <a:pPr algn="ctr"/>
+              <a:endParaRPr lang="en-US"/>
+            </a:p>
+          </p:txBody>
+        </p:sp>
+        <p:sp>
+          <p:nvSpPr>
+            <p:cNvPr id="113" name="DownArrow"/>
+            <p:cNvSpPr>
+              <a:spLocks/>
+            </p:cNvSpPr>
+            <p:nvPr/>
+          </p:nvSpPr>
+          <p:spPr>
+            <a:xfrm rot="10800000">
+              <a:off x="4573578" y="5020908"/>
+              <a:ext cx="43151" cy="60726"/>
+            </a:xfrm>
+            <a:prstGeom prst="triangle">
+              <a:avLst/>
+            </a:prstGeom>
+            <a:solidFill>
+              <a:srgbClr val="FFFFFF">
+                <a:lumMod val="50000"/>
+                <a:alpha val="99000"/>
+              </a:srgbClr>
+            </a:solidFill>
+            <a:ln>
+              <a:noFill/>
+            </a:ln>
+          </p:spPr>
+          <p:style>
+            <a:lnRef idx="2">
+              <a:srgbClr val="4F81BD">
+                <a:shade val="50000"/>
+              </a:srgbClr>
+            </a:lnRef>
+            <a:fillRef idx="1">
+              <a:srgbClr val="4F81BD"/>
+            </a:fillRef>
+            <a:effectRef idx="0">
+              <a:srgbClr val="4F81BD"/>
+            </a:effectRef>
+            <a:fontRef idx="minor">
+              <a:srgbClr val="000000"/>
+            </a:fontRef>
+          </p:style>
+          <p:txBody>
+            <a:bodyPr lIns="97548" tIns="48774" rIns="97548" bIns="48774" rtlCol="0" anchor="ctr"/>
+            <a:lstStyle/>
+            <a:p>
+              <a:pPr algn="ctr"/>
+              <a:endParaRPr lang="en-US" dirty="0"/>
+            </a:p>
+          </p:txBody>
+        </p:sp>
+      </p:grpSp>
+      <p:grpSp>
+        <p:nvGrpSpPr>
+          <p:cNvPr id="114" name="CheckBoxChecked"/>
+          <p:cNvGrpSpPr/>
+          <p:nvPr>
+            <p:custDataLst>
+              <p:custData r:id="rId7"/>
+            </p:custDataLst>
+          </p:nvPr>
+        </p:nvGrpSpPr>
+        <p:grpSpPr>
+          <a:xfrm>
+            <a:off x="5193687" y="4085404"/>
+            <a:ext cx="2502111" cy="230832"/>
+            <a:chOff x="4317089" y="3347873"/>
+            <a:chExt cx="675644" cy="159933"/>
+          </a:xfrm>
+        </p:grpSpPr>
+        <p:grpSp>
+          <p:nvGrpSpPr>
+            <p:cNvPr id="115" name="Group 114"/>
+            <p:cNvGrpSpPr/>
+            <p:nvPr/>
+          </p:nvGrpSpPr>
+          <p:grpSpPr>
+            <a:xfrm>
+              <a:off x="4327184" y="3347873"/>
+              <a:ext cx="665549" cy="159933"/>
+              <a:chOff x="5154354" y="2120684"/>
+              <a:chExt cx="623761" cy="149936"/>
+            </a:xfrm>
+          </p:grpSpPr>
+          <p:sp>
+            <p:nvSpPr>
+              <p:cNvPr id="117" name="Content"/>
+              <p:cNvSpPr txBox="1">
+                <a:spLocks/>
+              </p:cNvSpPr>
+              <p:nvPr/>
+            </p:nvSpPr>
+            <p:spPr>
+              <a:xfrm>
+                <a:off x="5154354" y="2120684"/>
+                <a:ext cx="623761" cy="149936"/>
+              </a:xfrm>
+              <a:prstGeom prst="rect">
+                <a:avLst/>
+              </a:prstGeom>
+              <a:noFill/>
+            </p:spPr>
+            <p:txBody>
+              <a:bodyPr wrap="none" lIns="164592" tIns="18288" rIns="45720" bIns="27432" rtlCol="0" anchor="ctr" anchorCtr="0">
+                <a:spAutoFit/>
+              </a:bodyPr>
+              <a:lstStyle/>
+              <a:p>
+                <a:r>
+                  <a:rPr lang="en-US" sz="1200" dirty="0">
+                    <a:latin typeface="Segoe UI" pitchFamily="34" charset="0"/>
+                    <a:ea typeface="Segoe UI" pitchFamily="34" charset="0"/>
+                    <a:cs typeface="Segoe UI" pitchFamily="34" charset="0"/>
+                  </a:rPr>
+                  <a:t>Use this group in this coursework</a:t>
+                </a:r>
+              </a:p>
+            </p:txBody>
+          </p:sp>
+          <p:sp>
+            <p:nvSpPr>
+              <p:cNvPr id="118" name="CheckBox"/>
+              <p:cNvSpPr>
+                <a:spLocks/>
+              </p:cNvSpPr>
+              <p:nvPr/>
+            </p:nvSpPr>
+            <p:spPr>
+              <a:xfrm>
+                <a:off x="5154354" y="2161829"/>
+                <a:ext cx="27007" cy="67644"/>
+              </a:xfrm>
+              <a:prstGeom prst="rect">
+                <a:avLst/>
+              </a:prstGeom>
+              <a:solidFill>
+                <a:srgbClr val="FFFFFF"/>
+              </a:solidFill>
+              <a:ln w="3175">
+                <a:solidFill>
+                  <a:srgbClr val="FFFFFF">
+                    <a:lumMod val="65000"/>
+                  </a:srgbClr>
+                </a:solidFill>
+              </a:ln>
+              <a:effectLst>
+                <a:innerShdw blurRad="63500">
+                  <a:prstClr val="black">
+                    <a:alpha val="17000"/>
+                  </a:prstClr>
+                </a:innerShdw>
+              </a:effectLst>
+            </p:spPr>
+            <p:style>
+              <a:lnRef idx="2">
+                <a:srgbClr val="4F81BD">
+                  <a:shade val="50000"/>
+                </a:srgbClr>
+              </a:lnRef>
+              <a:fillRef idx="1">
+                <a:srgbClr val="4F81BD"/>
+              </a:fillRef>
+              <a:effectRef idx="0">
+                <a:srgbClr val="4F81BD"/>
+              </a:effectRef>
+              <a:fontRef idx="minor">
+                <a:srgbClr val="000000"/>
+              </a:fontRef>
+            </p:style>
+            <p:txBody>
+              <a:bodyPr rtlCol="0" anchor="ctr"/>
+              <a:lstStyle/>
+              <a:p>
+                <a:pPr algn="ctr"/>
+                <a:endParaRPr lang="en-US" dirty="0"/>
+              </a:p>
+            </p:txBody>
+          </p:sp>
+        </p:grpSp>
+        <p:pic>
+          <p:nvPicPr>
+            <p:cNvPr id="116" name="Check" descr="C:\Users\t-dantay\Documents\WPIcons\appbar.check.rest.png"/>
+            <p:cNvPicPr>
+              <a:picLocks noChangeAspect="1" noChangeArrowheads="1"/>
+            </p:cNvPicPr>
+            <p:nvPr/>
+          </p:nvPicPr>
+          <p:blipFill>
+            <a:blip r:embed="rId22" cstate="print">
+              <a:extLst>
+                <a:ext uri="{28A0092B-C50C-407E-A947-70E740481C1C}">
+                  <a14:useLocalDpi xmlns:a14="http://schemas.microsoft.com/office/drawing/2010/main" val="0"/>
+                </a:ext>
+              </a:extLst>
+            </a:blip>
+            <a:srcRect/>
+            <a:stretch>
+              <a:fillRect/>
+            </a:stretch>
+          </p:blipFill>
+          <p:spPr bwMode="auto">
+            <a:xfrm>
+              <a:off x="4317089" y="3364485"/>
+              <a:ext cx="49383" cy="126709"/>
+            </a:xfrm>
+            <a:prstGeom prst="rect">
+              <a:avLst/>
+            </a:prstGeom>
+            <a:noFill/>
+            <a:extLst>
+              <a:ext uri="{909E8E84-426E-40DD-AFC4-6F175D3DCCD1}">
+                <a14:hiddenFill xmlns:a14="http://schemas.microsoft.com/office/drawing/2010/main">
+                  <a:solidFill>
+                    <a:srgbClr val="FFFFFF"/>
+                  </a:solidFill>
+                </a14:hiddenFill>
+              </a:ext>
+            </a:extLst>
+          </p:spPr>
+        </p:pic>
+      </p:grpSp>
+      <p:grpSp>
+        <p:nvGrpSpPr>
+          <p:cNvPr id="119" name="CheckBoxChecked"/>
+          <p:cNvGrpSpPr/>
+          <p:nvPr>
+            <p:custDataLst>
+              <p:custData r:id="rId8"/>
+            </p:custDataLst>
+          </p:nvPr>
+        </p:nvGrpSpPr>
+        <p:grpSpPr>
+          <a:xfrm>
+            <a:off x="5193687" y="5921077"/>
+            <a:ext cx="2502111" cy="230832"/>
+            <a:chOff x="4317089" y="3347873"/>
+            <a:chExt cx="675644" cy="159933"/>
+          </a:xfrm>
+        </p:grpSpPr>
+        <p:grpSp>
+          <p:nvGrpSpPr>
+            <p:cNvPr id="120" name="Group 119"/>
+            <p:cNvGrpSpPr/>
+            <p:nvPr/>
+          </p:nvGrpSpPr>
+          <p:grpSpPr>
+            <a:xfrm>
+              <a:off x="4327184" y="3347873"/>
+              <a:ext cx="665549" cy="159933"/>
+              <a:chOff x="5154354" y="2120684"/>
+              <a:chExt cx="623761" cy="149936"/>
+            </a:xfrm>
+          </p:grpSpPr>
+          <p:sp>
+            <p:nvSpPr>
+              <p:cNvPr id="122" name="Content"/>
+              <p:cNvSpPr txBox="1">
+                <a:spLocks/>
+              </p:cNvSpPr>
+              <p:nvPr/>
+            </p:nvSpPr>
+            <p:spPr>
+              <a:xfrm>
+                <a:off x="5154354" y="2120684"/>
+                <a:ext cx="623761" cy="149936"/>
+              </a:xfrm>
+              <a:prstGeom prst="rect">
+                <a:avLst/>
+              </a:prstGeom>
+              <a:noFill/>
+            </p:spPr>
+            <p:txBody>
+              <a:bodyPr wrap="none" lIns="164592" tIns="18288" rIns="45720" bIns="27432" rtlCol="0" anchor="ctr" anchorCtr="0">
+                <a:spAutoFit/>
+              </a:bodyPr>
+              <a:lstStyle/>
+              <a:p>
+                <a:r>
+                  <a:rPr lang="en-US" sz="1200" dirty="0">
+                    <a:latin typeface="Segoe UI" pitchFamily="34" charset="0"/>
+                    <a:ea typeface="Segoe UI" pitchFamily="34" charset="0"/>
+                    <a:cs typeface="Segoe UI" pitchFamily="34" charset="0"/>
+                  </a:rPr>
+                  <a:t>Use this group in this coursework</a:t>
+                </a:r>
+              </a:p>
+            </p:txBody>
+          </p:sp>
+          <p:sp>
+            <p:nvSpPr>
+              <p:cNvPr id="123" name="CheckBox"/>
+              <p:cNvSpPr>
+                <a:spLocks/>
+              </p:cNvSpPr>
+              <p:nvPr/>
+            </p:nvSpPr>
+            <p:spPr>
+              <a:xfrm>
+                <a:off x="5154354" y="2161829"/>
+                <a:ext cx="27007" cy="67644"/>
+              </a:xfrm>
+              <a:prstGeom prst="rect">
+                <a:avLst/>
+              </a:prstGeom>
+              <a:solidFill>
+                <a:srgbClr val="FFFFFF"/>
+              </a:solidFill>
+              <a:ln w="3175">
+                <a:solidFill>
+                  <a:srgbClr val="FFFFFF">
+                    <a:lumMod val="65000"/>
+                  </a:srgbClr>
+                </a:solidFill>
+              </a:ln>
+              <a:effectLst>
+                <a:innerShdw blurRad="63500">
+                  <a:prstClr val="black">
+                    <a:alpha val="17000"/>
+                  </a:prstClr>
+                </a:innerShdw>
+              </a:effectLst>
+            </p:spPr>
+            <p:style>
+              <a:lnRef idx="2">
+                <a:srgbClr val="4F81BD">
+                  <a:shade val="50000"/>
+                </a:srgbClr>
+              </a:lnRef>
+              <a:fillRef idx="1">
+                <a:srgbClr val="4F81BD"/>
+              </a:fillRef>
+              <a:effectRef idx="0">
+                <a:srgbClr val="4F81BD"/>
+              </a:effectRef>
+              <a:fontRef idx="minor">
+                <a:srgbClr val="000000"/>
+              </a:fontRef>
+            </p:style>
+            <p:txBody>
+              <a:bodyPr rtlCol="0" anchor="ctr"/>
+              <a:lstStyle/>
+              <a:p>
+                <a:pPr algn="ctr"/>
+                <a:endParaRPr lang="en-US" dirty="0"/>
+              </a:p>
+            </p:txBody>
+          </p:sp>
+        </p:grpSp>
+        <p:pic>
+          <p:nvPicPr>
+            <p:cNvPr id="121" name="Check" descr="C:\Users\t-dantay\Documents\WPIcons\appbar.check.rest.png"/>
+            <p:cNvPicPr>
+              <a:picLocks noChangeAspect="1" noChangeArrowheads="1"/>
+            </p:cNvPicPr>
+            <p:nvPr/>
+          </p:nvPicPr>
+          <p:blipFill>
+            <a:blip r:embed="rId22" cstate="print">
+              <a:extLst>
+                <a:ext uri="{28A0092B-C50C-407E-A947-70E740481C1C}">
+                  <a14:useLocalDpi xmlns:a14="http://schemas.microsoft.com/office/drawing/2010/main" val="0"/>
+                </a:ext>
+              </a:extLst>
+            </a:blip>
+            <a:srcRect/>
+            <a:stretch>
+              <a:fillRect/>
+            </a:stretch>
+          </p:blipFill>
+          <p:spPr bwMode="auto">
+            <a:xfrm>
+              <a:off x="4317089" y="3364485"/>
+              <a:ext cx="49383" cy="126709"/>
+            </a:xfrm>
+            <a:prstGeom prst="rect">
+              <a:avLst/>
+            </a:prstGeom>
+            <a:noFill/>
+            <a:extLst>
+              <a:ext uri="{909E8E84-426E-40DD-AFC4-6F175D3DCCD1}">
+                <a14:hiddenFill xmlns:a14="http://schemas.microsoft.com/office/drawing/2010/main">
+                  <a:solidFill>
+                    <a:srgbClr val="FFFFFF"/>
+                  </a:solidFill>
+                </a14:hiddenFill>
+              </a:ext>
+            </a:extLst>
+          </p:spPr>
+        </p:pic>
+      </p:grpSp>
+      <p:sp>
+        <p:nvSpPr>
+          <p:cNvPr id="124" name="TextBox 123"/>
+          <p:cNvSpPr txBox="1"/>
+          <p:nvPr/>
+        </p:nvSpPr>
+        <p:spPr>
+          <a:xfrm>
+            <a:off x="923925" y="10207203"/>
+            <a:ext cx="3074808" cy="646331"/>
+          </a:xfrm>
+          <a:prstGeom prst="rect">
+            <a:avLst/>
+          </a:prstGeom>
+          <a:noFill/>
+        </p:spPr>
+        <p:txBody>
+          <a:bodyPr wrap="square" rtlCol="0">
+            <a:spAutoFit/>
+          </a:bodyPr>
+          <a:lstStyle/>
+          <a:p>
+            <a:r>
+              <a:rPr lang="en-GB" dirty="0"/>
+              <a:t>Auto-Create Feedback Groups according to ruleset</a:t>
+            </a:r>
+          </a:p>
+        </p:txBody>
+      </p:sp>
+      <p:grpSp>
+        <p:nvGrpSpPr>
+          <p:cNvPr id="125" name="DropdownBox"/>
+          <p:cNvGrpSpPr/>
+          <p:nvPr>
+            <p:custDataLst>
+              <p:custData r:id="rId9"/>
+            </p:custDataLst>
+          </p:nvPr>
+        </p:nvGrpSpPr>
+        <p:grpSpPr>
+          <a:xfrm>
+            <a:off x="1000573" y="10909297"/>
+            <a:ext cx="3911289" cy="228601"/>
+            <a:chOff x="4016824" y="3329189"/>
+            <a:chExt cx="1097652" cy="140277"/>
+          </a:xfrm>
+        </p:grpSpPr>
+        <p:sp>
+          <p:nvSpPr>
+            <p:cNvPr id="126" name="Content"/>
+            <p:cNvSpPr>
+              <a:spLocks/>
+            </p:cNvSpPr>
+            <p:nvPr/>
+          </p:nvSpPr>
+          <p:spPr>
+            <a:xfrm>
+              <a:off x="4016824" y="3329189"/>
+              <a:ext cx="1097652" cy="140277"/>
+            </a:xfrm>
+            <a:prstGeom prst="rect">
+              <a:avLst/>
+            </a:prstGeom>
+            <a:solidFill>
+              <a:srgbClr val="FFFFFF"/>
+            </a:solidFill>
+            <a:ln w="3175">
+              <a:solidFill>
+                <a:srgbClr val="FFFFFF">
+                  <a:lumMod val="50000"/>
+                </a:srgbClr>
+              </a:solidFill>
+            </a:ln>
+          </p:spPr>
+          <p:style>
+            <a:lnRef idx="2">
+              <a:srgbClr val="4F81BD">
+                <a:shade val="50000"/>
+              </a:srgbClr>
+            </a:lnRef>
+            <a:fillRef idx="1">
+              <a:srgbClr val="4F81BD"/>
+            </a:fillRef>
+            <a:effectRef idx="0">
+              <a:srgbClr val="4F81BD"/>
+            </a:effectRef>
+            <a:fontRef idx="minor">
+              <a:srgbClr val="000000"/>
+            </a:fontRef>
+          </p:style>
+          <p:txBody>
+            <a:bodyPr lIns="45720" rIns="45720" rtlCol="0" anchor="ctr"/>
+            <a:lstStyle/>
+            <a:p>
+              <a:r>
+                <a:rPr lang="en-US" sz="1200" dirty="0">
+                  <a:latin typeface="Segoe UI" pitchFamily="34" charset="0"/>
+                  <a:ea typeface="Segoe UI" pitchFamily="34" charset="0"/>
+                  <a:cs typeface="Segoe UI" pitchFamily="34" charset="0"/>
+                </a:rPr>
+                <a:t>Attempt best fit of mix of genders and campus</a:t>
+              </a:r>
+              <a:endParaRPr lang="en-US" sz="1200" dirty="0">
+                <a:solidFill>
+                  <a:srgbClr val="000000"/>
+                </a:solidFill>
+                <a:latin typeface="Segoe UI" pitchFamily="34" charset="0"/>
+                <a:ea typeface="Segoe UI" pitchFamily="34" charset="0"/>
+                <a:cs typeface="Segoe UI" pitchFamily="34" charset="0"/>
+              </a:endParaRPr>
+            </a:p>
+          </p:txBody>
+        </p:sp>
+        <p:sp>
+          <p:nvSpPr>
+            <p:cNvPr id="127" name="DownArrow"/>
+            <p:cNvSpPr>
+              <a:spLocks noChangeAspect="1"/>
+            </p:cNvSpPr>
+            <p:nvPr/>
+          </p:nvSpPr>
+          <p:spPr>
+            <a:xfrm rot="10800000">
+              <a:off x="5080023" y="3391166"/>
+              <a:ext cx="22818" cy="29925"/>
+            </a:xfrm>
+            <a:prstGeom prst="triangle">
+              <a:avLst/>
+            </a:prstGeom>
+            <a:solidFill>
+              <a:srgbClr val="FFFFFF">
+                <a:lumMod val="75000"/>
+              </a:srgbClr>
+            </a:solidFill>
+            <a:ln>
+              <a:noFill/>
+            </a:ln>
+          </p:spPr>
+          <p:style>
+            <a:lnRef idx="2">
+              <a:srgbClr val="4F81BD">
+                <a:shade val="50000"/>
+              </a:srgbClr>
+            </a:lnRef>
+            <a:fillRef idx="1">
+              <a:srgbClr val="4F81BD"/>
+            </a:fillRef>
+            <a:effectRef idx="0">
+              <a:srgbClr val="4F81BD"/>
+            </a:effectRef>
+            <a:fontRef idx="minor">
+              <a:srgbClr val="000000"/>
+            </a:fontRef>
+          </p:style>
+          <p:txBody>
+            <a:bodyPr wrap="square" rtlCol="0" anchor="ctr"/>
+            <a:lstStyle/>
+            <a:p>
+              <a:pPr algn="ctr"/>
+              <a:endParaRPr lang="en-US" sz="2400" dirty="0"/>
+            </a:p>
+          </p:txBody>
+        </p:sp>
+      </p:grpSp>
+      <p:grpSp>
+        <p:nvGrpSpPr>
+          <p:cNvPr id="128" name="List"/>
           <p:cNvGrpSpPr/>
           <p:nvPr>
             <p:custDataLst>
@@ -26025,24 +29047,519 @@
         </p:nvGrpSpPr>
         <p:grpSpPr>
           <a:xfrm>
-            <a:off x="6867195" y="3265430"/>
-            <a:ext cx="1492470" cy="1509452"/>
-            <a:chOff x="4093538" y="2379546"/>
-            <a:chExt cx="1371600" cy="1509452"/>
+            <a:off x="990392" y="11120355"/>
+            <a:ext cx="3921470" cy="757130"/>
+            <a:chOff x="4610405" y="3047458"/>
+            <a:chExt cx="1651415" cy="1593427"/>
+          </a:xfrm>
+        </p:grpSpPr>
+        <p:grpSp>
+          <p:nvGrpSpPr>
+            <p:cNvPr id="129" name="Group 128"/>
+            <p:cNvGrpSpPr/>
+            <p:nvPr/>
+          </p:nvGrpSpPr>
+          <p:grpSpPr>
+            <a:xfrm>
+              <a:off x="4610405" y="3047458"/>
+              <a:ext cx="1651415" cy="1593427"/>
+              <a:chOff x="4648810" y="3359442"/>
+              <a:chExt cx="713680" cy="785764"/>
+            </a:xfrm>
+          </p:grpSpPr>
+          <p:sp>
+            <p:nvSpPr>
+              <p:cNvPr id="135" name="Background"/>
+              <p:cNvSpPr>
+                <a:spLocks/>
+              </p:cNvSpPr>
+              <p:nvPr/>
+            </p:nvSpPr>
+            <p:spPr>
+              <a:xfrm>
+                <a:off x="4648810" y="3359442"/>
+                <a:ext cx="713680" cy="785762"/>
+              </a:xfrm>
+              <a:prstGeom prst="rect">
+                <a:avLst/>
+              </a:prstGeom>
+              <a:solidFill>
+                <a:srgbClr val="FFFFFF"/>
+              </a:solidFill>
+              <a:ln w="3175" cap="flat" cmpd="sng" algn="ctr">
+                <a:solidFill>
+                  <a:srgbClr val="FFFFFF">
+                    <a:lumMod val="50000"/>
+                  </a:srgbClr>
+                </a:solidFill>
+                <a:prstDash val="solid"/>
+              </a:ln>
+              <a:effectLst/>
+            </p:spPr>
+            <p:txBody>
+              <a:bodyPr rot="0" spcFirstLastPara="0" vertOverflow="overflow" horzOverflow="overflow" vert="horz" wrap="square" lIns="45720" tIns="0" rIns="91440" bIns="0" numCol="1" spcCol="0" rtlCol="0" fromWordArt="0" anchor="ctr" anchorCtr="0" forceAA="0" compatLnSpc="1">
+                <a:prstTxWarp prst="textNoShape">
+                  <a:avLst/>
+                </a:prstTxWarp>
+                <a:noAutofit/>
+              </a:bodyPr>
+              <a:lstStyle/>
+              <a:p>
+                <a:pPr marL="0" marR="0" indent="0" algn="ctr" defTabSz="914400" eaLnBrk="1" fontAlgn="auto" latinLnBrk="0" hangingPunct="1">
+                  <a:lnSpc>
+                    <a:spcPct val="100000"/>
+                  </a:lnSpc>
+                  <a:spcBef>
+                    <a:spcPts val="0"/>
+                  </a:spcBef>
+                  <a:spcAft>
+                    <a:spcPts val="0"/>
+                  </a:spcAft>
+                  <a:buClrTx/>
+                  <a:buSzTx/>
+                  <a:buFontTx/>
+                  <a:buNone/>
+                  <a:tabLst/>
+                </a:pPr>
+                <a:endParaRPr kumimoji="0" lang="en-US" sz="1050" b="0" i="0" u="none" strike="noStrike" kern="0" cap="none" spc="0" normalizeH="0" baseline="0" noProof="0" dirty="0">
+                  <a:ln>
+                    <a:noFill/>
+                  </a:ln>
+                  <a:solidFill>
+                    <a:srgbClr val="000000">
+                      <a:lumMod val="75000"/>
+                      <a:lumOff val="25000"/>
+                    </a:srgbClr>
+                  </a:solidFill>
+                  <a:effectLst/>
+                  <a:uLnTx/>
+                  <a:uFillTx/>
+                  <a:latin typeface="Segoe UI"/>
+                  <a:ea typeface="+mn-ea"/>
+                  <a:cs typeface="+mn-cs"/>
+                </a:endParaRPr>
+              </a:p>
+            </p:txBody>
+          </p:sp>
+          <p:sp>
+            <p:nvSpPr>
+              <p:cNvPr id="136" name="Content"/>
+              <p:cNvSpPr/>
+              <p:nvPr/>
+            </p:nvSpPr>
+            <p:spPr>
+              <a:xfrm>
+                <a:off x="4648810" y="3359442"/>
+                <a:ext cx="713680" cy="785764"/>
+              </a:xfrm>
+              <a:prstGeom prst="rect">
+                <a:avLst/>
+              </a:prstGeom>
+              <a:noFill/>
+              <a:ln w="3175">
+                <a:noFill/>
+              </a:ln>
+              <a:effectLst/>
+            </p:spPr>
+            <p:style>
+              <a:lnRef idx="2">
+                <a:srgbClr val="4F81BD">
+                  <a:shade val="50000"/>
+                </a:srgbClr>
+              </a:lnRef>
+              <a:fillRef idx="1">
+                <a:srgbClr val="4F81BD"/>
+              </a:fillRef>
+              <a:effectRef idx="0">
+                <a:srgbClr val="4F81BD"/>
+              </a:effectRef>
+              <a:fontRef idx="minor">
+                <a:srgbClr val="000000"/>
+              </a:fontRef>
+            </p:style>
+            <p:txBody>
+              <a:bodyPr lIns="45720" tIns="0" rIns="0" bIns="18288" rtlCol="0" anchor="t" anchorCtr="0">
+                <a:spAutoFit/>
+              </a:bodyPr>
+              <a:lstStyle/>
+              <a:p>
+                <a:r>
+                  <a:rPr lang="en-US" sz="1200" dirty="0">
+                    <a:solidFill>
+                      <a:sysClr val="windowText" lastClr="000000"/>
+                    </a:solidFill>
+                    <a:latin typeface="Segoe UI" pitchFamily="34" charset="0"/>
+                    <a:cs typeface="Segoe UI" pitchFamily="34" charset="0"/>
+                  </a:rPr>
+                  <a:t>Attempt best fit of mix of genders and campus</a:t>
+                </a:r>
+              </a:p>
+              <a:p>
+                <a:r>
+                  <a:rPr lang="en-US" sz="1200" dirty="0">
+                    <a:solidFill>
+                      <a:sysClr val="windowText" lastClr="000000"/>
+                    </a:solidFill>
+                    <a:latin typeface="Segoe UI" pitchFamily="34" charset="0"/>
+                    <a:cs typeface="Segoe UI" pitchFamily="34" charset="0"/>
+                  </a:rPr>
+                  <a:t>Group Alphabetical by username</a:t>
+                </a:r>
+              </a:p>
+              <a:p>
+                <a:r>
+                  <a:rPr lang="en-US" sz="1200" dirty="0">
+                    <a:solidFill>
+                      <a:sysClr val="windowText" lastClr="000000"/>
+                    </a:solidFill>
+                    <a:latin typeface="Segoe UI" pitchFamily="34" charset="0"/>
+                    <a:cs typeface="Segoe UI" pitchFamily="34" charset="0"/>
+                  </a:rPr>
+                  <a:t>Mix students with high and low participation</a:t>
+                </a:r>
+              </a:p>
+              <a:p>
+                <a:r>
+                  <a:rPr lang="en-US" sz="1200" dirty="0">
+                    <a:solidFill>
+                      <a:sysClr val="windowText" lastClr="000000"/>
+                    </a:solidFill>
+                    <a:latin typeface="Segoe UI" pitchFamily="34" charset="0"/>
+                    <a:cs typeface="Segoe UI" pitchFamily="34" charset="0"/>
+                  </a:rPr>
+                  <a:t>Group students by participation</a:t>
+                </a:r>
+              </a:p>
+            </p:txBody>
+          </p:sp>
+        </p:grpSp>
+        <p:grpSp>
+          <p:nvGrpSpPr>
+            <p:cNvPr id="130" name="Group 129"/>
+            <p:cNvGrpSpPr/>
+            <p:nvPr>
+              <p:custDataLst>
+                <p:custData r:id="rId13"/>
+              </p:custDataLst>
+            </p:nvPr>
+          </p:nvGrpSpPr>
+          <p:grpSpPr>
+            <a:xfrm>
+              <a:off x="6199497" y="3047458"/>
+              <a:ext cx="62323" cy="1593422"/>
+              <a:chOff x="4582328" y="1543110"/>
+              <a:chExt cx="62323" cy="3701030"/>
+            </a:xfrm>
+          </p:grpSpPr>
+          <p:sp>
+            <p:nvSpPr>
+              <p:cNvPr id="131" name="ScrollBar"/>
+              <p:cNvSpPr>
+                <a:spLocks/>
+              </p:cNvSpPr>
+              <p:nvPr/>
+            </p:nvSpPr>
+            <p:spPr>
+              <a:xfrm>
+                <a:off x="4582328" y="1543110"/>
+                <a:ext cx="62323" cy="3701030"/>
+              </a:xfrm>
+              <a:prstGeom prst="rect">
+                <a:avLst/>
+              </a:prstGeom>
+              <a:solidFill>
+                <a:srgbClr val="FFFFFF">
+                  <a:lumMod val="95000"/>
+                </a:srgbClr>
+              </a:solidFill>
+              <a:ln w="3175">
+                <a:solidFill>
+                  <a:srgbClr val="FFFFFF">
+                    <a:lumMod val="50000"/>
+                  </a:srgbClr>
+                </a:solidFill>
+              </a:ln>
+            </p:spPr>
+            <p:style>
+              <a:lnRef idx="2">
+                <a:srgbClr val="4F81BD">
+                  <a:shade val="50000"/>
+                </a:srgbClr>
+              </a:lnRef>
+              <a:fillRef idx="1001">
+                <a:srgbClr val="000000"/>
+              </a:fillRef>
+              <a:effectRef idx="0">
+                <a:srgbClr val="4F81BD"/>
+              </a:effectRef>
+              <a:fontRef idx="minor">
+                <a:srgbClr val="000000"/>
+              </a:fontRef>
+            </p:style>
+            <p:txBody>
+              <a:bodyPr lIns="97548" tIns="48774" rIns="97548" bIns="48774" rtlCol="0" anchor="ctr"/>
+              <a:lstStyle/>
+              <a:p>
+                <a:pPr algn="ctr" defTabSz="913915"/>
+                <a:endParaRPr lang="en-US" dirty="0"/>
+              </a:p>
+            </p:txBody>
+          </p:sp>
+          <p:sp>
+            <p:nvSpPr>
+              <p:cNvPr id="132" name="Slider"/>
+              <p:cNvSpPr>
+                <a:spLocks/>
+              </p:cNvSpPr>
+              <p:nvPr/>
+            </p:nvSpPr>
+            <p:spPr>
+              <a:xfrm>
+                <a:off x="4582328" y="3004589"/>
+                <a:ext cx="62323" cy="1694091"/>
+              </a:xfrm>
+              <a:prstGeom prst="rect">
+                <a:avLst/>
+              </a:prstGeom>
+              <a:solidFill>
+                <a:srgbClr val="FFFFFF">
+                  <a:lumMod val="85000"/>
+                </a:srgbClr>
+              </a:solidFill>
+              <a:ln w="3175">
+                <a:solidFill>
+                  <a:srgbClr val="FFFFFF">
+                    <a:lumMod val="50000"/>
+                  </a:srgbClr>
+                </a:solidFill>
+              </a:ln>
+            </p:spPr>
+            <p:style>
+              <a:lnRef idx="2">
+                <a:srgbClr val="4F81BD">
+                  <a:shade val="50000"/>
+                </a:srgbClr>
+              </a:lnRef>
+              <a:fillRef idx="1">
+                <a:srgbClr val="4F81BD"/>
+              </a:fillRef>
+              <a:effectRef idx="0">
+                <a:srgbClr val="4F81BD"/>
+              </a:effectRef>
+              <a:fontRef idx="minor">
+                <a:srgbClr val="000000"/>
+              </a:fontRef>
+            </p:style>
+            <p:txBody>
+              <a:bodyPr lIns="97548" tIns="48774" rIns="97548" bIns="48774" rtlCol="0" anchor="ctr"/>
+              <a:lstStyle/>
+              <a:p>
+                <a:pPr algn="ctr"/>
+                <a:endParaRPr lang="en-US" dirty="0"/>
+              </a:p>
+            </p:txBody>
+          </p:sp>
+          <p:sp>
+            <p:nvSpPr>
+              <p:cNvPr id="133" name="UpArrow"/>
+              <p:cNvSpPr>
+                <a:spLocks/>
+              </p:cNvSpPr>
+              <p:nvPr/>
+            </p:nvSpPr>
+            <p:spPr>
+              <a:xfrm>
+                <a:off x="4600012" y="1722680"/>
+                <a:ext cx="26955" cy="312887"/>
+              </a:xfrm>
+              <a:prstGeom prst="triangle">
+                <a:avLst/>
+              </a:prstGeom>
+              <a:solidFill>
+                <a:srgbClr val="FFFFFF">
+                  <a:lumMod val="50000"/>
+                  <a:alpha val="99000"/>
+                </a:srgbClr>
+              </a:solidFill>
+              <a:ln>
+                <a:noFill/>
+              </a:ln>
+            </p:spPr>
+            <p:style>
+              <a:lnRef idx="2">
+                <a:srgbClr val="4F81BD">
+                  <a:shade val="50000"/>
+                </a:srgbClr>
+              </a:lnRef>
+              <a:fillRef idx="1">
+                <a:srgbClr val="4F81BD"/>
+              </a:fillRef>
+              <a:effectRef idx="0">
+                <a:srgbClr val="4F81BD"/>
+              </a:effectRef>
+              <a:fontRef idx="minor">
+                <a:srgbClr val="000000"/>
+              </a:fontRef>
+            </p:style>
+            <p:txBody>
+              <a:bodyPr lIns="97548" tIns="48774" rIns="97548" bIns="48774" rtlCol="0" anchor="ctr"/>
+              <a:lstStyle/>
+              <a:p>
+                <a:pPr algn="ctr"/>
+                <a:endParaRPr lang="en-US" dirty="0"/>
+              </a:p>
+            </p:txBody>
+          </p:sp>
+          <p:sp>
+            <p:nvSpPr>
+              <p:cNvPr id="134" name="DownArrow"/>
+              <p:cNvSpPr>
+                <a:spLocks/>
+              </p:cNvSpPr>
+              <p:nvPr/>
+            </p:nvSpPr>
+            <p:spPr>
+              <a:xfrm rot="10800000">
+                <a:off x="4600012" y="4771544"/>
+                <a:ext cx="26955" cy="312887"/>
+              </a:xfrm>
+              <a:prstGeom prst="triangle">
+                <a:avLst/>
+              </a:prstGeom>
+              <a:solidFill>
+                <a:srgbClr val="FFFFFF">
+                  <a:lumMod val="50000"/>
+                  <a:alpha val="99000"/>
+                </a:srgbClr>
+              </a:solidFill>
+              <a:ln>
+                <a:noFill/>
+              </a:ln>
+            </p:spPr>
+            <p:style>
+              <a:lnRef idx="2">
+                <a:srgbClr val="4F81BD">
+                  <a:shade val="50000"/>
+                </a:srgbClr>
+              </a:lnRef>
+              <a:fillRef idx="1">
+                <a:srgbClr val="4F81BD"/>
+              </a:fillRef>
+              <a:effectRef idx="0">
+                <a:srgbClr val="4F81BD"/>
+              </a:effectRef>
+              <a:fontRef idx="minor">
+                <a:srgbClr val="000000"/>
+              </a:fontRef>
+            </p:style>
+            <p:txBody>
+              <a:bodyPr lIns="97548" tIns="48774" rIns="97548" bIns="48774" rtlCol="0" anchor="ctr"/>
+              <a:lstStyle/>
+              <a:p>
+                <a:pPr algn="ctr"/>
+                <a:endParaRPr lang="en-US" dirty="0"/>
+              </a:p>
+            </p:txBody>
+          </p:sp>
+        </p:grpSp>
+      </p:grpSp>
+      <p:sp>
+        <p:nvSpPr>
+          <p:cNvPr id="137" name="Content"/>
+          <p:cNvSpPr/>
+          <p:nvPr>
+            <p:custDataLst>
+              <p:custData r:id="rId11"/>
+            </p:custDataLst>
+          </p:nvPr>
+        </p:nvSpPr>
+        <p:spPr>
+          <a:xfrm>
+            <a:off x="2732261" y="12014199"/>
+            <a:ext cx="2202535" cy="363471"/>
+          </a:xfrm>
+          <a:prstGeom prst="roundRect">
+            <a:avLst/>
+          </a:prstGeom>
+          <a:solidFill>
+            <a:srgbClr val="FFFFFF">
+              <a:lumMod val="95000"/>
+            </a:srgbClr>
+          </a:solidFill>
+          <a:ln w="3175">
+            <a:solidFill>
+              <a:srgbClr val="000000">
+                <a:lumMod val="50000"/>
+                <a:lumOff val="50000"/>
+              </a:srgbClr>
+            </a:solidFill>
+          </a:ln>
+          <a:effectLst/>
+        </p:spPr>
+        <p:style>
+          <a:lnRef idx="2">
+            <a:srgbClr val="4F81BD">
+              <a:shade val="50000"/>
+            </a:srgbClr>
+          </a:lnRef>
+          <a:fillRef idx="1">
+            <a:srgbClr val="4F81BD"/>
+          </a:fillRef>
+          <a:effectRef idx="0">
+            <a:srgbClr val="4F81BD"/>
+          </a:effectRef>
+          <a:fontRef idx="minor">
+            <a:srgbClr val="000000"/>
+          </a:fontRef>
+        </p:style>
+        <p:txBody>
+          <a:bodyPr wrap="square" lIns="91440" tIns="0" rIns="91440" bIns="9144" rtlCol="0" anchor="ctr">
+            <a:noAutofit/>
+          </a:bodyPr>
+          <a:lstStyle/>
+          <a:p>
+            <a:pPr algn="ctr"/>
+            <a:r>
+              <a:rPr lang="en-US" sz="1200" dirty="0">
+                <a:solidFill>
+                  <a:srgbClr val="000000"/>
+                </a:solidFill>
+                <a:latin typeface="Segoe UI" pitchFamily="34" charset="0"/>
+                <a:cs typeface="Segoe UI" pitchFamily="34" charset="0"/>
+              </a:rPr>
+              <a:t>Generate feedback groups</a:t>
+            </a:r>
+          </a:p>
+        </p:txBody>
+      </p:sp>
+      <p:grpSp>
+        <p:nvGrpSpPr>
+          <p:cNvPr id="399" name="StickyNote"/>
+          <p:cNvGrpSpPr/>
+          <p:nvPr>
+            <p:custDataLst>
+              <p:custData r:id="rId12"/>
+            </p:custDataLst>
+          </p:nvPr>
+        </p:nvGrpSpPr>
+        <p:grpSpPr>
+          <a:xfrm>
+            <a:off x="6790350" y="10091126"/>
+            <a:ext cx="1371600" cy="1485673"/>
+            <a:chOff x="3886200" y="2629127"/>
+            <a:chExt cx="1371600" cy="1485673"/>
           </a:xfrm>
         </p:grpSpPr>
         <p:sp>
           <p:nvSpPr>
-            <p:cNvPr id="113" name="Content"/>
-            <p:cNvSpPr>
-              <a:spLocks/>
-            </p:cNvSpPr>
+            <p:cNvPr id="400" name="Content"/>
+            <p:cNvSpPr/>
             <p:nvPr/>
           </p:nvSpPr>
           <p:spPr>
             <a:xfrm>
-              <a:off x="4093538" y="2493619"/>
-              <a:ext cx="1371600" cy="1395379"/>
+              <a:off x="3886200" y="2743200"/>
+              <a:ext cx="1371600" cy="1371600"/>
             </a:xfrm>
             <a:prstGeom prst="rect">
               <a:avLst/>
@@ -26097,23 +29614,21 @@
                   <a:latin typeface="Segoe UI" pitchFamily="34" charset="0"/>
                   <a:cs typeface="Segoe UI" pitchFamily="34" charset="0"/>
                 </a:rPr>
-                <a:t>User-deleted files are kept on system, but marked as deleted so invisible to students</a:t>
+                <a:t>None of this makes the least bit of sense, does it?</a:t>
               </a:r>
             </a:p>
           </p:txBody>
         </p:sp>
         <p:sp>
           <p:nvSpPr>
-            <p:cNvPr id="114" name="Tape"/>
-            <p:cNvSpPr>
-              <a:spLocks/>
-            </p:cNvSpPr>
+            <p:cNvPr id="401" name="Tape"/>
+            <p:cNvSpPr/>
             <p:nvPr/>
           </p:nvSpPr>
           <p:spPr>
             <a:xfrm rot="401918">
-              <a:off x="4520255" y="2379546"/>
-              <a:ext cx="518166" cy="215444"/>
+              <a:off x="4290086" y="2629127"/>
+              <a:ext cx="563828" cy="215444"/>
             </a:xfrm>
             <a:prstGeom prst="rect">
               <a:avLst/>
@@ -26180,7 +29695,1967 @@
     </p:spTree>
     <p:extLst>
       <p:ext uri="{BB962C8B-B14F-4D97-AF65-F5344CB8AC3E}">
-        <p14:creationId xmlns:p14="http://schemas.microsoft.com/office/powerpoint/2010/main" val="2285883657"/>
+        <p14:creationId xmlns:p14="http://schemas.microsoft.com/office/powerpoint/2010/main" val="3039840574"/>
+      </p:ext>
+    </p:extLst>
+  </p:cSld>
+  <p:clrMapOvr>
+    <a:masterClrMapping/>
+  </p:clrMapOvr>
+  <p:timing>
+    <p:tnLst>
+      <p:par>
+        <p:cTn id="1" dur="indefinite" restart="never" nodeType="tmRoot">
+          <p:childTnLst>
+            <p:seq concurrent="1" nextAc="seek">
+              <p:cTn id="2" dur="indefinite" nodeType="mainSeq">
+                <p:childTnLst>
+                  <p:par>
+                    <p:cTn id="3" fill="hold">
+                      <p:stCondLst>
+                        <p:cond delay="indefinite"/>
+                      </p:stCondLst>
+                      <p:childTnLst>
+                        <p:par>
+                          <p:cTn id="4" fill="hold">
+                            <p:stCondLst>
+                              <p:cond delay="0"/>
+                            </p:stCondLst>
+                            <p:childTnLst>
+                              <p:par>
+                                <p:cTn id="5" presetID="10" presetClass="entr" presetSubtype="0" fill="hold" grpId="0" nodeType="clickEffect">
+                                  <p:stCondLst>
+                                    <p:cond delay="0"/>
+                                  </p:stCondLst>
+                                  <p:childTnLst>
+                                    <p:set>
+                                      <p:cBhvr>
+                                        <p:cTn id="6" dur="1" fill="hold">
+                                          <p:stCondLst>
+                                            <p:cond delay="0"/>
+                                          </p:stCondLst>
+                                        </p:cTn>
+                                        <p:tgtEl>
+                                          <p:spTgt spid="206"/>
+                                        </p:tgtEl>
+                                        <p:attrNameLst>
+                                          <p:attrName>style.visibility</p:attrName>
+                                        </p:attrNameLst>
+                                      </p:cBhvr>
+                                      <p:to>
+                                        <p:strVal val="visible"/>
+                                      </p:to>
+                                    </p:set>
+                                    <p:animEffect transition="in" filter="fade">
+                                      <p:cBhvr>
+                                        <p:cTn id="7" dur="500"/>
+                                        <p:tgtEl>
+                                          <p:spTgt spid="206"/>
+                                        </p:tgtEl>
+                                      </p:cBhvr>
+                                    </p:animEffect>
+                                  </p:childTnLst>
+                                </p:cTn>
+                              </p:par>
+                            </p:childTnLst>
+                          </p:cTn>
+                        </p:par>
+                      </p:childTnLst>
+                    </p:cTn>
+                  </p:par>
+                </p:childTnLst>
+              </p:cTn>
+              <p:prevCondLst>
+                <p:cond evt="onPrev" delay="0">
+                  <p:tgtEl>
+                    <p:sldTgt/>
+                  </p:tgtEl>
+                </p:cond>
+              </p:prevCondLst>
+              <p:nextCondLst>
+                <p:cond evt="onNext" delay="0">
+                  <p:tgtEl>
+                    <p:sldTgt/>
+                  </p:tgtEl>
+                </p:cond>
+              </p:nextCondLst>
+            </p:seq>
+          </p:childTnLst>
+        </p:cTn>
+      </p:par>
+    </p:tnLst>
+    <p:bldLst>
+      <p:bldP spid="206" grpId="0" animBg="1"/>
+    </p:bldLst>
+  </p:timing>
+</p:sld>
+</file>
+
+<file path=ppt/slides/slide8.xml><?xml version="1.0" encoding="utf-8"?>
+<p:sld xmlns:a="http://schemas.openxmlformats.org/drawingml/2006/main" xmlns:r="http://schemas.openxmlformats.org/officeDocument/2006/relationships" xmlns:p="http://schemas.openxmlformats.org/presentationml/2006/main">
+  <p:cSld>
+    <p:spTree>
+      <p:nvGrpSpPr>
+        <p:cNvPr id="1" name=""/>
+        <p:cNvGrpSpPr/>
+        <p:nvPr/>
+      </p:nvGrpSpPr>
+      <p:grpSpPr>
+        <a:xfrm>
+          <a:off x="0" y="0"/>
+          <a:ext cx="0" cy="0"/>
+          <a:chOff x="0" y="0"/>
+          <a:chExt cx="0" cy="0"/>
+        </a:xfrm>
+      </p:grpSpPr>
+      <p:grpSp>
+        <p:nvGrpSpPr>
+          <p:cNvPr id="177" name="WebBrowser"/>
+          <p:cNvGrpSpPr/>
+          <p:nvPr>
+            <p:custDataLst>
+              <p:custData r:id="rId1"/>
+            </p:custDataLst>
+          </p:nvPr>
+        </p:nvGrpSpPr>
+        <p:grpSpPr>
+          <a:xfrm>
+            <a:off x="0" y="0"/>
+            <a:ext cx="9144000" cy="7632700"/>
+            <a:chOff x="0" y="0"/>
+            <a:chExt cx="9144000" cy="7632700"/>
+          </a:xfrm>
+        </p:grpSpPr>
+        <p:sp>
+          <p:nvSpPr>
+            <p:cNvPr id="178" name="Background"/>
+            <p:cNvSpPr/>
+            <p:nvPr/>
+          </p:nvSpPr>
+          <p:spPr>
+            <a:xfrm>
+              <a:off x="0" y="0"/>
+              <a:ext cx="9144000" cy="7632700"/>
+            </a:xfrm>
+            <a:prstGeom prst="rect">
+              <a:avLst/>
+            </a:prstGeom>
+            <a:solidFill>
+              <a:srgbClr val="FFFFFF">
+                <a:lumMod val="65000"/>
+              </a:srgbClr>
+            </a:solidFill>
+            <a:ln w="3175" cap="flat" cmpd="sng" algn="ctr">
+              <a:solidFill>
+                <a:srgbClr val="000000">
+                  <a:lumMod val="50000"/>
+                  <a:lumOff val="50000"/>
+                </a:srgbClr>
+              </a:solidFill>
+              <a:prstDash val="solid"/>
+            </a:ln>
+            <a:effectLst/>
+          </p:spPr>
+          <p:txBody>
+            <a:bodyPr rtlCol="0" anchor="ctr"/>
+            <a:lstStyle/>
+            <a:p>
+              <a:pPr algn="ctr"/>
+              <a:endParaRPr lang="en-US" sz="1050" kern="0" dirty="0">
+                <a:solidFill>
+                  <a:prstClr val="white"/>
+                </a:solidFill>
+                <a:latin typeface="Segoe UI"/>
+              </a:endParaRPr>
+            </a:p>
+          </p:txBody>
+        </p:sp>
+        <p:sp>
+          <p:nvSpPr>
+            <p:cNvPr id="179" name="WindowTitle"/>
+            <p:cNvSpPr txBox="1"/>
+            <p:nvPr/>
+          </p:nvSpPr>
+          <p:spPr>
+            <a:xfrm>
+              <a:off x="22515" y="22341"/>
+              <a:ext cx="1176028" cy="230832"/>
+            </a:xfrm>
+            <a:prstGeom prst="rect">
+              <a:avLst/>
+            </a:prstGeom>
+            <a:noFill/>
+          </p:spPr>
+          <p:txBody>
+            <a:bodyPr wrap="none" lIns="91440" tIns="18288" rIns="91440" bIns="27432" rtlCol="0" anchor="ctr" anchorCtr="0">
+              <a:spAutoFit/>
+            </a:bodyPr>
+            <a:lstStyle/>
+            <a:p>
+              <a:r>
+                <a:rPr lang="en-US" sz="1200" dirty="0">
+                  <a:solidFill>
+                    <a:prstClr val="white"/>
+                  </a:solidFill>
+                  <a:latin typeface="Segoe UI" pitchFamily="34" charset="0"/>
+                  <a:ea typeface="Segoe UI" pitchFamily="34" charset="0"/>
+                  <a:cs typeface="Segoe UI" pitchFamily="34" charset="0"/>
+                </a:rPr>
+                <a:t>Web page title</a:t>
+              </a:r>
+            </a:p>
+          </p:txBody>
+        </p:sp>
+        <p:grpSp>
+          <p:nvGrpSpPr>
+            <p:cNvPr id="180" name="Group 179"/>
+            <p:cNvGrpSpPr/>
+            <p:nvPr/>
+          </p:nvGrpSpPr>
+          <p:grpSpPr>
+            <a:xfrm>
+              <a:off x="81598" y="286385"/>
+              <a:ext cx="320040" cy="316520"/>
+              <a:chOff x="72073" y="221749"/>
+              <a:chExt cx="320040" cy="316520"/>
+            </a:xfrm>
+          </p:grpSpPr>
+          <p:sp>
+            <p:nvSpPr>
+              <p:cNvPr id="204" name="Oval 203"/>
+              <p:cNvSpPr/>
+              <p:nvPr/>
+            </p:nvSpPr>
+            <p:spPr>
+              <a:xfrm>
+                <a:off x="72073" y="221749"/>
+                <a:ext cx="320040" cy="316520"/>
+              </a:xfrm>
+              <a:prstGeom prst="ellipse">
+                <a:avLst/>
+              </a:prstGeom>
+              <a:gradFill flip="none" rotWithShape="1">
+                <a:gsLst>
+                  <a:gs pos="91000">
+                    <a:srgbClr val="FFFFFF">
+                      <a:lumMod val="85000"/>
+                    </a:srgbClr>
+                  </a:gs>
+                  <a:gs pos="36000">
+                    <a:srgbClr val="FFFFFF">
+                      <a:lumMod val="95000"/>
+                    </a:srgbClr>
+                  </a:gs>
+                  <a:gs pos="100000">
+                    <a:srgbClr val="FFFFFF">
+                      <a:lumMod val="95000"/>
+                    </a:srgbClr>
+                  </a:gs>
+                </a:gsLst>
+                <a:lin ang="5400000" scaled="0"/>
+                <a:tileRect/>
+              </a:gradFill>
+              <a:ln w="3175">
+                <a:solidFill>
+                  <a:srgbClr val="000000">
+                    <a:lumMod val="50000"/>
+                    <a:lumOff val="50000"/>
+                  </a:srgbClr>
+                </a:solidFill>
+              </a:ln>
+              <a:effectLst/>
+            </p:spPr>
+            <p:style>
+              <a:lnRef idx="2">
+                <a:srgbClr val="4F81BD">
+                  <a:shade val="50000"/>
+                </a:srgbClr>
+              </a:lnRef>
+              <a:fillRef idx="1">
+                <a:srgbClr val="4F81BD"/>
+              </a:fillRef>
+              <a:effectRef idx="0">
+                <a:srgbClr val="4F81BD"/>
+              </a:effectRef>
+              <a:fontRef idx="minor">
+                <a:srgbClr val="000000"/>
+              </a:fontRef>
+            </p:style>
+            <p:txBody>
+              <a:bodyPr rtlCol="0" anchor="ctr"/>
+              <a:lstStyle/>
+              <a:p>
+                <a:pPr algn="ctr"/>
+                <a:endParaRPr lang="en-US" sz="1050" u="sng">
+                  <a:solidFill>
+                    <a:prstClr val="white"/>
+                  </a:solidFill>
+                </a:endParaRPr>
+              </a:p>
+            </p:txBody>
+          </p:sp>
+          <p:sp>
+            <p:nvSpPr>
+              <p:cNvPr id="205" name="Left Arrow 204"/>
+              <p:cNvSpPr/>
+              <p:nvPr/>
+            </p:nvSpPr>
+            <p:spPr>
+              <a:xfrm>
+                <a:off x="109358" y="275511"/>
+                <a:ext cx="223134" cy="208997"/>
+              </a:xfrm>
+              <a:prstGeom prst="leftArrow">
+                <a:avLst/>
+              </a:prstGeom>
+              <a:solidFill>
+                <a:sysClr val="window" lastClr="FFFFFF"/>
+              </a:solidFill>
+              <a:ln w="3175" cap="flat" cmpd="sng" algn="ctr">
+                <a:solidFill>
+                  <a:sysClr val="windowText" lastClr="000000">
+                    <a:lumMod val="75000"/>
+                    <a:lumOff val="25000"/>
+                  </a:sysClr>
+                </a:solidFill>
+                <a:prstDash val="solid"/>
+              </a:ln>
+              <a:effectLst/>
+            </p:spPr>
+            <p:txBody>
+              <a:bodyPr rtlCol="0" anchor="ctr"/>
+              <a:lstStyle/>
+              <a:p>
+                <a:pPr algn="ctr"/>
+                <a:endParaRPr lang="en-US" sz="1050" kern="0">
+                  <a:solidFill>
+                    <a:prstClr val="white"/>
+                  </a:solidFill>
+                  <a:latin typeface="Segoe UI"/>
+                </a:endParaRPr>
+              </a:p>
+            </p:txBody>
+          </p:sp>
+        </p:grpSp>
+        <p:grpSp>
+          <p:nvGrpSpPr>
+            <p:cNvPr id="181" name="Group 180"/>
+            <p:cNvGrpSpPr/>
+            <p:nvPr/>
+          </p:nvGrpSpPr>
+          <p:grpSpPr>
+            <a:xfrm>
+              <a:off x="453671" y="286384"/>
+              <a:ext cx="320040" cy="316520"/>
+              <a:chOff x="444146" y="221748"/>
+              <a:chExt cx="320040" cy="316520"/>
+            </a:xfrm>
+          </p:grpSpPr>
+          <p:sp>
+            <p:nvSpPr>
+              <p:cNvPr id="202" name="Oval 201"/>
+              <p:cNvSpPr/>
+              <p:nvPr/>
+            </p:nvSpPr>
+            <p:spPr>
+              <a:xfrm>
+                <a:off x="444146" y="221748"/>
+                <a:ext cx="320040" cy="316520"/>
+              </a:xfrm>
+              <a:prstGeom prst="ellipse">
+                <a:avLst/>
+              </a:prstGeom>
+              <a:gradFill flip="none" rotWithShape="1">
+                <a:gsLst>
+                  <a:gs pos="91000">
+                    <a:srgbClr val="FFFFFF">
+                      <a:lumMod val="85000"/>
+                    </a:srgbClr>
+                  </a:gs>
+                  <a:gs pos="36000">
+                    <a:srgbClr val="FFFFFF">
+                      <a:lumMod val="95000"/>
+                    </a:srgbClr>
+                  </a:gs>
+                  <a:gs pos="100000">
+                    <a:srgbClr val="FFFFFF">
+                      <a:lumMod val="95000"/>
+                    </a:srgbClr>
+                  </a:gs>
+                </a:gsLst>
+                <a:lin ang="5400000" scaled="0"/>
+                <a:tileRect/>
+              </a:gradFill>
+              <a:ln w="3175">
+                <a:solidFill>
+                  <a:srgbClr val="000000">
+                    <a:lumMod val="50000"/>
+                    <a:lumOff val="50000"/>
+                  </a:srgbClr>
+                </a:solidFill>
+              </a:ln>
+              <a:effectLst/>
+            </p:spPr>
+            <p:style>
+              <a:lnRef idx="2">
+                <a:srgbClr val="4F81BD">
+                  <a:shade val="50000"/>
+                </a:srgbClr>
+              </a:lnRef>
+              <a:fillRef idx="1">
+                <a:srgbClr val="4F81BD"/>
+              </a:fillRef>
+              <a:effectRef idx="0">
+                <a:srgbClr val="4F81BD"/>
+              </a:effectRef>
+              <a:fontRef idx="minor">
+                <a:srgbClr val="000000"/>
+              </a:fontRef>
+            </p:style>
+            <p:txBody>
+              <a:bodyPr rtlCol="0" anchor="ctr"/>
+              <a:lstStyle/>
+              <a:p>
+                <a:pPr algn="ctr"/>
+                <a:endParaRPr lang="en-US" sz="1050" u="sng">
+                  <a:solidFill>
+                    <a:prstClr val="white"/>
+                  </a:solidFill>
+                </a:endParaRPr>
+              </a:p>
+            </p:txBody>
+          </p:sp>
+          <p:sp>
+            <p:nvSpPr>
+              <p:cNvPr id="203" name="Right Arrow 202"/>
+              <p:cNvSpPr/>
+              <p:nvPr/>
+            </p:nvSpPr>
+            <p:spPr>
+              <a:xfrm>
+                <a:off x="481249" y="275509"/>
+                <a:ext cx="257146" cy="208999"/>
+              </a:xfrm>
+              <a:prstGeom prst="rightArrow">
+                <a:avLst/>
+              </a:prstGeom>
+              <a:solidFill>
+                <a:sysClr val="window" lastClr="FFFFFF"/>
+              </a:solidFill>
+              <a:ln w="3175" cap="flat" cmpd="sng" algn="ctr">
+                <a:solidFill>
+                  <a:sysClr val="windowText" lastClr="000000">
+                    <a:lumMod val="75000"/>
+                    <a:lumOff val="25000"/>
+                  </a:sysClr>
+                </a:solidFill>
+                <a:prstDash val="solid"/>
+              </a:ln>
+              <a:effectLst/>
+            </p:spPr>
+            <p:txBody>
+              <a:bodyPr rtlCol="0" anchor="ctr"/>
+              <a:lstStyle/>
+              <a:p>
+                <a:pPr algn="ctr"/>
+                <a:endParaRPr lang="en-US" sz="1050" kern="0">
+                  <a:solidFill>
+                    <a:prstClr val="white"/>
+                  </a:solidFill>
+                  <a:latin typeface="Segoe UI"/>
+                </a:endParaRPr>
+              </a:p>
+            </p:txBody>
+          </p:sp>
+        </p:grpSp>
+        <p:grpSp>
+          <p:nvGrpSpPr>
+            <p:cNvPr id="182" name="Minimize - Maximize - Close"/>
+            <p:cNvGrpSpPr/>
+            <p:nvPr/>
+          </p:nvGrpSpPr>
+          <p:grpSpPr>
+            <a:xfrm>
+              <a:off x="8632311" y="92599"/>
+              <a:ext cx="384527" cy="78032"/>
+              <a:chOff x="9347642" y="131588"/>
+              <a:chExt cx="384527" cy="78032"/>
+            </a:xfrm>
+          </p:grpSpPr>
+          <p:cxnSp>
+            <p:nvCxnSpPr>
+              <p:cNvPr id="197" name="Line"/>
+              <p:cNvCxnSpPr/>
+              <p:nvPr/>
+            </p:nvCxnSpPr>
+            <p:spPr>
+              <a:xfrm>
+                <a:off x="9661396" y="131588"/>
+                <a:ext cx="70773" cy="76200"/>
+              </a:xfrm>
+              <a:prstGeom prst="line">
+                <a:avLst/>
+              </a:prstGeom>
+              <a:ln w="12700">
+                <a:solidFill>
+                  <a:srgbClr val="FFFFFF"/>
+                </a:solidFill>
+              </a:ln>
+            </p:spPr>
+            <p:style>
+              <a:lnRef idx="1">
+                <a:srgbClr val="4F81BD"/>
+              </a:lnRef>
+              <a:fillRef idx="0">
+                <a:srgbClr val="4F81BD"/>
+              </a:fillRef>
+              <a:effectRef idx="0">
+                <a:srgbClr val="4F81BD"/>
+              </a:effectRef>
+              <a:fontRef idx="minor">
+                <a:srgbClr val="000000"/>
+              </a:fontRef>
+            </p:style>
+          </p:cxnSp>
+          <p:cxnSp>
+            <p:nvCxnSpPr>
+              <p:cNvPr id="198" name="Line"/>
+              <p:cNvCxnSpPr/>
+              <p:nvPr/>
+            </p:nvCxnSpPr>
+            <p:spPr>
+              <a:xfrm flipH="1">
+                <a:off x="9661395" y="131588"/>
+                <a:ext cx="70773" cy="76200"/>
+              </a:xfrm>
+              <a:prstGeom prst="line">
+                <a:avLst/>
+              </a:prstGeom>
+              <a:ln w="12700">
+                <a:solidFill>
+                  <a:srgbClr val="FFFFFF"/>
+                </a:solidFill>
+              </a:ln>
+            </p:spPr>
+            <p:style>
+              <a:lnRef idx="1">
+                <a:srgbClr val="4F81BD"/>
+              </a:lnRef>
+              <a:fillRef idx="0">
+                <a:srgbClr val="4F81BD"/>
+              </a:fillRef>
+              <a:effectRef idx="0">
+                <a:srgbClr val="4F81BD"/>
+              </a:effectRef>
+              <a:fontRef idx="minor">
+                <a:srgbClr val="000000"/>
+              </a:fontRef>
+            </p:style>
+          </p:cxnSp>
+          <p:sp>
+            <p:nvSpPr>
+              <p:cNvPr id="199" name="Line"/>
+              <p:cNvSpPr/>
+              <p:nvPr/>
+            </p:nvSpPr>
+            <p:spPr>
+              <a:xfrm rot="10800000" flipV="1">
+                <a:off x="9499472" y="143255"/>
+                <a:ext cx="91440" cy="9144"/>
+              </a:xfrm>
+              <a:prstGeom prst="rect">
+                <a:avLst/>
+              </a:prstGeom>
+              <a:solidFill>
+                <a:srgbClr val="919191"/>
+              </a:solidFill>
+              <a:ln w="3175">
+                <a:solidFill>
+                  <a:srgbClr val="FFFFFF"/>
+                </a:solidFill>
+              </a:ln>
+            </p:spPr>
+            <p:style>
+              <a:lnRef idx="2">
+                <a:srgbClr val="4F81BD">
+                  <a:shade val="50000"/>
+                </a:srgbClr>
+              </a:lnRef>
+              <a:fillRef idx="1001">
+                <a:srgbClr val="000000"/>
+              </a:fillRef>
+              <a:effectRef idx="0">
+                <a:srgbClr val="4F81BD"/>
+              </a:effectRef>
+              <a:fontRef idx="minor">
+                <a:srgbClr val="000000"/>
+              </a:fontRef>
+            </p:style>
+            <p:txBody>
+              <a:bodyPr rtlCol="0" anchor="ctr"/>
+              <a:lstStyle/>
+              <a:p>
+                <a:pPr algn="ctr"/>
+                <a:endParaRPr lang="en-US" sz="1050" dirty="0">
+                  <a:solidFill>
+                    <a:prstClr val="white"/>
+                  </a:solidFill>
+                </a:endParaRPr>
+              </a:p>
+            </p:txBody>
+          </p:sp>
+          <p:sp>
+            <p:nvSpPr>
+              <p:cNvPr id="200" name="Line"/>
+              <p:cNvSpPr/>
+              <p:nvPr/>
+            </p:nvSpPr>
+            <p:spPr>
+              <a:xfrm rot="10800000" flipV="1">
+                <a:off x="9498658" y="135261"/>
+                <a:ext cx="91440" cy="72527"/>
+              </a:xfrm>
+              <a:prstGeom prst="rect">
+                <a:avLst/>
+              </a:prstGeom>
+              <a:noFill/>
+              <a:ln w="12700">
+                <a:solidFill>
+                  <a:srgbClr val="FFFFFF"/>
+                </a:solidFill>
+              </a:ln>
+            </p:spPr>
+            <p:style>
+              <a:lnRef idx="2">
+                <a:srgbClr val="4F81BD">
+                  <a:shade val="50000"/>
+                </a:srgbClr>
+              </a:lnRef>
+              <a:fillRef idx="1001">
+                <a:srgbClr val="000000"/>
+              </a:fillRef>
+              <a:effectRef idx="0">
+                <a:srgbClr val="4F81BD"/>
+              </a:effectRef>
+              <a:fontRef idx="minor">
+                <a:srgbClr val="000000"/>
+              </a:fontRef>
+            </p:style>
+            <p:txBody>
+              <a:bodyPr rtlCol="0" anchor="ctr"/>
+              <a:lstStyle/>
+              <a:p>
+                <a:pPr algn="ctr"/>
+                <a:endParaRPr lang="en-US" sz="1050" dirty="0">
+                  <a:solidFill>
+                    <a:prstClr val="white"/>
+                  </a:solidFill>
+                </a:endParaRPr>
+              </a:p>
+            </p:txBody>
+          </p:sp>
+          <p:sp>
+            <p:nvSpPr>
+              <p:cNvPr id="201" name="Line"/>
+              <p:cNvSpPr/>
+              <p:nvPr/>
+            </p:nvSpPr>
+            <p:spPr>
+              <a:xfrm rot="10800000" flipV="1">
+                <a:off x="9347642" y="200476"/>
+                <a:ext cx="91440" cy="9144"/>
+              </a:xfrm>
+              <a:prstGeom prst="rect">
+                <a:avLst/>
+              </a:prstGeom>
+              <a:solidFill>
+                <a:srgbClr val="919191"/>
+              </a:solidFill>
+              <a:ln w="3175">
+                <a:solidFill>
+                  <a:srgbClr val="FFFFFF"/>
+                </a:solidFill>
+              </a:ln>
+            </p:spPr>
+            <p:style>
+              <a:lnRef idx="2">
+                <a:srgbClr val="4F81BD">
+                  <a:shade val="50000"/>
+                </a:srgbClr>
+              </a:lnRef>
+              <a:fillRef idx="1001">
+                <a:srgbClr val="000000"/>
+              </a:fillRef>
+              <a:effectRef idx="0">
+                <a:srgbClr val="4F81BD"/>
+              </a:effectRef>
+              <a:fontRef idx="minor">
+                <a:srgbClr val="000000"/>
+              </a:fontRef>
+            </p:style>
+            <p:txBody>
+              <a:bodyPr rtlCol="0" anchor="ctr"/>
+              <a:lstStyle/>
+              <a:p>
+                <a:pPr algn="ctr"/>
+                <a:endParaRPr lang="en-US" sz="1050" dirty="0">
+                  <a:solidFill>
+                    <a:prstClr val="white"/>
+                  </a:solidFill>
+                </a:endParaRPr>
+              </a:p>
+            </p:txBody>
+          </p:sp>
+        </p:grpSp>
+        <p:sp>
+          <p:nvSpPr>
+            <p:cNvPr id="183" name="WebPageBody"/>
+            <p:cNvSpPr/>
+            <p:nvPr/>
+          </p:nvSpPr>
+          <p:spPr>
+            <a:xfrm>
+              <a:off x="76200" y="685160"/>
+              <a:ext cx="8991600" cy="6858640"/>
+            </a:xfrm>
+            <a:prstGeom prst="rect">
+              <a:avLst/>
+            </a:prstGeom>
+            <a:solidFill>
+              <a:sysClr val="window" lastClr="FFFFFF"/>
+            </a:solidFill>
+            <a:ln w="3175" cap="flat" cmpd="sng" algn="ctr">
+              <a:solidFill>
+                <a:srgbClr val="000000">
+                  <a:lumMod val="50000"/>
+                  <a:lumOff val="50000"/>
+                </a:srgbClr>
+              </a:solidFill>
+              <a:prstDash val="solid"/>
+            </a:ln>
+            <a:effectLst/>
+          </p:spPr>
+          <p:txBody>
+            <a:bodyPr rtlCol="0" anchor="ctr"/>
+            <a:lstStyle/>
+            <a:p>
+              <a:pPr algn="ctr"/>
+              <a:endParaRPr lang="en-US" sz="1050" kern="0" dirty="0">
+                <a:solidFill>
+                  <a:prstClr val="white"/>
+                </a:solidFill>
+                <a:latin typeface="Segoe UI"/>
+              </a:endParaRPr>
+            </a:p>
+          </p:txBody>
+        </p:sp>
+        <p:grpSp>
+          <p:nvGrpSpPr>
+            <p:cNvPr id="184" name="Group 183"/>
+            <p:cNvGrpSpPr/>
+            <p:nvPr/>
+          </p:nvGrpSpPr>
+          <p:grpSpPr>
+            <a:xfrm>
+              <a:off x="8386335" y="360579"/>
+              <a:ext cx="640645" cy="183940"/>
+              <a:chOff x="8303527" y="360579"/>
+              <a:chExt cx="640645" cy="183940"/>
+            </a:xfrm>
+          </p:grpSpPr>
+          <p:pic>
+            <p:nvPicPr>
+              <p:cNvPr id="194" name="Picture 2" descr="C:\Users\t-dantay\Documents\Placeholders\home.png"/>
+              <p:cNvPicPr>
+                <a:picLocks noChangeAspect="1" noChangeArrowheads="1"/>
+              </p:cNvPicPr>
+              <p:nvPr/>
+            </p:nvPicPr>
+            <p:blipFill>
+              <a:blip r:embed="rId10" cstate="print">
+                <a:extLst>
+                  <a:ext uri="{28A0092B-C50C-407E-A947-70E740481C1C}">
+                    <a14:useLocalDpi xmlns:a14="http://schemas.microsoft.com/office/drawing/2010/main" val="0"/>
+                  </a:ext>
+                </a:extLst>
+              </a:blip>
+              <a:srcRect/>
+              <a:stretch>
+                <a:fillRect/>
+              </a:stretch>
+            </p:blipFill>
+            <p:spPr bwMode="auto">
+              <a:xfrm>
+                <a:off x="8303527" y="361109"/>
+                <a:ext cx="185783" cy="182880"/>
+              </a:xfrm>
+              <a:prstGeom prst="rect">
+                <a:avLst/>
+              </a:prstGeom>
+              <a:noFill/>
+              <a:extLst>
+                <a:ext uri="{909E8E84-426E-40DD-AFC4-6F175D3DCCD1}">
+                  <a14:hiddenFill xmlns:a14="http://schemas.microsoft.com/office/drawing/2010/main">
+                    <a:solidFill>
+                      <a:srgbClr val="FFFFFF"/>
+                    </a:solidFill>
+                  </a14:hiddenFill>
+                </a:ext>
+              </a:extLst>
+            </p:spPr>
+          </p:pic>
+          <p:pic>
+            <p:nvPicPr>
+              <p:cNvPr id="195" name="Picture 2" descr="C:\Users\t-dantay\Documents\Placeholders\setting.png"/>
+              <p:cNvPicPr>
+                <a:picLocks noChangeAspect="1" noChangeArrowheads="1"/>
+              </p:cNvPicPr>
+              <p:nvPr/>
+            </p:nvPicPr>
+            <p:blipFill rotWithShape="1">
+              <a:blip r:embed="rId11" cstate="print">
+                <a:extLst>
+                  <a:ext uri="{28A0092B-C50C-407E-A947-70E740481C1C}">
+                    <a14:useLocalDpi xmlns:a14="http://schemas.microsoft.com/office/drawing/2010/main" val="0"/>
+                  </a:ext>
+                </a:extLst>
+              </a:blip>
+              <a:srcRect t="13480" r="35484"/>
+              <a:stretch/>
+            </p:blipFill>
+            <p:spPr bwMode="auto">
+              <a:xfrm>
+                <a:off x="8761292" y="360579"/>
+                <a:ext cx="182880" cy="183940"/>
+              </a:xfrm>
+              <a:prstGeom prst="rect">
+                <a:avLst/>
+              </a:prstGeom>
+              <a:noFill/>
+              <a:extLst>
+                <a:ext uri="{909E8E84-426E-40DD-AFC4-6F175D3DCCD1}">
+                  <a14:hiddenFill xmlns:a14="http://schemas.microsoft.com/office/drawing/2010/main">
+                    <a:solidFill>
+                      <a:srgbClr val="FFFFFF"/>
+                    </a:solidFill>
+                  </a14:hiddenFill>
+                </a:ext>
+              </a:extLst>
+            </p:spPr>
+          </p:pic>
+          <p:pic>
+            <p:nvPicPr>
+              <p:cNvPr id="196" name="Picture 2" descr="C:\Users\t-dantay\Documents\Placeholders\star.png"/>
+              <p:cNvPicPr>
+                <a:picLocks noChangeAspect="1" noChangeArrowheads="1"/>
+              </p:cNvPicPr>
+              <p:nvPr/>
+            </p:nvPicPr>
+            <p:blipFill>
+              <a:blip r:embed="rId12" cstate="print">
+                <a:extLst>
+                  <a:ext uri="{28A0092B-C50C-407E-A947-70E740481C1C}">
+                    <a14:useLocalDpi xmlns:a14="http://schemas.microsoft.com/office/drawing/2010/main" val="0"/>
+                  </a:ext>
+                </a:extLst>
+              </a:blip>
+              <a:srcRect/>
+              <a:stretch>
+                <a:fillRect/>
+              </a:stretch>
+            </p:blipFill>
+            <p:spPr bwMode="auto">
+              <a:xfrm>
+                <a:off x="8529364" y="361109"/>
+                <a:ext cx="191874" cy="182880"/>
+              </a:xfrm>
+              <a:prstGeom prst="rect">
+                <a:avLst/>
+              </a:prstGeom>
+              <a:noFill/>
+              <a:extLst>
+                <a:ext uri="{909E8E84-426E-40DD-AFC4-6F175D3DCCD1}">
+                  <a14:hiddenFill xmlns:a14="http://schemas.microsoft.com/office/drawing/2010/main">
+                    <a:solidFill>
+                      <a:srgbClr val="FFFFFF"/>
+                    </a:solidFill>
+                  </a14:hiddenFill>
+                </a:ext>
+              </a:extLst>
+            </p:spPr>
+          </p:pic>
+        </p:grpSp>
+        <p:grpSp>
+          <p:nvGrpSpPr>
+            <p:cNvPr id="185" name="Group 184"/>
+            <p:cNvGrpSpPr/>
+            <p:nvPr/>
+          </p:nvGrpSpPr>
+          <p:grpSpPr>
+            <a:xfrm>
+              <a:off x="923925" y="340846"/>
+              <a:ext cx="7142930" cy="228600"/>
+              <a:chOff x="923925" y="340846"/>
+              <a:chExt cx="7142930" cy="228600"/>
+            </a:xfrm>
+          </p:grpSpPr>
+          <p:sp>
+            <p:nvSpPr>
+              <p:cNvPr id="186" name="UrlBar"/>
+              <p:cNvSpPr/>
+              <p:nvPr/>
+            </p:nvSpPr>
+            <p:spPr>
+              <a:xfrm>
+                <a:off x="923925" y="340846"/>
+                <a:ext cx="7142930" cy="228600"/>
+              </a:xfrm>
+              <a:prstGeom prst="rect">
+                <a:avLst/>
+              </a:prstGeom>
+              <a:solidFill>
+                <a:sysClr val="window" lastClr="FFFFFF"/>
+              </a:solidFill>
+              <a:ln w="3175" cap="flat" cmpd="sng" algn="ctr">
+                <a:solidFill>
+                  <a:srgbClr val="000000">
+                    <a:lumMod val="50000"/>
+                    <a:lumOff val="50000"/>
+                  </a:srgbClr>
+                </a:solidFill>
+                <a:prstDash val="solid"/>
+              </a:ln>
+              <a:effectLst/>
+            </p:spPr>
+            <p:txBody>
+              <a:bodyPr rtlCol="0" anchor="ctr"/>
+              <a:lstStyle/>
+              <a:p>
+                <a:r>
+                  <a:rPr lang="en-US" sz="1200" kern="0" dirty="0">
+                    <a:solidFill>
+                      <a:prstClr val="black">
+                        <a:lumMod val="75000"/>
+                        <a:lumOff val="25000"/>
+                      </a:prstClr>
+                    </a:solidFill>
+                    <a:latin typeface="Segoe UI"/>
+                  </a:rPr>
+                  <a:t>http://www.url.com</a:t>
+                </a:r>
+              </a:p>
+            </p:txBody>
+          </p:sp>
+          <p:grpSp>
+            <p:nvGrpSpPr>
+              <p:cNvPr id="187" name="Group 186"/>
+              <p:cNvGrpSpPr/>
+              <p:nvPr/>
+            </p:nvGrpSpPr>
+            <p:grpSpPr>
+              <a:xfrm>
+                <a:off x="7260350" y="363706"/>
+                <a:ext cx="744325" cy="182880"/>
+                <a:chOff x="7260350" y="363706"/>
+                <a:chExt cx="744325" cy="182880"/>
+              </a:xfrm>
+            </p:grpSpPr>
+            <p:pic>
+              <p:nvPicPr>
+                <p:cNvPr id="188" name="Search" descr="C:\Users\t-dantay\Documents\Placeholders\search.png"/>
+                <p:cNvPicPr>
+                  <a:picLocks noChangeAspect="1" noChangeArrowheads="1"/>
+                </p:cNvPicPr>
+                <p:nvPr/>
+              </p:nvPicPr>
+              <p:blipFill>
+                <a:blip r:embed="rId13" cstate="print">
+                  <a:extLst>
+                    <a:ext uri="{28A0092B-C50C-407E-A947-70E740481C1C}">
+                      <a14:useLocalDpi xmlns:a14="http://schemas.microsoft.com/office/drawing/2010/main" val="0"/>
+                    </a:ext>
+                  </a:extLst>
+                </a:blip>
+                <a:srcRect/>
+                <a:stretch>
+                  <a:fillRect/>
+                </a:stretch>
+              </p:blipFill>
+              <p:spPr bwMode="auto">
+                <a:xfrm flipH="1">
+                  <a:off x="7260350" y="363706"/>
+                  <a:ext cx="182880" cy="182880"/>
+                </a:xfrm>
+                <a:prstGeom prst="rect">
+                  <a:avLst/>
+                </a:prstGeom>
+                <a:noFill/>
+                <a:extLst>
+                  <a:ext uri="{909E8E84-426E-40DD-AFC4-6F175D3DCCD1}">
+                    <a14:hiddenFill xmlns:a14="http://schemas.microsoft.com/office/drawing/2010/main">
+                      <a:solidFill>
+                        <a:srgbClr val="FFFFFF"/>
+                      </a:solidFill>
+                    </a14:hiddenFill>
+                  </a:ext>
+                </a:extLst>
+              </p:spPr>
+            </p:pic>
+            <p:pic>
+              <p:nvPicPr>
+                <p:cNvPr id="189" name="Refresh" descr="C:\Users\t-dantay\Documents\First24\arrowrepeat1.png"/>
+                <p:cNvPicPr>
+                  <a:picLocks noChangeAspect="1" noChangeArrowheads="1"/>
+                </p:cNvPicPr>
+                <p:nvPr/>
+              </p:nvPicPr>
+              <p:blipFill>
+                <a:blip r:embed="rId14" cstate="print">
+                  <a:extLst>
+                    <a:ext uri="{28A0092B-C50C-407E-A947-70E740481C1C}">
+                      <a14:useLocalDpi xmlns:a14="http://schemas.microsoft.com/office/drawing/2010/main" val="0"/>
+                    </a:ext>
+                  </a:extLst>
+                </a:blip>
+                <a:srcRect/>
+                <a:stretch>
+                  <a:fillRect/>
+                </a:stretch>
+              </p:blipFill>
+              <p:spPr bwMode="auto">
+                <a:xfrm>
+                  <a:off x="7644400" y="363706"/>
+                  <a:ext cx="182880" cy="182880"/>
+                </a:xfrm>
+                <a:prstGeom prst="rect">
+                  <a:avLst/>
+                </a:prstGeom>
+                <a:noFill/>
+                <a:extLst>
+                  <a:ext uri="{909E8E84-426E-40DD-AFC4-6F175D3DCCD1}">
+                    <a14:hiddenFill xmlns:a14="http://schemas.microsoft.com/office/drawing/2010/main">
+                      <a:solidFill>
+                        <a:srgbClr val="FFFFFF"/>
+                      </a:solidFill>
+                    </a14:hiddenFill>
+                  </a:ext>
+                </a:extLst>
+              </p:spPr>
+            </p:pic>
+            <p:pic>
+              <p:nvPicPr>
+                <p:cNvPr id="190" name="Drop Down" descr="C:\Users\t-dantay\Documents\First24\arrowsimple1.png"/>
+                <p:cNvPicPr>
+                  <a:picLocks noChangeAspect="1" noChangeArrowheads="1"/>
+                </p:cNvPicPr>
+                <p:nvPr/>
+              </p:nvPicPr>
+              <p:blipFill>
+                <a:blip r:embed="rId15" cstate="print">
+                  <a:extLst>
+                    <a:ext uri="{28A0092B-C50C-407E-A947-70E740481C1C}">
+                      <a14:useLocalDpi xmlns:a14="http://schemas.microsoft.com/office/drawing/2010/main" val="0"/>
+                    </a:ext>
+                  </a:extLst>
+                </a:blip>
+                <a:srcRect/>
+                <a:stretch>
+                  <a:fillRect/>
+                </a:stretch>
+              </p:blipFill>
+              <p:spPr bwMode="auto">
+                <a:xfrm rot="5400000">
+                  <a:off x="7476150" y="409426"/>
+                  <a:ext cx="91440" cy="91440"/>
+                </a:xfrm>
+                <a:prstGeom prst="rect">
+                  <a:avLst/>
+                </a:prstGeom>
+                <a:noFill/>
+                <a:extLst>
+                  <a:ext uri="{909E8E84-426E-40DD-AFC4-6F175D3DCCD1}">
+                    <a14:hiddenFill xmlns:a14="http://schemas.microsoft.com/office/drawing/2010/main">
+                      <a:solidFill>
+                        <a:srgbClr val="FFFFFF"/>
+                      </a:solidFill>
+                    </a14:hiddenFill>
+                  </a:ext>
+                </a:extLst>
+              </p:spPr>
+            </p:pic>
+            <p:grpSp>
+              <p:nvGrpSpPr>
+                <p:cNvPr id="191" name="X"/>
+                <p:cNvGrpSpPr/>
+                <p:nvPr/>
+              </p:nvGrpSpPr>
+              <p:grpSpPr>
+                <a:xfrm>
+                  <a:off x="7913235" y="409426"/>
+                  <a:ext cx="91440" cy="91440"/>
+                  <a:chOff x="4687215" y="1739180"/>
+                  <a:chExt cx="91440" cy="91440"/>
+                </a:xfrm>
+              </p:grpSpPr>
+              <p:cxnSp>
+                <p:nvCxnSpPr>
+                  <p:cNvPr id="192" name="Straight Connector 191"/>
+                  <p:cNvCxnSpPr/>
+                  <p:nvPr/>
+                </p:nvCxnSpPr>
+                <p:spPr>
+                  <a:xfrm flipV="1">
+                    <a:off x="4687215" y="1739180"/>
+                    <a:ext cx="91440" cy="91440"/>
+                  </a:xfrm>
+                  <a:prstGeom prst="line">
+                    <a:avLst/>
+                  </a:prstGeom>
+                  <a:ln w="28575">
+                    <a:solidFill>
+                      <a:srgbClr val="FFFFFF">
+                        <a:lumMod val="50000"/>
+                      </a:srgbClr>
+                    </a:solidFill>
+                  </a:ln>
+                </p:spPr>
+                <p:style>
+                  <a:lnRef idx="1">
+                    <a:srgbClr val="FFFFFF"/>
+                  </a:lnRef>
+                  <a:fillRef idx="0">
+                    <a:srgbClr val="FFFFFF"/>
+                  </a:fillRef>
+                  <a:effectRef idx="0">
+                    <a:srgbClr val="FFFFFF"/>
+                  </a:effectRef>
+                  <a:fontRef idx="minor">
+                    <a:srgbClr val="000000"/>
+                  </a:fontRef>
+                </p:style>
+              </p:cxnSp>
+              <p:cxnSp>
+                <p:nvCxnSpPr>
+                  <p:cNvPr id="193" name="Straight Connector 192"/>
+                  <p:cNvCxnSpPr/>
+                  <p:nvPr/>
+                </p:nvCxnSpPr>
+                <p:spPr>
+                  <a:xfrm>
+                    <a:off x="4687215" y="1739180"/>
+                    <a:ext cx="91440" cy="91440"/>
+                  </a:xfrm>
+                  <a:prstGeom prst="line">
+                    <a:avLst/>
+                  </a:prstGeom>
+                  <a:ln w="28575">
+                    <a:solidFill>
+                      <a:srgbClr val="FFFFFF">
+                        <a:lumMod val="50000"/>
+                      </a:srgbClr>
+                    </a:solidFill>
+                  </a:ln>
+                </p:spPr>
+                <p:style>
+                  <a:lnRef idx="1">
+                    <a:srgbClr val="FFFFFF"/>
+                  </a:lnRef>
+                  <a:fillRef idx="0">
+                    <a:srgbClr val="FFFFFF"/>
+                  </a:fillRef>
+                  <a:effectRef idx="0">
+                    <a:srgbClr val="FFFFFF"/>
+                  </a:effectRef>
+                  <a:fontRef idx="minor">
+                    <a:srgbClr val="000000"/>
+                  </a:fontRef>
+                </p:style>
+              </p:cxnSp>
+            </p:grpSp>
+          </p:grpSp>
+        </p:grpSp>
+      </p:grpSp>
+      <p:sp>
+        <p:nvSpPr>
+          <p:cNvPr id="206" name="Content"/>
+          <p:cNvSpPr/>
+          <p:nvPr>
+            <p:custDataLst>
+              <p:custData r:id="rId2"/>
+            </p:custDataLst>
+          </p:nvPr>
+        </p:nvSpPr>
+        <p:spPr>
+          <a:xfrm>
+            <a:off x="76200" y="671484"/>
+            <a:ext cx="8991600" cy="1070230"/>
+          </a:xfrm>
+          <a:prstGeom prst="rect">
+            <a:avLst/>
+          </a:prstGeom>
+          <a:ln/>
+        </p:spPr>
+        <p:style>
+          <a:lnRef idx="1">
+            <a:schemeClr val="accent2"/>
+          </a:lnRef>
+          <a:fillRef idx="3">
+            <a:schemeClr val="accent2"/>
+          </a:fillRef>
+          <a:effectRef idx="2">
+            <a:schemeClr val="accent2"/>
+          </a:effectRef>
+          <a:fontRef idx="minor">
+            <a:schemeClr val="lt1"/>
+          </a:fontRef>
+        </p:style>
+        <p:txBody>
+          <a:bodyPr rot="0" spcFirstLastPara="0" vertOverflow="overflow" horzOverflow="overflow" vert="horz" wrap="square" lIns="45720" tIns="45720" rIns="91440" bIns="45720" numCol="1" spcCol="0" rtlCol="0" fromWordArt="0" anchor="ctr" anchorCtr="0" forceAA="0" compatLnSpc="1">
+            <a:prstTxWarp prst="textNoShape">
+              <a:avLst/>
+            </a:prstTxWarp>
+            <a:noAutofit/>
+          </a:bodyPr>
+          <a:lstStyle/>
+          <a:p>
+            <a:pPr marL="0" marR="0" indent="0" defTabSz="914400" eaLnBrk="1" fontAlgn="auto" latinLnBrk="0" hangingPunct="1">
+              <a:lnSpc>
+                <a:spcPct val="100000"/>
+              </a:lnSpc>
+              <a:spcBef>
+                <a:spcPts val="0"/>
+              </a:spcBef>
+              <a:spcAft>
+                <a:spcPts val="0"/>
+              </a:spcAft>
+              <a:buClrTx/>
+              <a:buSzTx/>
+              <a:buFontTx/>
+              <a:buNone/>
+              <a:tabLst/>
+            </a:pPr>
+            <a:r>
+              <a:rPr kumimoji="0" lang="en-US" sz="2000" b="0" i="0" u="none" strike="noStrike" kern="0" cap="none" spc="0" normalizeH="0" baseline="0" noProof="0" dirty="0">
+                <a:ln>
+                  <a:noFill/>
+                </a:ln>
+                <a:solidFill>
+                  <a:srgbClr val="FFFFFF"/>
+                </a:solidFill>
+                <a:effectLst/>
+                <a:uLnTx/>
+                <a:uFillTx/>
+                <a:latin typeface="Segoe UI"/>
+                <a:ea typeface="+mn-ea"/>
+                <a:cs typeface="+mn-cs"/>
+              </a:rPr>
+              <a:t>Peer-Testing Website [Teacher]					</a:t>
+            </a:r>
+            <a:r>
+              <a:rPr kumimoji="0" lang="en-US" sz="1400" b="0" i="0" u="none" strike="noStrike" kern="0" cap="none" spc="0" normalizeH="0" baseline="0" noProof="0" dirty="0">
+                <a:ln>
+                  <a:noFill/>
+                </a:ln>
+                <a:solidFill>
+                  <a:srgbClr val="FFFFFF"/>
+                </a:solidFill>
+                <a:effectLst/>
+                <a:uLnTx/>
+                <a:uFillTx/>
+                <a:latin typeface="Segoe UI"/>
+                <a:ea typeface="+mn-ea"/>
+                <a:cs typeface="+mn-cs"/>
+              </a:rPr>
+              <a:t>v</a:t>
+            </a:r>
+            <a:r>
+              <a:rPr kumimoji="0" lang="en-US" sz="2000" b="0" i="0" u="none" strike="noStrike" kern="0" cap="none" spc="0" normalizeH="0" baseline="0" noProof="0" dirty="0">
+                <a:ln>
+                  <a:noFill/>
+                </a:ln>
+                <a:solidFill>
+                  <a:srgbClr val="FFFFFF"/>
+                </a:solidFill>
+                <a:effectLst/>
+                <a:uLnTx/>
+                <a:uFillTx/>
+                <a:latin typeface="Segoe UI"/>
+                <a:ea typeface="+mn-ea"/>
+                <a:cs typeface="+mn-cs"/>
+              </a:rPr>
+              <a:t> </a:t>
+            </a:r>
+            <a:r>
+              <a:rPr kumimoji="0" lang="en-US" sz="1600" b="0" i="0" u="sng" strike="noStrike" kern="0" cap="none" spc="0" normalizeH="0" baseline="0" noProof="0" dirty="0">
+                <a:ln>
+                  <a:noFill/>
+                </a:ln>
+                <a:solidFill>
+                  <a:srgbClr val="FFFFFF"/>
+                </a:solidFill>
+                <a:effectLst/>
+                <a:uLnTx/>
+                <a:uFillTx/>
+                <a:latin typeface="Segoe UI"/>
+                <a:ea typeface="+mn-ea"/>
+                <a:cs typeface="+mn-cs"/>
+              </a:rPr>
+              <a:t>Login Menu</a:t>
+            </a:r>
+            <a:endParaRPr kumimoji="0" lang="en-US" sz="2000" b="0" i="0" u="sng" strike="noStrike" kern="0" cap="none" spc="0" normalizeH="0" baseline="0" noProof="0" dirty="0">
+              <a:ln>
+                <a:noFill/>
+              </a:ln>
+              <a:solidFill>
+                <a:srgbClr val="FFFFFF"/>
+              </a:solidFill>
+              <a:effectLst/>
+              <a:uLnTx/>
+              <a:uFillTx/>
+              <a:latin typeface="Segoe UI"/>
+              <a:ea typeface="+mn-ea"/>
+              <a:cs typeface="+mn-cs"/>
+            </a:endParaRPr>
+          </a:p>
+          <a:p>
+            <a:pPr marL="0" marR="0" indent="0" defTabSz="914400" eaLnBrk="1" fontAlgn="auto" latinLnBrk="0" hangingPunct="1">
+              <a:lnSpc>
+                <a:spcPct val="100000"/>
+              </a:lnSpc>
+              <a:spcBef>
+                <a:spcPts val="0"/>
+              </a:spcBef>
+              <a:spcAft>
+                <a:spcPts val="0"/>
+              </a:spcAft>
+              <a:buClrTx/>
+              <a:buSzTx/>
+              <a:buFontTx/>
+              <a:buNone/>
+              <a:tabLst/>
+            </a:pPr>
+            <a:r>
+              <a:rPr lang="en-US" sz="2000" kern="0" noProof="0" dirty="0">
+                <a:solidFill>
+                  <a:srgbClr val="FFFFFF"/>
+                </a:solidFill>
+                <a:latin typeface="Segoe UI"/>
+              </a:rPr>
+              <a:t>	</a:t>
+            </a:r>
+            <a:endParaRPr kumimoji="0" lang="en-US" sz="2000" b="0" i="0" u="sng" strike="noStrike" kern="0" cap="none" spc="0" normalizeH="0" baseline="0" noProof="0" dirty="0">
+              <a:ln>
+                <a:noFill/>
+              </a:ln>
+              <a:solidFill>
+                <a:srgbClr val="FFFFFF"/>
+              </a:solidFill>
+              <a:effectLst/>
+              <a:uLnTx/>
+              <a:uFillTx/>
+              <a:latin typeface="Segoe UI"/>
+            </a:endParaRPr>
+          </a:p>
+        </p:txBody>
+      </p:sp>
+      <p:sp>
+        <p:nvSpPr>
+          <p:cNvPr id="256" name="TextBox 255"/>
+          <p:cNvSpPr txBox="1"/>
+          <p:nvPr/>
+        </p:nvSpPr>
+        <p:spPr>
+          <a:xfrm>
+            <a:off x="342017" y="2120810"/>
+            <a:ext cx="5764883" cy="584775"/>
+          </a:xfrm>
+          <a:prstGeom prst="rect">
+            <a:avLst/>
+          </a:prstGeom>
+          <a:noFill/>
+        </p:spPr>
+        <p:txBody>
+          <a:bodyPr wrap="square" rtlCol="0">
+            <a:spAutoFit/>
+          </a:bodyPr>
+          <a:lstStyle/>
+          <a:p>
+            <a:r>
+              <a:rPr lang="en-GB" sz="3200" b="1" dirty="0"/>
+              <a:t>F29XXA – Coursework Example</a:t>
+            </a:r>
+          </a:p>
+        </p:txBody>
+      </p:sp>
+      <p:sp>
+        <p:nvSpPr>
+          <p:cNvPr id="461" name="Content"/>
+          <p:cNvSpPr txBox="1"/>
+          <p:nvPr>
+            <p:custDataLst>
+              <p:custData r:id="rId3"/>
+            </p:custDataLst>
+          </p:nvPr>
+        </p:nvSpPr>
+        <p:spPr>
+          <a:xfrm>
+            <a:off x="707219" y="1288226"/>
+            <a:ext cx="2025042" cy="249299"/>
+          </a:xfrm>
+          <a:prstGeom prst="rect">
+            <a:avLst/>
+          </a:prstGeom>
+          <a:noFill/>
+        </p:spPr>
+        <p:txBody>
+          <a:bodyPr wrap="none" lIns="91440" tIns="18288" rIns="91440" bIns="45720" rtlCol="0" anchor="ctr" anchorCtr="0">
+            <a:spAutoFit/>
+          </a:bodyPr>
+          <a:lstStyle/>
+          <a:p>
+            <a:r>
+              <a:rPr lang="en-US" sz="1200" dirty="0">
+                <a:solidFill>
+                  <a:schemeClr val="bg2"/>
+                </a:solidFill>
+                <a:latin typeface="Segoe UI" pitchFamily="34" charset="0"/>
+                <a:ea typeface="Segoe UI" pitchFamily="34" charset="0"/>
+                <a:cs typeface="Segoe UI" pitchFamily="34" charset="0"/>
+              </a:rPr>
+              <a:t>&gt; homepage &gt; coursework</a:t>
+            </a:r>
+          </a:p>
+        </p:txBody>
+      </p:sp>
+      <p:sp>
+        <p:nvSpPr>
+          <p:cNvPr id="2" name="TextBox 1"/>
+          <p:cNvSpPr txBox="1"/>
+          <p:nvPr/>
+        </p:nvSpPr>
+        <p:spPr>
+          <a:xfrm>
+            <a:off x="773711" y="2914022"/>
+            <a:ext cx="3074808" cy="369332"/>
+          </a:xfrm>
+          <a:prstGeom prst="rect">
+            <a:avLst/>
+          </a:prstGeom>
+          <a:noFill/>
+        </p:spPr>
+        <p:txBody>
+          <a:bodyPr wrap="square" rtlCol="0">
+            <a:spAutoFit/>
+          </a:bodyPr>
+          <a:lstStyle/>
+          <a:p>
+            <a:r>
+              <a:rPr lang="en-GB" dirty="0"/>
+              <a:t>Manage Feedback Groups</a:t>
+            </a:r>
+          </a:p>
+        </p:txBody>
+      </p:sp>
+      <p:sp>
+        <p:nvSpPr>
+          <p:cNvPr id="5" name="Rounded Rectangle 4"/>
+          <p:cNvSpPr/>
+          <p:nvPr/>
+        </p:nvSpPr>
+        <p:spPr>
+          <a:xfrm>
+            <a:off x="1198543" y="4942924"/>
+            <a:ext cx="1135463" cy="251209"/>
+          </a:xfrm>
+          <a:prstGeom prst="roundRect">
+            <a:avLst/>
+          </a:prstGeom>
+        </p:spPr>
+        <p:style>
+          <a:lnRef idx="2">
+            <a:schemeClr val="dk1"/>
+          </a:lnRef>
+          <a:fillRef idx="1">
+            <a:schemeClr val="lt1"/>
+          </a:fillRef>
+          <a:effectRef idx="0">
+            <a:schemeClr val="dk1"/>
+          </a:effectRef>
+          <a:fontRef idx="minor">
+            <a:schemeClr val="dk1"/>
+          </a:fontRef>
+        </p:style>
+        <p:txBody>
+          <a:bodyPr rtlCol="0" anchor="ctr"/>
+          <a:lstStyle/>
+          <a:p>
+            <a:pPr algn="ctr"/>
+            <a:r>
+              <a:rPr lang="en-GB" dirty="0"/>
+              <a:t>+ Group</a:t>
+            </a:r>
+          </a:p>
+        </p:txBody>
+      </p:sp>
+      <p:sp>
+        <p:nvSpPr>
+          <p:cNvPr id="90" name="Content"/>
+          <p:cNvSpPr/>
+          <p:nvPr>
+            <p:custDataLst>
+              <p:custData r:id="rId4"/>
+            </p:custDataLst>
+          </p:nvPr>
+        </p:nvSpPr>
+        <p:spPr>
+          <a:xfrm>
+            <a:off x="1000573" y="3640183"/>
+            <a:ext cx="2098227" cy="391714"/>
+          </a:xfrm>
+          <a:prstGeom prst="rect">
+            <a:avLst/>
+          </a:prstGeom>
+          <a:solidFill>
+            <a:srgbClr val="FFFFFF"/>
+          </a:solidFill>
+          <a:ln w="19050">
+            <a:solidFill>
+              <a:srgbClr val="FFFFFF">
+                <a:lumMod val="75000"/>
+              </a:srgbClr>
+            </a:solidFill>
+          </a:ln>
+        </p:spPr>
+        <p:style>
+          <a:lnRef idx="2">
+            <a:srgbClr val="4F81BD">
+              <a:shade val="50000"/>
+            </a:srgbClr>
+          </a:lnRef>
+          <a:fillRef idx="1">
+            <a:srgbClr val="4F81BD"/>
+          </a:fillRef>
+          <a:effectRef idx="0">
+            <a:srgbClr val="4F81BD"/>
+          </a:effectRef>
+          <a:fontRef idx="minor">
+            <a:srgbClr val="000000"/>
+          </a:fontRef>
+        </p:style>
+        <p:txBody>
+          <a:bodyPr rtlCol="0" anchor="ctr"/>
+          <a:lstStyle/>
+          <a:p>
+            <a:r>
+              <a:rPr lang="en-US" sz="1100" dirty="0">
+                <a:solidFill>
+                  <a:srgbClr val="000000"/>
+                </a:solidFill>
+                <a:latin typeface="Segoe UI" pitchFamily="34" charset="0"/>
+                <a:ea typeface="Segoe UI" pitchFamily="34" charset="0"/>
+                <a:cs typeface="Segoe UI" pitchFamily="34" charset="0"/>
+              </a:rPr>
+              <a:t>Group name</a:t>
+            </a:r>
+          </a:p>
+        </p:txBody>
+      </p:sp>
+      <p:sp>
+        <p:nvSpPr>
+          <p:cNvPr id="91" name="Content"/>
+          <p:cNvSpPr/>
+          <p:nvPr>
+            <p:custDataLst>
+              <p:custData r:id="rId5"/>
+            </p:custDataLst>
+          </p:nvPr>
+        </p:nvSpPr>
+        <p:spPr>
+          <a:xfrm>
+            <a:off x="1000573" y="4234874"/>
+            <a:ext cx="7004102" cy="391714"/>
+          </a:xfrm>
+          <a:prstGeom prst="rect">
+            <a:avLst/>
+          </a:prstGeom>
+          <a:solidFill>
+            <a:srgbClr val="FFFFFF"/>
+          </a:solidFill>
+          <a:ln w="19050">
+            <a:solidFill>
+              <a:srgbClr val="FFFFFF">
+                <a:lumMod val="75000"/>
+              </a:srgbClr>
+            </a:solidFill>
+          </a:ln>
+        </p:spPr>
+        <p:style>
+          <a:lnRef idx="2">
+            <a:srgbClr val="4F81BD">
+              <a:shade val="50000"/>
+            </a:srgbClr>
+          </a:lnRef>
+          <a:fillRef idx="1">
+            <a:srgbClr val="4F81BD"/>
+          </a:fillRef>
+          <a:effectRef idx="0">
+            <a:srgbClr val="4F81BD"/>
+          </a:effectRef>
+          <a:fontRef idx="minor">
+            <a:srgbClr val="000000"/>
+          </a:fontRef>
+        </p:style>
+        <p:txBody>
+          <a:bodyPr rtlCol="0" anchor="ctr"/>
+          <a:lstStyle/>
+          <a:p>
+            <a:r>
+              <a:rPr lang="en-US" sz="1100" dirty="0">
+                <a:solidFill>
+                  <a:srgbClr val="000000"/>
+                </a:solidFill>
+                <a:latin typeface="Segoe UI" pitchFamily="34" charset="0"/>
+                <a:ea typeface="Segoe UI" pitchFamily="34" charset="0"/>
+                <a:cs typeface="Segoe UI" pitchFamily="34" charset="0"/>
+              </a:rPr>
+              <a:t>Ana, tracer, </a:t>
+            </a:r>
+            <a:r>
+              <a:rPr lang="en-US" sz="1100" dirty="0" err="1">
+                <a:solidFill>
+                  <a:srgbClr val="000000"/>
+                </a:solidFill>
+                <a:latin typeface="Segoe UI" pitchFamily="34" charset="0"/>
+                <a:ea typeface="Segoe UI" pitchFamily="34" charset="0"/>
+                <a:cs typeface="Segoe UI" pitchFamily="34" charset="0"/>
+              </a:rPr>
+              <a:t>lucio</a:t>
+            </a:r>
+            <a:r>
+              <a:rPr lang="en-US" sz="1100" dirty="0">
+                <a:solidFill>
+                  <a:srgbClr val="000000"/>
+                </a:solidFill>
+                <a:latin typeface="Segoe UI" pitchFamily="34" charset="0"/>
+                <a:ea typeface="Segoe UI" pitchFamily="34" charset="0"/>
+                <a:cs typeface="Segoe UI" pitchFamily="34" charset="0"/>
+              </a:rPr>
+              <a:t>, </a:t>
+            </a:r>
+            <a:r>
+              <a:rPr lang="en-US" sz="1100" dirty="0" err="1">
+                <a:solidFill>
+                  <a:srgbClr val="000000"/>
+                </a:solidFill>
+                <a:latin typeface="Segoe UI" pitchFamily="34" charset="0"/>
+                <a:ea typeface="Segoe UI" pitchFamily="34" charset="0"/>
+                <a:cs typeface="Segoe UI" pitchFamily="34" charset="0"/>
+              </a:rPr>
+              <a:t>symmetra</a:t>
+            </a:r>
+            <a:endParaRPr lang="en-US" sz="1100" dirty="0">
+              <a:solidFill>
+                <a:srgbClr val="000000"/>
+              </a:solidFill>
+              <a:latin typeface="Segoe UI" pitchFamily="34" charset="0"/>
+              <a:ea typeface="Segoe UI" pitchFamily="34" charset="0"/>
+              <a:cs typeface="Segoe UI" pitchFamily="34" charset="0"/>
+            </a:endParaRPr>
+          </a:p>
+        </p:txBody>
+      </p:sp>
+      <p:sp>
+        <p:nvSpPr>
+          <p:cNvPr id="92" name="Content"/>
+          <p:cNvSpPr/>
+          <p:nvPr>
+            <p:custDataLst>
+              <p:custData r:id="rId6"/>
+            </p:custDataLst>
+          </p:nvPr>
+        </p:nvSpPr>
+        <p:spPr>
+          <a:xfrm>
+            <a:off x="6899328" y="3721119"/>
+            <a:ext cx="1105347" cy="307773"/>
+          </a:xfrm>
+          <a:prstGeom prst="rect">
+            <a:avLst/>
+          </a:prstGeom>
+          <a:solidFill>
+            <a:srgbClr val="CCCCCC"/>
+          </a:solidFill>
+          <a:ln>
+            <a:noFill/>
+          </a:ln>
+        </p:spPr>
+        <p:style>
+          <a:lnRef idx="2">
+            <a:srgbClr val="4F81BD">
+              <a:shade val="50000"/>
+            </a:srgbClr>
+          </a:lnRef>
+          <a:fillRef idx="1">
+            <a:srgbClr val="4F81BD"/>
+          </a:fillRef>
+          <a:effectRef idx="0">
+            <a:srgbClr val="4F81BD"/>
+          </a:effectRef>
+          <a:fontRef idx="minor">
+            <a:srgbClr val="000000"/>
+          </a:fontRef>
+        </p:style>
+        <p:txBody>
+          <a:bodyPr rtlCol="0" anchor="ctr"/>
+          <a:lstStyle/>
+          <a:p>
+            <a:pPr algn="ctr"/>
+            <a:r>
+              <a:rPr lang="en-US" sz="1100" dirty="0">
+                <a:latin typeface="Segoe UI Semibold" pitchFamily="34" charset="0"/>
+                <a:ea typeface="Segoe UI Semibold" pitchFamily="34" charset="0"/>
+                <a:cs typeface="Segoe UI Semibold" pitchFamily="34" charset="0"/>
+              </a:rPr>
+              <a:t>D</a:t>
+            </a:r>
+            <a:r>
+              <a:rPr lang="en-US" sz="1100" dirty="0">
+                <a:solidFill>
+                  <a:srgbClr val="000000"/>
+                </a:solidFill>
+                <a:latin typeface="Segoe UI Semibold" pitchFamily="34" charset="0"/>
+                <a:ea typeface="Segoe UI Semibold" pitchFamily="34" charset="0"/>
+                <a:cs typeface="Segoe UI Semibold" pitchFamily="34" charset="0"/>
+              </a:rPr>
+              <a:t>elete Group</a:t>
+            </a:r>
+          </a:p>
+        </p:txBody>
+      </p:sp>
+      <p:grpSp>
+        <p:nvGrpSpPr>
+          <p:cNvPr id="152" name="StickyNote"/>
+          <p:cNvGrpSpPr/>
+          <p:nvPr>
+            <p:custDataLst>
+              <p:custData r:id="rId7"/>
+            </p:custDataLst>
+          </p:nvPr>
+        </p:nvGrpSpPr>
+        <p:grpSpPr>
+          <a:xfrm>
+            <a:off x="7082905" y="5684875"/>
+            <a:ext cx="1371600" cy="1485673"/>
+            <a:chOff x="3886200" y="2629127"/>
+            <a:chExt cx="1371600" cy="1485673"/>
+          </a:xfrm>
+        </p:grpSpPr>
+        <p:sp>
+          <p:nvSpPr>
+            <p:cNvPr id="153" name="Content"/>
+            <p:cNvSpPr/>
+            <p:nvPr/>
+          </p:nvSpPr>
+          <p:spPr>
+            <a:xfrm>
+              <a:off x="3886200" y="2743200"/>
+              <a:ext cx="1371600" cy="1371600"/>
+            </a:xfrm>
+            <a:prstGeom prst="rect">
+              <a:avLst/>
+            </a:prstGeom>
+            <a:gradFill>
+              <a:gsLst>
+                <a:gs pos="100000">
+                  <a:srgbClr val="FFFF89"/>
+                </a:gs>
+                <a:gs pos="0">
+                  <a:srgbClr val="FFFF99"/>
+                </a:gs>
+              </a:gsLst>
+              <a:lin ang="5400000" scaled="0"/>
+            </a:gradFill>
+            <a:ln w="3175">
+              <a:solidFill>
+                <a:srgbClr val="FFFFFF">
+                  <a:lumMod val="50000"/>
+                </a:srgbClr>
+              </a:solidFill>
+            </a:ln>
+            <a:effectLst/>
+          </p:spPr>
+          <p:style>
+            <a:lnRef idx="2">
+              <a:srgbClr val="4F81BD">
+                <a:shade val="50000"/>
+              </a:srgbClr>
+            </a:lnRef>
+            <a:fillRef idx="1">
+              <a:srgbClr val="4F81BD"/>
+            </a:fillRef>
+            <a:effectRef idx="0">
+              <a:srgbClr val="4F81BD"/>
+            </a:effectRef>
+            <a:fontRef idx="minor">
+              <a:srgbClr val="000000"/>
+            </a:fontRef>
+          </p:style>
+          <p:txBody>
+            <a:bodyPr lIns="91440" tIns="137160" rIns="91440" bIns="45720" rtlCol="0" anchor="t" anchorCtr="0">
+              <a:normAutofit/>
+            </a:bodyPr>
+            <a:lstStyle/>
+            <a:p>
+              <a:r>
+                <a:rPr lang="en-US" sz="1200" dirty="0">
+                  <a:solidFill>
+                    <a:sysClr val="windowText" lastClr="000000"/>
+                  </a:solidFill>
+                  <a:latin typeface="Segoe UI" pitchFamily="34" charset="0"/>
+                  <a:cs typeface="Segoe UI" pitchFamily="34" charset="0"/>
+                </a:rPr>
+                <a:t>This is an ugly, but probably workable temporary solution</a:t>
+              </a:r>
+            </a:p>
+          </p:txBody>
+        </p:sp>
+        <p:sp>
+          <p:nvSpPr>
+            <p:cNvPr id="154" name="Tape"/>
+            <p:cNvSpPr/>
+            <p:nvPr/>
+          </p:nvSpPr>
+          <p:spPr>
+            <a:xfrm rot="401918">
+              <a:off x="4290086" y="2629127"/>
+              <a:ext cx="563828" cy="215444"/>
+            </a:xfrm>
+            <a:prstGeom prst="rect">
+              <a:avLst/>
+            </a:prstGeom>
+            <a:solidFill>
+              <a:srgbClr val="C00000"/>
+            </a:solidFill>
+            <a:ln w="3175" cap="flat" cmpd="sng" algn="ctr">
+              <a:solidFill>
+                <a:srgbClr val="FFFFFF">
+                  <a:lumMod val="50000"/>
+                </a:srgbClr>
+              </a:solidFill>
+              <a:prstDash val="solid"/>
+            </a:ln>
+            <a:effectLst/>
+          </p:spPr>
+          <p:txBody>
+            <a:bodyPr rot="0" spcFirstLastPara="0" vertOverflow="overflow" horzOverflow="overflow" vert="horz" wrap="square" lIns="45720" tIns="45720" rIns="91440" bIns="45720" numCol="1" spcCol="0" rtlCol="0" fromWordArt="0" anchor="ctr" anchorCtr="0" forceAA="0" compatLnSpc="1">
+              <a:prstTxWarp prst="textNoShape">
+                <a:avLst/>
+              </a:prstTxWarp>
+              <a:noAutofit/>
+            </a:bodyPr>
+            <a:lstStyle/>
+            <a:p>
+              <a:pPr marL="0" marR="0" indent="0" algn="ctr" defTabSz="914400" eaLnBrk="1" fontAlgn="auto" latinLnBrk="0" hangingPunct="1">
+                <a:lnSpc>
+                  <a:spcPct val="100000"/>
+                </a:lnSpc>
+                <a:spcBef>
+                  <a:spcPts val="0"/>
+                </a:spcBef>
+                <a:spcAft>
+                  <a:spcPts val="0"/>
+                </a:spcAft>
+                <a:buClrTx/>
+                <a:buSzTx/>
+                <a:buFontTx/>
+                <a:buNone/>
+                <a:tabLst/>
+              </a:pPr>
+              <a:endParaRPr kumimoji="0" lang="en-US" sz="800" b="0" i="0" u="none" strike="noStrike" kern="0" cap="none" spc="0" normalizeH="0" baseline="0" noProof="0" dirty="0">
+                <a:ln>
+                  <a:noFill/>
+                </a:ln>
+                <a:solidFill>
+                  <a:srgbClr val="000000">
+                    <a:lumMod val="75000"/>
+                    <a:lumOff val="25000"/>
+                  </a:srgbClr>
+                </a:solidFill>
+                <a:effectLst/>
+                <a:uLnTx/>
+                <a:uFillTx/>
+                <a:latin typeface="Segoe UI"/>
+                <a:ea typeface="+mn-ea"/>
+                <a:cs typeface="+mn-cs"/>
+              </a:endParaRPr>
+            </a:p>
+          </p:txBody>
+        </p:sp>
+      </p:grpSp>
+      <p:sp>
+        <p:nvSpPr>
+          <p:cNvPr id="42" name="Content"/>
+          <p:cNvSpPr/>
+          <p:nvPr>
+            <p:custDataLst>
+              <p:custData r:id="rId8"/>
+            </p:custDataLst>
+          </p:nvPr>
+        </p:nvSpPr>
+        <p:spPr>
+          <a:xfrm>
+            <a:off x="5861638" y="3721119"/>
+            <a:ext cx="869377" cy="307773"/>
+          </a:xfrm>
+          <a:prstGeom prst="rect">
+            <a:avLst/>
+          </a:prstGeom>
+          <a:solidFill>
+            <a:srgbClr val="CCCCCC"/>
+          </a:solidFill>
+          <a:ln>
+            <a:noFill/>
+          </a:ln>
+        </p:spPr>
+        <p:style>
+          <a:lnRef idx="2">
+            <a:srgbClr val="4F81BD">
+              <a:shade val="50000"/>
+            </a:srgbClr>
+          </a:lnRef>
+          <a:fillRef idx="1">
+            <a:srgbClr val="4F81BD"/>
+          </a:fillRef>
+          <a:effectRef idx="0">
+            <a:srgbClr val="4F81BD"/>
+          </a:effectRef>
+          <a:fontRef idx="minor">
+            <a:srgbClr val="000000"/>
+          </a:fontRef>
+        </p:style>
+        <p:txBody>
+          <a:bodyPr rtlCol="0" anchor="ctr"/>
+          <a:lstStyle/>
+          <a:p>
+            <a:pPr algn="ctr"/>
+            <a:r>
+              <a:rPr lang="en-US" sz="1100" dirty="0">
+                <a:solidFill>
+                  <a:srgbClr val="000000"/>
+                </a:solidFill>
+                <a:latin typeface="Segoe UI Semibold" pitchFamily="34" charset="0"/>
+                <a:ea typeface="Segoe UI Semibold" pitchFamily="34" charset="0"/>
+                <a:cs typeface="Segoe UI Semibold" pitchFamily="34" charset="0"/>
+              </a:rPr>
+              <a:t>Save</a:t>
+            </a:r>
+          </a:p>
+        </p:txBody>
+      </p:sp>
+    </p:spTree>
+    <p:extLst>
+      <p:ext uri="{BB962C8B-B14F-4D97-AF65-F5344CB8AC3E}">
+        <p14:creationId xmlns:p14="http://schemas.microsoft.com/office/powerpoint/2010/main" val="3105557053"/>
       </p:ext>
     </p:extLst>
   </p:cSld>
@@ -26539,25 +32014,25 @@
 
 <file path=customXml/item1.xml><?xml version="1.0" encoding="utf-8"?>
 <Control xmlns="http://schemas.microsoft.com/VisualStudio/2011/storyboarding/control">
-  <Id Name="System.Storyboarding.Common.DropdownBox" Revision="1" Stencil="System.Storyboarding.Common" StencilVersion="0.1"/>
+  <Id Name="System.Storyboarding.WindowsApps.WindowsAppsProgressRing" Revision="1" Stencil="System.Storyboarding.WindowsApps" StencilVersion="0.1"/>
 </Control>
 </file>
 
 <file path=customXml/item10.xml><?xml version="1.0" encoding="utf-8"?>
 <Control xmlns="http://schemas.microsoft.com/VisualStudio/2011/storyboarding/control">
-  <Id Name="System.Storyboarding.Common.DropdownBox" Revision="1" Stencil="System.Storyboarding.Common" StencilVersion="0.1"/>
+  <Id Name="System.Storyboarding.Common.Button" Revision="1" Stencil="System.Storyboarding.Common" StencilVersion="0.1"/>
 </Control>
 </file>
 
 <file path=customXml/item11.xml><?xml version="1.0" encoding="utf-8"?>
 <Control xmlns="http://schemas.microsoft.com/VisualStudio/2011/storyboarding/control">
-  <Id Name="System.Storyboarding.Common.Button" Revision="1" Stencil="System.Storyboarding.Common" StencilVersion="0.1"/>
+  <Id Name="System.Storyboarding.Annotation.AnimatedBanner" Revision="1" Stencil="System.Storyboarding.Annotation" StencilVersion="0.1"/>
 </Control>
 </file>
 
 <file path=customXml/item12.xml><?xml version="1.0" encoding="utf-8"?>
 <Control xmlns="http://schemas.microsoft.com/VisualStudio/2011/storyboarding/control">
-  <Id Name="System.Storyboarding.Annotation.AnimatedBanner" Revision="1" Stencil="System.Storyboarding.Annotation" StencilVersion="0.1"/>
+  <Id Name="System.Storyboarding.WindowsApps.WindowsAppsEditBox" Revision="1" Stencil="System.Storyboarding.WindowsApps" StencilVersion="0.1"/>
 </Control>
 </file>
 
@@ -26569,205 +32044,205 @@
 
 <file path=customXml/item14.xml><?xml version="1.0" encoding="utf-8"?>
 <Control xmlns="http://schemas.microsoft.com/VisualStudio/2011/storyboarding/control">
-  <Id Name="System.Storyboarding.Backgrounds.WebBrowser" Revision="1" Stencil="System.Storyboarding.Backgrounds" StencilVersion="0.1"/>
+  <Id Name="System.Storyboarding.Common.TabGroupVertical" Revision="1" Stencil="System.Storyboarding.Common" StencilVersion="0.1"/>
 </Control>
 </file>
 
 <file path=customXml/item15.xml><?xml version="1.0" encoding="utf-8"?>
 <Control xmlns="http://schemas.microsoft.com/VisualStudio/2011/storyboarding/control">
-  <Id Name="System.Storyboarding.Common.TextInput" Revision="1" Stencil="System.Storyboarding.Common" StencilVersion="0.1"/>
+  <Id Name="System.Storyboarding.Annotation.StickyNote" Revision="1" Stencil="System.Storyboarding.Annotation" StencilVersion="0.1"/>
 </Control>
 </file>
 
 <file path=customXml/item16.xml><?xml version="1.0" encoding="utf-8"?>
 <Control xmlns="http://schemas.microsoft.com/VisualStudio/2011/storyboarding/control">
-  <Id Name="System.Storyboarding.Backgrounds.WebBrowser" Revision="1" Stencil="System.Storyboarding.Backgrounds" StencilVersion="0.1"/>
+  <Id Name="System.Storyboarding.Common.Breadcrumb" Revision="1" Stencil="System.Storyboarding.Common" StencilVersion="0.1"/>
 </Control>
 </file>
 
 <file path=customXml/item17.xml><?xml version="1.0" encoding="utf-8"?>
 <Control xmlns="http://schemas.microsoft.com/VisualStudio/2011/storyboarding/control">
-  <Id Name="System.Storyboarding.Common.List" Revision="1" Stencil="System.Storyboarding.Common" StencilVersion="0.1"/>
+  <Id Name="System.Storyboarding.Common.ScrollbarVertical" RevisionId="68ea164d-c1de-47a5-804f-d4d1290fa524" Stencil="System.Storyboarding.Common" StencilRevisionId="68ea164d-c1de-47a5-804f-d4d1290fa524" StencilVersion="0.1"/>
 </Control>
 </file>
 
 <file path=customXml/item18.xml><?xml version="1.0" encoding="utf-8"?>
 <Control xmlns="http://schemas.microsoft.com/VisualStudio/2011/storyboarding/control">
-  <Id Name="System.Storyboarding.Annotation.AnimatedBanner" Revision="1" Stencil="System.Storyboarding.Annotation" StencilVersion="0.1"/>
+  <Id Name="System.Storyboarding.Common.DropdownBox" Revision="1" Stencil="System.Storyboarding.Common" StencilVersion="0.1"/>
 </Control>
 </file>
 
 <file path=customXml/item19.xml><?xml version="1.0" encoding="utf-8"?>
 <Control xmlns="http://schemas.microsoft.com/VisualStudio/2011/storyboarding/control">
-  <Id Name="System.Storyboarding.Common.Button" Revision="1" Stencil="System.Storyboarding.Common" StencilVersion="0.1"/>
+  <Id Name="System.Storyboarding.Backgrounds.WebBrowser" Revision="1" Stencil="System.Storyboarding.Backgrounds" StencilVersion="0.1"/>
 </Control>
 </file>
 
 <file path=customXml/item2.xml><?xml version="1.0" encoding="utf-8"?>
 <Control xmlns="http://schemas.microsoft.com/VisualStudio/2011/storyboarding/control">
-  <Id Name="System.Storyboarding.Annotation.AnimatedRectangleCallout" Revision="1" Stencil="System.Storyboarding.Annotation" StencilVersion="0.1"/>
+  <Id Name="System.Storyboarding.Common.DropdownBox" Revision="1" Stencil="System.Storyboarding.Common" StencilVersion="0.1"/>
 </Control>
 </file>
 
 <file path=customXml/item20.xml><?xml version="1.0" encoding="utf-8"?>
 <Control xmlns="http://schemas.microsoft.com/VisualStudio/2011/storyboarding/control">
-  <Id Name="System.Storyboarding.Common.ScrollbarVertical" RevisionId="68ea164d-c1de-47a5-804f-d4d1290fa524" Stencil="System.Storyboarding.Common" StencilRevisionId="68ea164d-c1de-47a5-804f-d4d1290fa524" StencilVersion="0.1"/>
+  <Id Name="System.Storyboarding.Common.TextArea" Revision="1" Stencil="System.Storyboarding.Common" StencilVersion="0.1"/>
 </Control>
 </file>
 
 <file path=customXml/item21.xml><?xml version="1.0" encoding="utf-8"?>
 <Control xmlns="http://schemas.microsoft.com/VisualStudio/2011/storyboarding/control">
-  <Id Name="System.Storyboarding.Backgrounds.WebBrowser" Revision="1" Stencil="System.Storyboarding.Backgrounds" StencilVersion="0.1"/>
+  <Id Name="System.Storyboarding.Common.DataGrid" Revision="1" Stencil="System.Storyboarding.Common" StencilVersion="0.1"/>
 </Control>
 </file>
 
 <file path=customXml/item22.xml><?xml version="1.0" encoding="utf-8"?>
 <Control xmlns="http://schemas.microsoft.com/VisualStudio/2011/storyboarding/control">
-  <Id Name="System.Storyboarding.WindowsApps.WindowsAppsProgressRing" Revision="1" Stencil="System.Storyboarding.WindowsApps" StencilVersion="0.1"/>
+  <Id Name="System.Storyboarding.Common.CheckBoxChecked" Revision="1" Stencil="System.Storyboarding.Common" StencilVersion="0.1"/>
 </Control>
 </file>
 
 <file path=customXml/item23.xml><?xml version="1.0" encoding="utf-8"?>
 <Control xmlns="http://schemas.microsoft.com/VisualStudio/2011/storyboarding/control">
-  <Id Name="System.Storyboarding.Common.DropdownBox" Revision="1" Stencil="System.Storyboarding.Common" StencilVersion="0.1"/>
+  <Id Name="System.Storyboarding.Annotation.StickyNote" Revision="1" Stencil="System.Storyboarding.Annotation" StencilVersion="0.1"/>
 </Control>
 </file>
 
 <file path=customXml/item24.xml><?xml version="1.0" encoding="utf-8"?>
 <Control xmlns="http://schemas.microsoft.com/VisualStudio/2011/storyboarding/control">
-  <Id Name="System.Storyboarding.Common.Button" Revision="1" Stencil="System.Storyboarding.Common" StencilVersion="0.1"/>
+  <Id Name="System.Storyboarding.Annotation.AnimatedRectangleCallout" Revision="1" Stencil="System.Storyboarding.Annotation" StencilVersion="0.1"/>
 </Control>
 </file>
 
 <file path=customXml/item25.xml><?xml version="1.0" encoding="utf-8"?>
 <Control xmlns="http://schemas.microsoft.com/VisualStudio/2011/storyboarding/control">
-  <Id Name="System.Storyboarding.Common.List" Revision="1" Stencil="System.Storyboarding.Common" StencilVersion="0.1"/>
+  <Id Name="System.Storyboarding.Common.Breadcrumb" Revision="1" Stencil="System.Storyboarding.Common" StencilVersion="0.1"/>
 </Control>
 </file>
 
 <file path=customXml/item26.xml><?xml version="1.0" encoding="utf-8"?>
 <Control xmlns="http://schemas.microsoft.com/VisualStudio/2011/storyboarding/control">
-  <Id Name="System.Storyboarding.Common.DataGrid" Revision="1" Stencil="System.Storyboarding.Common" StencilVersion="0.1"/>
+  <Id Name="System.Storyboarding.Common.Breadcrumb" Revision="1" Stencil="System.Storyboarding.Common" StencilVersion="0.1"/>
 </Control>
 </file>
 
 <file path=customXml/item27.xml><?xml version="1.0" encoding="utf-8"?>
 <Control xmlns="http://schemas.microsoft.com/VisualStudio/2011/storyboarding/control">
-  <Id Name="System.Storyboarding.Annotation.StickyNote" Revision="1" Stencil="System.Storyboarding.Annotation" StencilVersion="0.1"/>
+  <Id Name="System.Storyboarding.Common.Breadcrumb" Revision="1" Stencil="System.Storyboarding.Common" StencilVersion="0.1"/>
 </Control>
 </file>
 
 <file path=customXml/item28.xml><?xml version="1.0" encoding="utf-8"?>
 <Control xmlns="http://schemas.microsoft.com/VisualStudio/2011/storyboarding/control">
-  <Id Name="System.Storyboarding.Backgrounds.WebBrowser" Revision="1" Stencil="System.Storyboarding.Backgrounds" StencilVersion="0.1"/>
+  <Id Name="System.Storyboarding.Common.Button" Revision="1" Stencil="System.Storyboarding.Common" StencilVersion="0.1"/>
 </Control>
 </file>
 
 <file path=customXml/item29.xml><?xml version="1.0" encoding="utf-8"?>
 <Control xmlns="http://schemas.microsoft.com/VisualStudio/2011/storyboarding/control">
-  <Id Name="System.Storyboarding.Common.DropdownBox" Revision="1" Stencil="System.Storyboarding.Common" StencilVersion="0.1"/>
+  <Id Name="System.Storyboarding.Common.ScrollbarVertical" RevisionId="68ea164d-c1de-47a5-804f-d4d1290fa524" Stencil="System.Storyboarding.Common" StencilRevisionId="68ea164d-c1de-47a5-804f-d4d1290fa524" StencilVersion="0.1"/>
 </Control>
 </file>
 
 <file path=customXml/item3.xml><?xml version="1.0" encoding="utf-8"?>
 <Control xmlns="http://schemas.microsoft.com/VisualStudio/2011/storyboarding/control">
-  <Id Name="System.Storyboarding.Common.ScrollbarVertical" RevisionId="68ea164d-c1de-47a5-804f-d4d1290fa524" Stencil="System.Storyboarding.Common" StencilRevisionId="68ea164d-c1de-47a5-804f-d4d1290fa524" StencilVersion="0.1"/>
+  <Id Name="System.Storyboarding.Common.DropdownBox" Revision="1" Stencil="System.Storyboarding.Common" StencilVersion="0.1"/>
 </Control>
 </file>
 
 <file path=customXml/item30.xml><?xml version="1.0" encoding="utf-8"?>
 <Control xmlns="http://schemas.microsoft.com/VisualStudio/2011/storyboarding/control">
-  <Id Name="System.Storyboarding.Common.Button" Revision="1" Stencil="System.Storyboarding.Common" StencilVersion="0.1"/>
+  <Id Name="System.Storyboarding.Common.List" Revision="1" Stencil="System.Storyboarding.Common" StencilVersion="0.1"/>
 </Control>
 </file>
 
 <file path=customXml/item31.xml><?xml version="1.0" encoding="utf-8"?>
 <Control xmlns="http://schemas.microsoft.com/VisualStudio/2011/storyboarding/control">
-  <Id Name="System.Storyboarding.Common.TextArea" Revision="1" Stencil="System.Storyboarding.Common" StencilVersion="0.1"/>
+  <Id Name="System.Storyboarding.Common.List" Revision="1" Stencil="System.Storyboarding.Common" StencilVersion="0.1"/>
 </Control>
 </file>
 
 <file path=customXml/item32.xml><?xml version="1.0" encoding="utf-8"?>
 <Control xmlns="http://schemas.microsoft.com/VisualStudio/2011/storyboarding/control">
-  <Id Name="System.Storyboarding.WindowsApps.WindowsAppsKeyboard" Revision="1" Stencil="System.Storyboarding.WindowsApps" StencilVersion="0.1"/>
+  <Id Name="System.Storyboarding.Common.Breadcrumb" Revision="1" Stencil="System.Storyboarding.Common" StencilVersion="0.1"/>
 </Control>
 </file>
 
 <file path=customXml/item33.xml><?xml version="1.0" encoding="utf-8"?>
 <Control xmlns="http://schemas.microsoft.com/VisualStudio/2011/storyboarding/control">
-  <Id Name="System.Storyboarding.Common.Button" Revision="1" Stencil="System.Storyboarding.Common" StencilVersion="0.1"/>
+  <Id Name="System.Storyboarding.Annotation.StickyNote" Revision="1" Stencil="System.Storyboarding.Annotation" StencilVersion="0.1"/>
 </Control>
 </file>
 
 <file path=customXml/item34.xml><?xml version="1.0" encoding="utf-8"?>
 <Control xmlns="http://schemas.microsoft.com/VisualStudio/2011/storyboarding/control">
-  <Id Name="System.Storyboarding.Common.TextInput" Revision="1" Stencil="System.Storyboarding.Common" StencilVersion="0.1"/>
+  <Id Name="System.Storyboarding.Common.Breadcrumb" Revision="1" Stencil="System.Storyboarding.Common" StencilVersion="0.1"/>
 </Control>
 </file>
 
 <file path=customXml/item35.xml><?xml version="1.0" encoding="utf-8"?>
 <Control xmlns="http://schemas.microsoft.com/VisualStudio/2011/storyboarding/control">
-  <Id Name="System.Storyboarding.Annotation.AnimatedBanner" Revision="1" Stencil="System.Storyboarding.Annotation" StencilVersion="0.1"/>
+  <Id Name="System.Storyboarding.Common.List" Revision="1" Stencil="System.Storyboarding.Common" StencilVersion="0.1"/>
 </Control>
 </file>
 
 <file path=customXml/item36.xml><?xml version="1.0" encoding="utf-8"?>
 <Control xmlns="http://schemas.microsoft.com/VisualStudio/2011/storyboarding/control">
-  <Id Name="System.Storyboarding.Annotation.AnimatedBanner" Revision="1" Stencil="System.Storyboarding.Annotation" StencilVersion="0.1"/>
+  <Id Name="System.Storyboarding.Backgrounds.WebBrowser" Revision="1" Stencil="System.Storyboarding.Backgrounds" StencilVersion="0.1"/>
 </Control>
 </file>
 
 <file path=customXml/item37.xml><?xml version="1.0" encoding="utf-8"?>
 <Control xmlns="http://schemas.microsoft.com/VisualStudio/2011/storyboarding/control">
-  <Id Name="System.Storyboarding.Common.TabGroupVertical" Revision="1" Stencil="System.Storyboarding.Common" StencilVersion="0.1"/>
+  <Id Name="System.Storyboarding.Common.TextInput" Revision="1" Stencil="System.Storyboarding.Common" StencilVersion="0.1"/>
 </Control>
 </file>
 
 <file path=customXml/item38.xml><?xml version="1.0" encoding="utf-8"?>
 <Control xmlns="http://schemas.microsoft.com/VisualStudio/2011/storyboarding/control">
-  <Id Name="System.Storyboarding.Common.DropdownBox" Revision="1" Stencil="System.Storyboarding.Common" StencilVersion="0.1"/>
+  <Id Name="System.Storyboarding.Annotation.AnimatedBanner" Revision="1" Stencil="System.Storyboarding.Annotation" StencilVersion="0.1"/>
 </Control>
 </file>
 
 <file path=customXml/item39.xml><?xml version="1.0" encoding="utf-8"?>
 <Control xmlns="http://schemas.microsoft.com/VisualStudio/2011/storyboarding/control">
-  <Id Name="System.Storyboarding.Common.ScrollbarVertical" RevisionId="68ea164d-c1de-47a5-804f-d4d1290fa524" Stencil="System.Storyboarding.Common" StencilRevisionId="68ea164d-c1de-47a5-804f-d4d1290fa524" StencilVersion="0.1"/>
+  <Id Name="System.Storyboarding.Common.ScrollbarVertical" Revision="1" Stencil="System.Storyboarding.Common" StencilVersion="0.1"/>
 </Control>
 </file>
 
 <file path=customXml/item4.xml><?xml version="1.0" encoding="utf-8"?>
 <Control xmlns="http://schemas.microsoft.com/VisualStudio/2011/storyboarding/control">
-  <Id Name="System.Storyboarding.Common.Breadcrumb" Revision="1" Stencil="System.Storyboarding.Common" StencilVersion="0.1"/>
+  <Id Name="System.Storyboarding.Common.CheckBoxChecked" Revision="1" Stencil="System.Storyboarding.Common" StencilVersion="0.1"/>
 </Control>
 </file>
 
 <file path=customXml/item40.xml><?xml version="1.0" encoding="utf-8"?>
 <Control xmlns="http://schemas.microsoft.com/VisualStudio/2011/storyboarding/control">
-  <Id Name="System.Storyboarding.Common.Button" Revision="1" Stencil="System.Storyboarding.Common" StencilVersion="0.1"/>
+  <Id Name="System.Storyboarding.Backgrounds.WebBrowser" Revision="1" Stencil="System.Storyboarding.Backgrounds" StencilVersion="0.1"/>
 </Control>
 </file>
 
 <file path=customXml/item41.xml><?xml version="1.0" encoding="utf-8"?>
 <Control xmlns="http://schemas.microsoft.com/VisualStudio/2011/storyboarding/control">
-  <Id Name="System.Storyboarding.Common.Breadcrumb" Revision="1" Stencil="System.Storyboarding.Common" StencilVersion="0.1"/>
+  <Id Name="System.Storyboarding.WindowsApps.WindowsAppsButton" Revision="1" Stencil="System.Storyboarding.WindowsApps" StencilVersion="0.1"/>
 </Control>
 </file>
 
 <file path=customXml/item42.xml><?xml version="1.0" encoding="utf-8"?>
 <Control xmlns="http://schemas.microsoft.com/VisualStudio/2011/storyboarding/control">
-  <Id Name="System.Storyboarding.Common.Breadcrumb" Revision="1" Stencil="System.Storyboarding.Common" StencilVersion="0.1"/>
+  <Id Name="System.Storyboarding.Backgrounds.WebBrowser" Revision="1" Stencil="System.Storyboarding.Backgrounds" StencilVersion="0.1"/>
 </Control>
 </file>
 
 <file path=customXml/item43.xml><?xml version="1.0" encoding="utf-8"?>
 <Control xmlns="http://schemas.microsoft.com/VisualStudio/2011/storyboarding/control">
-  <Id Name="System.Storyboarding.Common.List" Revision="1" Stencil="System.Storyboarding.Common" StencilVersion="0.1"/>
+  <Id Name="System.Storyboarding.Common.Breadcrumb" Revision="1" Stencil="System.Storyboarding.Common" StencilVersion="0.1"/>
 </Control>
 </file>
 
 <file path=customXml/item44.xml><?xml version="1.0" encoding="utf-8"?>
 <Control xmlns="http://schemas.microsoft.com/VisualStudio/2011/storyboarding/control">
-  <Id Name="System.Storyboarding.Common.Breadcrumb" Revision="1" Stencil="System.Storyboarding.Common" StencilVersion="0.1"/>
+  <Id Name="System.Storyboarding.Common.Button" Revision="1" Stencil="System.Storyboarding.Common" StencilVersion="0.1"/>
 </Control>
 </file>
 
@@ -26779,107 +32254,771 @@
 
 <file path=customXml/item46.xml><?xml version="1.0" encoding="utf-8"?>
 <Control xmlns="http://schemas.microsoft.com/VisualStudio/2011/storyboarding/control">
-  <Id Name="System.Storyboarding.Common.DataGrid" Revision="1" Stencil="System.Storyboarding.Common" StencilVersion="0.1"/>
+  <Id Name="System.Storyboarding.Backgrounds.WebBrowser" Revision="1" Stencil="System.Storyboarding.Backgrounds" StencilVersion="0.1"/>
 </Control>
 </file>
 
 <file path=customXml/item47.xml><?xml version="1.0" encoding="utf-8"?>
 <Control xmlns="http://schemas.microsoft.com/VisualStudio/2011/storyboarding/control">
-  <Id Name="System.Storyboarding.Common.DropdownBox" Revision="1" Stencil="System.Storyboarding.Common" StencilVersion="0.1"/>
+  <Id Name="System.Storyboarding.Common.DataGrid" Revision="1" Stencil="System.Storyboarding.Common" StencilVersion="0.1"/>
 </Control>
 </file>
 
 <file path=customXml/item48.xml><?xml version="1.0" encoding="utf-8"?>
 <Control xmlns="http://schemas.microsoft.com/VisualStudio/2011/storyboarding/control">
-  <Id Name="System.Storyboarding.Common.Button" Revision="1" Stencil="System.Storyboarding.Common" StencilVersion="0.1"/>
+  <Id Name="System.Storyboarding.Common.Breadcrumb" Revision="1" Stencil="System.Storyboarding.Common" StencilVersion="0.1"/>
 </Control>
 </file>
 
 <file path=customXml/item49.xml><?xml version="1.0" encoding="utf-8"?>
 <Control xmlns="http://schemas.microsoft.com/VisualStudio/2011/storyboarding/control">
-  <Id Name="System.Storyboarding.Common.Button" Revision="1" Stencil="System.Storyboarding.Common" StencilVersion="0.1"/>
+  <Id Name="System.Storyboarding.Backgrounds.WebBrowser" Revision="1" Stencil="System.Storyboarding.Backgrounds" StencilVersion="0.1"/>
 </Control>
 </file>
 
 <file path=customXml/item5.xml><?xml version="1.0" encoding="utf-8"?>
 <Control xmlns="http://schemas.microsoft.com/VisualStudio/2011/storyboarding/control">
-  <Id Name="System.Storyboarding.Common.DropdownBox" Revision="1" Stencil="System.Storyboarding.Common" StencilVersion="0.1"/>
+  <Id Name="System.Storyboarding.Common.Button" Revision="1" Stencil="System.Storyboarding.Common" StencilVersion="0.1"/>
 </Control>
 </file>
 
 <file path=customXml/item50.xml><?xml version="1.0" encoding="utf-8"?>
 <Control xmlns="http://schemas.microsoft.com/VisualStudio/2011/storyboarding/control">
-  <Id Name="System.Storyboarding.Common.Button" Revision="1" Stencil="System.Storyboarding.Common" StencilVersion="0.1"/>
+  <Id Name="System.Storyboarding.Common.DropdownBox" Revision="1" Stencil="System.Storyboarding.Common" StencilVersion="0.1"/>
 </Control>
 </file>
 
 <file path=customXml/item51.xml><?xml version="1.0" encoding="utf-8"?>
 <Control xmlns="http://schemas.microsoft.com/VisualStudio/2011/storyboarding/control">
-  <Id Name="System.Storyboarding.Common.Button" Revision="1" Stencil="System.Storyboarding.Common" StencilVersion="0.1"/>
+  <Id Name="System.Storyboarding.Annotation.AnimatedBanner" Revision="1" Stencil="System.Storyboarding.Annotation" StencilVersion="0.1"/>
 </Control>
 </file>
 
 <file path=customXml/item52.xml><?xml version="1.0" encoding="utf-8"?>
 <Control xmlns="http://schemas.microsoft.com/VisualStudio/2011/storyboarding/control">
-  <Id Name="System.Storyboarding.Common.List" Revision="1" Stencil="System.Storyboarding.Common" StencilVersion="0.1"/>
+  <Id Name="System.Storyboarding.Annotation.AnimatedBanner" Revision="1" Stencil="System.Storyboarding.Annotation" StencilVersion="0.1"/>
 </Control>
 </file>
 
 <file path=customXml/item53.xml><?xml version="1.0" encoding="utf-8"?>
 <Control xmlns="http://schemas.microsoft.com/VisualStudio/2011/storyboarding/control">
-  <Id Name="System.Storyboarding.Common.ScrollbarVertical" RevisionId="68ea164d-c1de-47a5-804f-d4d1290fa524" Stencil="System.Storyboarding.Common" StencilRevisionId="68ea164d-c1de-47a5-804f-d4d1290fa524" StencilVersion="0.1"/>
+  <Id Name="System.Storyboarding.Backgrounds.WebBrowser" Revision="1" Stencil="System.Storyboarding.Backgrounds" StencilVersion="0.1"/>
 </Control>
 </file>
 
 <file path=customXml/item54.xml><?xml version="1.0" encoding="utf-8"?>
 <Control xmlns="http://schemas.microsoft.com/VisualStudio/2011/storyboarding/control">
-  <Id Name="System.Storyboarding.Annotation.AnimatedBanner" Revision="1" Stencil="System.Storyboarding.Annotation" StencilVersion="0.1"/>
+  <Id Name="System.Storyboarding.Icons.HandCursor" Revision="1" Stencil="System.Storyboarding.Icons" StencilVersion="0.1"/>
 </Control>
 </file>
 
 <file path=customXml/item55.xml><?xml version="1.0" encoding="utf-8"?>
 <Control xmlns="http://schemas.microsoft.com/VisualStudio/2011/storyboarding/control">
-  <Id Name="System.Storyboarding.Common.Breadcrumb" Revision="1" Stencil="System.Storyboarding.Common" StencilVersion="0.1"/>
+  <Id Name="System.Storyboarding.Common.DropdownBox" Revision="1" Stencil="System.Storyboarding.Common" StencilVersion="0.1"/>
 </Control>
 </file>
 
 <file path=customXml/item56.xml><?xml version="1.0" encoding="utf-8"?>
 <Control xmlns="http://schemas.microsoft.com/VisualStudio/2011/storyboarding/control">
-  <Id Name="System.Storyboarding.Common.Breadcrumb" Revision="1" Stencil="System.Storyboarding.Common" StencilVersion="0.1"/>
+  <Id Name="System.Storyboarding.WindowsApps.WindowsAppsEditBox" Revision="1" Stencil="System.Storyboarding.WindowsApps" StencilVersion="0.1"/>
 </Control>
 </file>
 
 <file path=customXml/item57.xml><?xml version="1.0" encoding="utf-8"?>
 <Control xmlns="http://schemas.microsoft.com/VisualStudio/2011/storyboarding/control">
-  <Id Name="System.Storyboarding.Annotation.StickyNote" Revision="1" Stencil="System.Storyboarding.Annotation" StencilVersion="0.1"/>
+  <Id Name="System.Storyboarding.Common.DropdownBox" Revision="1" Stencil="System.Storyboarding.Common" StencilVersion="0.1"/>
+</Control>
+</file>
+
+<file path=customXml/item58.xml><?xml version="1.0" encoding="utf-8"?>
+<Control xmlns="http://schemas.microsoft.com/VisualStudio/2011/storyboarding/control">
+  <Id Name="System.Storyboarding.Backgrounds.WebBrowser" Revision="1" Stencil="System.Storyboarding.Backgrounds" StencilVersion="0.1"/>
+</Control>
+</file>
+
+<file path=customXml/item59.xml><?xml version="1.0" encoding="utf-8"?>
+<Control xmlns="http://schemas.microsoft.com/VisualStudio/2011/storyboarding/control">
+  <Id Name="System.Storyboarding.WindowsApps.WindowsAppsKeyboard" Revision="1" Stencil="System.Storyboarding.WindowsApps" StencilVersion="0.1"/>
 </Control>
 </file>
 
 <file path=customXml/item6.xml><?xml version="1.0" encoding="utf-8"?>
 <Control xmlns="http://schemas.microsoft.com/VisualStudio/2011/storyboarding/control">
+  <Id Name="System.Storyboarding.Common.Button" Revision="1" Stencil="System.Storyboarding.Common" StencilVersion="0.1"/>
+</Control>
+</file>
+
+<file path=customXml/item60.xml><?xml version="1.0" encoding="utf-8"?>
+<Control xmlns="http://schemas.microsoft.com/VisualStudio/2011/storyboarding/control">
+  <Id Name="System.Storyboarding.Common.DropdownBox" Revision="1" Stencil="System.Storyboarding.Common" StencilVersion="0.1"/>
+</Control>
+</file>
+
+<file path=customXml/item61.xml><?xml version="1.0" encoding="utf-8"?>
+<Control xmlns="http://schemas.microsoft.com/VisualStudio/2011/storyboarding/control">
+  <Id Name="System.Storyboarding.Annotation.AnimatedBanner" Revision="1" Stencil="System.Storyboarding.Annotation" StencilVersion="0.1"/>
+</Control>
+</file>
+
+<file path=customXml/item62.xml><?xml version="1.0" encoding="utf-8"?>
+<Control xmlns="http://schemas.microsoft.com/VisualStudio/2011/storyboarding/control">
+  <Id Name="System.Storyboarding.Common.Button" Revision="1" Stencil="System.Storyboarding.Common" StencilVersion="0.1"/>
+</Control>
+</file>
+
+<file path=customXml/item63.xml><?xml version="1.0" encoding="utf-8"?>
+<Control xmlns="http://schemas.microsoft.com/VisualStudio/2011/storyboarding/control">
+  <Id Name="System.Storyboarding.Common.List" Revision="1" Stencil="System.Storyboarding.Common" StencilVersion="0.1"/>
+</Control>
+</file>
+
+<file path=customXml/item64.xml><?xml version="1.0" encoding="utf-8"?>
+<Control xmlns="http://schemas.microsoft.com/VisualStudio/2011/storyboarding/control">
+  <Id Name="System.Storyboarding.Common.ScrollbarVertical" RevisionId="68ea164d-c1de-47a5-804f-d4d1290fa524" Stencil="System.Storyboarding.Common" StencilRevisionId="68ea164d-c1de-47a5-804f-d4d1290fa524" StencilVersion="0.1"/>
+</Control>
+</file>
+
+<file path=customXml/item65.xml><?xml version="1.0" encoding="utf-8"?>
+<Control xmlns="http://schemas.microsoft.com/VisualStudio/2011/storyboarding/control">
   <Id Name="System.Storyboarding.Annotation.StickyNote" Revision="1" Stencil="System.Storyboarding.Annotation" StencilVersion="0.1"/>
+</Control>
+</file>
+
+<file path=customXml/item66.xml><?xml version="1.0" encoding="utf-8"?>
+<Control xmlns="http://schemas.microsoft.com/VisualStudio/2011/storyboarding/control">
+  <Id Name="System.Storyboarding.Annotation.AnimatedBanner" Revision="1" Stencil="System.Storyboarding.Annotation" StencilVersion="0.1"/>
+</Control>
+</file>
+
+<file path=customXml/item67.xml><?xml version="1.0" encoding="utf-8"?>
+<Control xmlns="http://schemas.microsoft.com/VisualStudio/2011/storyboarding/control">
+  <Id Name="System.Storyboarding.Annotation.AnimatedBanner" Revision="1" Stencil="System.Storyboarding.Annotation" StencilVersion="0.1"/>
+</Control>
+</file>
+
+<file path=customXml/item68.xml><?xml version="1.0" encoding="utf-8"?>
+<Control xmlns="http://schemas.microsoft.com/VisualStudio/2011/storyboarding/control">
+  <Id Name="System.Storyboarding.Common.TextInput" Revision="1" Stencil="System.Storyboarding.Common" StencilVersion="0.1"/>
+</Control>
+</file>
+
+<file path=customXml/item69.xml><?xml version="1.0" encoding="utf-8"?>
+<Control xmlns="http://schemas.microsoft.com/VisualStudio/2011/storyboarding/control">
+  <Id Name="System.Storyboarding.Common.Button" Revision="1" Stencil="System.Storyboarding.Common" StencilVersion="0.1"/>
 </Control>
 </file>
 
 <file path=customXml/item7.xml><?xml version="1.0" encoding="utf-8"?>
 <Control xmlns="http://schemas.microsoft.com/VisualStudio/2011/storyboarding/control">
+  <Id Name="System.Storyboarding.Common.Button" Revision="1" Stencil="System.Storyboarding.Common" StencilVersion="0.1"/>
+</Control>
+</file>
+
+<file path=customXml/item70.xml><?xml version="1.0" encoding="utf-8"?>
+<Control xmlns="http://schemas.microsoft.com/VisualStudio/2011/storyboarding/control">
   <Id Name="System.Storyboarding.Annotation.AnimatedBanner" Revision="1" Stencil="System.Storyboarding.Annotation" StencilVersion="0.1"/>
+</Control>
+</file>
+
+<file path=customXml/item71.xml><?xml version="1.0" encoding="utf-8"?>
+<Control xmlns="http://schemas.microsoft.com/VisualStudio/2011/storyboarding/control">
+  <Id Name="System.Storyboarding.Common.DropdownBox" Revision="1" Stencil="System.Storyboarding.Common" StencilVersion="0.1"/>
+</Control>
+</file>
+
+<file path=customXml/item72.xml><?xml version="1.0" encoding="utf-8"?>
+<Control xmlns="http://schemas.microsoft.com/VisualStudio/2011/storyboarding/control">
+  <Id Name="System.Storyboarding.Common.Button" Revision="1" Stencil="System.Storyboarding.Common" StencilVersion="0.1"/>
+</Control>
+</file>
+
+<file path=customXml/item73.xml><?xml version="1.0" encoding="utf-8"?>
+<Control xmlns="http://schemas.microsoft.com/VisualStudio/2011/storyboarding/control">
+  <Id Name="System.Storyboarding.Common.ScrollbarVertical" RevisionId="68ea164d-c1de-47a5-804f-d4d1290fa524" Stencil="System.Storyboarding.Common" StencilRevisionId="68ea164d-c1de-47a5-804f-d4d1290fa524" StencilVersion="0.1"/>
+</Control>
+</file>
+
+<file path=customXml/item74.xml><?xml version="1.0" encoding="utf-8"?>
+<Control xmlns="http://schemas.microsoft.com/VisualStudio/2011/storyboarding/control">
+  <Id Name="System.Storyboarding.Common.Button" Revision="1" Stencil="System.Storyboarding.Common" StencilVersion="0.1"/>
+</Control>
+</file>
+
+<file path=customXml/item75.xml><?xml version="1.0" encoding="utf-8"?>
+<Control xmlns="http://schemas.microsoft.com/VisualStudio/2011/storyboarding/control">
+  <Id Name="System.Storyboarding.Common.Button" Revision="1" Stencil="System.Storyboarding.Common" StencilVersion="0.1"/>
+</Control>
+</file>
+
+<file path=customXml/item76.xml><?xml version="1.0" encoding="utf-8"?>
+<Control xmlns="http://schemas.microsoft.com/VisualStudio/2011/storyboarding/control">
+  <Id Name="System.Storyboarding.Common.Button" Revision="1" Stencil="System.Storyboarding.Common" StencilVersion="0.1"/>
+</Control>
+</file>
+
+<file path=customXml/item77.xml><?xml version="1.0" encoding="utf-8"?>
+<Control xmlns="http://schemas.microsoft.com/VisualStudio/2011/storyboarding/control">
+  <Id Name="System.Storyboarding.WindowsApps.WindowsAppsButton" Revision="1" Stencil="System.Storyboarding.WindowsApps" StencilVersion="0.1"/>
 </Control>
 </file>
 
 <file path=customXml/item8.xml><?xml version="1.0" encoding="utf-8"?>
 <Control xmlns="http://schemas.microsoft.com/VisualStudio/2011/storyboarding/control">
-  <Id Name="System.Storyboarding.Backgrounds.WebBrowser" Revision="1" Stencil="System.Storyboarding.Backgrounds" StencilVersion="0.1"/>
+  <Id Name="System.Storyboarding.Common.List" Revision="1" Stencil="System.Storyboarding.Common" StencilVersion="0.1"/>
 </Control>
 </file>
 
 <file path=customXml/item9.xml><?xml version="1.0" encoding="utf-8"?>
 <Control xmlns="http://schemas.microsoft.com/VisualStudio/2011/storyboarding/control">
-  <Id Name="System.Storyboarding.Backgrounds.WebBrowser" Revision="1" Stencil="System.Storyboarding.Backgrounds" StencilVersion="0.1"/>
+  <Id Name="System.Storyboarding.Common.ScrollbarVertical" RevisionId="68ea164d-c1de-47a5-804f-d4d1290fa524" Stencil="System.Storyboarding.Common" StencilRevisionId="68ea164d-c1de-47a5-804f-d4d1290fa524" StencilVersion="0.1"/>
 </Control>
 </file>
 
 <file path=customXml/itemProps1.xml><?xml version="1.0" encoding="utf-8"?>
+<ds:datastoreItem xmlns:ds="http://schemas.openxmlformats.org/officeDocument/2006/customXml" ds:itemID="{EDE871F9-F7B8-4157-892C-043F7B653731}">
+  <ds:schemaRefs>
+    <ds:schemaRef ds:uri="http://schemas.microsoft.com/VisualStudio/2011/storyboarding/control"/>
+  </ds:schemaRefs>
+</ds:datastoreItem>
+</file>
+
+<file path=customXml/itemProps10.xml><?xml version="1.0" encoding="utf-8"?>
+<ds:datastoreItem xmlns:ds="http://schemas.openxmlformats.org/officeDocument/2006/customXml" ds:itemID="{4D85B567-BF55-4BD5-BD2B-48EC230E4DDF}">
+  <ds:schemaRefs>
+    <ds:schemaRef ds:uri="http://schemas.microsoft.com/VisualStudio/2011/storyboarding/control"/>
+  </ds:schemaRefs>
+</ds:datastoreItem>
+</file>
+
+<file path=customXml/itemProps11.xml><?xml version="1.0" encoding="utf-8"?>
+<ds:datastoreItem xmlns:ds="http://schemas.openxmlformats.org/officeDocument/2006/customXml" ds:itemID="{F7A8DAC0-4C6F-42B9-B09F-CC84D41FD32D}">
+  <ds:schemaRefs>
+    <ds:schemaRef ds:uri="http://schemas.microsoft.com/VisualStudio/2011/storyboarding/control"/>
+  </ds:schemaRefs>
+</ds:datastoreItem>
+</file>
+
+<file path=customXml/itemProps12.xml><?xml version="1.0" encoding="utf-8"?>
+<ds:datastoreItem xmlns:ds="http://schemas.openxmlformats.org/officeDocument/2006/customXml" ds:itemID="{FBD1F7D7-8083-4A4C-A98A-439ED643D5B9}">
+  <ds:schemaRefs>
+    <ds:schemaRef ds:uri="http://schemas.microsoft.com/VisualStudio/2011/storyboarding/control"/>
+  </ds:schemaRefs>
+</ds:datastoreItem>
+</file>
+
+<file path=customXml/itemProps13.xml><?xml version="1.0" encoding="utf-8"?>
+<ds:datastoreItem xmlns:ds="http://schemas.openxmlformats.org/officeDocument/2006/customXml" ds:itemID="{F79D85F2-5846-4BDE-A11F-3FD99B51C9B3}">
+  <ds:schemaRefs>
+    <ds:schemaRef ds:uri="http://schemas.microsoft.com/VisualStudio/2011/storyboarding/control"/>
+  </ds:schemaRefs>
+</ds:datastoreItem>
+</file>
+
+<file path=customXml/itemProps14.xml><?xml version="1.0" encoding="utf-8"?>
+<ds:datastoreItem xmlns:ds="http://schemas.openxmlformats.org/officeDocument/2006/customXml" ds:itemID="{66EE45E8-5A98-4AB2-90E9-258468706981}">
+  <ds:schemaRefs>
+    <ds:schemaRef ds:uri="http://schemas.microsoft.com/VisualStudio/2011/storyboarding/control"/>
+  </ds:schemaRefs>
+</ds:datastoreItem>
+</file>
+
+<file path=customXml/itemProps15.xml><?xml version="1.0" encoding="utf-8"?>
+<ds:datastoreItem xmlns:ds="http://schemas.openxmlformats.org/officeDocument/2006/customXml" ds:itemID="{9F3DAF5B-E53F-48EE-9D84-38A812AC7BEC}">
+  <ds:schemaRefs>
+    <ds:schemaRef ds:uri="http://schemas.microsoft.com/VisualStudio/2011/storyboarding/control"/>
+  </ds:schemaRefs>
+</ds:datastoreItem>
+</file>
+
+<file path=customXml/itemProps16.xml><?xml version="1.0" encoding="utf-8"?>
+<ds:datastoreItem xmlns:ds="http://schemas.openxmlformats.org/officeDocument/2006/customXml" ds:itemID="{7A680396-2481-4322-AD74-05B79CD7E48B}">
+  <ds:schemaRefs>
+    <ds:schemaRef ds:uri="http://schemas.microsoft.com/VisualStudio/2011/storyboarding/control"/>
+  </ds:schemaRefs>
+</ds:datastoreItem>
+</file>
+
+<file path=customXml/itemProps17.xml><?xml version="1.0" encoding="utf-8"?>
+<ds:datastoreItem xmlns:ds="http://schemas.openxmlformats.org/officeDocument/2006/customXml" ds:itemID="{43A9ECBC-8E4E-49F2-848F-8D30C621F63C}">
+  <ds:schemaRefs>
+    <ds:schemaRef ds:uri="http://schemas.microsoft.com/VisualStudio/2011/storyboarding/control"/>
+  </ds:schemaRefs>
+</ds:datastoreItem>
+</file>
+
+<file path=customXml/itemProps18.xml><?xml version="1.0" encoding="utf-8"?>
+<ds:datastoreItem xmlns:ds="http://schemas.openxmlformats.org/officeDocument/2006/customXml" ds:itemID="{6DF63AB1-E97C-4913-997D-DB9C3848E074}">
+  <ds:schemaRefs>
+    <ds:schemaRef ds:uri="http://schemas.microsoft.com/VisualStudio/2011/storyboarding/control"/>
+  </ds:schemaRefs>
+</ds:datastoreItem>
+</file>
+
+<file path=customXml/itemProps19.xml><?xml version="1.0" encoding="utf-8"?>
+<ds:datastoreItem xmlns:ds="http://schemas.openxmlformats.org/officeDocument/2006/customXml" ds:itemID="{F479CCF3-4290-4846-9639-A6DCAA5D8162}">
+  <ds:schemaRefs>
+    <ds:schemaRef ds:uri="http://schemas.microsoft.com/VisualStudio/2011/storyboarding/control"/>
+  </ds:schemaRefs>
+</ds:datastoreItem>
+</file>
+
+<file path=customXml/itemProps2.xml><?xml version="1.0" encoding="utf-8"?>
+<ds:datastoreItem xmlns:ds="http://schemas.openxmlformats.org/officeDocument/2006/customXml" ds:itemID="{6482CFD0-2A0D-4674-95D8-91F826E5DAE4}">
+  <ds:schemaRefs>
+    <ds:schemaRef ds:uri="http://schemas.microsoft.com/VisualStudio/2011/storyboarding/control"/>
+  </ds:schemaRefs>
+</ds:datastoreItem>
+</file>
+
+<file path=customXml/itemProps20.xml><?xml version="1.0" encoding="utf-8"?>
+<ds:datastoreItem xmlns:ds="http://schemas.openxmlformats.org/officeDocument/2006/customXml" ds:itemID="{B5F8F5EC-4341-4F46-9990-1EE01B929FF0}">
+  <ds:schemaRefs>
+    <ds:schemaRef ds:uri="http://schemas.microsoft.com/VisualStudio/2011/storyboarding/control"/>
+  </ds:schemaRefs>
+</ds:datastoreItem>
+</file>
+
+<file path=customXml/itemProps21.xml><?xml version="1.0" encoding="utf-8"?>
+<ds:datastoreItem xmlns:ds="http://schemas.openxmlformats.org/officeDocument/2006/customXml" ds:itemID="{A161C6F6-C80E-4A8E-904D-32864460D457}">
+  <ds:schemaRefs>
+    <ds:schemaRef ds:uri="http://schemas.microsoft.com/VisualStudio/2011/storyboarding/control"/>
+  </ds:schemaRefs>
+</ds:datastoreItem>
+</file>
+
+<file path=customXml/itemProps22.xml><?xml version="1.0" encoding="utf-8"?>
+<ds:datastoreItem xmlns:ds="http://schemas.openxmlformats.org/officeDocument/2006/customXml" ds:itemID="{911E9C4F-AFE9-48EE-96FF-90F247F0EF2C}">
+  <ds:schemaRefs>
+    <ds:schemaRef ds:uri="http://schemas.microsoft.com/VisualStudio/2011/storyboarding/control"/>
+  </ds:schemaRefs>
+</ds:datastoreItem>
+</file>
+
+<file path=customXml/itemProps23.xml><?xml version="1.0" encoding="utf-8"?>
+<ds:datastoreItem xmlns:ds="http://schemas.openxmlformats.org/officeDocument/2006/customXml" ds:itemID="{F28C0AB0-B331-496E-BC74-5EA613AE14DB}">
+  <ds:schemaRefs>
+    <ds:schemaRef ds:uri="http://schemas.microsoft.com/VisualStudio/2011/storyboarding/control"/>
+  </ds:schemaRefs>
+</ds:datastoreItem>
+</file>
+
+<file path=customXml/itemProps24.xml><?xml version="1.0" encoding="utf-8"?>
+<ds:datastoreItem xmlns:ds="http://schemas.openxmlformats.org/officeDocument/2006/customXml" ds:itemID="{0B7EE182-B8C2-4C11-82A2-B8A9F5992DD7}">
+  <ds:schemaRefs>
+    <ds:schemaRef ds:uri="http://schemas.microsoft.com/VisualStudio/2011/storyboarding/control"/>
+  </ds:schemaRefs>
+</ds:datastoreItem>
+</file>
+
+<file path=customXml/itemProps25.xml><?xml version="1.0" encoding="utf-8"?>
+<ds:datastoreItem xmlns:ds="http://schemas.openxmlformats.org/officeDocument/2006/customXml" ds:itemID="{1301F42E-23AE-4BB5-BB6D-29FD293B76DF}">
+  <ds:schemaRefs>
+    <ds:schemaRef ds:uri="http://schemas.microsoft.com/VisualStudio/2011/storyboarding/control"/>
+  </ds:schemaRefs>
+</ds:datastoreItem>
+</file>
+
+<file path=customXml/itemProps26.xml><?xml version="1.0" encoding="utf-8"?>
+<ds:datastoreItem xmlns:ds="http://schemas.openxmlformats.org/officeDocument/2006/customXml" ds:itemID="{AE663D79-1640-4CCB-831A-CA0768DA54CE}">
+  <ds:schemaRefs>
+    <ds:schemaRef ds:uri="http://schemas.microsoft.com/VisualStudio/2011/storyboarding/control"/>
+  </ds:schemaRefs>
+</ds:datastoreItem>
+</file>
+
+<file path=customXml/itemProps27.xml><?xml version="1.0" encoding="utf-8"?>
+<ds:datastoreItem xmlns:ds="http://schemas.openxmlformats.org/officeDocument/2006/customXml" ds:itemID="{920F0ACA-3000-46A4-9BBB-C4F8CA557257}">
+  <ds:schemaRefs>
+    <ds:schemaRef ds:uri="http://schemas.microsoft.com/VisualStudio/2011/storyboarding/control"/>
+  </ds:schemaRefs>
+</ds:datastoreItem>
+</file>
+
+<file path=customXml/itemProps28.xml><?xml version="1.0" encoding="utf-8"?>
+<ds:datastoreItem xmlns:ds="http://schemas.openxmlformats.org/officeDocument/2006/customXml" ds:itemID="{EA260B45-EF0D-493F-A913-21A5C1AADF71}">
+  <ds:schemaRefs>
+    <ds:schemaRef ds:uri="http://schemas.microsoft.com/VisualStudio/2011/storyboarding/control"/>
+  </ds:schemaRefs>
+</ds:datastoreItem>
+</file>
+
+<file path=customXml/itemProps29.xml><?xml version="1.0" encoding="utf-8"?>
+<ds:datastoreItem xmlns:ds="http://schemas.openxmlformats.org/officeDocument/2006/customXml" ds:itemID="{B86FC14E-608D-4408-A64C-21E6AEE90D98}">
+  <ds:schemaRefs>
+    <ds:schemaRef ds:uri="http://schemas.microsoft.com/VisualStudio/2011/storyboarding/control"/>
+  </ds:schemaRefs>
+</ds:datastoreItem>
+</file>
+
+<file path=customXml/itemProps3.xml><?xml version="1.0" encoding="utf-8"?>
+<ds:datastoreItem xmlns:ds="http://schemas.openxmlformats.org/officeDocument/2006/customXml" ds:itemID="{01153801-C20A-4695-AEF6-D654D618398B}">
+  <ds:schemaRefs>
+    <ds:schemaRef ds:uri="http://schemas.microsoft.com/VisualStudio/2011/storyboarding/control"/>
+  </ds:schemaRefs>
+</ds:datastoreItem>
+</file>
+
+<file path=customXml/itemProps30.xml><?xml version="1.0" encoding="utf-8"?>
+<ds:datastoreItem xmlns:ds="http://schemas.openxmlformats.org/officeDocument/2006/customXml" ds:itemID="{251F3046-B88A-4F82-8B14-8C54BF15F0D9}">
+  <ds:schemaRefs>
+    <ds:schemaRef ds:uri="http://schemas.microsoft.com/VisualStudio/2011/storyboarding/control"/>
+  </ds:schemaRefs>
+</ds:datastoreItem>
+</file>
+
+<file path=customXml/itemProps31.xml><?xml version="1.0" encoding="utf-8"?>
+<ds:datastoreItem xmlns:ds="http://schemas.openxmlformats.org/officeDocument/2006/customXml" ds:itemID="{20BE2B89-8ABE-4AB8-8DEC-DEFC16E7D322}">
+  <ds:schemaRefs>
+    <ds:schemaRef ds:uri="http://schemas.microsoft.com/VisualStudio/2011/storyboarding/control"/>
+  </ds:schemaRefs>
+</ds:datastoreItem>
+</file>
+
+<file path=customXml/itemProps32.xml><?xml version="1.0" encoding="utf-8"?>
+<ds:datastoreItem xmlns:ds="http://schemas.openxmlformats.org/officeDocument/2006/customXml" ds:itemID="{C5E6CDB8-670B-400A-AC9F-91E6E7D86956}">
+  <ds:schemaRefs>
+    <ds:schemaRef ds:uri="http://schemas.microsoft.com/VisualStudio/2011/storyboarding/control"/>
+  </ds:schemaRefs>
+</ds:datastoreItem>
+</file>
+
+<file path=customXml/itemProps33.xml><?xml version="1.0" encoding="utf-8"?>
+<ds:datastoreItem xmlns:ds="http://schemas.openxmlformats.org/officeDocument/2006/customXml" ds:itemID="{4FA683D7-7A0E-41CA-9AC6-79B9EB748600}">
+  <ds:schemaRefs>
+    <ds:schemaRef ds:uri="http://schemas.microsoft.com/VisualStudio/2011/storyboarding/control"/>
+  </ds:schemaRefs>
+</ds:datastoreItem>
+</file>
+
+<file path=customXml/itemProps34.xml><?xml version="1.0" encoding="utf-8"?>
+<ds:datastoreItem xmlns:ds="http://schemas.openxmlformats.org/officeDocument/2006/customXml" ds:itemID="{601A1943-E9FD-4AF0-AD9F-6282F7ECC54C}">
+  <ds:schemaRefs>
+    <ds:schemaRef ds:uri="http://schemas.microsoft.com/VisualStudio/2011/storyboarding/control"/>
+  </ds:schemaRefs>
+</ds:datastoreItem>
+</file>
+
+<file path=customXml/itemProps35.xml><?xml version="1.0" encoding="utf-8"?>
+<ds:datastoreItem xmlns:ds="http://schemas.openxmlformats.org/officeDocument/2006/customXml" ds:itemID="{8F7731FF-4333-47CF-9CA6-4D1622CCABF7}">
+  <ds:schemaRefs>
+    <ds:schemaRef ds:uri="http://schemas.microsoft.com/VisualStudio/2011/storyboarding/control"/>
+  </ds:schemaRefs>
+</ds:datastoreItem>
+</file>
+
+<file path=customXml/itemProps36.xml><?xml version="1.0" encoding="utf-8"?>
+<ds:datastoreItem xmlns:ds="http://schemas.openxmlformats.org/officeDocument/2006/customXml" ds:itemID="{B7316004-2DBF-45BA-B0A8-940A2E6C51C5}">
+  <ds:schemaRefs>
+    <ds:schemaRef ds:uri="http://schemas.microsoft.com/VisualStudio/2011/storyboarding/control"/>
+  </ds:schemaRefs>
+</ds:datastoreItem>
+</file>
+
+<file path=customXml/itemProps37.xml><?xml version="1.0" encoding="utf-8"?>
+<ds:datastoreItem xmlns:ds="http://schemas.openxmlformats.org/officeDocument/2006/customXml" ds:itemID="{17C0862B-82A9-490D-B7CC-54C2127659F4}">
+  <ds:schemaRefs>
+    <ds:schemaRef ds:uri="http://schemas.microsoft.com/VisualStudio/2011/storyboarding/control"/>
+  </ds:schemaRefs>
+</ds:datastoreItem>
+</file>
+
+<file path=customXml/itemProps38.xml><?xml version="1.0" encoding="utf-8"?>
+<ds:datastoreItem xmlns:ds="http://schemas.openxmlformats.org/officeDocument/2006/customXml" ds:itemID="{F156F2A6-F547-4AAD-8D5D-E8681F2338A3}">
+  <ds:schemaRefs>
+    <ds:schemaRef ds:uri="http://schemas.microsoft.com/VisualStudio/2011/storyboarding/control"/>
+  </ds:schemaRefs>
+</ds:datastoreItem>
+</file>
+
+<file path=customXml/itemProps39.xml><?xml version="1.0" encoding="utf-8"?>
+<ds:datastoreItem xmlns:ds="http://schemas.openxmlformats.org/officeDocument/2006/customXml" ds:itemID="{218A5AAC-EE81-44B8-9C44-AB9BCD0FC404}">
+  <ds:schemaRefs>
+    <ds:schemaRef ds:uri="http://schemas.microsoft.com/VisualStudio/2011/storyboarding/control"/>
+  </ds:schemaRefs>
+</ds:datastoreItem>
+</file>
+
+<file path=customXml/itemProps4.xml><?xml version="1.0" encoding="utf-8"?>
+<ds:datastoreItem xmlns:ds="http://schemas.openxmlformats.org/officeDocument/2006/customXml" ds:itemID="{55A7F025-5A0D-454E-8B41-92FC8A5D4D22}">
+  <ds:schemaRefs>
+    <ds:schemaRef ds:uri="http://schemas.microsoft.com/VisualStudio/2011/storyboarding/control"/>
+  </ds:schemaRefs>
+</ds:datastoreItem>
+</file>
+
+<file path=customXml/itemProps40.xml><?xml version="1.0" encoding="utf-8"?>
+<ds:datastoreItem xmlns:ds="http://schemas.openxmlformats.org/officeDocument/2006/customXml" ds:itemID="{82367B86-C548-4296-A61C-89B1B988715A}">
+  <ds:schemaRefs>
+    <ds:schemaRef ds:uri="http://schemas.microsoft.com/VisualStudio/2011/storyboarding/control"/>
+  </ds:schemaRefs>
+</ds:datastoreItem>
+</file>
+
+<file path=customXml/itemProps41.xml><?xml version="1.0" encoding="utf-8"?>
+<ds:datastoreItem xmlns:ds="http://schemas.openxmlformats.org/officeDocument/2006/customXml" ds:itemID="{3B1B13EC-48A9-467E-B25E-C29CFC6A7DD1}">
+  <ds:schemaRefs>
+    <ds:schemaRef ds:uri="http://schemas.microsoft.com/VisualStudio/2011/storyboarding/control"/>
+  </ds:schemaRefs>
+</ds:datastoreItem>
+</file>
+
+<file path=customXml/itemProps42.xml><?xml version="1.0" encoding="utf-8"?>
+<ds:datastoreItem xmlns:ds="http://schemas.openxmlformats.org/officeDocument/2006/customXml" ds:itemID="{AE633FCB-83E3-4B5C-B11E-74F2BC0DDA2F}">
+  <ds:schemaRefs>
+    <ds:schemaRef ds:uri="http://schemas.microsoft.com/VisualStudio/2011/storyboarding/control"/>
+  </ds:schemaRefs>
+</ds:datastoreItem>
+</file>
+
+<file path=customXml/itemProps43.xml><?xml version="1.0" encoding="utf-8"?>
+<ds:datastoreItem xmlns:ds="http://schemas.openxmlformats.org/officeDocument/2006/customXml" ds:itemID="{618BD6AF-36D2-4CA8-8F4F-4097CCBA2176}">
+  <ds:schemaRefs>
+    <ds:schemaRef ds:uri="http://schemas.microsoft.com/VisualStudio/2011/storyboarding/control"/>
+  </ds:schemaRefs>
+</ds:datastoreItem>
+</file>
+
+<file path=customXml/itemProps44.xml><?xml version="1.0" encoding="utf-8"?>
+<ds:datastoreItem xmlns:ds="http://schemas.openxmlformats.org/officeDocument/2006/customXml" ds:itemID="{527C3E9C-D62B-4699-85A9-9413C9DD9BC5}">
+  <ds:schemaRefs>
+    <ds:schemaRef ds:uri="http://schemas.microsoft.com/VisualStudio/2011/storyboarding/control"/>
+  </ds:schemaRefs>
+</ds:datastoreItem>
+</file>
+
+<file path=customXml/itemProps45.xml><?xml version="1.0" encoding="utf-8"?>
+<ds:datastoreItem xmlns:ds="http://schemas.openxmlformats.org/officeDocument/2006/customXml" ds:itemID="{D961C9E7-66FC-42DD-A2F0-E341CFE0BF56}">
+  <ds:schemaRefs>
+    <ds:schemaRef ds:uri="http://schemas.microsoft.com/VisualStudio/2011/storyboarding/control"/>
+  </ds:schemaRefs>
+</ds:datastoreItem>
+</file>
+
+<file path=customXml/itemProps46.xml><?xml version="1.0" encoding="utf-8"?>
+<ds:datastoreItem xmlns:ds="http://schemas.openxmlformats.org/officeDocument/2006/customXml" ds:itemID="{3AD1868A-2EA8-4C8D-819F-5B463CD94938}">
+  <ds:schemaRefs>
+    <ds:schemaRef ds:uri="http://schemas.microsoft.com/VisualStudio/2011/storyboarding/control"/>
+  </ds:schemaRefs>
+</ds:datastoreItem>
+</file>
+
+<file path=customXml/itemProps47.xml><?xml version="1.0" encoding="utf-8"?>
+<ds:datastoreItem xmlns:ds="http://schemas.openxmlformats.org/officeDocument/2006/customXml" ds:itemID="{A5174481-2701-47B2-B4DF-EFA95D3726E1}">
+  <ds:schemaRefs>
+    <ds:schemaRef ds:uri="http://schemas.microsoft.com/VisualStudio/2011/storyboarding/control"/>
+  </ds:schemaRefs>
+</ds:datastoreItem>
+</file>
+
+<file path=customXml/itemProps48.xml><?xml version="1.0" encoding="utf-8"?>
+<ds:datastoreItem xmlns:ds="http://schemas.openxmlformats.org/officeDocument/2006/customXml" ds:itemID="{0631F244-31FA-4E40-B8F6-56C394B1D2E3}">
+  <ds:schemaRefs>
+    <ds:schemaRef ds:uri="http://schemas.microsoft.com/VisualStudio/2011/storyboarding/control"/>
+  </ds:schemaRefs>
+</ds:datastoreItem>
+</file>
+
+<file path=customXml/itemProps49.xml><?xml version="1.0" encoding="utf-8"?>
+<ds:datastoreItem xmlns:ds="http://schemas.openxmlformats.org/officeDocument/2006/customXml" ds:itemID="{1FD43CA3-9D97-49A3-A0EB-C8761B500F20}">
+  <ds:schemaRefs>
+    <ds:schemaRef ds:uri="http://schemas.microsoft.com/VisualStudio/2011/storyboarding/control"/>
+  </ds:schemaRefs>
+</ds:datastoreItem>
+</file>
+
+<file path=customXml/itemProps5.xml><?xml version="1.0" encoding="utf-8"?>
+<ds:datastoreItem xmlns:ds="http://schemas.openxmlformats.org/officeDocument/2006/customXml" ds:itemID="{FD92314A-57E2-4663-A795-0395A9B5C4F4}">
+  <ds:schemaRefs>
+    <ds:schemaRef ds:uri="http://schemas.microsoft.com/VisualStudio/2011/storyboarding/control"/>
+  </ds:schemaRefs>
+</ds:datastoreItem>
+</file>
+
+<file path=customXml/itemProps50.xml><?xml version="1.0" encoding="utf-8"?>
+<ds:datastoreItem xmlns:ds="http://schemas.openxmlformats.org/officeDocument/2006/customXml" ds:itemID="{78E787DA-F7B7-431D-BF68-A99491EBECE0}">
+  <ds:schemaRefs>
+    <ds:schemaRef ds:uri="http://schemas.microsoft.com/VisualStudio/2011/storyboarding/control"/>
+  </ds:schemaRefs>
+</ds:datastoreItem>
+</file>
+
+<file path=customXml/itemProps51.xml><?xml version="1.0" encoding="utf-8"?>
+<ds:datastoreItem xmlns:ds="http://schemas.openxmlformats.org/officeDocument/2006/customXml" ds:itemID="{E381F8C2-A935-4C3C-A101-F24C6DCC143F}">
+  <ds:schemaRefs>
+    <ds:schemaRef ds:uri="http://schemas.microsoft.com/VisualStudio/2011/storyboarding/control"/>
+  </ds:schemaRefs>
+</ds:datastoreItem>
+</file>
+
+<file path=customXml/itemProps52.xml><?xml version="1.0" encoding="utf-8"?>
+<ds:datastoreItem xmlns:ds="http://schemas.openxmlformats.org/officeDocument/2006/customXml" ds:itemID="{1A20DF97-3ABD-408A-92E7-82D4704CC03F}">
+  <ds:schemaRefs>
+    <ds:schemaRef ds:uri="http://schemas.microsoft.com/VisualStudio/2011/storyboarding/control"/>
+  </ds:schemaRefs>
+</ds:datastoreItem>
+</file>
+
+<file path=customXml/itemProps53.xml><?xml version="1.0" encoding="utf-8"?>
+<ds:datastoreItem xmlns:ds="http://schemas.openxmlformats.org/officeDocument/2006/customXml" ds:itemID="{A159FDDE-AEDE-41B9-A157-3A1084EAFE08}">
+  <ds:schemaRefs>
+    <ds:schemaRef ds:uri="http://schemas.microsoft.com/VisualStudio/2011/storyboarding/control"/>
+  </ds:schemaRefs>
+</ds:datastoreItem>
+</file>
+
+<file path=customXml/itemProps54.xml><?xml version="1.0" encoding="utf-8"?>
+<ds:datastoreItem xmlns:ds="http://schemas.openxmlformats.org/officeDocument/2006/customXml" ds:itemID="{09BBED3F-61D2-49EC-A599-9DCC8C29BB67}">
+  <ds:schemaRefs>
+    <ds:schemaRef ds:uri="http://schemas.microsoft.com/VisualStudio/2011/storyboarding/control"/>
+  </ds:schemaRefs>
+</ds:datastoreItem>
+</file>
+
+<file path=customXml/itemProps55.xml><?xml version="1.0" encoding="utf-8"?>
+<ds:datastoreItem xmlns:ds="http://schemas.openxmlformats.org/officeDocument/2006/customXml" ds:itemID="{14ADB259-C5A3-4B86-8AD7-D2D82BA0CCD6}">
+  <ds:schemaRefs>
+    <ds:schemaRef ds:uri="http://schemas.microsoft.com/VisualStudio/2011/storyboarding/control"/>
+  </ds:schemaRefs>
+</ds:datastoreItem>
+</file>
+
+<file path=customXml/itemProps56.xml><?xml version="1.0" encoding="utf-8"?>
+<ds:datastoreItem xmlns:ds="http://schemas.openxmlformats.org/officeDocument/2006/customXml" ds:itemID="{635D0DAF-0D0C-4705-8B99-162BA84D21FE}">
+  <ds:schemaRefs>
+    <ds:schemaRef ds:uri="http://schemas.microsoft.com/VisualStudio/2011/storyboarding/control"/>
+  </ds:schemaRefs>
+</ds:datastoreItem>
+</file>
+
+<file path=customXml/itemProps57.xml><?xml version="1.0" encoding="utf-8"?>
+<ds:datastoreItem xmlns:ds="http://schemas.openxmlformats.org/officeDocument/2006/customXml" ds:itemID="{863727DF-AA28-489E-A016-3593432CB1D0}">
+  <ds:schemaRefs>
+    <ds:schemaRef ds:uri="http://schemas.microsoft.com/VisualStudio/2011/storyboarding/control"/>
+  </ds:schemaRefs>
+</ds:datastoreItem>
+</file>
+
+<file path=customXml/itemProps58.xml><?xml version="1.0" encoding="utf-8"?>
+<ds:datastoreItem xmlns:ds="http://schemas.openxmlformats.org/officeDocument/2006/customXml" ds:itemID="{E76A8645-6116-47B1-940F-E62B904097E6}">
+  <ds:schemaRefs>
+    <ds:schemaRef ds:uri="http://schemas.microsoft.com/VisualStudio/2011/storyboarding/control"/>
+  </ds:schemaRefs>
+</ds:datastoreItem>
+</file>
+
+<file path=customXml/itemProps59.xml><?xml version="1.0" encoding="utf-8"?>
+<ds:datastoreItem xmlns:ds="http://schemas.openxmlformats.org/officeDocument/2006/customXml" ds:itemID="{1747ABEA-9A96-44E4-865C-E879861BF441}">
+  <ds:schemaRefs>
+    <ds:schemaRef ds:uri="http://schemas.microsoft.com/VisualStudio/2011/storyboarding/control"/>
+  </ds:schemaRefs>
+</ds:datastoreItem>
+</file>
+
+<file path=customXml/itemProps6.xml><?xml version="1.0" encoding="utf-8"?>
+<ds:datastoreItem xmlns:ds="http://schemas.openxmlformats.org/officeDocument/2006/customXml" ds:itemID="{1198CE49-0D6E-4BE9-8DF6-557F3AFB8398}">
+  <ds:schemaRefs>
+    <ds:schemaRef ds:uri="http://schemas.microsoft.com/VisualStudio/2011/storyboarding/control"/>
+  </ds:schemaRefs>
+</ds:datastoreItem>
+</file>
+
+<file path=customXml/itemProps60.xml><?xml version="1.0" encoding="utf-8"?>
+<ds:datastoreItem xmlns:ds="http://schemas.openxmlformats.org/officeDocument/2006/customXml" ds:itemID="{2CB4371B-566E-4D5F-AFBA-05E194458CF0}">
+  <ds:schemaRefs>
+    <ds:schemaRef ds:uri="http://schemas.microsoft.com/VisualStudio/2011/storyboarding/control"/>
+  </ds:schemaRefs>
+</ds:datastoreItem>
+</file>
+
+<file path=customXml/itemProps61.xml><?xml version="1.0" encoding="utf-8"?>
+<ds:datastoreItem xmlns:ds="http://schemas.openxmlformats.org/officeDocument/2006/customXml" ds:itemID="{C8E8655C-FECF-4FB5-A478-B5250C94506A}">
+  <ds:schemaRefs>
+    <ds:schemaRef ds:uri="http://schemas.microsoft.com/VisualStudio/2011/storyboarding/control"/>
+  </ds:schemaRefs>
+</ds:datastoreItem>
+</file>
+
+<file path=customXml/itemProps62.xml><?xml version="1.0" encoding="utf-8"?>
+<ds:datastoreItem xmlns:ds="http://schemas.openxmlformats.org/officeDocument/2006/customXml" ds:itemID="{8A3D4E0D-900C-4018-AA88-D5E1FC48993B}">
+  <ds:schemaRefs>
+    <ds:schemaRef ds:uri="http://schemas.microsoft.com/VisualStudio/2011/storyboarding/control"/>
+  </ds:schemaRefs>
+</ds:datastoreItem>
+</file>
+
+<file path=customXml/itemProps63.xml><?xml version="1.0" encoding="utf-8"?>
+<ds:datastoreItem xmlns:ds="http://schemas.openxmlformats.org/officeDocument/2006/customXml" ds:itemID="{52992253-1143-414F-800B-506DEA1D474B}">
+  <ds:schemaRefs>
+    <ds:schemaRef ds:uri="http://schemas.microsoft.com/VisualStudio/2011/storyboarding/control"/>
+  </ds:schemaRefs>
+</ds:datastoreItem>
+</file>
+
+<file path=customXml/itemProps64.xml><?xml version="1.0" encoding="utf-8"?>
+<ds:datastoreItem xmlns:ds="http://schemas.openxmlformats.org/officeDocument/2006/customXml" ds:itemID="{3CA129FD-546A-43EE-9DAA-C222F9A6D459}">
+  <ds:schemaRefs>
+    <ds:schemaRef ds:uri="http://schemas.microsoft.com/VisualStudio/2011/storyboarding/control"/>
+  </ds:schemaRefs>
+</ds:datastoreItem>
+</file>
+
+<file path=customXml/itemProps65.xml><?xml version="1.0" encoding="utf-8"?>
+<ds:datastoreItem xmlns:ds="http://schemas.openxmlformats.org/officeDocument/2006/customXml" ds:itemID="{15AA8194-4642-444A-AC4B-4E4421A1CCAD}">
+  <ds:schemaRefs>
+    <ds:schemaRef ds:uri="http://schemas.microsoft.com/VisualStudio/2011/storyboarding/control"/>
+  </ds:schemaRefs>
+</ds:datastoreItem>
+</file>
+
+<file path=customXml/itemProps66.xml><?xml version="1.0" encoding="utf-8"?>
+<ds:datastoreItem xmlns:ds="http://schemas.openxmlformats.org/officeDocument/2006/customXml" ds:itemID="{4065E285-AE90-4D98-9EEF-242FC453ACCE}">
+  <ds:schemaRefs>
+    <ds:schemaRef ds:uri="http://schemas.microsoft.com/VisualStudio/2011/storyboarding/control"/>
+  </ds:schemaRefs>
+</ds:datastoreItem>
+</file>
+
+<file path=customXml/itemProps67.xml><?xml version="1.0" encoding="utf-8"?>
+<ds:datastoreItem xmlns:ds="http://schemas.openxmlformats.org/officeDocument/2006/customXml" ds:itemID="{DCA11933-643D-44C3-972F-3B930FC6D577}">
+  <ds:schemaRefs>
+    <ds:schemaRef ds:uri="http://schemas.microsoft.com/VisualStudio/2011/storyboarding/control"/>
+  </ds:schemaRefs>
+</ds:datastoreItem>
+</file>
+
+<file path=customXml/itemProps68.xml><?xml version="1.0" encoding="utf-8"?>
+<ds:datastoreItem xmlns:ds="http://schemas.openxmlformats.org/officeDocument/2006/customXml" ds:itemID="{C909A3D1-C841-49DE-A0CF-07C2E8F7BEA5}">
+  <ds:schemaRefs>
+    <ds:schemaRef ds:uri="http://schemas.microsoft.com/VisualStudio/2011/storyboarding/control"/>
+  </ds:schemaRefs>
+</ds:datastoreItem>
+</file>
+
+<file path=customXml/itemProps69.xml><?xml version="1.0" encoding="utf-8"?>
+<ds:datastoreItem xmlns:ds="http://schemas.openxmlformats.org/officeDocument/2006/customXml" ds:itemID="{2E32A29A-D6DF-475C-8E31-D7C4AAA06706}">
+  <ds:schemaRefs>
+    <ds:schemaRef ds:uri="http://schemas.microsoft.com/VisualStudio/2011/storyboarding/control"/>
+  </ds:schemaRefs>
+</ds:datastoreItem>
+</file>
+
+<file path=customXml/itemProps7.xml><?xml version="1.0" encoding="utf-8"?>
+<ds:datastoreItem xmlns:ds="http://schemas.openxmlformats.org/officeDocument/2006/customXml" ds:itemID="{C389C65B-112F-4DC9-B10D-D7DC08918F65}">
+  <ds:schemaRefs>
+    <ds:schemaRef ds:uri="http://schemas.microsoft.com/VisualStudio/2011/storyboarding/control"/>
+  </ds:schemaRefs>
+</ds:datastoreItem>
+</file>
+
+<file path=customXml/itemProps70.xml><?xml version="1.0" encoding="utf-8"?>
+<ds:datastoreItem xmlns:ds="http://schemas.openxmlformats.org/officeDocument/2006/customXml" ds:itemID="{CC8F7828-36D1-44CE-82A0-7FB157C173BD}">
+  <ds:schemaRefs>
+    <ds:schemaRef ds:uri="http://schemas.microsoft.com/VisualStudio/2011/storyboarding/control"/>
+  </ds:schemaRefs>
+</ds:datastoreItem>
+</file>
+
+<file path=customXml/itemProps71.xml><?xml version="1.0" encoding="utf-8"?>
 <ds:datastoreItem xmlns:ds="http://schemas.openxmlformats.org/officeDocument/2006/customXml" ds:itemID="{B14F77A0-8930-4648-9FF3-BC0645492CEB}">
   <ds:schemaRefs>
     <ds:schemaRef ds:uri="http://schemas.microsoft.com/VisualStudio/2011/storyboarding/control"/>
@@ -26887,63 +33026,55 @@
 </ds:datastoreItem>
 </file>
 
-<file path=customXml/itemProps10.xml><?xml version="1.0" encoding="utf-8"?>
-<ds:datastoreItem xmlns:ds="http://schemas.openxmlformats.org/officeDocument/2006/customXml" ds:itemID="{01153801-C20A-4695-AEF6-D654D618398B}">
+<file path=customXml/itemProps72.xml><?xml version="1.0" encoding="utf-8"?>
+<ds:datastoreItem xmlns:ds="http://schemas.openxmlformats.org/officeDocument/2006/customXml" ds:itemID="{E006778C-5384-49A1-9D63-F47FD2E26BD3}">
   <ds:schemaRefs>
     <ds:schemaRef ds:uri="http://schemas.microsoft.com/VisualStudio/2011/storyboarding/control"/>
   </ds:schemaRefs>
 </ds:datastoreItem>
 </file>
 
-<file path=customXml/itemProps11.xml><?xml version="1.0" encoding="utf-8"?>
-<ds:datastoreItem xmlns:ds="http://schemas.openxmlformats.org/officeDocument/2006/customXml" ds:itemID="{C389C65B-112F-4DC9-B10D-D7DC08918F65}">
+<file path=customXml/itemProps73.xml><?xml version="1.0" encoding="utf-8"?>
+<ds:datastoreItem xmlns:ds="http://schemas.openxmlformats.org/officeDocument/2006/customXml" ds:itemID="{B9E4DD56-57B7-43D2-BC0E-3DB8356543FF}">
   <ds:schemaRefs>
     <ds:schemaRef ds:uri="http://schemas.microsoft.com/VisualStudio/2011/storyboarding/control"/>
   </ds:schemaRefs>
 </ds:datastoreItem>
 </file>
 
-<file path=customXml/itemProps12.xml><?xml version="1.0" encoding="utf-8"?>
-<ds:datastoreItem xmlns:ds="http://schemas.openxmlformats.org/officeDocument/2006/customXml" ds:itemID="{E381F8C2-A935-4C3C-A101-F24C6DCC143F}">
+<file path=customXml/itemProps74.xml><?xml version="1.0" encoding="utf-8"?>
+<ds:datastoreItem xmlns:ds="http://schemas.openxmlformats.org/officeDocument/2006/customXml" ds:itemID="{F7B70C3D-4B5E-4EAD-BFFD-AA8A13C4C009}">
   <ds:schemaRefs>
     <ds:schemaRef ds:uri="http://schemas.microsoft.com/VisualStudio/2011/storyboarding/control"/>
   </ds:schemaRefs>
 </ds:datastoreItem>
 </file>
 
-<file path=customXml/itemProps13.xml><?xml version="1.0" encoding="utf-8"?>
-<ds:datastoreItem xmlns:ds="http://schemas.openxmlformats.org/officeDocument/2006/customXml" ds:itemID="{4D85B567-BF55-4BD5-BD2B-48EC230E4DDF}">
+<file path=customXml/itemProps75.xml><?xml version="1.0" encoding="utf-8"?>
+<ds:datastoreItem xmlns:ds="http://schemas.openxmlformats.org/officeDocument/2006/customXml" ds:itemID="{F06A9736-A6B6-4634-BBC1-44634717A118}">
   <ds:schemaRefs>
     <ds:schemaRef ds:uri="http://schemas.microsoft.com/VisualStudio/2011/storyboarding/control"/>
   </ds:schemaRefs>
 </ds:datastoreItem>
 </file>
 
-<file path=customXml/itemProps14.xml><?xml version="1.0" encoding="utf-8"?>
-<ds:datastoreItem xmlns:ds="http://schemas.openxmlformats.org/officeDocument/2006/customXml" ds:itemID="{B7316004-2DBF-45BA-B0A8-940A2E6C51C5}">
+<file path=customXml/itemProps76.xml><?xml version="1.0" encoding="utf-8"?>
+<ds:datastoreItem xmlns:ds="http://schemas.openxmlformats.org/officeDocument/2006/customXml" ds:itemID="{1078AE92-34B6-42D0-8CF1-A24C42CD21E3}">
   <ds:schemaRefs>
     <ds:schemaRef ds:uri="http://schemas.microsoft.com/VisualStudio/2011/storyboarding/control"/>
   </ds:schemaRefs>
 </ds:datastoreItem>
 </file>
 
-<file path=customXml/itemProps15.xml><?xml version="1.0" encoding="utf-8"?>
-<ds:datastoreItem xmlns:ds="http://schemas.openxmlformats.org/officeDocument/2006/customXml" ds:itemID="{17C0862B-82A9-490D-B7CC-54C2127659F4}">
+<file path=customXml/itemProps77.xml><?xml version="1.0" encoding="utf-8"?>
+<ds:datastoreItem xmlns:ds="http://schemas.openxmlformats.org/officeDocument/2006/customXml" ds:itemID="{30EE3B51-FD36-43C2-987F-3EC40297CFB6}">
   <ds:schemaRefs>
     <ds:schemaRef ds:uri="http://schemas.microsoft.com/VisualStudio/2011/storyboarding/control"/>
   </ds:schemaRefs>
 </ds:datastoreItem>
 </file>
 
-<file path=customXml/itemProps16.xml><?xml version="1.0" encoding="utf-8"?>
-<ds:datastoreItem xmlns:ds="http://schemas.openxmlformats.org/officeDocument/2006/customXml" ds:itemID="{E76A8645-6116-47B1-940F-E62B904097E6}">
-  <ds:schemaRefs>
-    <ds:schemaRef ds:uri="http://schemas.microsoft.com/VisualStudio/2011/storyboarding/control"/>
-  </ds:schemaRefs>
-</ds:datastoreItem>
-</file>
-
-<file path=customXml/itemProps17.xml><?xml version="1.0" encoding="utf-8"?>
+<file path=customXml/itemProps8.xml><?xml version="1.0" encoding="utf-8"?>
 <ds:datastoreItem xmlns:ds="http://schemas.openxmlformats.org/officeDocument/2006/customXml" ds:itemID="{58286991-1355-4EA4-86BD-F85C9E54870E}">
   <ds:schemaRefs>
     <ds:schemaRef ds:uri="http://schemas.microsoft.com/VisualStudio/2011/storyboarding/control"/>
@@ -26951,386 +33082,10 @@
 </ds:datastoreItem>
 </file>
 
-<file path=customXml/itemProps18.xml><?xml version="1.0" encoding="utf-8"?>
-<ds:datastoreItem xmlns:ds="http://schemas.openxmlformats.org/officeDocument/2006/customXml" ds:itemID="{F156F2A6-F547-4AAD-8D5D-E8681F2338A3}">
-  <ds:schemaRefs>
-    <ds:schemaRef ds:uri="http://schemas.microsoft.com/VisualStudio/2011/storyboarding/control"/>
-  </ds:schemaRefs>
-</ds:datastoreItem>
-</file>
-
-<file path=customXml/itemProps19.xml><?xml version="1.0" encoding="utf-8"?>
-<ds:datastoreItem xmlns:ds="http://schemas.openxmlformats.org/officeDocument/2006/customXml" ds:itemID="{F06A9736-A6B6-4634-BBC1-44634717A118}">
-  <ds:schemaRefs>
-    <ds:schemaRef ds:uri="http://schemas.microsoft.com/VisualStudio/2011/storyboarding/control"/>
-  </ds:schemaRefs>
-</ds:datastoreItem>
-</file>
-
-<file path=customXml/itemProps2.xml><?xml version="1.0" encoding="utf-8"?>
-<ds:datastoreItem xmlns:ds="http://schemas.openxmlformats.org/officeDocument/2006/customXml" ds:itemID="{0B7EE182-B8C2-4C11-82A2-B8A9F5992DD7}">
-  <ds:schemaRefs>
-    <ds:schemaRef ds:uri="http://schemas.microsoft.com/VisualStudio/2011/storyboarding/control"/>
-  </ds:schemaRefs>
-</ds:datastoreItem>
-</file>
-
-<file path=customXml/itemProps20.xml><?xml version="1.0" encoding="utf-8"?>
+<file path=customXml/itemProps9.xml><?xml version="1.0" encoding="utf-8"?>
 <ds:datastoreItem xmlns:ds="http://schemas.openxmlformats.org/officeDocument/2006/customXml" ds:itemID="{D1A3EE4E-078B-41D3-BEE1-37C16EFBDEE6}">
   <ds:schemaRefs>
     <ds:schemaRef ds:uri="http://schemas.microsoft.com/VisualStudio/2011/storyboarding/control"/>
   </ds:schemaRefs>
 </ds:datastoreItem>
-</file>
-
-<file path=customXml/itemProps21.xml><?xml version="1.0" encoding="utf-8"?>
-<ds:datastoreItem xmlns:ds="http://schemas.openxmlformats.org/officeDocument/2006/customXml" ds:itemID="{AE633FCB-83E3-4B5C-B11E-74F2BC0DDA2F}">
-  <ds:schemaRefs>
-    <ds:schemaRef ds:uri="http://schemas.microsoft.com/VisualStudio/2011/storyboarding/control"/>
-  </ds:schemaRefs>
-</ds:datastoreItem>
-</file>
-
-<file path=customXml/itemProps22.xml><?xml version="1.0" encoding="utf-8"?>
-<ds:datastoreItem xmlns:ds="http://schemas.openxmlformats.org/officeDocument/2006/customXml" ds:itemID="{EDE871F9-F7B8-4157-892C-043F7B653731}">
-  <ds:schemaRefs>
-    <ds:schemaRef ds:uri="http://schemas.microsoft.com/VisualStudio/2011/storyboarding/control"/>
-  </ds:schemaRefs>
-</ds:datastoreItem>
-</file>
-
-<file path=customXml/itemProps23.xml><?xml version="1.0" encoding="utf-8"?>
-<ds:datastoreItem xmlns:ds="http://schemas.openxmlformats.org/officeDocument/2006/customXml" ds:itemID="{6482CFD0-2A0D-4674-95D8-91F826E5DAE4}">
-  <ds:schemaRefs>
-    <ds:schemaRef ds:uri="http://schemas.microsoft.com/VisualStudio/2011/storyboarding/control"/>
-  </ds:schemaRefs>
-</ds:datastoreItem>
-</file>
-
-<file path=customXml/itemProps24.xml><?xml version="1.0" encoding="utf-8"?>
-<ds:datastoreItem xmlns:ds="http://schemas.openxmlformats.org/officeDocument/2006/customXml" ds:itemID="{EA260B45-EF0D-493F-A913-21A5C1AADF71}">
-  <ds:schemaRefs>
-    <ds:schemaRef ds:uri="http://schemas.microsoft.com/VisualStudio/2011/storyboarding/control"/>
-  </ds:schemaRefs>
-</ds:datastoreItem>
-</file>
-
-<file path=customXml/itemProps25.xml><?xml version="1.0" encoding="utf-8"?>
-<ds:datastoreItem xmlns:ds="http://schemas.openxmlformats.org/officeDocument/2006/customXml" ds:itemID="{20BE2B89-8ABE-4AB8-8DEC-DEFC16E7D322}">
-  <ds:schemaRefs>
-    <ds:schemaRef ds:uri="http://schemas.microsoft.com/VisualStudio/2011/storyboarding/control"/>
-  </ds:schemaRefs>
-</ds:datastoreItem>
-</file>
-
-<file path=customXml/itemProps26.xml><?xml version="1.0" encoding="utf-8"?>
-<ds:datastoreItem xmlns:ds="http://schemas.openxmlformats.org/officeDocument/2006/customXml" ds:itemID="{A161C6F6-C80E-4A8E-904D-32864460D457}">
-  <ds:schemaRefs>
-    <ds:schemaRef ds:uri="http://schemas.microsoft.com/VisualStudio/2011/storyboarding/control"/>
-  </ds:schemaRefs>
-</ds:datastoreItem>
-</file>
-
-<file path=customXml/itemProps27.xml><?xml version="1.0" encoding="utf-8"?>
-<ds:datastoreItem xmlns:ds="http://schemas.openxmlformats.org/officeDocument/2006/customXml" ds:itemID="{9F3DAF5B-E53F-48EE-9D84-38A812AC7BEC}">
-  <ds:schemaRefs>
-    <ds:schemaRef ds:uri="http://schemas.microsoft.com/VisualStudio/2011/storyboarding/control"/>
-  </ds:schemaRefs>
-</ds:datastoreItem>
-</file>
-
-<file path=customXml/itemProps28.xml><?xml version="1.0" encoding="utf-8"?>
-<ds:datastoreItem xmlns:ds="http://schemas.openxmlformats.org/officeDocument/2006/customXml" ds:itemID="{F479CCF3-4290-4846-9639-A6DCAA5D8162}">
-  <ds:schemaRefs>
-    <ds:schemaRef ds:uri="http://schemas.microsoft.com/VisualStudio/2011/storyboarding/control"/>
-  </ds:schemaRefs>
-</ds:datastoreItem>
-</file>
-
-<file path=customXml/itemProps29.xml><?xml version="1.0" encoding="utf-8"?>
-<ds:datastoreItem xmlns:ds="http://schemas.openxmlformats.org/officeDocument/2006/customXml" ds:itemID="{78E787DA-F7B7-431D-BF68-A99491EBECE0}">
-  <ds:schemaRefs>
-    <ds:schemaRef ds:uri="http://schemas.microsoft.com/VisualStudio/2011/storyboarding/control"/>
-  </ds:schemaRefs>
-</ds:datastoreItem>
-</file>
-
-<file path=customXml/itemProps3.xml><?xml version="1.0" encoding="utf-8"?>
-<ds:datastoreItem xmlns:ds="http://schemas.openxmlformats.org/officeDocument/2006/customXml" ds:itemID="{43A9ECBC-8E4E-49F2-848F-8D30C621F63C}">
-  <ds:schemaRefs>
-    <ds:schemaRef ds:uri="http://schemas.microsoft.com/VisualStudio/2011/storyboarding/control"/>
-  </ds:schemaRefs>
-</ds:datastoreItem>
-</file>
-
-<file path=customXml/itemProps30.xml><?xml version="1.0" encoding="utf-8"?>
-<ds:datastoreItem xmlns:ds="http://schemas.openxmlformats.org/officeDocument/2006/customXml" ds:itemID="{D961C9E7-66FC-42DD-A2F0-E341CFE0BF56}">
-  <ds:schemaRefs>
-    <ds:schemaRef ds:uri="http://schemas.microsoft.com/VisualStudio/2011/storyboarding/control"/>
-  </ds:schemaRefs>
-</ds:datastoreItem>
-</file>
-
-<file path=customXml/itemProps31.xml><?xml version="1.0" encoding="utf-8"?>
-<ds:datastoreItem xmlns:ds="http://schemas.openxmlformats.org/officeDocument/2006/customXml" ds:itemID="{B5F8F5EC-4341-4F46-9990-1EE01B929FF0}">
-  <ds:schemaRefs>
-    <ds:schemaRef ds:uri="http://schemas.microsoft.com/VisualStudio/2011/storyboarding/control"/>
-  </ds:schemaRefs>
-</ds:datastoreItem>
-</file>
-
-<file path=customXml/itemProps32.xml><?xml version="1.0" encoding="utf-8"?>
-<ds:datastoreItem xmlns:ds="http://schemas.openxmlformats.org/officeDocument/2006/customXml" ds:itemID="{1747ABEA-9A96-44E4-865C-E879861BF441}">
-  <ds:schemaRefs>
-    <ds:schemaRef ds:uri="http://schemas.microsoft.com/VisualStudio/2011/storyboarding/control"/>
-  </ds:schemaRefs>
-</ds:datastoreItem>
-</file>
-
-<file path=customXml/itemProps33.xml><?xml version="1.0" encoding="utf-8"?>
-<ds:datastoreItem xmlns:ds="http://schemas.openxmlformats.org/officeDocument/2006/customXml" ds:itemID="{8A3D4E0D-900C-4018-AA88-D5E1FC48993B}">
-  <ds:schemaRefs>
-    <ds:schemaRef ds:uri="http://schemas.microsoft.com/VisualStudio/2011/storyboarding/control"/>
-  </ds:schemaRefs>
-</ds:datastoreItem>
-</file>
-
-<file path=customXml/itemProps34.xml><?xml version="1.0" encoding="utf-8"?>
-<ds:datastoreItem xmlns:ds="http://schemas.openxmlformats.org/officeDocument/2006/customXml" ds:itemID="{C909A3D1-C841-49DE-A0CF-07C2E8F7BEA5}">
-  <ds:schemaRefs>
-    <ds:schemaRef ds:uri="http://schemas.microsoft.com/VisualStudio/2011/storyboarding/control"/>
-  </ds:schemaRefs>
-</ds:datastoreItem>
-</file>
-
-<file path=customXml/itemProps35.xml><?xml version="1.0" encoding="utf-8"?>
-<ds:datastoreItem xmlns:ds="http://schemas.openxmlformats.org/officeDocument/2006/customXml" ds:itemID="{CC8F7828-36D1-44CE-82A0-7FB157C173BD}">
-  <ds:schemaRefs>
-    <ds:schemaRef ds:uri="http://schemas.microsoft.com/VisualStudio/2011/storyboarding/control"/>
-  </ds:schemaRefs>
-</ds:datastoreItem>
-</file>
-
-<file path=customXml/itemProps36.xml><?xml version="1.0" encoding="utf-8"?>
-<ds:datastoreItem xmlns:ds="http://schemas.openxmlformats.org/officeDocument/2006/customXml" ds:itemID="{1A20DF97-3ABD-408A-92E7-82D4704CC03F}">
-  <ds:schemaRefs>
-    <ds:schemaRef ds:uri="http://schemas.microsoft.com/VisualStudio/2011/storyboarding/control"/>
-  </ds:schemaRefs>
-</ds:datastoreItem>
-</file>
-
-<file path=customXml/itemProps37.xml><?xml version="1.0" encoding="utf-8"?>
-<ds:datastoreItem xmlns:ds="http://schemas.openxmlformats.org/officeDocument/2006/customXml" ds:itemID="{66EE45E8-5A98-4AB2-90E9-258468706981}">
-  <ds:schemaRefs>
-    <ds:schemaRef ds:uri="http://schemas.microsoft.com/VisualStudio/2011/storyboarding/control"/>
-  </ds:schemaRefs>
-</ds:datastoreItem>
-</file>
-
-<file path=customXml/itemProps38.xml><?xml version="1.0" encoding="utf-8"?>
-<ds:datastoreItem xmlns:ds="http://schemas.openxmlformats.org/officeDocument/2006/customXml" ds:itemID="{6DF63AB1-E97C-4913-997D-DB9C3848E074}">
-  <ds:schemaRefs>
-    <ds:schemaRef ds:uri="http://schemas.microsoft.com/VisualStudio/2011/storyboarding/control"/>
-  </ds:schemaRefs>
-</ds:datastoreItem>
-</file>
-
-<file path=customXml/itemProps39.xml><?xml version="1.0" encoding="utf-8"?>
-<ds:datastoreItem xmlns:ds="http://schemas.openxmlformats.org/officeDocument/2006/customXml" ds:itemID="{3CA129FD-546A-43EE-9DAA-C222F9A6D459}">
-  <ds:schemaRefs>
-    <ds:schemaRef ds:uri="http://schemas.microsoft.com/VisualStudio/2011/storyboarding/control"/>
-  </ds:schemaRefs>
-</ds:datastoreItem>
-</file>
-
-<file path=customXml/itemProps4.xml><?xml version="1.0" encoding="utf-8"?>
-<ds:datastoreItem xmlns:ds="http://schemas.openxmlformats.org/officeDocument/2006/customXml" ds:itemID="{1301F42E-23AE-4BB5-BB6D-29FD293B76DF}">
-  <ds:schemaRefs>
-    <ds:schemaRef ds:uri="http://schemas.microsoft.com/VisualStudio/2011/storyboarding/control"/>
-  </ds:schemaRefs>
-</ds:datastoreItem>
-</file>
-
-<file path=customXml/itemProps40.xml><?xml version="1.0" encoding="utf-8"?>
-<ds:datastoreItem xmlns:ds="http://schemas.openxmlformats.org/officeDocument/2006/customXml" ds:itemID="{527C3E9C-D62B-4699-85A9-9413C9DD9BC5}">
-  <ds:schemaRefs>
-    <ds:schemaRef ds:uri="http://schemas.microsoft.com/VisualStudio/2011/storyboarding/control"/>
-  </ds:schemaRefs>
-</ds:datastoreItem>
-</file>
-
-<file path=customXml/itemProps41.xml><?xml version="1.0" encoding="utf-8"?>
-<ds:datastoreItem xmlns:ds="http://schemas.openxmlformats.org/officeDocument/2006/customXml" ds:itemID="{C5E6CDB8-670B-400A-AC9F-91E6E7D86956}">
-  <ds:schemaRefs>
-    <ds:schemaRef ds:uri="http://schemas.microsoft.com/VisualStudio/2011/storyboarding/control"/>
-  </ds:schemaRefs>
-</ds:datastoreItem>
-</file>
-
-<file path=customXml/itemProps42.xml><?xml version="1.0" encoding="utf-8"?>
-<ds:datastoreItem xmlns:ds="http://schemas.openxmlformats.org/officeDocument/2006/customXml" ds:itemID="{920F0ACA-3000-46A4-9BBB-C4F8CA557257}">
-  <ds:schemaRefs>
-    <ds:schemaRef ds:uri="http://schemas.microsoft.com/VisualStudio/2011/storyboarding/control"/>
-  </ds:schemaRefs>
-</ds:datastoreItem>
-</file>
-
-<file path=customXml/itemProps43.xml><?xml version="1.0" encoding="utf-8"?>
-<ds:datastoreItem xmlns:ds="http://schemas.openxmlformats.org/officeDocument/2006/customXml" ds:itemID="{251F3046-B88A-4F82-8B14-8C54BF15F0D9}">
-  <ds:schemaRefs>
-    <ds:schemaRef ds:uri="http://schemas.microsoft.com/VisualStudio/2011/storyboarding/control"/>
-  </ds:schemaRefs>
-</ds:datastoreItem>
-</file>
-
-<file path=customXml/itemProps44.xml><?xml version="1.0" encoding="utf-8"?>
-<ds:datastoreItem xmlns:ds="http://schemas.openxmlformats.org/officeDocument/2006/customXml" ds:itemID="{0631F244-31FA-4E40-B8F6-56C394B1D2E3}">
-  <ds:schemaRefs>
-    <ds:schemaRef ds:uri="http://schemas.microsoft.com/VisualStudio/2011/storyboarding/control"/>
-  </ds:schemaRefs>
-</ds:datastoreItem>
-</file>
-
-<file path=customXml/itemProps45.xml><?xml version="1.0" encoding="utf-8"?>
-<ds:datastoreItem xmlns:ds="http://schemas.openxmlformats.org/officeDocument/2006/customXml" ds:itemID="{1198CE49-0D6E-4BE9-8DF6-557F3AFB8398}">
-  <ds:schemaRefs>
-    <ds:schemaRef ds:uri="http://schemas.microsoft.com/VisualStudio/2011/storyboarding/control"/>
-  </ds:schemaRefs>
-</ds:datastoreItem>
-</file>
-
-<file path=customXml/itemProps46.xml><?xml version="1.0" encoding="utf-8"?>
-<ds:datastoreItem xmlns:ds="http://schemas.openxmlformats.org/officeDocument/2006/customXml" ds:itemID="{A5174481-2701-47B2-B4DF-EFA95D3726E1}">
-  <ds:schemaRefs>
-    <ds:schemaRef ds:uri="http://schemas.microsoft.com/VisualStudio/2011/storyboarding/control"/>
-  </ds:schemaRefs>
-</ds:datastoreItem>
-</file>
-
-<file path=customXml/itemProps47.xml><?xml version="1.0" encoding="utf-8"?>
-<ds:datastoreItem xmlns:ds="http://schemas.openxmlformats.org/officeDocument/2006/customXml" ds:itemID="{863727DF-AA28-489E-A016-3593432CB1D0}">
-  <ds:schemaRefs>
-    <ds:schemaRef ds:uri="http://schemas.microsoft.com/VisualStudio/2011/storyboarding/control"/>
-  </ds:schemaRefs>
-</ds:datastoreItem>
-</file>
-
-<file path=customXml/itemProps48.xml><?xml version="1.0" encoding="utf-8"?>
-<ds:datastoreItem xmlns:ds="http://schemas.openxmlformats.org/officeDocument/2006/customXml" ds:itemID="{1078AE92-34B6-42D0-8CF1-A24C42CD21E3}">
-  <ds:schemaRefs>
-    <ds:schemaRef ds:uri="http://schemas.microsoft.com/VisualStudio/2011/storyboarding/control"/>
-  </ds:schemaRefs>
-</ds:datastoreItem>
-</file>
-
-<file path=customXml/itemProps49.xml><?xml version="1.0" encoding="utf-8"?>
-<ds:datastoreItem xmlns:ds="http://schemas.openxmlformats.org/officeDocument/2006/customXml" ds:itemID="{E006778C-5384-49A1-9D63-F47FD2E26BD3}">
-  <ds:schemaRefs>
-    <ds:schemaRef ds:uri="http://schemas.microsoft.com/VisualStudio/2011/storyboarding/control"/>
-  </ds:schemaRefs>
-</ds:datastoreItem>
-</file>
-
-<file path=customXml/itemProps5.xml><?xml version="1.0" encoding="utf-8"?>
-<ds:datastoreItem xmlns:ds="http://schemas.openxmlformats.org/officeDocument/2006/customXml" ds:itemID="{2CB4371B-566E-4D5F-AFBA-05E194458CF0}">
-  <ds:schemaRefs>
-    <ds:schemaRef ds:uri="http://schemas.microsoft.com/VisualStudio/2011/storyboarding/control"/>
-  </ds:schemaRefs>
-</ds:datastoreItem>
-</file>
-
-<file path=customXml/itemProps50.xml><?xml version="1.0" encoding="utf-8"?>
-<ds:datastoreItem xmlns:ds="http://schemas.openxmlformats.org/officeDocument/2006/customXml" ds:itemID="{F79D85F2-5846-4BDE-A11F-3FD99B51C9B3}">
-  <ds:schemaRefs>
-    <ds:schemaRef ds:uri="http://schemas.microsoft.com/VisualStudio/2011/storyboarding/control"/>
-  </ds:schemaRefs>
-</ds:datastoreItem>
-</file>
-
-<file path=customXml/itemProps51.xml><?xml version="1.0" encoding="utf-8"?>
-<ds:datastoreItem xmlns:ds="http://schemas.openxmlformats.org/officeDocument/2006/customXml" ds:itemID="{2E32A29A-D6DF-475C-8E31-D7C4AAA06706}">
-  <ds:schemaRefs>
-    <ds:schemaRef ds:uri="http://schemas.microsoft.com/VisualStudio/2011/storyboarding/control"/>
-  </ds:schemaRefs>
-</ds:datastoreItem>
-</file>
-
-<file path=customXml/itemProps52.xml><?xml version="1.0" encoding="utf-8"?>
-<ds:datastoreItem xmlns:ds="http://schemas.openxmlformats.org/officeDocument/2006/customXml" ds:itemID="{52992253-1143-414F-800B-506DEA1D474B}">
-  <ds:schemaRefs>
-    <ds:schemaRef ds:uri="http://schemas.microsoft.com/VisualStudio/2011/storyboarding/control"/>
-  </ds:schemaRefs>
-</ds:datastoreItem>
-</file>
-
-<file path=customXml/itemProps53.xml><?xml version="1.0" encoding="utf-8"?>
-<ds:datastoreItem xmlns:ds="http://schemas.openxmlformats.org/officeDocument/2006/customXml" ds:itemID="{B86FC14E-608D-4408-A64C-21E6AEE90D98}">
-  <ds:schemaRefs>
-    <ds:schemaRef ds:uri="http://schemas.microsoft.com/VisualStudio/2011/storyboarding/control"/>
-  </ds:schemaRefs>
-</ds:datastoreItem>
-</file>
-
-<file path=customXml/itemProps54.xml><?xml version="1.0" encoding="utf-8"?>
-<ds:datastoreItem xmlns:ds="http://schemas.openxmlformats.org/officeDocument/2006/customXml" ds:itemID="{C8E8655C-FECF-4FB5-A478-B5250C94506A}">
-  <ds:schemaRefs>
-    <ds:schemaRef ds:uri="http://schemas.microsoft.com/VisualStudio/2011/storyboarding/control"/>
-  </ds:schemaRefs>
-</ds:datastoreItem>
-</file>
-
-<file path=customXml/itemProps55.xml><?xml version="1.0" encoding="utf-8"?>
-<ds:datastoreItem xmlns:ds="http://schemas.openxmlformats.org/officeDocument/2006/customXml" ds:itemID="{618BD6AF-36D2-4CA8-8F4F-4097CCBA2176}">
-  <ds:schemaRefs>
-    <ds:schemaRef ds:uri="http://schemas.microsoft.com/VisualStudio/2011/storyboarding/control"/>
-  </ds:schemaRefs>
-</ds:datastoreItem>
-</file>
-
-<file path=customXml/itemProps56.xml><?xml version="1.0" encoding="utf-8"?>
-<ds:datastoreItem xmlns:ds="http://schemas.openxmlformats.org/officeDocument/2006/customXml" ds:itemID="{7A680396-2481-4322-AD74-05B79CD7E48B}">
-  <ds:schemaRefs>
-    <ds:schemaRef ds:uri="http://schemas.microsoft.com/VisualStudio/2011/storyboarding/control"/>
-  </ds:schemaRefs>
-</ds:datastoreItem>
-</file>
-
-<file path=customXml/itemProps57.xml><?xml version="1.0" encoding="utf-8"?>
-<ds:datastoreItem xmlns:ds="http://schemas.openxmlformats.org/officeDocument/2006/customXml" ds:itemID="{4FA683D7-7A0E-41CA-9AC6-79B9EB748600}">
-  <ds:schemaRefs>
-    <ds:schemaRef ds:uri="http://schemas.microsoft.com/VisualStudio/2011/storyboarding/control"/>
-  </ds:schemaRefs>
-</ds:datastoreItem>
-</file>
-
-<file path=customXml/itemProps6.xml><?xml version="1.0" encoding="utf-8"?>
-<ds:datastoreItem xmlns:ds="http://schemas.openxmlformats.org/officeDocument/2006/customXml" ds:itemID="{D701FB6D-E86A-414D-B760-E5A9AFB9A65B}">
-  <ds:schemaRefs>
-    <ds:schemaRef ds:uri="http://schemas.microsoft.com/VisualStudio/2011/storyboarding/control"/>
-  </ds:schemaRefs>
-</ds:datastoreItem>
-</file>
-
-<file path=customXml/itemProps7.xml><?xml version="1.0" encoding="utf-8"?>
-<ds:datastoreItem xmlns:ds="http://schemas.openxmlformats.org/officeDocument/2006/customXml" ds:itemID="{4065E285-AE90-4D98-9EEF-242FC453ACCE}">
-  <ds:schemaRefs>
-    <ds:schemaRef ds:uri="http://schemas.microsoft.com/VisualStudio/2011/storyboarding/control"/>
-  </ds:schemaRefs>
-</ds:datastoreItem>
-</file>
-
-<file path=customXml/itemProps8.xml><?xml version="1.0" encoding="utf-8"?>
-<ds:datastoreItem xmlns:ds="http://schemas.openxmlformats.org/officeDocument/2006/customXml" ds:itemID="{3AD1868A-2EA8-4C8D-819F-5B463CD94938}">
-  <ds:schemaRefs>
-    <ds:schemaRef ds:uri="http://schemas.microsoft.com/VisualStudio/2011/storyboarding/control"/>
-  </ds:schemaRefs>
-</ds:datastoreItem>
-</file>
-
-<file path=customXml/itemProps9.xml><?xml version="1.0" encoding="utf-8"?>
-<ds:datastoreItem xmlns:ds="http://schemas.openxmlformats.org/officeDocument/2006/customXml" ds:itemID="{A159FDDE-AEDE-41B9-A157-3A1084EAFE08}">
-  <ds:schemaRefs>
-    <ds:schemaRef ds:uri="http://schemas.microsoft.com/VisualStudio/2011/storyboarding/control"/>
-  </ds:schemaRefs>
-</ds:datastoreItem>
 </file>